--- a/doc/DAL Java Client.pptx
+++ b/doc/DAL Java Client.pptx
@@ -49,9 +49,17 @@
     <p:sldId id="288" r:id="rId43"/>
     <p:sldId id="289" r:id="rId44"/>
     <p:sldId id="290" r:id="rId45"/>
-    <p:sldId id="265" r:id="rId46"/>
-    <p:sldId id="301" r:id="rId47"/>
-    <p:sldId id="302" r:id="rId48"/>
+    <p:sldId id="309" r:id="rId46"/>
+    <p:sldId id="312" r:id="rId47"/>
+    <p:sldId id="310" r:id="rId48"/>
+    <p:sldId id="311" r:id="rId49"/>
+    <p:sldId id="313" r:id="rId50"/>
+    <p:sldId id="314" r:id="rId51"/>
+    <p:sldId id="315" r:id="rId52"/>
+    <p:sldId id="316" r:id="rId53"/>
+    <p:sldId id="265" r:id="rId54"/>
+    <p:sldId id="301" r:id="rId55"/>
+    <p:sldId id="302" r:id="rId56"/>
   </p:sldIdLst>
   <p:sldSz cx="12192000" cy="6858000"/>
   <p:notesSz cx="6858000" cy="9144000"/>
@@ -301,7 +309,7 @@
           <a:p>
             <a:fld id="{2F7440E0-FF00-4D7B-AF8F-FC7E2DECF316}" type="datetimeFigureOut">
               <a:rPr lang="zh-CN" altLang="en-US" smtClean="0"/>
-              <a:t>2018/5/31</a:t>
+              <a:t>2018/6/30</a:t>
             </a:fld>
             <a:endParaRPr lang="zh-CN" altLang="en-US"/>
           </a:p>
@@ -471,7 +479,7 @@
           <a:p>
             <a:fld id="{2F7440E0-FF00-4D7B-AF8F-FC7E2DECF316}" type="datetimeFigureOut">
               <a:rPr lang="zh-CN" altLang="en-US" smtClean="0"/>
-              <a:t>2018/5/31</a:t>
+              <a:t>2018/6/30</a:t>
             </a:fld>
             <a:endParaRPr lang="zh-CN" altLang="en-US"/>
           </a:p>
@@ -651,7 +659,7 @@
           <a:p>
             <a:fld id="{2F7440E0-FF00-4D7B-AF8F-FC7E2DECF316}" type="datetimeFigureOut">
               <a:rPr lang="zh-CN" altLang="en-US" smtClean="0"/>
-              <a:t>2018/5/31</a:t>
+              <a:t>2018/6/30</a:t>
             </a:fld>
             <a:endParaRPr lang="zh-CN" altLang="en-US"/>
           </a:p>
@@ -821,7 +829,7 @@
           <a:p>
             <a:fld id="{2F7440E0-FF00-4D7B-AF8F-FC7E2DECF316}" type="datetimeFigureOut">
               <a:rPr lang="zh-CN" altLang="en-US" smtClean="0"/>
-              <a:t>2018/5/31</a:t>
+              <a:t>2018/6/30</a:t>
             </a:fld>
             <a:endParaRPr lang="zh-CN" altLang="en-US"/>
           </a:p>
@@ -1067,7 +1075,7 @@
           <a:p>
             <a:fld id="{2F7440E0-FF00-4D7B-AF8F-FC7E2DECF316}" type="datetimeFigureOut">
               <a:rPr lang="zh-CN" altLang="en-US" smtClean="0"/>
-              <a:t>2018/5/31</a:t>
+              <a:t>2018/6/30</a:t>
             </a:fld>
             <a:endParaRPr lang="zh-CN" altLang="en-US"/>
           </a:p>
@@ -1299,7 +1307,7 @@
           <a:p>
             <a:fld id="{2F7440E0-FF00-4D7B-AF8F-FC7E2DECF316}" type="datetimeFigureOut">
               <a:rPr lang="zh-CN" altLang="en-US" smtClean="0"/>
-              <a:t>2018/5/31</a:t>
+              <a:t>2018/6/30</a:t>
             </a:fld>
             <a:endParaRPr lang="zh-CN" altLang="en-US"/>
           </a:p>
@@ -1666,7 +1674,7 @@
           <a:p>
             <a:fld id="{2F7440E0-FF00-4D7B-AF8F-FC7E2DECF316}" type="datetimeFigureOut">
               <a:rPr lang="zh-CN" altLang="en-US" smtClean="0"/>
-              <a:t>2018/5/31</a:t>
+              <a:t>2018/6/30</a:t>
             </a:fld>
             <a:endParaRPr lang="zh-CN" altLang="en-US"/>
           </a:p>
@@ -1784,7 +1792,7 @@
           <a:p>
             <a:fld id="{2F7440E0-FF00-4D7B-AF8F-FC7E2DECF316}" type="datetimeFigureOut">
               <a:rPr lang="zh-CN" altLang="en-US" smtClean="0"/>
-              <a:t>2018/5/31</a:t>
+              <a:t>2018/6/30</a:t>
             </a:fld>
             <a:endParaRPr lang="zh-CN" altLang="en-US"/>
           </a:p>
@@ -1879,7 +1887,7 @@
           <a:p>
             <a:fld id="{2F7440E0-FF00-4D7B-AF8F-FC7E2DECF316}" type="datetimeFigureOut">
               <a:rPr lang="zh-CN" altLang="en-US" smtClean="0"/>
-              <a:t>2018/5/31</a:t>
+              <a:t>2018/6/30</a:t>
             </a:fld>
             <a:endParaRPr lang="zh-CN" altLang="en-US"/>
           </a:p>
@@ -2156,7 +2164,7 @@
           <a:p>
             <a:fld id="{2F7440E0-FF00-4D7B-AF8F-FC7E2DECF316}" type="datetimeFigureOut">
               <a:rPr lang="zh-CN" altLang="en-US" smtClean="0"/>
-              <a:t>2018/5/31</a:t>
+              <a:t>2018/6/30</a:t>
             </a:fld>
             <a:endParaRPr lang="zh-CN" altLang="en-US"/>
           </a:p>
@@ -2409,7 +2417,7 @@
           <a:p>
             <a:fld id="{2F7440E0-FF00-4D7B-AF8F-FC7E2DECF316}" type="datetimeFigureOut">
               <a:rPr lang="zh-CN" altLang="en-US" smtClean="0"/>
-              <a:t>2018/5/31</a:t>
+              <a:t>2018/6/30</a:t>
             </a:fld>
             <a:endParaRPr lang="zh-CN" altLang="en-US"/>
           </a:p>
@@ -2622,7 +2630,7 @@
           <a:p>
             <a:fld id="{2F7440E0-FF00-4D7B-AF8F-FC7E2DECF316}" type="datetimeFigureOut">
               <a:rPr lang="zh-CN" altLang="en-US" smtClean="0"/>
-              <a:t>2018/5/31</a:t>
+              <a:t>2018/6/30</a:t>
             </a:fld>
             <a:endParaRPr lang="zh-CN" altLang="en-US"/>
           </a:p>
@@ -5809,486 +5817,26 @@
               <a:t>keyname</a:t>
             </a:r>
             <a:r>
-              <a:rPr lang="en-US" altLang="zh-CN" sz="1600" dirty="0"/>
-              <a:t>.</a:t>
-            </a:r>
-            <a:endParaRPr lang="en-US" altLang="zh-CN" sz="1600" dirty="0" smtClean="0"/>
-          </a:p>
-          <a:p>
-            <a:pPr marL="0" indent="0">
-              <a:buNone/>
-            </a:pPr>
-            <a:endParaRPr lang="en-US" altLang="zh-CN" sz="2000" dirty="0" smtClean="0"/>
-          </a:p>
-        </p:txBody>
-      </p:sp>
-      <p:sp>
-        <p:nvSpPr>
-          <p:cNvPr id="4" name="动作按钮: 第一张 3">
-            <a:hlinkClick r:id="rId2" action="ppaction://hlinksldjump" highlightClick="1"/>
-          </p:cNvPr>
-          <p:cNvSpPr/>
-          <p:nvPr/>
-        </p:nvSpPr>
-        <p:spPr>
-          <a:xfrm>
-            <a:off x="10885842" y="5832718"/>
-            <a:ext cx="935915" cy="688489"/>
-          </a:xfrm>
-          <a:prstGeom prst="actionButtonHome">
-            <a:avLst/>
-          </a:prstGeom>
-          <a:solidFill>
-            <a:schemeClr val="accent3">
-              <a:lumMod val="60000"/>
-              <a:lumOff val="40000"/>
-            </a:schemeClr>
-          </a:solidFill>
-          <a:ln>
-            <a:noFill/>
-          </a:ln>
-          <a:effectLst>
-            <a:outerShdw blurRad="190500" dist="228600" dir="2700000" algn="ctr">
-              <a:srgbClr val="000000">
-                <a:alpha val="30000"/>
-              </a:srgbClr>
-            </a:outerShdw>
-          </a:effectLst>
-          <a:scene3d>
-            <a:camera prst="orthographicFront">
-              <a:rot lat="0" lon="0" rev="0"/>
-            </a:camera>
-            <a:lightRig rig="glow" dir="t">
-              <a:rot lat="0" lon="0" rev="4800000"/>
-            </a:lightRig>
-          </a:scene3d>
-          <a:sp3d prstMaterial="matte">
-            <a:bevelT w="127000" h="63500"/>
-          </a:sp3d>
-        </p:spPr>
-        <p:style>
-          <a:lnRef idx="2">
-            <a:schemeClr val="dk1">
-              <a:shade val="50000"/>
-            </a:schemeClr>
-          </a:lnRef>
-          <a:fillRef idx="1">
-            <a:schemeClr val="dk1"/>
-          </a:fillRef>
-          <a:effectRef idx="0">
-            <a:schemeClr val="dk1"/>
-          </a:effectRef>
-          <a:fontRef idx="minor">
-            <a:schemeClr val="lt1"/>
-          </a:fontRef>
-        </p:style>
-        <p:txBody>
-          <a:bodyPr rtlCol="0" anchor="ctr"/>
-          <a:lstStyle/>
-          <a:p>
-            <a:pPr algn="ctr"/>
-            <a:endParaRPr lang="zh-CN" altLang="en-US" dirty="0"/>
-          </a:p>
-        </p:txBody>
-      </p:sp>
-    </p:spTree>
-    <p:extLst>
-      <p:ext uri="{BB962C8B-B14F-4D97-AF65-F5344CB8AC3E}">
-        <p14:creationId xmlns:p14="http://schemas.microsoft.com/office/powerpoint/2010/main" val="4110824668"/>
-      </p:ext>
-    </p:extLst>
-  </p:cSld>
-  <p:clrMapOvr>
-    <a:masterClrMapping/>
-  </p:clrMapOvr>
-  <p:timing>
-    <p:tnLst>
-      <p:par>
-        <p:cTn id="1" dur="indefinite" restart="never" nodeType="tmRoot"/>
-      </p:par>
-    </p:tnLst>
-  </p:timing>
-</p:sld>
-</file>
-
-<file path=ppt/slides/slide12.xml><?xml version="1.0" encoding="utf-8"?>
-<p:sld xmlns:a="http://schemas.openxmlformats.org/drawingml/2006/main" xmlns:r="http://schemas.openxmlformats.org/officeDocument/2006/relationships" xmlns:p="http://schemas.openxmlformats.org/presentationml/2006/main">
-  <p:cSld>
-    <p:spTree>
-      <p:nvGrpSpPr>
-        <p:cNvPr id="1" name=""/>
-        <p:cNvGrpSpPr/>
-        <p:nvPr/>
-      </p:nvGrpSpPr>
-      <p:grpSpPr>
-        <a:xfrm>
-          <a:off x="0" y="0"/>
-          <a:ext cx="0" cy="0"/>
-          <a:chOff x="0" y="0"/>
-          <a:chExt cx="0" cy="0"/>
-        </a:xfrm>
-      </p:grpSpPr>
-      <p:sp>
-        <p:nvSpPr>
-          <p:cNvPr id="2" name="标题 1"/>
-          <p:cNvSpPr>
-            <a:spLocks noGrp="1"/>
-          </p:cNvSpPr>
-          <p:nvPr>
-            <p:ph type="title"/>
-          </p:nvPr>
-        </p:nvSpPr>
-        <p:spPr/>
-        <p:txBody>
-          <a:bodyPr/>
-          <a:lstStyle/>
-          <a:p>
-            <a:r>
-              <a:rPr lang="en-US" altLang="zh-CN" dirty="0" smtClean="0"/>
-              <a:t>Dal</a:t>
-            </a:r>
-            <a:r>
-              <a:rPr lang="zh-CN" altLang="en-US" dirty="0" smtClean="0"/>
-              <a:t>框架</a:t>
-            </a:r>
-            <a:r>
-              <a:rPr lang="en-US" altLang="zh-CN" dirty="0" smtClean="0"/>
-              <a:t>-</a:t>
-            </a:r>
-            <a:r>
-              <a:rPr lang="zh-CN" altLang="en-US" dirty="0" smtClean="0"/>
-              <a:t>配置</a:t>
-            </a:r>
-            <a:r>
-              <a:rPr lang="en-US" altLang="zh-CN" dirty="0" smtClean="0"/>
-              <a:t>-</a:t>
-            </a:r>
-            <a:r>
-              <a:rPr lang="en-US" altLang="zh-CN" dirty="0" err="1" smtClean="0"/>
-              <a:t>Dal.config</a:t>
-            </a:r>
-            <a:endParaRPr lang="zh-CN" altLang="en-US" dirty="0"/>
-          </a:p>
-        </p:txBody>
-      </p:sp>
-      <p:sp>
-        <p:nvSpPr>
-          <p:cNvPr id="3" name="内容占位符 2"/>
-          <p:cNvSpPr>
-            <a:spLocks noGrp="1"/>
-          </p:cNvSpPr>
-          <p:nvPr>
-            <p:ph idx="1"/>
-          </p:nvPr>
-        </p:nvSpPr>
-        <p:spPr/>
-        <p:txBody>
-          <a:bodyPr>
-            <a:normAutofit/>
-          </a:bodyPr>
-          <a:lstStyle/>
-          <a:p>
-            <a:pPr marL="0" indent="0">
-              <a:buNone/>
-            </a:pPr>
-            <a:r>
-              <a:rPr lang="zh-CN" altLang="en-US" sz="2000" dirty="0" smtClean="0"/>
-              <a:t>（</a:t>
-            </a:r>
-            <a:r>
-              <a:rPr lang="en-US" altLang="zh-CN" sz="2000" dirty="0" smtClean="0"/>
-              <a:t>2</a:t>
-            </a:r>
-            <a:r>
-              <a:rPr lang="zh-CN" altLang="en-US" sz="2000" dirty="0" smtClean="0"/>
-              <a:t>）</a:t>
-            </a:r>
-            <a:r>
-              <a:rPr lang="en-US" altLang="zh-CN" sz="2000" dirty="0" smtClean="0"/>
-              <a:t>dal</a:t>
-            </a:r>
-            <a:r>
-              <a:rPr lang="zh-CN" altLang="en-US" sz="2000" dirty="0" smtClean="0"/>
-              <a:t>组件配置</a:t>
-            </a:r>
-            <a:endParaRPr lang="en-US" altLang="zh-CN" sz="2000" dirty="0" smtClean="0"/>
-          </a:p>
-          <a:p>
-            <a:pPr>
-              <a:buFont typeface="Wingdings" panose="05000000000000000000" pitchFamily="2" charset="2"/>
-              <a:buChar char="Ø"/>
-            </a:pPr>
-            <a:r>
-              <a:rPr lang="en-US" altLang="zh-CN" sz="1400" dirty="0" err="1"/>
-              <a:t>DalLogger</a:t>
-            </a:r>
-            <a:r>
-              <a:rPr lang="zh-CN" altLang="en-US" sz="1400" dirty="0"/>
-              <a:t>。记录</a:t>
-            </a:r>
-            <a:r>
-              <a:rPr lang="en-US" altLang="zh-CN" sz="1400" dirty="0"/>
-              <a:t>DAL</a:t>
-            </a:r>
-            <a:r>
-              <a:rPr lang="zh-CN" altLang="en-US" sz="1400" dirty="0"/>
-              <a:t>运行时相关信息。</a:t>
-            </a:r>
-          </a:p>
-          <a:p>
-            <a:pPr>
-              <a:buFont typeface="Wingdings" panose="05000000000000000000" pitchFamily="2" charset="2"/>
-              <a:buChar char="Ø"/>
-            </a:pPr>
-            <a:r>
-              <a:rPr lang="en-US" altLang="zh-CN" sz="1400" dirty="0" err="1"/>
-              <a:t>DalTaskFactory</a:t>
-            </a:r>
-            <a:r>
-              <a:rPr lang="zh-CN" altLang="en-US" sz="1400" dirty="0"/>
-              <a:t>。细化</a:t>
-            </a:r>
-            <a:r>
-              <a:rPr lang="en-US" altLang="zh-CN" sz="1400" dirty="0"/>
-              <a:t>CUD</a:t>
-            </a:r>
-            <a:r>
-              <a:rPr lang="zh-CN" altLang="en-US" sz="1400" dirty="0"/>
-              <a:t>操作对应的逻辑。</a:t>
-            </a:r>
-          </a:p>
-          <a:p>
-            <a:pPr>
-              <a:buFont typeface="Wingdings" panose="05000000000000000000" pitchFamily="2" charset="2"/>
-              <a:buChar char="Ø"/>
-            </a:pPr>
-            <a:r>
-              <a:rPr lang="en-US" altLang="zh-CN" sz="1400" dirty="0" err="1"/>
-              <a:t>DalConnectionLocator</a:t>
-            </a:r>
-            <a:r>
-              <a:rPr lang="zh-CN" altLang="en-US" sz="1400" dirty="0"/>
-              <a:t>。按照实际数据库标识获得连接</a:t>
-            </a:r>
-            <a:r>
-              <a:rPr lang="zh-CN" altLang="en-US" sz="1400" dirty="0" smtClean="0"/>
-              <a:t>。</a:t>
-            </a:r>
-            <a:endParaRPr lang="en-US" altLang="zh-CN" sz="1400" dirty="0" smtClean="0"/>
-          </a:p>
-          <a:p>
-            <a:pPr marL="0" indent="0">
-              <a:buNone/>
-            </a:pPr>
-            <a:r>
-              <a:rPr lang="zh-CN" altLang="en-US" sz="1400" i="1" dirty="0" smtClean="0">
-                <a:solidFill>
-                  <a:srgbClr val="FF0000"/>
-                </a:solidFill>
-              </a:rPr>
-              <a:t>注意：</a:t>
-            </a:r>
-            <a:r>
-              <a:rPr lang="en-US" altLang="zh-CN" sz="1400" i="1" dirty="0" err="1" smtClean="0">
-                <a:solidFill>
-                  <a:srgbClr val="FF0000"/>
-                </a:solidFill>
-              </a:rPr>
-              <a:t>dal.config</a:t>
-            </a:r>
-            <a:r>
-              <a:rPr lang="zh-CN" altLang="en-US" sz="1400" i="1" dirty="0" smtClean="0">
-                <a:solidFill>
-                  <a:srgbClr val="FF0000"/>
-                </a:solidFill>
-              </a:rPr>
-              <a:t>可由代码生成器生成，其中</a:t>
-            </a:r>
-            <a:r>
-              <a:rPr lang="en-US" altLang="zh-CN" sz="1400" i="1" dirty="0" smtClean="0">
-                <a:solidFill>
-                  <a:srgbClr val="FF0000"/>
-                </a:solidFill>
-              </a:rPr>
-              <a:t>dal</a:t>
-            </a:r>
-            <a:r>
-              <a:rPr lang="zh-CN" altLang="en-US" sz="1400" i="1" dirty="0" smtClean="0">
-                <a:solidFill>
-                  <a:srgbClr val="FF0000"/>
-                </a:solidFill>
-              </a:rPr>
-              <a:t>组件配置可以直接使用，无需修改</a:t>
-            </a:r>
-            <a:endParaRPr lang="en-US" altLang="zh-CN" sz="1400" i="1" dirty="0">
-              <a:solidFill>
-                <a:srgbClr val="FF0000"/>
-              </a:solidFill>
-            </a:endParaRPr>
-          </a:p>
-          <a:p>
-            <a:pPr marL="0" indent="0">
-              <a:buNone/>
-            </a:pPr>
-            <a:r>
-              <a:rPr lang="en-US" altLang="zh-CN" sz="2400" b="1" dirty="0" smtClean="0"/>
-              <a:t>2</a:t>
-            </a:r>
-            <a:r>
-              <a:rPr lang="zh-CN" altLang="en-US" sz="2400" b="1" dirty="0" smtClean="0"/>
-              <a:t>、位置：</a:t>
-            </a:r>
-            <a:endParaRPr lang="en-US" altLang="zh-CN" sz="2400" b="1" dirty="0" smtClean="0"/>
-          </a:p>
-          <a:p>
-            <a:pPr>
-              <a:buFont typeface="Wingdings" panose="05000000000000000000" pitchFamily="2" charset="2"/>
-              <a:buChar char="Ø"/>
-            </a:pPr>
-            <a:r>
-              <a:rPr lang="zh-CN" altLang="en-US" sz="1400" dirty="0" smtClean="0"/>
-              <a:t>项目</a:t>
-            </a:r>
-            <a:r>
-              <a:rPr lang="en-US" altLang="zh-CN" sz="1400" dirty="0" err="1" smtClean="0"/>
-              <a:t>classpath</a:t>
-            </a:r>
-            <a:r>
-              <a:rPr lang="zh-CN" altLang="en-US" sz="1400" dirty="0" smtClean="0"/>
-              <a:t>下</a:t>
-            </a:r>
-            <a:endParaRPr lang="en-US" altLang="zh-CN" sz="1400" dirty="0" smtClean="0"/>
-          </a:p>
-          <a:p>
-            <a:pPr>
-              <a:buFont typeface="Wingdings" panose="05000000000000000000" pitchFamily="2" charset="2"/>
-              <a:buChar char="Ø"/>
-            </a:pPr>
-            <a:r>
-              <a:rPr lang="en-US" altLang="zh-CN" sz="1400" dirty="0" err="1" smtClean="0"/>
-              <a:t>qconfig</a:t>
-            </a:r>
-            <a:r>
-              <a:rPr lang="zh-CN" altLang="en-US" sz="1400" dirty="0" smtClean="0"/>
-              <a:t>应用对应环境下</a:t>
-            </a:r>
-            <a:endParaRPr lang="en-US" altLang="zh-CN" sz="1400" dirty="0" smtClean="0"/>
-          </a:p>
-          <a:p>
-            <a:pPr marL="0" indent="0">
-              <a:buNone/>
-            </a:pPr>
-            <a:r>
-              <a:rPr lang="zh-CN" altLang="en-US" sz="1400" i="1" dirty="0">
-                <a:solidFill>
-                  <a:srgbClr val="FF0000"/>
-                </a:solidFill>
-              </a:rPr>
-              <a:t>注意</a:t>
-            </a:r>
-            <a:r>
-              <a:rPr lang="zh-CN" altLang="en-US" sz="1400" i="1" dirty="0" smtClean="0">
-                <a:solidFill>
-                  <a:srgbClr val="FF0000"/>
-                </a:solidFill>
-              </a:rPr>
-              <a:t>：优先读取</a:t>
-            </a:r>
-            <a:r>
-              <a:rPr lang="en-US" altLang="zh-CN" sz="1400" i="1" dirty="0" err="1" smtClean="0">
-                <a:solidFill>
-                  <a:srgbClr val="FF0000"/>
-                </a:solidFill>
-              </a:rPr>
-              <a:t>classpath</a:t>
-            </a:r>
-            <a:r>
-              <a:rPr lang="zh-CN" altLang="en-US" sz="1400" i="1" dirty="0" smtClean="0">
-                <a:solidFill>
-                  <a:srgbClr val="FF0000"/>
-                </a:solidFill>
-              </a:rPr>
-              <a:t>，如果没有再去</a:t>
-            </a:r>
-            <a:r>
-              <a:rPr lang="en-US" altLang="zh-CN" sz="1400" i="1" dirty="0" err="1" smtClean="0">
-                <a:solidFill>
-                  <a:srgbClr val="FF0000"/>
-                </a:solidFill>
-              </a:rPr>
-              <a:t>Qconfig</a:t>
-            </a:r>
-            <a:r>
-              <a:rPr lang="zh-CN" altLang="en-US" sz="1400" i="1" dirty="0" smtClean="0">
-                <a:solidFill>
-                  <a:srgbClr val="FF0000"/>
-                </a:solidFill>
-              </a:rPr>
-              <a:t>读取，都没有的话报错</a:t>
-            </a:r>
-            <a:endParaRPr lang="en-US" altLang="zh-CN" sz="1400" i="1" dirty="0" smtClean="0">
-              <a:solidFill>
-                <a:srgbClr val="FF0000"/>
-              </a:solidFill>
-            </a:endParaRPr>
-          </a:p>
-          <a:p>
-            <a:pPr marL="0" indent="0">
-              <a:buNone/>
-            </a:pPr>
-            <a:r>
-              <a:rPr lang="en-US" altLang="zh-CN" sz="2400" b="1" dirty="0"/>
-              <a:t>3</a:t>
-            </a:r>
-            <a:r>
-              <a:rPr lang="zh-CN" altLang="en-US" sz="2400" b="1" dirty="0"/>
-              <a:t>、参考链接</a:t>
-            </a:r>
-            <a:r>
-              <a:rPr lang="zh-CN" altLang="en-US" sz="2400" b="1" dirty="0" smtClean="0"/>
-              <a:t>：</a:t>
-            </a:r>
-            <a:r>
-              <a:rPr lang="en-US" altLang="zh-CN" sz="2400" dirty="0" smtClean="0">
+              <a:rPr lang="en-US" altLang="zh-CN" sz="1600" dirty="0" smtClean="0"/>
+              <a:t>, </a:t>
+            </a:r>
+            <a:r>
+              <a:rPr lang="zh-CN" altLang="en-US" sz="1600" dirty="0" smtClean="0"/>
+              <a:t>查询连接</a:t>
+            </a:r>
+            <a:r>
+              <a:rPr lang="en-US" altLang="zh-CN" sz="1600" dirty="0" err="1" smtClean="0">
                 <a:hlinkClick r:id="rId2"/>
               </a:rPr>
-              <a:t>DAL</a:t>
-            </a:r>
-            <a:r>
-              <a:rPr lang="zh-CN" altLang="en-US" sz="2400" dirty="0" smtClean="0">
-                <a:hlinkClick r:id="rId2"/>
-              </a:rPr>
-              <a:t>用户使用手册</a:t>
-            </a:r>
-            <a:r>
-              <a:rPr lang="en-US" altLang="zh-CN" sz="2400" dirty="0" smtClean="0">
-                <a:hlinkClick r:id="rId2"/>
-              </a:rPr>
-              <a:t>-</a:t>
-            </a:r>
-            <a:r>
-              <a:rPr lang="en-US" altLang="zh-CN" sz="2400" dirty="0" err="1" smtClean="0">
-                <a:hlinkClick r:id="rId2"/>
-              </a:rPr>
-              <a:t>Dal.config</a:t>
-            </a:r>
-            <a:r>
-              <a:rPr lang="zh-CN" altLang="en-US" sz="2400" dirty="0" smtClean="0">
-                <a:hlinkClick r:id="rId2"/>
-              </a:rPr>
-              <a:t>概述</a:t>
-            </a:r>
-            <a:endParaRPr lang="en-US" altLang="zh-CN" sz="2400" dirty="0"/>
+              <a:t>dbticket</a:t>
+            </a:r>
+            <a:endParaRPr lang="en-US" altLang="zh-CN" sz="1600" dirty="0" smtClean="0"/>
           </a:p>
           <a:p>
             <a:pPr marL="0" indent="0">
               <a:buNone/>
             </a:pPr>
-            <a:endParaRPr lang="zh-CN" altLang="en-US" sz="2400" i="1" dirty="0">
-              <a:solidFill>
-                <a:srgbClr val="FF0000"/>
-              </a:solidFill>
-            </a:endParaRPr>
+            <a:endParaRPr lang="en-US" altLang="zh-CN" sz="2000" dirty="0" smtClean="0"/>
           </a:p>
         </p:txBody>
       </p:sp>
@@ -6364,6 +5912,476 @@
     </p:spTree>
     <p:extLst>
       <p:ext uri="{BB962C8B-B14F-4D97-AF65-F5344CB8AC3E}">
+        <p14:creationId xmlns:p14="http://schemas.microsoft.com/office/powerpoint/2010/main" val="4110824668"/>
+      </p:ext>
+    </p:extLst>
+  </p:cSld>
+  <p:clrMapOvr>
+    <a:masterClrMapping/>
+  </p:clrMapOvr>
+  <p:timing>
+    <p:tnLst>
+      <p:par>
+        <p:cTn id="1" dur="indefinite" restart="never" nodeType="tmRoot"/>
+      </p:par>
+    </p:tnLst>
+  </p:timing>
+</p:sld>
+</file>
+
+<file path=ppt/slides/slide12.xml><?xml version="1.0" encoding="utf-8"?>
+<p:sld xmlns:a="http://schemas.openxmlformats.org/drawingml/2006/main" xmlns:r="http://schemas.openxmlformats.org/officeDocument/2006/relationships" xmlns:p="http://schemas.openxmlformats.org/presentationml/2006/main">
+  <p:cSld>
+    <p:spTree>
+      <p:nvGrpSpPr>
+        <p:cNvPr id="1" name=""/>
+        <p:cNvGrpSpPr/>
+        <p:nvPr/>
+      </p:nvGrpSpPr>
+      <p:grpSpPr>
+        <a:xfrm>
+          <a:off x="0" y="0"/>
+          <a:ext cx="0" cy="0"/>
+          <a:chOff x="0" y="0"/>
+          <a:chExt cx="0" cy="0"/>
+        </a:xfrm>
+      </p:grpSpPr>
+      <p:sp>
+        <p:nvSpPr>
+          <p:cNvPr id="2" name="标题 1"/>
+          <p:cNvSpPr>
+            <a:spLocks noGrp="1"/>
+          </p:cNvSpPr>
+          <p:nvPr>
+            <p:ph type="title"/>
+          </p:nvPr>
+        </p:nvSpPr>
+        <p:spPr/>
+        <p:txBody>
+          <a:bodyPr/>
+          <a:lstStyle/>
+          <a:p>
+            <a:r>
+              <a:rPr lang="en-US" altLang="zh-CN" dirty="0" smtClean="0"/>
+              <a:t>Dal</a:t>
+            </a:r>
+            <a:r>
+              <a:rPr lang="zh-CN" altLang="en-US" dirty="0" smtClean="0"/>
+              <a:t>框架</a:t>
+            </a:r>
+            <a:r>
+              <a:rPr lang="en-US" altLang="zh-CN" dirty="0" smtClean="0"/>
+              <a:t>-</a:t>
+            </a:r>
+            <a:r>
+              <a:rPr lang="zh-CN" altLang="en-US" dirty="0" smtClean="0"/>
+              <a:t>配置</a:t>
+            </a:r>
+            <a:r>
+              <a:rPr lang="en-US" altLang="zh-CN" dirty="0" smtClean="0"/>
+              <a:t>-</a:t>
+            </a:r>
+            <a:r>
+              <a:rPr lang="en-US" altLang="zh-CN" dirty="0" err="1" smtClean="0"/>
+              <a:t>Dal.config</a:t>
+            </a:r>
+            <a:endParaRPr lang="zh-CN" altLang="en-US" dirty="0"/>
+          </a:p>
+        </p:txBody>
+      </p:sp>
+      <p:sp>
+        <p:nvSpPr>
+          <p:cNvPr id="3" name="内容占位符 2"/>
+          <p:cNvSpPr>
+            <a:spLocks noGrp="1"/>
+          </p:cNvSpPr>
+          <p:nvPr>
+            <p:ph idx="1"/>
+          </p:nvPr>
+        </p:nvSpPr>
+        <p:spPr/>
+        <p:txBody>
+          <a:bodyPr>
+            <a:normAutofit/>
+          </a:bodyPr>
+          <a:lstStyle/>
+          <a:p>
+            <a:pPr marL="0" indent="0">
+              <a:buNone/>
+            </a:pPr>
+            <a:r>
+              <a:rPr lang="zh-CN" altLang="en-US" sz="2000" dirty="0" smtClean="0"/>
+              <a:t>（</a:t>
+            </a:r>
+            <a:r>
+              <a:rPr lang="en-US" altLang="zh-CN" sz="2000" dirty="0" smtClean="0"/>
+              <a:t>2</a:t>
+            </a:r>
+            <a:r>
+              <a:rPr lang="zh-CN" altLang="en-US" sz="2000" dirty="0" smtClean="0"/>
+              <a:t>）</a:t>
+            </a:r>
+            <a:r>
+              <a:rPr lang="en-US" altLang="zh-CN" sz="2000" dirty="0" smtClean="0"/>
+              <a:t>dal</a:t>
+            </a:r>
+            <a:r>
+              <a:rPr lang="zh-CN" altLang="en-US" sz="2000" dirty="0" smtClean="0"/>
+              <a:t>组件配置</a:t>
+            </a:r>
+            <a:endParaRPr lang="en-US" altLang="zh-CN" sz="2000" dirty="0" smtClean="0"/>
+          </a:p>
+          <a:p>
+            <a:pPr>
+              <a:buFont typeface="Wingdings" panose="05000000000000000000" pitchFamily="2" charset="2"/>
+              <a:buChar char="Ø"/>
+            </a:pPr>
+            <a:r>
+              <a:rPr lang="en-US" altLang="zh-CN" sz="1400" dirty="0" err="1"/>
+              <a:t>DalLogger</a:t>
+            </a:r>
+            <a:r>
+              <a:rPr lang="zh-CN" altLang="en-US" sz="1400" dirty="0"/>
+              <a:t>。记录</a:t>
+            </a:r>
+            <a:r>
+              <a:rPr lang="en-US" altLang="zh-CN" sz="1400" dirty="0"/>
+              <a:t>DAL</a:t>
+            </a:r>
+            <a:r>
+              <a:rPr lang="zh-CN" altLang="en-US" sz="1400" dirty="0"/>
+              <a:t>运行时相关信息。</a:t>
+            </a:r>
+          </a:p>
+          <a:p>
+            <a:pPr>
+              <a:buFont typeface="Wingdings" panose="05000000000000000000" pitchFamily="2" charset="2"/>
+              <a:buChar char="Ø"/>
+            </a:pPr>
+            <a:r>
+              <a:rPr lang="en-US" altLang="zh-CN" sz="1400" dirty="0" err="1"/>
+              <a:t>DalTaskFactory</a:t>
+            </a:r>
+            <a:r>
+              <a:rPr lang="zh-CN" altLang="en-US" sz="1400" dirty="0"/>
+              <a:t>。细化</a:t>
+            </a:r>
+            <a:r>
+              <a:rPr lang="en-US" altLang="zh-CN" sz="1400" dirty="0"/>
+              <a:t>CUD</a:t>
+            </a:r>
+            <a:r>
+              <a:rPr lang="zh-CN" altLang="en-US" sz="1400" dirty="0"/>
+              <a:t>操作对应的逻辑。</a:t>
+            </a:r>
+          </a:p>
+          <a:p>
+            <a:pPr>
+              <a:buFont typeface="Wingdings" panose="05000000000000000000" pitchFamily="2" charset="2"/>
+              <a:buChar char="Ø"/>
+            </a:pPr>
+            <a:r>
+              <a:rPr lang="en-US" altLang="zh-CN" sz="1400" dirty="0" err="1"/>
+              <a:t>DalConnectionLocator</a:t>
+            </a:r>
+            <a:r>
+              <a:rPr lang="zh-CN" altLang="en-US" sz="1400" dirty="0"/>
+              <a:t>。按照实际数据库标识获得连接</a:t>
+            </a:r>
+            <a:r>
+              <a:rPr lang="zh-CN" altLang="en-US" sz="1400" dirty="0" smtClean="0"/>
+              <a:t>。</a:t>
+            </a:r>
+            <a:endParaRPr lang="en-US" altLang="zh-CN" sz="1400" dirty="0" smtClean="0"/>
+          </a:p>
+          <a:p>
+            <a:pPr marL="0" indent="0">
+              <a:buNone/>
+            </a:pPr>
+            <a:r>
+              <a:rPr lang="zh-CN" altLang="en-US" sz="1400" i="1" dirty="0" smtClean="0">
+                <a:solidFill>
+                  <a:srgbClr val="FF0000"/>
+                </a:solidFill>
+              </a:rPr>
+              <a:t>注意：</a:t>
+            </a:r>
+            <a:r>
+              <a:rPr lang="en-US" altLang="zh-CN" sz="1400" i="1" dirty="0" err="1" smtClean="0">
+                <a:solidFill>
+                  <a:srgbClr val="FF0000"/>
+                </a:solidFill>
+              </a:rPr>
+              <a:t>dal.config</a:t>
+            </a:r>
+            <a:r>
+              <a:rPr lang="zh-CN" altLang="en-US" sz="1400" i="1" dirty="0" smtClean="0">
+                <a:solidFill>
+                  <a:srgbClr val="FF0000"/>
+                </a:solidFill>
+              </a:rPr>
+              <a:t>可由代码生成器生成，其中</a:t>
+            </a:r>
+            <a:r>
+              <a:rPr lang="en-US" altLang="zh-CN" sz="1400" i="1" dirty="0" smtClean="0">
+                <a:solidFill>
+                  <a:srgbClr val="FF0000"/>
+                </a:solidFill>
+              </a:rPr>
+              <a:t>dal</a:t>
+            </a:r>
+            <a:r>
+              <a:rPr lang="zh-CN" altLang="en-US" sz="1400" i="1" dirty="0" smtClean="0">
+                <a:solidFill>
+                  <a:srgbClr val="FF0000"/>
+                </a:solidFill>
+              </a:rPr>
+              <a:t>组件配置可以直接使用，无需修改</a:t>
+            </a:r>
+            <a:endParaRPr lang="en-US" altLang="zh-CN" sz="1400" i="1" dirty="0">
+              <a:solidFill>
+                <a:srgbClr val="FF0000"/>
+              </a:solidFill>
+            </a:endParaRPr>
+          </a:p>
+          <a:p>
+            <a:pPr marL="0" indent="0">
+              <a:buNone/>
+            </a:pPr>
+            <a:r>
+              <a:rPr lang="en-US" altLang="zh-CN" sz="2400" b="1" dirty="0" smtClean="0"/>
+              <a:t>2</a:t>
+            </a:r>
+            <a:r>
+              <a:rPr lang="zh-CN" altLang="en-US" sz="2400" b="1" dirty="0" smtClean="0"/>
+              <a:t>、位置：</a:t>
+            </a:r>
+            <a:endParaRPr lang="en-US" altLang="zh-CN" sz="2400" b="1" dirty="0" smtClean="0"/>
+          </a:p>
+          <a:p>
+            <a:pPr>
+              <a:buFont typeface="Wingdings" panose="05000000000000000000" pitchFamily="2" charset="2"/>
+              <a:buChar char="Ø"/>
+            </a:pPr>
+            <a:r>
+              <a:rPr lang="zh-CN" altLang="en-US" sz="1400" dirty="0" smtClean="0"/>
+              <a:t>项目</a:t>
+            </a:r>
+            <a:r>
+              <a:rPr lang="en-US" altLang="zh-CN" sz="1400" dirty="0" err="1" smtClean="0"/>
+              <a:t>classpath</a:t>
+            </a:r>
+            <a:r>
+              <a:rPr lang="zh-CN" altLang="en-US" sz="1400" dirty="0" smtClean="0"/>
+              <a:t>下</a:t>
+            </a:r>
+            <a:endParaRPr lang="en-US" altLang="zh-CN" sz="1400" dirty="0" smtClean="0"/>
+          </a:p>
+          <a:p>
+            <a:pPr>
+              <a:buFont typeface="Wingdings" panose="05000000000000000000" pitchFamily="2" charset="2"/>
+              <a:buChar char="Ø"/>
+            </a:pPr>
+            <a:r>
+              <a:rPr lang="en-US" altLang="zh-CN" sz="1400" dirty="0" err="1" smtClean="0"/>
+              <a:t>qconfig</a:t>
+            </a:r>
+            <a:r>
+              <a:rPr lang="zh-CN" altLang="en-US" sz="1400" dirty="0" smtClean="0"/>
+              <a:t>应用对应环境下</a:t>
+            </a:r>
+            <a:endParaRPr lang="en-US" altLang="zh-CN" sz="1400" dirty="0" smtClean="0"/>
+          </a:p>
+          <a:p>
+            <a:pPr marL="0" indent="0">
+              <a:buNone/>
+            </a:pPr>
+            <a:r>
+              <a:rPr lang="zh-CN" altLang="en-US" sz="1400" i="1" dirty="0">
+                <a:solidFill>
+                  <a:srgbClr val="FF0000"/>
+                </a:solidFill>
+              </a:rPr>
+              <a:t>注意</a:t>
+            </a:r>
+            <a:r>
+              <a:rPr lang="zh-CN" altLang="en-US" sz="1400" i="1" dirty="0" smtClean="0">
+                <a:solidFill>
+                  <a:srgbClr val="FF0000"/>
+                </a:solidFill>
+              </a:rPr>
+              <a:t>：优先读取</a:t>
+            </a:r>
+            <a:r>
+              <a:rPr lang="en-US" altLang="zh-CN" sz="1400" i="1" dirty="0" err="1" smtClean="0">
+                <a:solidFill>
+                  <a:srgbClr val="FF0000"/>
+                </a:solidFill>
+              </a:rPr>
+              <a:t>classpath</a:t>
+            </a:r>
+            <a:r>
+              <a:rPr lang="zh-CN" altLang="en-US" sz="1400" i="1" dirty="0" smtClean="0">
+                <a:solidFill>
+                  <a:srgbClr val="FF0000"/>
+                </a:solidFill>
+              </a:rPr>
+              <a:t>，如果没有再去</a:t>
+            </a:r>
+            <a:r>
+              <a:rPr lang="en-US" altLang="zh-CN" sz="1400" i="1" dirty="0" err="1" smtClean="0">
+                <a:solidFill>
+                  <a:srgbClr val="FF0000"/>
+                </a:solidFill>
+              </a:rPr>
+              <a:t>Qconfig</a:t>
+            </a:r>
+            <a:r>
+              <a:rPr lang="zh-CN" altLang="en-US" sz="1400" i="1" dirty="0" smtClean="0">
+                <a:solidFill>
+                  <a:srgbClr val="FF0000"/>
+                </a:solidFill>
+              </a:rPr>
+              <a:t>读取，都没有的话报错</a:t>
+            </a:r>
+            <a:endParaRPr lang="en-US" altLang="zh-CN" sz="1400" i="1" dirty="0" smtClean="0">
+              <a:solidFill>
+                <a:srgbClr val="FF0000"/>
+              </a:solidFill>
+            </a:endParaRPr>
+          </a:p>
+          <a:p>
+            <a:pPr marL="0" indent="0">
+              <a:buNone/>
+            </a:pPr>
+            <a:r>
+              <a:rPr lang="en-US" altLang="zh-CN" sz="2400" b="1" dirty="0"/>
+              <a:t>3</a:t>
+            </a:r>
+            <a:r>
+              <a:rPr lang="zh-CN" altLang="en-US" sz="2400" b="1" dirty="0"/>
+              <a:t>、参考链接</a:t>
+            </a:r>
+            <a:r>
+              <a:rPr lang="zh-CN" altLang="en-US" sz="2400" b="1" dirty="0" smtClean="0"/>
+              <a:t>：</a:t>
+            </a:r>
+            <a:r>
+              <a:rPr lang="en-US" altLang="zh-CN" sz="2400" dirty="0" smtClean="0">
+                <a:hlinkClick r:id="rId2"/>
+              </a:rPr>
+              <a:t>DAL</a:t>
+            </a:r>
+            <a:r>
+              <a:rPr lang="zh-CN" altLang="en-US" sz="2400" dirty="0" smtClean="0">
+                <a:hlinkClick r:id="rId2"/>
+              </a:rPr>
+              <a:t>用户使用手册</a:t>
+            </a:r>
+            <a:r>
+              <a:rPr lang="en-US" altLang="zh-CN" sz="2400" dirty="0" smtClean="0">
+                <a:hlinkClick r:id="rId2"/>
+              </a:rPr>
+              <a:t>-</a:t>
+            </a:r>
+            <a:r>
+              <a:rPr lang="en-US" altLang="zh-CN" sz="2400" dirty="0" err="1" smtClean="0">
+                <a:hlinkClick r:id="rId2"/>
+              </a:rPr>
+              <a:t>Dal.config</a:t>
+            </a:r>
+            <a:r>
+              <a:rPr lang="zh-CN" altLang="en-US" sz="2400" dirty="0" smtClean="0">
+                <a:hlinkClick r:id="rId2"/>
+              </a:rPr>
+              <a:t>概述</a:t>
+            </a:r>
+            <a:endParaRPr lang="en-US" altLang="zh-CN" sz="2400" dirty="0"/>
+          </a:p>
+          <a:p>
+            <a:pPr marL="0" indent="0">
+              <a:buNone/>
+            </a:pPr>
+            <a:endParaRPr lang="zh-CN" altLang="en-US" sz="2400" i="1" dirty="0">
+              <a:solidFill>
+                <a:srgbClr val="FF0000"/>
+              </a:solidFill>
+            </a:endParaRPr>
+          </a:p>
+        </p:txBody>
+      </p:sp>
+      <p:sp>
+        <p:nvSpPr>
+          <p:cNvPr id="4" name="动作按钮: 第一张 3">
+            <a:hlinkClick r:id="rId3" action="ppaction://hlinksldjump" highlightClick="1"/>
+          </p:cNvPr>
+          <p:cNvSpPr/>
+          <p:nvPr/>
+        </p:nvSpPr>
+        <p:spPr>
+          <a:xfrm>
+            <a:off x="10885842" y="5832718"/>
+            <a:ext cx="935915" cy="688489"/>
+          </a:xfrm>
+          <a:prstGeom prst="actionButtonHome">
+            <a:avLst/>
+          </a:prstGeom>
+          <a:solidFill>
+            <a:schemeClr val="accent3">
+              <a:lumMod val="60000"/>
+              <a:lumOff val="40000"/>
+            </a:schemeClr>
+          </a:solidFill>
+          <a:ln>
+            <a:noFill/>
+          </a:ln>
+          <a:effectLst>
+            <a:outerShdw blurRad="190500" dist="228600" dir="2700000" algn="ctr">
+              <a:srgbClr val="000000">
+                <a:alpha val="30000"/>
+              </a:srgbClr>
+            </a:outerShdw>
+          </a:effectLst>
+          <a:scene3d>
+            <a:camera prst="orthographicFront">
+              <a:rot lat="0" lon="0" rev="0"/>
+            </a:camera>
+            <a:lightRig rig="glow" dir="t">
+              <a:rot lat="0" lon="0" rev="4800000"/>
+            </a:lightRig>
+          </a:scene3d>
+          <a:sp3d prstMaterial="matte">
+            <a:bevelT w="127000" h="63500"/>
+          </a:sp3d>
+        </p:spPr>
+        <p:style>
+          <a:lnRef idx="2">
+            <a:schemeClr val="dk1">
+              <a:shade val="50000"/>
+            </a:schemeClr>
+          </a:lnRef>
+          <a:fillRef idx="1">
+            <a:schemeClr val="dk1"/>
+          </a:fillRef>
+          <a:effectRef idx="0">
+            <a:schemeClr val="dk1"/>
+          </a:effectRef>
+          <a:fontRef idx="minor">
+            <a:schemeClr val="lt1"/>
+          </a:fontRef>
+        </p:style>
+        <p:txBody>
+          <a:bodyPr rtlCol="0" anchor="ctr"/>
+          <a:lstStyle/>
+          <a:p>
+            <a:pPr algn="ctr"/>
+            <a:endParaRPr lang="zh-CN" altLang="en-US" dirty="0"/>
+          </a:p>
+        </p:txBody>
+      </p:sp>
+    </p:spTree>
+    <p:extLst>
+      <p:ext uri="{BB962C8B-B14F-4D97-AF65-F5344CB8AC3E}">
         <p14:creationId xmlns:p14="http://schemas.microsoft.com/office/powerpoint/2010/main" val="990143609"/>
       </p:ext>
     </p:extLst>
@@ -6449,10 +6467,10 @@
         </p:nvGrpSpPr>
         <p:grpSpPr>
           <a:xfrm>
-            <a:off x="2475155" y="1476190"/>
-            <a:ext cx="7750660" cy="5381810"/>
-            <a:chOff x="3916680" y="1416299"/>
-            <a:chExt cx="7750660" cy="5381810"/>
+            <a:off x="3345628" y="1476190"/>
+            <a:ext cx="6880187" cy="4558612"/>
+            <a:chOff x="4787153" y="1416299"/>
+            <a:chExt cx="6880187" cy="4558612"/>
           </a:xfrm>
         </p:grpSpPr>
         <p:grpSp>
@@ -6484,8 +6502,16 @@
                 <a:avLst/>
               </a:prstGeom>
               <a:solidFill>
-                <a:schemeClr val="accent2"/>
+                <a:schemeClr val="accent3">
+                  <a:lumMod val="40000"/>
+                  <a:lumOff val="60000"/>
+                </a:schemeClr>
               </a:solidFill>
+              <a:ln>
+                <a:solidFill>
+                  <a:schemeClr val="tx1"/>
+                </a:solidFill>
+              </a:ln>
             </p:spPr>
             <p:txBody>
               <a:bodyPr wrap="square" rtlCol="0">
@@ -6608,6 +6634,17 @@
               <a:prstGeom prst="flowChartDocument">
                 <a:avLst/>
               </a:prstGeom>
+              <a:solidFill>
+                <a:schemeClr val="accent1">
+                  <a:lumMod val="40000"/>
+                  <a:lumOff val="60000"/>
+                </a:schemeClr>
+              </a:solidFill>
+              <a:ln>
+                <a:solidFill>
+                  <a:schemeClr val="tx1"/>
+                </a:solidFill>
+              </a:ln>
             </p:spPr>
             <p:style>
               <a:lnRef idx="2">
@@ -6698,6 +6735,17 @@
               <a:prstGeom prst="flowChartDocument">
                 <a:avLst/>
               </a:prstGeom>
+              <a:solidFill>
+                <a:schemeClr val="accent6">
+                  <a:lumMod val="40000"/>
+                  <a:lumOff val="60000"/>
+                </a:schemeClr>
+              </a:solidFill>
+              <a:ln>
+                <a:solidFill>
+                  <a:schemeClr val="tx1"/>
+                </a:solidFill>
+              </a:ln>
             </p:spPr>
             <p:style>
               <a:lnRef idx="2">
@@ -6770,8 +6818,16 @@
               <a:avLst/>
             </a:prstGeom>
             <a:solidFill>
-              <a:schemeClr val="accent2"/>
+              <a:schemeClr val="accent2">
+                <a:lumMod val="40000"/>
+                <a:lumOff val="60000"/>
+              </a:schemeClr>
             </a:solidFill>
+            <a:ln>
+              <a:solidFill>
+                <a:schemeClr val="tx1"/>
+              </a:solidFill>
+            </a:ln>
           </p:spPr>
           <p:txBody>
             <a:bodyPr wrap="square" rtlCol="0" anchor="ctr" anchorCtr="0">
@@ -6788,92 +6844,6 @@
                 <a:t>Qconfig</a:t>
               </a:r>
               <a:endParaRPr lang="zh-CN" altLang="en-US" dirty="0"/>
-            </a:p>
-          </p:txBody>
-        </p:sp>
-        <p:sp>
-          <p:nvSpPr>
-            <p:cNvPr id="16" name="流程图: 磁盘 15"/>
-            <p:cNvSpPr/>
-            <p:nvPr/>
-          </p:nvSpPr>
-          <p:spPr>
-            <a:xfrm>
-              <a:off x="5261388" y="5605580"/>
-              <a:ext cx="1194099" cy="716309"/>
-            </a:xfrm>
-            <a:prstGeom prst="flowChartMagneticDisk">
-              <a:avLst/>
-            </a:prstGeom>
-            <a:solidFill>
-              <a:schemeClr val="accent6"/>
-            </a:solidFill>
-          </p:spPr>
-          <p:style>
-            <a:lnRef idx="2">
-              <a:schemeClr val="accent1">
-                <a:shade val="50000"/>
-              </a:schemeClr>
-            </a:lnRef>
-            <a:fillRef idx="1">
-              <a:schemeClr val="accent1"/>
-            </a:fillRef>
-            <a:effectRef idx="0">
-              <a:schemeClr val="accent1"/>
-            </a:effectRef>
-            <a:fontRef idx="minor">
-              <a:schemeClr val="lt1"/>
-            </a:fontRef>
-          </p:style>
-          <p:txBody>
-            <a:bodyPr rtlCol="0" anchor="ctr"/>
-            <a:lstStyle/>
-            <a:p>
-              <a:pPr algn="ctr"/>
-              <a:endParaRPr lang="zh-CN" altLang="en-US"/>
-            </a:p>
-          </p:txBody>
-        </p:sp>
-        <p:sp>
-          <p:nvSpPr>
-            <p:cNvPr id="17" name="流程图: 磁盘 16"/>
-            <p:cNvSpPr/>
-            <p:nvPr/>
-          </p:nvSpPr>
-          <p:spPr>
-            <a:xfrm>
-              <a:off x="8334935" y="5605579"/>
-              <a:ext cx="1140310" cy="716309"/>
-            </a:xfrm>
-            <a:prstGeom prst="flowChartMagneticDisk">
-              <a:avLst/>
-            </a:prstGeom>
-            <a:solidFill>
-              <a:schemeClr val="accent6"/>
-            </a:solidFill>
-          </p:spPr>
-          <p:style>
-            <a:lnRef idx="2">
-              <a:schemeClr val="accent1">
-                <a:shade val="50000"/>
-              </a:schemeClr>
-            </a:lnRef>
-            <a:fillRef idx="1">
-              <a:schemeClr val="accent1"/>
-            </a:fillRef>
-            <a:effectRef idx="0">
-              <a:schemeClr val="accent1"/>
-            </a:effectRef>
-            <a:fontRef idx="minor">
-              <a:schemeClr val="lt1"/>
-            </a:fontRef>
-          </p:style>
-          <p:txBody>
-            <a:bodyPr rtlCol="0" anchor="ctr"/>
-            <a:lstStyle/>
-            <a:p>
-              <a:pPr algn="ctr"/>
-              <a:endParaRPr lang="zh-CN" altLang="en-US"/>
             </a:p>
           </p:txBody>
         </p:sp>
@@ -6894,7 +6864,10 @@
             <a:prstGeom prst="straightConnector1">
               <a:avLst/>
             </a:prstGeom>
-            <a:ln w="28575">
+            <a:ln w="3175">
+              <a:solidFill>
+                <a:schemeClr val="tx1"/>
+              </a:solidFill>
               <a:tailEnd type="triangle"/>
             </a:ln>
           </p:spPr>
@@ -6930,7 +6903,10 @@
             <a:prstGeom prst="bentConnector2">
               <a:avLst/>
             </a:prstGeom>
-            <a:ln w="28575">
+            <a:ln w="3175">
+              <a:solidFill>
+                <a:schemeClr val="tx1"/>
+              </a:solidFill>
               <a:tailEnd type="triangle"/>
             </a:ln>
           </p:spPr>
@@ -6966,7 +6942,10 @@
             <a:prstGeom prst="bentConnector2">
               <a:avLst/>
             </a:prstGeom>
-            <a:ln w="28575">
+            <a:ln w="3175">
+              <a:solidFill>
+                <a:schemeClr val="tx1"/>
+              </a:solidFill>
               <a:tailEnd type="triangle"/>
             </a:ln>
           </p:spPr>
@@ -6990,7 +6969,6 @@
             <p:cNvPr id="32" name="直接箭头连接符 31"/>
             <p:cNvCxnSpPr>
               <a:stCxn id="10" idx="2"/>
-              <a:endCxn id="16" idx="1"/>
             </p:cNvCxnSpPr>
             <p:nvPr/>
           </p:nvCxnSpPr>
@@ -7002,7 +6980,10 @@
             <a:prstGeom prst="straightConnector1">
               <a:avLst/>
             </a:prstGeom>
-            <a:ln w="28575">
+            <a:ln w="3175">
+              <a:solidFill>
+                <a:schemeClr val="tx1"/>
+              </a:solidFill>
               <a:tailEnd type="triangle"/>
             </a:ln>
           </p:spPr>
@@ -7026,7 +7007,6 @@
             <p:cNvPr id="35" name="直接箭头连接符 34"/>
             <p:cNvCxnSpPr>
               <a:stCxn id="12" idx="2"/>
-              <a:endCxn id="17" idx="1"/>
             </p:cNvCxnSpPr>
             <p:nvPr/>
           </p:nvCxnSpPr>
@@ -7038,7 +7018,10 @@
             <a:prstGeom prst="straightConnector1">
               <a:avLst/>
             </a:prstGeom>
-            <a:ln w="28575">
+            <a:ln w="3175">
+              <a:solidFill>
+                <a:schemeClr val="tx1"/>
+              </a:solidFill>
               <a:tailEnd type="triangle"/>
             </a:ln>
           </p:spPr>
@@ -7145,13 +7128,23 @@
           </p:nvSpPr>
           <p:spPr>
             <a:xfrm>
-              <a:off x="3916680" y="5129360"/>
+              <a:off x="4923639" y="5605579"/>
               <a:ext cx="1936376" cy="369332"/>
             </a:xfrm>
             <a:prstGeom prst="rect">
               <a:avLst/>
             </a:prstGeom>
-            <a:noFill/>
+            <a:solidFill>
+              <a:schemeClr val="accent6">
+                <a:lumMod val="40000"/>
+                <a:lumOff val="60000"/>
+              </a:schemeClr>
+            </a:solidFill>
+            <a:ln>
+              <a:solidFill>
+                <a:schemeClr val="tx1"/>
+              </a:solidFill>
+            </a:ln>
           </p:spPr>
           <p:txBody>
             <a:bodyPr wrap="square" rtlCol="0">
@@ -7179,13 +7172,23 @@
           </p:nvSpPr>
           <p:spPr>
             <a:xfrm>
-              <a:off x="8961344" y="5103757"/>
+              <a:off x="7936902" y="5605579"/>
               <a:ext cx="1936376" cy="369332"/>
             </a:xfrm>
             <a:prstGeom prst="rect">
               <a:avLst/>
             </a:prstGeom>
-            <a:noFill/>
+            <a:solidFill>
+              <a:schemeClr val="accent2">
+                <a:lumMod val="40000"/>
+                <a:lumOff val="60000"/>
+              </a:schemeClr>
+            </a:solidFill>
+            <a:ln>
+              <a:solidFill>
+                <a:schemeClr val="tx1"/>
+              </a:solidFill>
+            </a:ln>
           </p:spPr>
           <p:txBody>
             <a:bodyPr wrap="square" rtlCol="0">
@@ -7200,82 +7203,6 @@
               <a:r>
                 <a:rPr lang="en-US" altLang="zh-CN" dirty="0" smtClean="0"/>
                 <a:t>onnection string</a:t>
-              </a:r>
-              <a:endParaRPr lang="zh-CN" altLang="en-US" dirty="0"/>
-            </a:p>
-          </p:txBody>
-        </p:sp>
-        <p:sp>
-          <p:nvSpPr>
-            <p:cNvPr id="41" name="文本框 40"/>
-            <p:cNvSpPr txBox="1"/>
-            <p:nvPr/>
-          </p:nvSpPr>
-          <p:spPr>
-            <a:xfrm>
-              <a:off x="5443370" y="6428777"/>
-              <a:ext cx="1721223" cy="369332"/>
-            </a:xfrm>
-            <a:prstGeom prst="rect">
-              <a:avLst/>
-            </a:prstGeom>
-            <a:noFill/>
-          </p:spPr>
-          <p:txBody>
-            <a:bodyPr wrap="square" rtlCol="0">
-              <a:spAutoFit/>
-            </a:bodyPr>
-            <a:lstStyle/>
-            <a:p>
-              <a:r>
-                <a:rPr lang="en-US" altLang="zh-CN" dirty="0"/>
-                <a:t>d</a:t>
-              </a:r>
-              <a:r>
-                <a:rPr lang="en-US" altLang="zh-CN" dirty="0" smtClean="0"/>
-                <a:t>ev DB</a:t>
-              </a:r>
-              <a:endParaRPr lang="zh-CN" altLang="en-US" dirty="0"/>
-            </a:p>
-          </p:txBody>
-        </p:sp>
-        <p:sp>
-          <p:nvSpPr>
-            <p:cNvPr id="42" name="文本框 41"/>
-            <p:cNvSpPr txBox="1"/>
-            <p:nvPr/>
-          </p:nvSpPr>
-          <p:spPr>
-            <a:xfrm>
-              <a:off x="8256494" y="6428777"/>
-              <a:ext cx="2299895" cy="369332"/>
-            </a:xfrm>
-            <a:prstGeom prst="rect">
-              <a:avLst/>
-            </a:prstGeom>
-            <a:noFill/>
-          </p:spPr>
-          <p:txBody>
-            <a:bodyPr wrap="square" rtlCol="0">
-              <a:spAutoFit/>
-            </a:bodyPr>
-            <a:lstStyle/>
-            <a:p>
-              <a:r>
-                <a:rPr lang="en-US" altLang="zh-CN" dirty="0"/>
-                <a:t>f</a:t>
-              </a:r>
-              <a:r>
-                <a:rPr lang="en-US" altLang="zh-CN" dirty="0" smtClean="0"/>
-                <a:t>at/</a:t>
-              </a:r>
-              <a:r>
-                <a:rPr lang="en-US" altLang="zh-CN" dirty="0" err="1" smtClean="0"/>
-                <a:t>uat</a:t>
-              </a:r>
-              <a:r>
-                <a:rPr lang="en-US" altLang="zh-CN" dirty="0" smtClean="0"/>
-                <a:t>/pro DB</a:t>
               </a:r>
               <a:endParaRPr lang="zh-CN" altLang="en-US" dirty="0"/>
             </a:p>
@@ -9999,11 +9926,69 @@
             </a:pPr>
             <a:r>
               <a:rPr lang="zh-CN" altLang="en-US" b="1" dirty="0" smtClean="0">
+                <a:latin typeface="仿宋" panose="02010609060101010101" pitchFamily="49" charset="-122"/>
+                <a:ea typeface="仿宋" panose="02010609060101010101" pitchFamily="49" charset="-122"/>
+              </a:rPr>
+              <a:t>支持框架类型</a:t>
+            </a:r>
+            <a:endParaRPr lang="en-US" altLang="zh-CN" b="1" dirty="0" smtClean="0">
+              <a:latin typeface="仿宋" panose="02010609060101010101" pitchFamily="49" charset="-122"/>
+              <a:ea typeface="仿宋" panose="02010609060101010101" pitchFamily="49" charset="-122"/>
+            </a:endParaRPr>
+          </a:p>
+          <a:p>
+            <a:pPr marL="0" indent="0">
+              <a:buNone/>
+            </a:pPr>
+            <a:r>
+              <a:rPr lang="en-US" altLang="zh-CN" sz="2000" b="1" dirty="0" smtClean="0">
+                <a:latin typeface="Times New Roman" panose="02020603050405020304" pitchFamily="18" charset="0"/>
+                <a:ea typeface="仿宋" panose="02010609060101010101" pitchFamily="49" charset="-122"/>
+                <a:cs typeface="Times New Roman" panose="02020603050405020304" pitchFamily="18" charset="0"/>
                 <a:hlinkClick r:id="rId2" action="ppaction://hlinksldjump"/>
               </a:rPr>
-              <a:t>支持框架类型</a:t>
-            </a:r>
-            <a:endParaRPr lang="en-US" altLang="zh-CN" b="1" dirty="0" smtClean="0">
+              <a:t>Dal</a:t>
+            </a:r>
+            <a:r>
+              <a:rPr lang="zh-CN" altLang="en-US" sz="2000" b="1" dirty="0" smtClean="0">
+                <a:latin typeface="Times New Roman" panose="02020603050405020304" pitchFamily="18" charset="0"/>
+                <a:ea typeface="仿宋" panose="02010609060101010101" pitchFamily="49" charset="-122"/>
+                <a:cs typeface="Times New Roman" panose="02020603050405020304" pitchFamily="18" charset="0"/>
+                <a:hlinkClick r:id="rId2" action="ppaction://hlinksldjump"/>
+              </a:rPr>
+              <a:t>框架</a:t>
+            </a:r>
+            <a:r>
+              <a:rPr lang="en-US" altLang="zh-CN" sz="2000" b="1" dirty="0">
+                <a:latin typeface="Times New Roman" panose="02020603050405020304" pitchFamily="18" charset="0"/>
+                <a:ea typeface="仿宋" panose="02010609060101010101" pitchFamily="49" charset="-122"/>
+                <a:cs typeface="Times New Roman" panose="02020603050405020304" pitchFamily="18" charset="0"/>
+                <a:hlinkClick r:id="rId2" action="ppaction://hlinksldjump"/>
+              </a:rPr>
+              <a:t> </a:t>
+            </a:r>
+            <a:r>
+              <a:rPr lang="en-US" altLang="zh-CN" sz="2000" b="1" dirty="0" smtClean="0">
+                <a:latin typeface="Times New Roman" panose="02020603050405020304" pitchFamily="18" charset="0"/>
+                <a:ea typeface="仿宋" panose="02010609060101010101" pitchFamily="49" charset="-122"/>
+                <a:cs typeface="Times New Roman" panose="02020603050405020304" pitchFamily="18" charset="0"/>
+                <a:hlinkClick r:id="rId2" action="ppaction://hlinksldjump"/>
+              </a:rPr>
+              <a:t>VS </a:t>
+            </a:r>
+            <a:r>
+              <a:rPr lang="en-US" altLang="zh-CN" sz="2000" b="1" dirty="0" err="1" smtClean="0">
+                <a:latin typeface="Times New Roman" panose="02020603050405020304" pitchFamily="18" charset="0"/>
+                <a:ea typeface="仿宋" panose="02010609060101010101" pitchFamily="49" charset="-122"/>
+                <a:cs typeface="Times New Roman" panose="02020603050405020304" pitchFamily="18" charset="0"/>
+                <a:hlinkClick r:id="rId2" action="ppaction://hlinksldjump"/>
+              </a:rPr>
+              <a:t>Mybatis+DataSource</a:t>
+            </a:r>
+            <a:endParaRPr lang="en-US" altLang="zh-CN" sz="2000" b="1" dirty="0" smtClean="0">
+              <a:latin typeface="Times New Roman" panose="02020603050405020304" pitchFamily="18" charset="0"/>
+              <a:ea typeface="仿宋" panose="02010609060101010101" pitchFamily="49" charset="-122"/>
+              <a:cs typeface="Times New Roman" panose="02020603050405020304" pitchFamily="18" charset="0"/>
               <a:hlinkClick r:id="rId3" action="ppaction://hlinksldjump"/>
             </a:endParaRPr>
           </a:p>
@@ -10014,17 +9999,16 @@
             </a:pPr>
             <a:r>
               <a:rPr lang="zh-CN" altLang="en-US" b="1" dirty="0" smtClean="0">
+                <a:latin typeface="仿宋" panose="02010609060101010101" pitchFamily="49" charset="-122"/>
+                <a:ea typeface="仿宋" panose="02010609060101010101" pitchFamily="49" charset="-122"/>
                 <a:hlinkClick r:id="rId3" action="ppaction://hlinksldjump"/>
               </a:rPr>
-              <a:t>基本</a:t>
-            </a:r>
-            <a:r>
-              <a:rPr lang="zh-CN" altLang="en-US" b="1" dirty="0" smtClean="0">
-                <a:hlinkClick r:id="rId3" action="ppaction://hlinksldjump"/>
-              </a:rPr>
-              <a:t>架构</a:t>
-            </a:r>
-            <a:endParaRPr lang="en-US" altLang="zh-CN" b="1" dirty="0" smtClean="0"/>
+              <a:t>基本架构</a:t>
+            </a:r>
+            <a:endParaRPr lang="en-US" altLang="zh-CN" b="1" dirty="0" smtClean="0">
+              <a:latin typeface="仿宋" panose="02010609060101010101" pitchFamily="49" charset="-122"/>
+              <a:ea typeface="仿宋" panose="02010609060101010101" pitchFamily="49" charset="-122"/>
+            </a:endParaRPr>
           </a:p>
           <a:p>
             <a:pPr marL="457200" indent="-457200">
@@ -10033,11 +10017,16 @@
             </a:pPr>
             <a:r>
               <a:rPr lang="zh-CN" altLang="en-US" sz="2400" b="1" dirty="0" smtClean="0">
+                <a:latin typeface="仿宋" panose="02010609060101010101" pitchFamily="49" charset="-122"/>
+                <a:ea typeface="仿宋" panose="02010609060101010101" pitchFamily="49" charset="-122"/>
                 <a:hlinkClick r:id="rId4" action="ppaction://hlinksldjump"/>
               </a:rPr>
               <a:t>依赖</a:t>
             </a:r>
-            <a:endParaRPr lang="en-US" altLang="zh-CN" sz="2400" b="1" dirty="0"/>
+            <a:endParaRPr lang="en-US" altLang="zh-CN" sz="2400" b="1" dirty="0">
+              <a:latin typeface="仿宋" panose="02010609060101010101" pitchFamily="49" charset="-122"/>
+              <a:ea typeface="仿宋" panose="02010609060101010101" pitchFamily="49" charset="-122"/>
+            </a:endParaRPr>
           </a:p>
           <a:p>
             <a:pPr marL="457200" indent="-457200">
@@ -10045,97 +10034,115 @@
               <a:buAutoNum type="arabicPeriod"/>
             </a:pPr>
             <a:r>
-              <a:rPr lang="zh-CN" altLang="en-US" sz="2400" b="1" dirty="0" smtClean="0"/>
+              <a:rPr lang="zh-CN" altLang="en-US" sz="2400" b="1" dirty="0" smtClean="0">
+                <a:latin typeface="仿宋" panose="02010609060101010101" pitchFamily="49" charset="-122"/>
+                <a:ea typeface="仿宋" panose="02010609060101010101" pitchFamily="49" charset="-122"/>
+              </a:rPr>
               <a:t>配置</a:t>
             </a:r>
-            <a:endParaRPr lang="en-US" altLang="zh-CN" sz="2400" b="1" dirty="0" smtClean="0"/>
-          </a:p>
-          <a:p>
-            <a:r>
-              <a:rPr lang="en-US" altLang="zh-CN" sz="2000" b="1" dirty="0" smtClean="0"/>
-              <a:t>  </a:t>
-            </a:r>
+            <a:r>
+              <a:rPr lang="zh-CN" altLang="en-US" sz="2400" b="1" dirty="0">
+                <a:latin typeface="仿宋" panose="02010609060101010101" pitchFamily="49" charset="-122"/>
+                <a:ea typeface="仿宋" panose="02010609060101010101" pitchFamily="49" charset="-122"/>
+              </a:rPr>
+              <a:t>：</a:t>
+            </a:r>
+            <a:r>
+              <a:rPr lang="en-US" altLang="zh-CN" sz="2000" b="1" dirty="0" smtClean="0">
+                <a:latin typeface="仿宋" panose="02010609060101010101" pitchFamily="49" charset="-122"/>
+                <a:ea typeface="仿宋" panose="02010609060101010101" pitchFamily="49" charset="-122"/>
+              </a:rPr>
+              <a:t> </a:t>
+            </a:r>
+          </a:p>
+          <a:p>
+            <a:pPr marL="0" indent="0">
+              <a:buNone/>
+            </a:pPr>
             <a:r>
               <a:rPr lang="en-US" altLang="zh-CN" sz="2000" b="1" dirty="0" err="1" smtClean="0">
+                <a:latin typeface="仿宋" panose="02010609060101010101" pitchFamily="49" charset="-122"/>
+                <a:ea typeface="仿宋" panose="02010609060101010101" pitchFamily="49" charset="-122"/>
                 <a:hlinkClick r:id="rId5" action="ppaction://hlinksldjump"/>
               </a:rPr>
               <a:t>Dal.config</a:t>
             </a:r>
-            <a:endParaRPr lang="en-US" altLang="zh-CN" sz="2000" b="1" dirty="0"/>
-          </a:p>
-          <a:p>
-            <a:r>
-              <a:rPr lang="zh-CN" altLang="en-US" sz="2000" b="1" dirty="0" smtClean="0"/>
-              <a:t>  </a:t>
-            </a:r>
+            <a:endParaRPr lang="en-US" altLang="zh-CN" sz="2000" b="1" dirty="0">
+              <a:latin typeface="仿宋" panose="02010609060101010101" pitchFamily="49" charset="-122"/>
+              <a:ea typeface="仿宋" panose="02010609060101010101" pitchFamily="49" charset="-122"/>
+            </a:endParaRPr>
+          </a:p>
+          <a:p>
+            <a:pPr marL="0" indent="0">
+              <a:buNone/>
+            </a:pPr>
             <a:r>
               <a:rPr lang="zh-CN" altLang="en-US" sz="2000" b="1" dirty="0" smtClean="0">
+                <a:latin typeface="仿宋" panose="02010609060101010101" pitchFamily="49" charset="-122"/>
+                <a:ea typeface="仿宋" panose="02010609060101010101" pitchFamily="49" charset="-122"/>
                 <a:hlinkClick r:id="rId6" action="ppaction://hlinksldjump"/>
               </a:rPr>
               <a:t>环境与连接串</a:t>
             </a:r>
-            <a:endParaRPr lang="en-US" altLang="zh-CN" sz="2000" b="1" dirty="0" smtClean="0"/>
-          </a:p>
-          <a:p>
-            <a:pPr marL="0" indent="0">
-              <a:buNone/>
-            </a:pPr>
-            <a:r>
-              <a:rPr lang="en-US" altLang="zh-CN" sz="2000" b="1" dirty="0" smtClean="0"/>
-              <a:t>             </a:t>
+            <a:r>
+              <a:rPr lang="en-US" altLang="zh-CN" sz="2000" b="1" dirty="0" smtClean="0">
+                <a:latin typeface="仿宋" panose="02010609060101010101" pitchFamily="49" charset="-122"/>
+                <a:ea typeface="仿宋" panose="02010609060101010101" pitchFamily="49" charset="-122"/>
+              </a:rPr>
+              <a:t>: </a:t>
             </a:r>
             <a:r>
               <a:rPr lang="en-US" altLang="zh-CN" sz="2000" b="1" dirty="0" err="1" smtClean="0">
+                <a:latin typeface="仿宋" panose="02010609060101010101" pitchFamily="49" charset="-122"/>
+                <a:ea typeface="仿宋" panose="02010609060101010101" pitchFamily="49" charset="-122"/>
                 <a:hlinkClick r:id="rId7" action="ppaction://hlinksldjump"/>
               </a:rPr>
               <a:t>server.properties</a:t>
             </a:r>
-            <a:endParaRPr lang="en-US" altLang="zh-CN" sz="2000" b="1" dirty="0" smtClean="0"/>
-          </a:p>
-          <a:p>
-            <a:pPr marL="0" indent="0">
-              <a:buNone/>
-            </a:pPr>
-            <a:r>
-              <a:rPr lang="en-US" altLang="zh-CN" sz="2000" b="1" dirty="0"/>
-              <a:t> </a:t>
-            </a:r>
-            <a:r>
-              <a:rPr lang="en-US" altLang="zh-CN" sz="2000" b="1" dirty="0" smtClean="0"/>
-              <a:t>            </a:t>
-            </a:r>
             <a:r>
               <a:rPr lang="en-US" altLang="zh-CN" sz="2000" b="1" dirty="0" smtClean="0">
+                <a:latin typeface="仿宋" panose="02010609060101010101" pitchFamily="49" charset="-122"/>
+                <a:ea typeface="仿宋" panose="02010609060101010101" pitchFamily="49" charset="-122"/>
+              </a:rPr>
+              <a:t>, </a:t>
+            </a:r>
+            <a:r>
+              <a:rPr lang="en-US" altLang="zh-CN" sz="2000" b="1" dirty="0" smtClean="0">
+                <a:latin typeface="仿宋" panose="02010609060101010101" pitchFamily="49" charset="-122"/>
+                <a:ea typeface="仿宋" panose="02010609060101010101" pitchFamily="49" charset="-122"/>
                 <a:hlinkClick r:id="rId8" action="ppaction://hlinksldjump"/>
               </a:rPr>
               <a:t>dev</a:t>
             </a:r>
             <a:r>
               <a:rPr lang="zh-CN" altLang="en-US" sz="2000" b="1" dirty="0" smtClean="0">
+                <a:latin typeface="仿宋" panose="02010609060101010101" pitchFamily="49" charset="-122"/>
+                <a:ea typeface="仿宋" panose="02010609060101010101" pitchFamily="49" charset="-122"/>
                 <a:hlinkClick r:id="rId8" action="ppaction://hlinksldjump"/>
               </a:rPr>
               <a:t>环境配置</a:t>
             </a:r>
-            <a:endParaRPr lang="en-US" altLang="zh-CN" sz="2000" b="1" dirty="0" smtClean="0"/>
-          </a:p>
-          <a:p>
-            <a:r>
-              <a:rPr lang="zh-CN" altLang="en-US" sz="2000" b="1" dirty="0" smtClean="0"/>
-              <a:t>  </a:t>
-            </a:r>
+            <a:endParaRPr lang="en-US" altLang="zh-CN" sz="2000" b="1" dirty="0" smtClean="0">
+              <a:latin typeface="仿宋" panose="02010609060101010101" pitchFamily="49" charset="-122"/>
+              <a:ea typeface="仿宋" panose="02010609060101010101" pitchFamily="49" charset="-122"/>
+            </a:endParaRPr>
+          </a:p>
+          <a:p>
+            <a:pPr marL="0" indent="0">
+              <a:buNone/>
+            </a:pPr>
             <a:r>
               <a:rPr lang="zh-CN" altLang="en-US" sz="2000" b="1" dirty="0" smtClean="0">
+                <a:latin typeface="仿宋" panose="02010609060101010101" pitchFamily="49" charset="-122"/>
+                <a:ea typeface="仿宋" panose="02010609060101010101" pitchFamily="49" charset="-122"/>
                 <a:hlinkClick r:id="rId9" action="ppaction://hlinksldjump"/>
               </a:rPr>
-              <a:t>连接</a:t>
-            </a:r>
-            <a:r>
-              <a:rPr lang="zh-CN" altLang="en-US" sz="2000" b="1" dirty="0">
-                <a:hlinkClick r:id="rId9" action="ppaction://hlinksldjump"/>
-              </a:rPr>
-              <a:t>池属性配置</a:t>
-            </a:r>
-            <a:endParaRPr lang="en-US" altLang="zh-CN" sz="2000" b="1" dirty="0"/>
+              <a:t>连接池属性配置</a:t>
+            </a:r>
+            <a:endParaRPr lang="en-US" altLang="zh-CN" sz="2000" b="1" dirty="0" smtClean="0">
+              <a:latin typeface="仿宋" panose="02010609060101010101" pitchFamily="49" charset="-122"/>
+              <a:ea typeface="仿宋" panose="02010609060101010101" pitchFamily="49" charset="-122"/>
+            </a:endParaRPr>
           </a:p>
           <a:p>
             <a:pPr marL="0" indent="0">
@@ -10264,7 +10271,7 @@
         </p:nvCxnSpPr>
         <p:spPr>
           <a:xfrm>
-            <a:off x="7286086" y="5724012"/>
+            <a:off x="10629922" y="5825097"/>
             <a:ext cx="0" cy="0"/>
           </a:xfrm>
           <a:prstGeom prst="straightConnector1">
@@ -10289,1032 +10296,6 @@
           </a:fontRef>
         </p:style>
       </p:cxnSp>
-      <p:grpSp>
-        <p:nvGrpSpPr>
-          <p:cNvPr id="205" name="组合 204"/>
-          <p:cNvGrpSpPr/>
-          <p:nvPr/>
-        </p:nvGrpSpPr>
-        <p:grpSpPr>
-          <a:xfrm>
-            <a:off x="2222982" y="1450292"/>
-            <a:ext cx="6816699" cy="5306623"/>
-            <a:chOff x="2222982" y="1450292"/>
-            <a:chExt cx="6816699" cy="5306623"/>
-          </a:xfrm>
-        </p:grpSpPr>
-        <p:grpSp>
-          <p:nvGrpSpPr>
-            <p:cNvPr id="180" name="组合 179"/>
-            <p:cNvGrpSpPr/>
-            <p:nvPr/>
-          </p:nvGrpSpPr>
-          <p:grpSpPr>
-            <a:xfrm>
-              <a:off x="2222982" y="1634958"/>
-              <a:ext cx="6816699" cy="5121957"/>
-              <a:chOff x="2621015" y="1436614"/>
-              <a:chExt cx="6816699" cy="5121957"/>
-            </a:xfrm>
-          </p:grpSpPr>
-          <p:cxnSp>
-            <p:nvCxnSpPr>
-              <p:cNvPr id="157" name="直接箭头连接符 156"/>
-              <p:cNvCxnSpPr>
-                <a:stCxn id="100" idx="2"/>
-                <a:endCxn id="104" idx="1"/>
-              </p:cNvCxnSpPr>
-              <p:nvPr/>
-            </p:nvCxnSpPr>
-            <p:spPr>
-              <a:xfrm>
-                <a:off x="7684119" y="5525668"/>
-                <a:ext cx="7599" cy="333656"/>
-              </a:xfrm>
-              <a:prstGeom prst="straightConnector1">
-                <a:avLst/>
-              </a:prstGeom>
-              <a:ln w="28575">
-                <a:tailEnd type="triangle"/>
-              </a:ln>
-            </p:spPr>
-            <p:style>
-              <a:lnRef idx="1">
-                <a:schemeClr val="accent1"/>
-              </a:lnRef>
-              <a:fillRef idx="0">
-                <a:schemeClr val="accent1"/>
-              </a:fillRef>
-              <a:effectRef idx="0">
-                <a:schemeClr val="accent1"/>
-              </a:effectRef>
-              <a:fontRef idx="minor">
-                <a:schemeClr val="tx1"/>
-              </a:fontRef>
-            </p:style>
-          </p:cxnSp>
-          <p:grpSp>
-            <p:nvGrpSpPr>
-              <p:cNvPr id="179" name="组合 178"/>
-              <p:cNvGrpSpPr/>
-              <p:nvPr/>
-            </p:nvGrpSpPr>
-            <p:grpSpPr>
-              <a:xfrm>
-                <a:off x="2621015" y="1436614"/>
-                <a:ext cx="6816699" cy="5121957"/>
-                <a:chOff x="2621015" y="1436614"/>
-                <a:chExt cx="6816699" cy="5121957"/>
-              </a:xfrm>
-            </p:grpSpPr>
-            <p:sp>
-              <p:nvSpPr>
-                <p:cNvPr id="87" name="文本框 86"/>
-                <p:cNvSpPr txBox="1"/>
-                <p:nvPr/>
-              </p:nvSpPr>
-              <p:spPr>
-                <a:xfrm>
-                  <a:off x="3454072" y="2097182"/>
-                  <a:ext cx="1378800" cy="482400"/>
-                </a:xfrm>
-                <a:prstGeom prst="rect">
-                  <a:avLst/>
-                </a:prstGeom>
-                <a:solidFill>
-                  <a:schemeClr val="accent1"/>
-                </a:solidFill>
-              </p:spPr>
-              <p:txBody>
-                <a:bodyPr wrap="square" rtlCol="0" anchor="ctr" anchorCtr="1">
-                  <a:noAutofit/>
-                </a:bodyPr>
-                <a:lstStyle/>
-                <a:p>
-                  <a:pPr algn="ctr"/>
-                  <a:r>
-                    <a:rPr lang="zh-CN" altLang="en-US" dirty="0" smtClean="0">
-                      <a:solidFill>
-                        <a:schemeClr val="bg1"/>
-                      </a:solidFill>
-                    </a:rPr>
-                    <a:t>代码生成器</a:t>
-                  </a:r>
-                  <a:endParaRPr lang="zh-CN" altLang="en-US" dirty="0">
-                    <a:solidFill>
-                      <a:schemeClr val="bg1"/>
-                    </a:solidFill>
-                  </a:endParaRPr>
-                </a:p>
-              </p:txBody>
-            </p:sp>
-            <p:sp>
-              <p:nvSpPr>
-                <p:cNvPr id="90" name="文本框 89"/>
-                <p:cNvSpPr txBox="1"/>
-                <p:nvPr/>
-              </p:nvSpPr>
-              <p:spPr>
-                <a:xfrm>
-                  <a:off x="2622839" y="2922451"/>
-                  <a:ext cx="1376979" cy="369332"/>
-                </a:xfrm>
-                <a:prstGeom prst="rect">
-                  <a:avLst/>
-                </a:prstGeom>
-                <a:solidFill>
-                  <a:schemeClr val="accent1"/>
-                </a:solidFill>
-              </p:spPr>
-              <p:txBody>
-                <a:bodyPr wrap="square" rtlCol="0">
-                  <a:spAutoFit/>
-                </a:bodyPr>
-                <a:lstStyle/>
-                <a:p>
-                  <a:pPr algn="ctr"/>
-                  <a:r>
-                    <a:rPr lang="zh-CN" altLang="en-US" dirty="0" smtClean="0">
-                      <a:solidFill>
-                        <a:schemeClr val="bg1"/>
-                      </a:solidFill>
-                    </a:rPr>
-                    <a:t>标准</a:t>
-                  </a:r>
-                  <a:r>
-                    <a:rPr lang="en-US" altLang="zh-CN" dirty="0" err="1" smtClean="0">
-                      <a:solidFill>
-                        <a:schemeClr val="bg1"/>
-                      </a:solidFill>
-                    </a:rPr>
-                    <a:t>dao</a:t>
-                  </a:r>
-                  <a:endParaRPr lang="zh-CN" altLang="en-US" dirty="0">
-                    <a:solidFill>
-                      <a:schemeClr val="bg1"/>
-                    </a:solidFill>
-                  </a:endParaRPr>
-                </a:p>
-              </p:txBody>
-            </p:sp>
-            <p:sp>
-              <p:nvSpPr>
-                <p:cNvPr id="91" name="文本框 90"/>
-                <p:cNvSpPr txBox="1"/>
-                <p:nvPr/>
-              </p:nvSpPr>
-              <p:spPr>
-                <a:xfrm>
-                  <a:off x="2622838" y="3281745"/>
-                  <a:ext cx="1376979" cy="369332"/>
-                </a:xfrm>
-                <a:prstGeom prst="rect">
-                  <a:avLst/>
-                </a:prstGeom>
-                <a:solidFill>
-                  <a:schemeClr val="accent6"/>
-                </a:solidFill>
-              </p:spPr>
-              <p:txBody>
-                <a:bodyPr wrap="square" rtlCol="0">
-                  <a:spAutoFit/>
-                </a:bodyPr>
-                <a:lstStyle/>
-                <a:p>
-                  <a:pPr algn="ctr"/>
-                  <a:r>
-                    <a:rPr lang="zh-CN" altLang="en-US" dirty="0" smtClean="0">
-                      <a:solidFill>
-                        <a:schemeClr val="bg1"/>
-                      </a:solidFill>
-                    </a:rPr>
-                    <a:t>构建</a:t>
-                  </a:r>
-                  <a:r>
-                    <a:rPr lang="en-US" altLang="zh-CN" dirty="0" err="1" smtClean="0">
-                      <a:solidFill>
-                        <a:schemeClr val="bg1"/>
-                      </a:solidFill>
-                    </a:rPr>
-                    <a:t>sql</a:t>
-                  </a:r>
-                  <a:endParaRPr lang="zh-CN" altLang="en-US" dirty="0">
-                    <a:solidFill>
-                      <a:schemeClr val="bg1"/>
-                    </a:solidFill>
-                  </a:endParaRPr>
-                </a:p>
-              </p:txBody>
-            </p:sp>
-            <p:sp>
-              <p:nvSpPr>
-                <p:cNvPr id="92" name="文本框 91"/>
-                <p:cNvSpPr txBox="1"/>
-                <p:nvPr/>
-              </p:nvSpPr>
-              <p:spPr>
-                <a:xfrm>
-                  <a:off x="4244904" y="2917983"/>
-                  <a:ext cx="1376979" cy="722624"/>
-                </a:xfrm>
-                <a:prstGeom prst="rect">
-                  <a:avLst/>
-                </a:prstGeom>
-                <a:solidFill>
-                  <a:schemeClr val="accent1"/>
-                </a:solidFill>
-              </p:spPr>
-              <p:txBody>
-                <a:bodyPr wrap="square" rtlCol="0" anchor="ctr" anchorCtr="1">
-                  <a:noAutofit/>
-                </a:bodyPr>
-                <a:lstStyle/>
-                <a:p>
-                  <a:r>
-                    <a:rPr lang="zh-CN" altLang="en-US" dirty="0" smtClean="0">
-                      <a:solidFill>
-                        <a:schemeClr val="bg1"/>
-                      </a:solidFill>
-                    </a:rPr>
-                    <a:t>自定义</a:t>
-                  </a:r>
-                  <a:r>
-                    <a:rPr lang="en-US" altLang="zh-CN" dirty="0" err="1" smtClean="0">
-                      <a:solidFill>
-                        <a:schemeClr val="bg1"/>
-                      </a:solidFill>
-                    </a:rPr>
-                    <a:t>sql</a:t>
-                  </a:r>
-                  <a:endParaRPr lang="zh-CN" altLang="en-US" dirty="0">
-                    <a:solidFill>
-                      <a:schemeClr val="bg1"/>
-                    </a:solidFill>
-                  </a:endParaRPr>
-                </a:p>
-              </p:txBody>
-            </p:sp>
-            <p:sp>
-              <p:nvSpPr>
-                <p:cNvPr id="96" name="文本框 95"/>
-                <p:cNvSpPr txBox="1"/>
-                <p:nvPr/>
-              </p:nvSpPr>
-              <p:spPr>
-                <a:xfrm>
-                  <a:off x="7813399" y="3905363"/>
-                  <a:ext cx="1376979" cy="482623"/>
-                </a:xfrm>
-                <a:prstGeom prst="rect">
-                  <a:avLst/>
-                </a:prstGeom>
-                <a:solidFill>
-                  <a:schemeClr val="accent1"/>
-                </a:solidFill>
-              </p:spPr>
-              <p:txBody>
-                <a:bodyPr wrap="square" rtlCol="0" anchor="ctr" anchorCtr="1">
-                  <a:noAutofit/>
-                </a:bodyPr>
-                <a:lstStyle/>
-                <a:p>
-                  <a:pPr algn="ctr"/>
-                  <a:r>
-                    <a:rPr lang="en-US" altLang="zh-CN" sz="1600" dirty="0" err="1" smtClean="0">
-                      <a:solidFill>
-                        <a:schemeClr val="bg1"/>
-                      </a:solidFill>
-                    </a:rPr>
-                    <a:t>DalQueryDao</a:t>
-                  </a:r>
-                  <a:endParaRPr lang="zh-CN" altLang="en-US" sz="1600" dirty="0">
-                    <a:solidFill>
-                      <a:schemeClr val="bg1"/>
-                    </a:solidFill>
-                  </a:endParaRPr>
-                </a:p>
-              </p:txBody>
-            </p:sp>
-            <p:sp>
-              <p:nvSpPr>
-                <p:cNvPr id="97" name="文本框 96"/>
-                <p:cNvSpPr txBox="1"/>
-                <p:nvPr/>
-              </p:nvSpPr>
-              <p:spPr>
-                <a:xfrm>
-                  <a:off x="6307370" y="3905252"/>
-                  <a:ext cx="1376979" cy="482623"/>
-                </a:xfrm>
-                <a:prstGeom prst="rect">
-                  <a:avLst/>
-                </a:prstGeom>
-                <a:solidFill>
-                  <a:schemeClr val="accent1"/>
-                </a:solidFill>
-              </p:spPr>
-              <p:txBody>
-                <a:bodyPr wrap="square" rtlCol="0" anchor="ctr" anchorCtr="1">
-                  <a:noAutofit/>
-                </a:bodyPr>
-                <a:lstStyle/>
-                <a:p>
-                  <a:pPr algn="ctr"/>
-                  <a:r>
-                    <a:rPr lang="en-US" altLang="zh-CN" sz="1600" dirty="0" err="1" smtClean="0">
-                      <a:solidFill>
-                        <a:schemeClr val="bg1"/>
-                      </a:solidFill>
-                    </a:rPr>
-                    <a:t>DalTableDao</a:t>
-                  </a:r>
-                  <a:endParaRPr lang="zh-CN" altLang="en-US" sz="1600" dirty="0">
-                    <a:solidFill>
-                      <a:schemeClr val="bg1"/>
-                    </a:solidFill>
-                  </a:endParaRPr>
-                </a:p>
-              </p:txBody>
-            </p:sp>
-            <p:sp>
-              <p:nvSpPr>
-                <p:cNvPr id="100" name="文本框 99"/>
-                <p:cNvSpPr txBox="1"/>
-                <p:nvPr/>
-              </p:nvSpPr>
-              <p:spPr>
-                <a:xfrm>
-                  <a:off x="6994719" y="5043268"/>
-                  <a:ext cx="1378800" cy="482400"/>
-                </a:xfrm>
-                <a:prstGeom prst="rect">
-                  <a:avLst/>
-                </a:prstGeom>
-                <a:solidFill>
-                  <a:schemeClr val="accent1"/>
-                </a:solidFill>
-              </p:spPr>
-              <p:txBody>
-                <a:bodyPr wrap="square" rtlCol="0" anchor="ctr" anchorCtr="0">
-                  <a:noAutofit/>
-                </a:bodyPr>
-                <a:lstStyle/>
-                <a:p>
-                  <a:pPr algn="ctr"/>
-                  <a:r>
-                    <a:rPr lang="en-US" altLang="zh-CN" dirty="0" err="1" smtClean="0">
-                      <a:solidFill>
-                        <a:schemeClr val="bg1"/>
-                      </a:solidFill>
-                    </a:rPr>
-                    <a:t>DalClient</a:t>
-                  </a:r>
-                  <a:endParaRPr lang="zh-CN" altLang="en-US" dirty="0">
-                    <a:solidFill>
-                      <a:schemeClr val="bg1"/>
-                    </a:solidFill>
-                  </a:endParaRPr>
-                </a:p>
-              </p:txBody>
-            </p:sp>
-            <p:sp>
-              <p:nvSpPr>
-                <p:cNvPr id="102" name="文本框 101"/>
-                <p:cNvSpPr txBox="1"/>
-                <p:nvPr/>
-              </p:nvSpPr>
-              <p:spPr>
-                <a:xfrm>
-                  <a:off x="5503066" y="1436614"/>
-                  <a:ext cx="1378800" cy="482400"/>
-                </a:xfrm>
-                <a:prstGeom prst="rect">
-                  <a:avLst/>
-                </a:prstGeom>
-                <a:solidFill>
-                  <a:schemeClr val="accent1"/>
-                </a:solidFill>
-              </p:spPr>
-              <p:txBody>
-                <a:bodyPr wrap="square" rtlCol="0" anchor="ctr" anchorCtr="0">
-                  <a:noAutofit/>
-                </a:bodyPr>
-                <a:lstStyle/>
-                <a:p>
-                  <a:pPr algn="ctr"/>
-                  <a:r>
-                    <a:rPr lang="zh-CN" altLang="en-US" dirty="0">
-                      <a:solidFill>
-                        <a:schemeClr val="bg1"/>
-                      </a:solidFill>
-                    </a:rPr>
-                    <a:t>应用</a:t>
-                  </a:r>
-                </a:p>
-              </p:txBody>
-            </p:sp>
-            <p:sp>
-              <p:nvSpPr>
-                <p:cNvPr id="104" name="流程图: 磁盘 103"/>
-                <p:cNvSpPr/>
-                <p:nvPr/>
-              </p:nvSpPr>
-              <p:spPr>
-                <a:xfrm>
-                  <a:off x="7207624" y="5859324"/>
-                  <a:ext cx="968188" cy="699247"/>
-                </a:xfrm>
-                <a:prstGeom prst="flowChartMagneticDisk">
-                  <a:avLst/>
-                </a:prstGeom>
-              </p:spPr>
-              <p:style>
-                <a:lnRef idx="2">
-                  <a:schemeClr val="accent1">
-                    <a:shade val="50000"/>
-                  </a:schemeClr>
-                </a:lnRef>
-                <a:fillRef idx="1">
-                  <a:schemeClr val="accent1"/>
-                </a:fillRef>
-                <a:effectRef idx="0">
-                  <a:schemeClr val="accent1"/>
-                </a:effectRef>
-                <a:fontRef idx="minor">
-                  <a:schemeClr val="lt1"/>
-                </a:fontRef>
-              </p:style>
-              <p:txBody>
-                <a:bodyPr rtlCol="0" anchor="ctr"/>
-                <a:lstStyle/>
-                <a:p>
-                  <a:pPr algn="ctr"/>
-                  <a:endParaRPr lang="zh-CN" altLang="en-US"/>
-                </a:p>
-              </p:txBody>
-            </p:sp>
-            <p:cxnSp>
-              <p:nvCxnSpPr>
-                <p:cNvPr id="109" name="肘形连接符 108"/>
-                <p:cNvCxnSpPr>
-                  <a:stCxn id="102" idx="1"/>
-                  <a:endCxn id="87" idx="0"/>
-                </p:cNvCxnSpPr>
-                <p:nvPr/>
-              </p:nvCxnSpPr>
-              <p:spPr>
-                <a:xfrm rot="10800000" flipV="1">
-                  <a:off x="4143472" y="1677814"/>
-                  <a:ext cx="1359594" cy="419368"/>
-                </a:xfrm>
-                <a:prstGeom prst="bentConnector2">
-                  <a:avLst/>
-                </a:prstGeom>
-                <a:ln w="28575">
-                  <a:tailEnd type="triangle"/>
-                </a:ln>
-              </p:spPr>
-              <p:style>
-                <a:lnRef idx="1">
-                  <a:schemeClr val="accent1"/>
-                </a:lnRef>
-                <a:fillRef idx="0">
-                  <a:schemeClr val="accent1"/>
-                </a:fillRef>
-                <a:effectRef idx="0">
-                  <a:schemeClr val="accent1"/>
-                </a:effectRef>
-                <a:fontRef idx="minor">
-                  <a:schemeClr val="tx1"/>
-                </a:fontRef>
-              </p:style>
-            </p:cxnSp>
-            <p:cxnSp>
-              <p:nvCxnSpPr>
-                <p:cNvPr id="112" name="肘形连接符 111"/>
-                <p:cNvCxnSpPr>
-                  <a:stCxn id="87" idx="3"/>
-                  <a:endCxn id="92" idx="0"/>
-                </p:cNvCxnSpPr>
-                <p:nvPr/>
-              </p:nvCxnSpPr>
-              <p:spPr>
-                <a:xfrm>
-                  <a:off x="4832872" y="2338382"/>
-                  <a:ext cx="100522" cy="579601"/>
-                </a:xfrm>
-                <a:prstGeom prst="bentConnector2">
-                  <a:avLst/>
-                </a:prstGeom>
-                <a:ln w="28575">
-                  <a:tailEnd type="triangle"/>
-                </a:ln>
-              </p:spPr>
-              <p:style>
-                <a:lnRef idx="1">
-                  <a:schemeClr val="accent1"/>
-                </a:lnRef>
-                <a:fillRef idx="0">
-                  <a:schemeClr val="accent1"/>
-                </a:fillRef>
-                <a:effectRef idx="0">
-                  <a:schemeClr val="accent1"/>
-                </a:effectRef>
-                <a:fontRef idx="minor">
-                  <a:schemeClr val="tx1"/>
-                </a:fontRef>
-              </p:style>
-            </p:cxnSp>
-            <p:cxnSp>
-              <p:nvCxnSpPr>
-                <p:cNvPr id="116" name="肘形连接符 115"/>
-                <p:cNvCxnSpPr>
-                  <a:stCxn id="87" idx="1"/>
-                  <a:endCxn id="90" idx="0"/>
-                </p:cNvCxnSpPr>
-                <p:nvPr/>
-              </p:nvCxnSpPr>
-              <p:spPr>
-                <a:xfrm rot="10800000" flipV="1">
-                  <a:off x="3311330" y="2338381"/>
-                  <a:ext cx="142743" cy="584069"/>
-                </a:xfrm>
-                <a:prstGeom prst="bentConnector2">
-                  <a:avLst/>
-                </a:prstGeom>
-                <a:ln w="28575">
-                  <a:tailEnd type="triangle"/>
-                </a:ln>
-              </p:spPr>
-              <p:style>
-                <a:lnRef idx="1">
-                  <a:schemeClr val="accent1"/>
-                </a:lnRef>
-                <a:fillRef idx="0">
-                  <a:schemeClr val="accent1"/>
-                </a:fillRef>
-                <a:effectRef idx="0">
-                  <a:schemeClr val="accent1"/>
-                </a:effectRef>
-                <a:fontRef idx="minor">
-                  <a:schemeClr val="tx1"/>
-                </a:fontRef>
-              </p:style>
-            </p:cxnSp>
-            <p:cxnSp>
-              <p:nvCxnSpPr>
-                <p:cNvPr id="121" name="肘形连接符 120"/>
-                <p:cNvCxnSpPr>
-                  <a:stCxn id="91" idx="2"/>
-                  <a:endCxn id="97" idx="1"/>
-                </p:cNvCxnSpPr>
-                <p:nvPr/>
-              </p:nvCxnSpPr>
-              <p:spPr>
-                <a:xfrm rot="16200000" flipH="1">
-                  <a:off x="4561606" y="2400799"/>
-                  <a:ext cx="495487" cy="2996042"/>
-                </a:xfrm>
-                <a:prstGeom prst="bentConnector2">
-                  <a:avLst/>
-                </a:prstGeom>
-                <a:ln w="28575">
-                  <a:tailEnd type="triangle"/>
-                </a:ln>
-              </p:spPr>
-              <p:style>
-                <a:lnRef idx="1">
-                  <a:schemeClr val="accent1"/>
-                </a:lnRef>
-                <a:fillRef idx="0">
-                  <a:schemeClr val="accent1"/>
-                </a:fillRef>
-                <a:effectRef idx="0">
-                  <a:schemeClr val="accent1"/>
-                </a:effectRef>
-                <a:fontRef idx="minor">
-                  <a:schemeClr val="tx1"/>
-                </a:fontRef>
-              </p:style>
-            </p:cxnSp>
-            <p:cxnSp>
-              <p:nvCxnSpPr>
-                <p:cNvPr id="123" name="肘形连接符 122"/>
-                <p:cNvCxnSpPr>
-                  <a:stCxn id="92" idx="3"/>
-                  <a:endCxn id="96" idx="0"/>
-                </p:cNvCxnSpPr>
-                <p:nvPr/>
-              </p:nvCxnSpPr>
-              <p:spPr>
-                <a:xfrm>
-                  <a:off x="5621883" y="3279295"/>
-                  <a:ext cx="2880006" cy="626068"/>
-                </a:xfrm>
-                <a:prstGeom prst="bentConnector2">
-                  <a:avLst/>
-                </a:prstGeom>
-                <a:ln w="28575">
-                  <a:tailEnd type="triangle"/>
-                </a:ln>
-              </p:spPr>
-              <p:style>
-                <a:lnRef idx="1">
-                  <a:schemeClr val="accent1"/>
-                </a:lnRef>
-                <a:fillRef idx="0">
-                  <a:schemeClr val="accent1"/>
-                </a:fillRef>
-                <a:effectRef idx="0">
-                  <a:schemeClr val="accent1"/>
-                </a:effectRef>
-                <a:fontRef idx="minor">
-                  <a:schemeClr val="tx1"/>
-                </a:fontRef>
-              </p:style>
-            </p:cxnSp>
-            <p:cxnSp>
-              <p:nvCxnSpPr>
-                <p:cNvPr id="125" name="直接箭头连接符 124"/>
-                <p:cNvCxnSpPr/>
-                <p:nvPr/>
-              </p:nvCxnSpPr>
-              <p:spPr>
-                <a:xfrm>
-                  <a:off x="7021269" y="1677814"/>
-                  <a:ext cx="0" cy="2256869"/>
-                </a:xfrm>
-                <a:prstGeom prst="straightConnector1">
-                  <a:avLst/>
-                </a:prstGeom>
-                <a:ln w="28575">
-                  <a:tailEnd type="triangle"/>
-                </a:ln>
-              </p:spPr>
-              <p:style>
-                <a:lnRef idx="1">
-                  <a:schemeClr val="accent1"/>
-                </a:lnRef>
-                <a:fillRef idx="0">
-                  <a:schemeClr val="accent1"/>
-                </a:fillRef>
-                <a:effectRef idx="0">
-                  <a:schemeClr val="accent1"/>
-                </a:effectRef>
-                <a:fontRef idx="minor">
-                  <a:schemeClr val="tx1"/>
-                </a:fontRef>
-              </p:style>
-            </p:cxnSp>
-            <p:cxnSp>
-              <p:nvCxnSpPr>
-                <p:cNvPr id="129" name="肘形连接符 128"/>
-                <p:cNvCxnSpPr>
-                  <a:stCxn id="102" idx="3"/>
-                  <a:endCxn id="96" idx="3"/>
-                </p:cNvCxnSpPr>
-                <p:nvPr/>
-              </p:nvCxnSpPr>
-              <p:spPr>
-                <a:xfrm>
-                  <a:off x="6881866" y="1677814"/>
-                  <a:ext cx="2308512" cy="2468861"/>
-                </a:xfrm>
-                <a:prstGeom prst="bentConnector3">
-                  <a:avLst>
-                    <a:gd name="adj1" fmla="val 109902"/>
-                  </a:avLst>
-                </a:prstGeom>
-                <a:ln w="28575">
-                  <a:tailEnd type="triangle"/>
-                </a:ln>
-              </p:spPr>
-              <p:style>
-                <a:lnRef idx="1">
-                  <a:schemeClr val="accent1"/>
-                </a:lnRef>
-                <a:fillRef idx="0">
-                  <a:schemeClr val="accent1"/>
-                </a:fillRef>
-                <a:effectRef idx="0">
-                  <a:schemeClr val="accent1"/>
-                </a:effectRef>
-                <a:fontRef idx="minor">
-                  <a:schemeClr val="tx1"/>
-                </a:fontRef>
-              </p:style>
-            </p:cxnSp>
-            <p:cxnSp>
-              <p:nvCxnSpPr>
-                <p:cNvPr id="151" name="肘形连接符 150"/>
-                <p:cNvCxnSpPr>
-                  <a:endCxn id="100" idx="0"/>
-                </p:cNvCxnSpPr>
-                <p:nvPr/>
-              </p:nvCxnSpPr>
-              <p:spPr>
-                <a:xfrm rot="16200000" flipH="1">
-                  <a:off x="7077950" y="4437099"/>
-                  <a:ext cx="665574" cy="546764"/>
-                </a:xfrm>
-                <a:prstGeom prst="bentConnector3">
-                  <a:avLst>
-                    <a:gd name="adj1" fmla="val 50000"/>
-                  </a:avLst>
-                </a:prstGeom>
-                <a:ln w="28575">
-                  <a:tailEnd type="triangle"/>
-                </a:ln>
-              </p:spPr>
-              <p:style>
-                <a:lnRef idx="1">
-                  <a:schemeClr val="accent1"/>
-                </a:lnRef>
-                <a:fillRef idx="0">
-                  <a:schemeClr val="accent1"/>
-                </a:fillRef>
-                <a:effectRef idx="0">
-                  <a:schemeClr val="accent1"/>
-                </a:effectRef>
-                <a:fontRef idx="minor">
-                  <a:schemeClr val="tx1"/>
-                </a:fontRef>
-              </p:style>
-            </p:cxnSp>
-            <p:cxnSp>
-              <p:nvCxnSpPr>
-                <p:cNvPr id="153" name="肘形连接符 152"/>
-                <p:cNvCxnSpPr>
-                  <a:stCxn id="96" idx="2"/>
-                  <a:endCxn id="100" idx="0"/>
-                </p:cNvCxnSpPr>
-                <p:nvPr/>
-              </p:nvCxnSpPr>
-              <p:spPr>
-                <a:xfrm rot="5400000">
-                  <a:off x="7765363" y="4306742"/>
-                  <a:ext cx="655282" cy="817770"/>
-                </a:xfrm>
-                <a:prstGeom prst="bentConnector3">
-                  <a:avLst>
-                    <a:gd name="adj1" fmla="val 48358"/>
-                  </a:avLst>
-                </a:prstGeom>
-                <a:ln w="28575">
-                  <a:tailEnd type="triangle"/>
-                </a:ln>
-              </p:spPr>
-              <p:style>
-                <a:lnRef idx="1">
-                  <a:schemeClr val="accent1"/>
-                </a:lnRef>
-                <a:fillRef idx="0">
-                  <a:schemeClr val="accent1"/>
-                </a:fillRef>
-                <a:effectRef idx="0">
-                  <a:schemeClr val="accent1"/>
-                </a:effectRef>
-                <a:fontRef idx="minor">
-                  <a:schemeClr val="tx1"/>
-                </a:fontRef>
-              </p:style>
-            </p:cxnSp>
-            <p:sp>
-              <p:nvSpPr>
-                <p:cNvPr id="173" name="文本框 172"/>
-                <p:cNvSpPr txBox="1"/>
-                <p:nvPr/>
-              </p:nvSpPr>
-              <p:spPr>
-                <a:xfrm>
-                  <a:off x="2621015" y="2416702"/>
-                  <a:ext cx="690312" cy="369332"/>
-                </a:xfrm>
-                <a:prstGeom prst="rect">
-                  <a:avLst/>
-                </a:prstGeom>
-                <a:noFill/>
-              </p:spPr>
-              <p:txBody>
-                <a:bodyPr wrap="square" rtlCol="0">
-                  <a:spAutoFit/>
-                </a:bodyPr>
-                <a:lstStyle/>
-                <a:p>
-                  <a:r>
-                    <a:rPr lang="zh-CN" altLang="en-US" dirty="0"/>
-                    <a:t>单表</a:t>
-                  </a:r>
-                </a:p>
-              </p:txBody>
-            </p:sp>
-            <p:sp>
-              <p:nvSpPr>
-                <p:cNvPr id="174" name="文本框 173"/>
-                <p:cNvSpPr txBox="1"/>
-                <p:nvPr/>
-              </p:nvSpPr>
-              <p:spPr>
-                <a:xfrm>
-                  <a:off x="4954505" y="2412207"/>
-                  <a:ext cx="690312" cy="369332"/>
-                </a:xfrm>
-                <a:prstGeom prst="rect">
-                  <a:avLst/>
-                </a:prstGeom>
-                <a:noFill/>
-              </p:spPr>
-              <p:txBody>
-                <a:bodyPr wrap="square" rtlCol="0">
-                  <a:spAutoFit/>
-                </a:bodyPr>
-                <a:lstStyle/>
-                <a:p>
-                  <a:r>
-                    <a:rPr lang="zh-CN" altLang="en-US" dirty="0" smtClean="0"/>
-                    <a:t>多表</a:t>
-                  </a:r>
-                  <a:endParaRPr lang="zh-CN" altLang="en-US" dirty="0"/>
-                </a:p>
-              </p:txBody>
-            </p:sp>
-            <p:sp>
-              <p:nvSpPr>
-                <p:cNvPr id="175" name="文本框 174"/>
-                <p:cNvSpPr txBox="1"/>
-                <p:nvPr/>
-              </p:nvSpPr>
-              <p:spPr>
-                <a:xfrm>
-                  <a:off x="7123087" y="2439236"/>
-                  <a:ext cx="690312" cy="369332"/>
-                </a:xfrm>
-                <a:prstGeom prst="rect">
-                  <a:avLst/>
-                </a:prstGeom>
-                <a:noFill/>
-              </p:spPr>
-              <p:txBody>
-                <a:bodyPr wrap="square" rtlCol="0">
-                  <a:spAutoFit/>
-                </a:bodyPr>
-                <a:lstStyle/>
-                <a:p>
-                  <a:r>
-                    <a:rPr lang="zh-CN" altLang="en-US" dirty="0"/>
-                    <a:t>单表</a:t>
-                  </a:r>
-                </a:p>
-              </p:txBody>
-            </p:sp>
-            <p:sp>
-              <p:nvSpPr>
-                <p:cNvPr id="176" name="文本框 175"/>
-                <p:cNvSpPr txBox="1"/>
-                <p:nvPr/>
-              </p:nvSpPr>
-              <p:spPr>
-                <a:xfrm>
-                  <a:off x="8747402" y="2439236"/>
-                  <a:ext cx="690312" cy="369332"/>
-                </a:xfrm>
-                <a:prstGeom prst="rect">
-                  <a:avLst/>
-                </a:prstGeom>
-                <a:noFill/>
-              </p:spPr>
-              <p:txBody>
-                <a:bodyPr wrap="square" rtlCol="0">
-                  <a:spAutoFit/>
-                </a:bodyPr>
-                <a:lstStyle/>
-                <a:p>
-                  <a:r>
-                    <a:rPr lang="zh-CN" altLang="en-US" dirty="0" smtClean="0"/>
-                    <a:t>多表</a:t>
-                  </a:r>
-                  <a:endParaRPr lang="zh-CN" altLang="en-US" dirty="0"/>
-                </a:p>
-              </p:txBody>
-            </p:sp>
-            <p:sp>
-              <p:nvSpPr>
-                <p:cNvPr id="177" name="文本框 176"/>
-                <p:cNvSpPr txBox="1"/>
-                <p:nvPr/>
-              </p:nvSpPr>
-              <p:spPr>
-                <a:xfrm>
-                  <a:off x="7275558" y="6132912"/>
-                  <a:ext cx="900254" cy="369332"/>
-                </a:xfrm>
-                <a:prstGeom prst="rect">
-                  <a:avLst/>
-                </a:prstGeom>
-                <a:noFill/>
-              </p:spPr>
-              <p:txBody>
-                <a:bodyPr wrap="square" rtlCol="0">
-                  <a:spAutoFit/>
-                </a:bodyPr>
-                <a:lstStyle/>
-                <a:p>
-                  <a:pPr algn="ctr"/>
-                  <a:r>
-                    <a:rPr lang="en-US" altLang="zh-CN" dirty="0" smtClean="0">
-                      <a:solidFill>
-                        <a:schemeClr val="bg1"/>
-                      </a:solidFill>
-                    </a:rPr>
-                    <a:t>DB</a:t>
-                  </a:r>
-                  <a:endParaRPr lang="zh-CN" altLang="en-US" dirty="0">
-                    <a:solidFill>
-                      <a:schemeClr val="bg1"/>
-                    </a:solidFill>
-                  </a:endParaRPr>
-                </a:p>
-              </p:txBody>
-            </p:sp>
-          </p:grpSp>
-        </p:grpSp>
-        <p:sp>
-          <p:nvSpPr>
-            <p:cNvPr id="203" name="文本框 202"/>
-            <p:cNvSpPr txBox="1"/>
-            <p:nvPr/>
-          </p:nvSpPr>
-          <p:spPr>
-            <a:xfrm>
-              <a:off x="3699458" y="1453040"/>
-              <a:ext cx="1524392" cy="369332"/>
-            </a:xfrm>
-            <a:prstGeom prst="rect">
-              <a:avLst/>
-            </a:prstGeom>
-            <a:noFill/>
-          </p:spPr>
-          <p:txBody>
-            <a:bodyPr wrap="square" rtlCol="0">
-              <a:spAutoFit/>
-            </a:bodyPr>
-            <a:lstStyle/>
-            <a:p>
-              <a:r>
-                <a:rPr lang="zh-CN" altLang="en-US" dirty="0" smtClean="0"/>
-                <a:t>生成</a:t>
-              </a:r>
-              <a:r>
-                <a:rPr lang="en-US" altLang="zh-CN" dirty="0" smtClean="0"/>
-                <a:t>dal</a:t>
-              </a:r>
-              <a:r>
-                <a:rPr lang="zh-CN" altLang="en-US" dirty="0" smtClean="0"/>
-                <a:t>代码</a:t>
-              </a:r>
-              <a:endParaRPr lang="zh-CN" altLang="en-US" dirty="0"/>
-            </a:p>
-          </p:txBody>
-        </p:sp>
-        <p:sp>
-          <p:nvSpPr>
-            <p:cNvPr id="204" name="文本框 203"/>
-            <p:cNvSpPr txBox="1"/>
-            <p:nvPr/>
-          </p:nvSpPr>
-          <p:spPr>
-            <a:xfrm>
-              <a:off x="6678681" y="1450292"/>
-              <a:ext cx="2015844" cy="369332"/>
-            </a:xfrm>
-            <a:prstGeom prst="rect">
-              <a:avLst/>
-            </a:prstGeom>
-            <a:noFill/>
-          </p:spPr>
-          <p:txBody>
-            <a:bodyPr wrap="square" rtlCol="0">
-              <a:spAutoFit/>
-            </a:bodyPr>
-            <a:lstStyle/>
-            <a:p>
-              <a:r>
-                <a:rPr lang="zh-CN" altLang="en-US" dirty="0" smtClean="0"/>
-                <a:t>直接调用</a:t>
-              </a:r>
-              <a:r>
-                <a:rPr lang="en-US" altLang="zh-CN" dirty="0" smtClean="0"/>
-                <a:t>dal</a:t>
-              </a:r>
-              <a:r>
-                <a:rPr lang="zh-CN" altLang="en-US" dirty="0" smtClean="0"/>
-                <a:t>代码</a:t>
-              </a:r>
-              <a:endParaRPr lang="zh-CN" altLang="en-US" dirty="0"/>
-            </a:p>
-          </p:txBody>
-        </p:sp>
-      </p:grpSp>
       <p:sp>
         <p:nvSpPr>
           <p:cNvPr id="34" name="动作按钮: 第一张 33">
@@ -11384,6 +10365,1268 @@
           </a:p>
         </p:txBody>
       </p:sp>
+      <p:sp>
+        <p:nvSpPr>
+          <p:cNvPr id="3" name="文本框 2"/>
+          <p:cNvSpPr txBox="1"/>
+          <p:nvPr/>
+        </p:nvSpPr>
+        <p:spPr>
+          <a:xfrm>
+            <a:off x="580542" y="1586751"/>
+            <a:ext cx="1999130" cy="369332"/>
+          </a:xfrm>
+          <a:prstGeom prst="rect">
+            <a:avLst/>
+          </a:prstGeom>
+          <a:noFill/>
+        </p:spPr>
+        <p:txBody>
+          <a:bodyPr wrap="square" rtlCol="0">
+            <a:spAutoFit/>
+          </a:bodyPr>
+          <a:lstStyle/>
+          <a:p>
+            <a:r>
+              <a:rPr lang="zh-CN" altLang="en-US" b="1" dirty="0"/>
+              <a:t>调用</a:t>
+            </a:r>
+            <a:r>
+              <a:rPr lang="en-US" altLang="zh-CN" b="1" dirty="0" smtClean="0"/>
+              <a:t>Dal</a:t>
+            </a:r>
+            <a:r>
+              <a:rPr lang="zh-CN" altLang="en-US" b="1" dirty="0" smtClean="0"/>
+              <a:t>代码方式</a:t>
+            </a:r>
+            <a:r>
+              <a:rPr lang="en-US" altLang="zh-CN" b="1" dirty="0" smtClean="0"/>
+              <a:t>:</a:t>
+            </a:r>
+            <a:endParaRPr lang="zh-CN" altLang="en-US" b="1" dirty="0"/>
+          </a:p>
+        </p:txBody>
+      </p:sp>
+      <p:sp>
+        <p:nvSpPr>
+          <p:cNvPr id="4" name="文本框 3"/>
+          <p:cNvSpPr txBox="1"/>
+          <p:nvPr/>
+        </p:nvSpPr>
+        <p:spPr>
+          <a:xfrm>
+            <a:off x="1918447" y="2221478"/>
+            <a:ext cx="824753" cy="369332"/>
+          </a:xfrm>
+          <a:prstGeom prst="rect">
+            <a:avLst/>
+          </a:prstGeom>
+          <a:solidFill>
+            <a:schemeClr val="accent1">
+              <a:lumMod val="40000"/>
+              <a:lumOff val="60000"/>
+            </a:schemeClr>
+          </a:solidFill>
+          <a:ln w="12700">
+            <a:solidFill>
+              <a:schemeClr val="tx1"/>
+            </a:solidFill>
+          </a:ln>
+        </p:spPr>
+        <p:txBody>
+          <a:bodyPr wrap="square" rtlCol="0">
+            <a:spAutoFit/>
+          </a:bodyPr>
+          <a:lstStyle/>
+          <a:p>
+            <a:pPr algn="ctr"/>
+            <a:r>
+              <a:rPr lang="zh-CN" altLang="en-US" dirty="0" smtClean="0"/>
+              <a:t>用户</a:t>
+            </a:r>
+            <a:endParaRPr lang="zh-CN" altLang="en-US" dirty="0"/>
+          </a:p>
+        </p:txBody>
+      </p:sp>
+      <p:sp>
+        <p:nvSpPr>
+          <p:cNvPr id="5" name="文本框 4"/>
+          <p:cNvSpPr txBox="1"/>
+          <p:nvPr/>
+        </p:nvSpPr>
+        <p:spPr>
+          <a:xfrm>
+            <a:off x="726142" y="3416093"/>
+            <a:ext cx="1353980" cy="369332"/>
+          </a:xfrm>
+          <a:prstGeom prst="rect">
+            <a:avLst/>
+          </a:prstGeom>
+          <a:solidFill>
+            <a:schemeClr val="accent1">
+              <a:lumMod val="40000"/>
+              <a:lumOff val="60000"/>
+            </a:schemeClr>
+          </a:solidFill>
+          <a:ln w="12700">
+            <a:solidFill>
+              <a:schemeClr val="tx1"/>
+            </a:solidFill>
+          </a:ln>
+        </p:spPr>
+        <p:txBody>
+          <a:bodyPr wrap="square" rtlCol="0">
+            <a:spAutoFit/>
+          </a:bodyPr>
+          <a:lstStyle/>
+          <a:p>
+            <a:pPr algn="ctr"/>
+            <a:r>
+              <a:rPr lang="zh-CN" altLang="en-US" dirty="0" smtClean="0"/>
+              <a:t>代码生成器</a:t>
+            </a:r>
+            <a:endParaRPr lang="zh-CN" altLang="en-US" dirty="0"/>
+          </a:p>
+        </p:txBody>
+      </p:sp>
+      <p:sp>
+        <p:nvSpPr>
+          <p:cNvPr id="6" name="文本框 5"/>
+          <p:cNvSpPr txBox="1"/>
+          <p:nvPr/>
+        </p:nvSpPr>
+        <p:spPr>
+          <a:xfrm>
+            <a:off x="2743200" y="3416093"/>
+            <a:ext cx="1210235" cy="369332"/>
+          </a:xfrm>
+          <a:prstGeom prst="rect">
+            <a:avLst/>
+          </a:prstGeom>
+          <a:solidFill>
+            <a:schemeClr val="accent1">
+              <a:lumMod val="40000"/>
+              <a:lumOff val="60000"/>
+            </a:schemeClr>
+          </a:solidFill>
+          <a:ln w="12700">
+            <a:solidFill>
+              <a:schemeClr val="tx1"/>
+            </a:solidFill>
+          </a:ln>
+        </p:spPr>
+        <p:txBody>
+          <a:bodyPr wrap="square" rtlCol="0">
+            <a:spAutoFit/>
+          </a:bodyPr>
+          <a:lstStyle/>
+          <a:p>
+            <a:pPr algn="ctr"/>
+            <a:r>
+              <a:rPr lang="en-US" altLang="zh-CN" dirty="0" smtClean="0"/>
+              <a:t>Dal Dao</a:t>
+            </a:r>
+            <a:endParaRPr lang="zh-CN" altLang="en-US" dirty="0"/>
+          </a:p>
+        </p:txBody>
+      </p:sp>
+      <p:sp>
+        <p:nvSpPr>
+          <p:cNvPr id="7" name="文本框 6"/>
+          <p:cNvSpPr txBox="1"/>
+          <p:nvPr/>
+        </p:nvSpPr>
+        <p:spPr>
+          <a:xfrm>
+            <a:off x="744226" y="4445950"/>
+            <a:ext cx="1317811" cy="369332"/>
+          </a:xfrm>
+          <a:prstGeom prst="rect">
+            <a:avLst/>
+          </a:prstGeom>
+          <a:solidFill>
+            <a:schemeClr val="accent1">
+              <a:lumMod val="40000"/>
+              <a:lumOff val="60000"/>
+            </a:schemeClr>
+          </a:solidFill>
+          <a:ln w="12700">
+            <a:solidFill>
+              <a:schemeClr val="tx1"/>
+            </a:solidFill>
+          </a:ln>
+        </p:spPr>
+        <p:txBody>
+          <a:bodyPr wrap="square" rtlCol="0">
+            <a:spAutoFit/>
+          </a:bodyPr>
+          <a:lstStyle/>
+          <a:p>
+            <a:pPr algn="ctr"/>
+            <a:r>
+              <a:rPr lang="en-US" altLang="zh-CN" dirty="0" smtClean="0"/>
+              <a:t>User Dao</a:t>
+            </a:r>
+            <a:endParaRPr lang="zh-CN" altLang="en-US" dirty="0"/>
+          </a:p>
+        </p:txBody>
+      </p:sp>
+      <p:cxnSp>
+        <p:nvCxnSpPr>
+          <p:cNvPr id="9" name="直接箭头连接符 8"/>
+          <p:cNvCxnSpPr>
+            <a:stCxn id="4" idx="2"/>
+            <a:endCxn id="5" idx="0"/>
+          </p:cNvCxnSpPr>
+          <p:nvPr/>
+        </p:nvCxnSpPr>
+        <p:spPr>
+          <a:xfrm flipH="1">
+            <a:off x="1403132" y="2590810"/>
+            <a:ext cx="927692" cy="825283"/>
+          </a:xfrm>
+          <a:prstGeom prst="straightConnector1">
+            <a:avLst/>
+          </a:prstGeom>
+          <a:ln>
+            <a:solidFill>
+              <a:schemeClr val="tx1"/>
+            </a:solidFill>
+            <a:tailEnd type="triangle"/>
+          </a:ln>
+        </p:spPr>
+        <p:style>
+          <a:lnRef idx="1">
+            <a:schemeClr val="accent1"/>
+          </a:lnRef>
+          <a:fillRef idx="0">
+            <a:schemeClr val="accent1"/>
+          </a:fillRef>
+          <a:effectRef idx="0">
+            <a:schemeClr val="accent1"/>
+          </a:effectRef>
+          <a:fontRef idx="minor">
+            <a:schemeClr val="tx1"/>
+          </a:fontRef>
+        </p:style>
+      </p:cxnSp>
+      <p:cxnSp>
+        <p:nvCxnSpPr>
+          <p:cNvPr id="11" name="直接箭头连接符 10"/>
+          <p:cNvCxnSpPr>
+            <a:stCxn id="5" idx="2"/>
+            <a:endCxn id="7" idx="0"/>
+          </p:cNvCxnSpPr>
+          <p:nvPr/>
+        </p:nvCxnSpPr>
+        <p:spPr>
+          <a:xfrm>
+            <a:off x="1403132" y="3785425"/>
+            <a:ext cx="0" cy="660525"/>
+          </a:xfrm>
+          <a:prstGeom prst="straightConnector1">
+            <a:avLst/>
+          </a:prstGeom>
+          <a:ln>
+            <a:solidFill>
+              <a:schemeClr val="tx1"/>
+            </a:solidFill>
+            <a:tailEnd type="triangle"/>
+          </a:ln>
+        </p:spPr>
+        <p:style>
+          <a:lnRef idx="1">
+            <a:schemeClr val="accent1"/>
+          </a:lnRef>
+          <a:fillRef idx="0">
+            <a:schemeClr val="accent1"/>
+          </a:fillRef>
+          <a:effectRef idx="0">
+            <a:schemeClr val="accent1"/>
+          </a:effectRef>
+          <a:fontRef idx="minor">
+            <a:schemeClr val="tx1"/>
+          </a:fontRef>
+        </p:style>
+      </p:cxnSp>
+      <p:cxnSp>
+        <p:nvCxnSpPr>
+          <p:cNvPr id="14" name="直接箭头连接符 13"/>
+          <p:cNvCxnSpPr>
+            <a:stCxn id="4" idx="2"/>
+            <a:endCxn id="6" idx="0"/>
+          </p:cNvCxnSpPr>
+          <p:nvPr/>
+        </p:nvCxnSpPr>
+        <p:spPr>
+          <a:xfrm>
+            <a:off x="2330824" y="2590810"/>
+            <a:ext cx="1017494" cy="825283"/>
+          </a:xfrm>
+          <a:prstGeom prst="straightConnector1">
+            <a:avLst/>
+          </a:prstGeom>
+          <a:ln>
+            <a:solidFill>
+              <a:schemeClr val="tx1"/>
+            </a:solidFill>
+            <a:tailEnd type="triangle"/>
+          </a:ln>
+        </p:spPr>
+        <p:style>
+          <a:lnRef idx="1">
+            <a:schemeClr val="accent1"/>
+          </a:lnRef>
+          <a:fillRef idx="0">
+            <a:schemeClr val="accent1"/>
+          </a:fillRef>
+          <a:effectRef idx="0">
+            <a:schemeClr val="accent1"/>
+          </a:effectRef>
+          <a:fontRef idx="minor">
+            <a:schemeClr val="tx1"/>
+          </a:fontRef>
+        </p:style>
+      </p:cxnSp>
+      <p:sp>
+        <p:nvSpPr>
+          <p:cNvPr id="48" name="文本框 47"/>
+          <p:cNvSpPr txBox="1"/>
+          <p:nvPr/>
+        </p:nvSpPr>
+        <p:spPr>
+          <a:xfrm>
+            <a:off x="5348902" y="1586751"/>
+            <a:ext cx="1999130" cy="369332"/>
+          </a:xfrm>
+          <a:prstGeom prst="rect">
+            <a:avLst/>
+          </a:prstGeom>
+          <a:noFill/>
+        </p:spPr>
+        <p:txBody>
+          <a:bodyPr wrap="square" rtlCol="0">
+            <a:spAutoFit/>
+          </a:bodyPr>
+          <a:lstStyle/>
+          <a:p>
+            <a:r>
+              <a:rPr lang="en-US" altLang="zh-CN" b="1" dirty="0"/>
+              <a:t>D</a:t>
+            </a:r>
+            <a:r>
+              <a:rPr lang="en-US" altLang="zh-CN" b="1" dirty="0" smtClean="0"/>
+              <a:t>al</a:t>
+            </a:r>
+            <a:r>
+              <a:rPr lang="zh-CN" altLang="en-US" b="1" dirty="0" smtClean="0"/>
+              <a:t>代码结构</a:t>
+            </a:r>
+            <a:r>
+              <a:rPr lang="en-US" altLang="zh-CN" b="1" dirty="0" smtClean="0"/>
+              <a:t>:</a:t>
+            </a:r>
+            <a:endParaRPr lang="zh-CN" altLang="en-US" b="1" dirty="0"/>
+          </a:p>
+        </p:txBody>
+      </p:sp>
+      <p:sp>
+        <p:nvSpPr>
+          <p:cNvPr id="17" name="文本框 16"/>
+          <p:cNvSpPr txBox="1"/>
+          <p:nvPr/>
+        </p:nvSpPr>
+        <p:spPr>
+          <a:xfrm>
+            <a:off x="580542" y="2769761"/>
+            <a:ext cx="1232804" cy="307777"/>
+          </a:xfrm>
+          <a:prstGeom prst="rect">
+            <a:avLst/>
+          </a:prstGeom>
+          <a:noFill/>
+        </p:spPr>
+        <p:txBody>
+          <a:bodyPr wrap="square" rtlCol="0">
+            <a:spAutoFit/>
+          </a:bodyPr>
+          <a:lstStyle/>
+          <a:p>
+            <a:r>
+              <a:rPr lang="en-US" altLang="zh-CN" sz="1400" dirty="0" smtClean="0"/>
+              <a:t>1</a:t>
+            </a:r>
+            <a:r>
+              <a:rPr lang="zh-CN" altLang="en-US" sz="1400" dirty="0" smtClean="0"/>
+              <a:t>、生成代码</a:t>
+            </a:r>
+            <a:endParaRPr lang="zh-CN" altLang="en-US" sz="1400" dirty="0"/>
+          </a:p>
+        </p:txBody>
+      </p:sp>
+      <p:sp>
+        <p:nvSpPr>
+          <p:cNvPr id="51" name="文本框 50"/>
+          <p:cNvSpPr txBox="1"/>
+          <p:nvPr/>
+        </p:nvSpPr>
+        <p:spPr>
+          <a:xfrm>
+            <a:off x="2951928" y="2769761"/>
+            <a:ext cx="1264024" cy="307777"/>
+          </a:xfrm>
+          <a:prstGeom prst="rect">
+            <a:avLst/>
+          </a:prstGeom>
+          <a:noFill/>
+        </p:spPr>
+        <p:txBody>
+          <a:bodyPr wrap="square" rtlCol="0">
+            <a:spAutoFit/>
+          </a:bodyPr>
+          <a:lstStyle/>
+          <a:p>
+            <a:r>
+              <a:rPr lang="en-US" altLang="zh-CN" sz="1400" dirty="0" smtClean="0"/>
+              <a:t>2</a:t>
+            </a:r>
+            <a:r>
+              <a:rPr lang="zh-CN" altLang="en-US" sz="1400" dirty="0" smtClean="0"/>
+              <a:t>、直接调用</a:t>
+            </a:r>
+            <a:endParaRPr lang="zh-CN" altLang="en-US" sz="1400" dirty="0"/>
+          </a:p>
+        </p:txBody>
+      </p:sp>
+      <p:cxnSp>
+        <p:nvCxnSpPr>
+          <p:cNvPr id="25" name="肘形连接符 24"/>
+          <p:cNvCxnSpPr>
+            <a:stCxn id="7" idx="3"/>
+            <a:endCxn id="6" idx="2"/>
+          </p:cNvCxnSpPr>
+          <p:nvPr/>
+        </p:nvCxnSpPr>
+        <p:spPr>
+          <a:xfrm flipV="1">
+            <a:off x="2062037" y="3785425"/>
+            <a:ext cx="1286281" cy="845191"/>
+          </a:xfrm>
+          <a:prstGeom prst="bentConnector2">
+            <a:avLst/>
+          </a:prstGeom>
+          <a:ln>
+            <a:solidFill>
+              <a:schemeClr val="tx1"/>
+            </a:solidFill>
+            <a:tailEnd type="triangle"/>
+          </a:ln>
+        </p:spPr>
+        <p:style>
+          <a:lnRef idx="1">
+            <a:schemeClr val="accent1"/>
+          </a:lnRef>
+          <a:fillRef idx="0">
+            <a:schemeClr val="accent1"/>
+          </a:fillRef>
+          <a:effectRef idx="0">
+            <a:schemeClr val="accent1"/>
+          </a:effectRef>
+          <a:fontRef idx="minor">
+            <a:schemeClr val="tx1"/>
+          </a:fontRef>
+        </p:style>
+      </p:cxnSp>
+      <p:grpSp>
+        <p:nvGrpSpPr>
+          <p:cNvPr id="159" name="组合 158"/>
+          <p:cNvGrpSpPr/>
+          <p:nvPr/>
+        </p:nvGrpSpPr>
+        <p:grpSpPr>
+          <a:xfrm>
+            <a:off x="5421513" y="2119685"/>
+            <a:ext cx="4876802" cy="4541028"/>
+            <a:chOff x="5421513" y="2119685"/>
+            <a:chExt cx="4876802" cy="4541028"/>
+          </a:xfrm>
+        </p:grpSpPr>
+        <p:cxnSp>
+          <p:nvCxnSpPr>
+            <p:cNvPr id="38" name="直接箭头连接符 37"/>
+            <p:cNvCxnSpPr/>
+            <p:nvPr/>
+          </p:nvCxnSpPr>
+          <p:spPr>
+            <a:xfrm flipH="1">
+              <a:off x="8734780" y="4266771"/>
+              <a:ext cx="602" cy="1134566"/>
+            </a:xfrm>
+            <a:prstGeom prst="straightConnector1">
+              <a:avLst/>
+            </a:prstGeom>
+            <a:ln>
+              <a:solidFill>
+                <a:schemeClr val="tx1"/>
+              </a:solidFill>
+              <a:tailEnd type="triangle"/>
+            </a:ln>
+          </p:spPr>
+          <p:style>
+            <a:lnRef idx="1">
+              <a:schemeClr val="accent1"/>
+            </a:lnRef>
+            <a:fillRef idx="0">
+              <a:schemeClr val="accent1"/>
+            </a:fillRef>
+            <a:effectRef idx="0">
+              <a:schemeClr val="accent1"/>
+            </a:effectRef>
+            <a:fontRef idx="minor">
+              <a:schemeClr val="tx1"/>
+            </a:fontRef>
+          </p:style>
+        </p:cxnSp>
+        <p:grpSp>
+          <p:nvGrpSpPr>
+            <p:cNvPr id="158" name="组合 157"/>
+            <p:cNvGrpSpPr/>
+            <p:nvPr/>
+          </p:nvGrpSpPr>
+          <p:grpSpPr>
+            <a:xfrm>
+              <a:off x="5421513" y="2119685"/>
+              <a:ext cx="4876802" cy="4541028"/>
+              <a:chOff x="5439442" y="1647920"/>
+              <a:chExt cx="4876802" cy="4541028"/>
+            </a:xfrm>
+          </p:grpSpPr>
+          <p:grpSp>
+            <p:nvGrpSpPr>
+              <p:cNvPr id="93" name="组合 92"/>
+              <p:cNvGrpSpPr/>
+              <p:nvPr/>
+            </p:nvGrpSpPr>
+            <p:grpSpPr>
+              <a:xfrm>
+                <a:off x="5439442" y="1647920"/>
+                <a:ext cx="4876802" cy="4541028"/>
+                <a:chOff x="5907739" y="1575591"/>
+                <a:chExt cx="4876802" cy="4541028"/>
+              </a:xfrm>
+            </p:grpSpPr>
+            <p:sp>
+              <p:nvSpPr>
+                <p:cNvPr id="26" name="文本框 25"/>
+                <p:cNvSpPr txBox="1"/>
+                <p:nvPr/>
+              </p:nvSpPr>
+              <p:spPr>
+                <a:xfrm>
+                  <a:off x="6158711" y="2036637"/>
+                  <a:ext cx="1156448" cy="369332"/>
+                </a:xfrm>
+                <a:prstGeom prst="rect">
+                  <a:avLst/>
+                </a:prstGeom>
+                <a:solidFill>
+                  <a:schemeClr val="accent1">
+                    <a:lumMod val="40000"/>
+                    <a:lumOff val="60000"/>
+                  </a:schemeClr>
+                </a:solidFill>
+                <a:ln w="12700">
+                  <a:solidFill>
+                    <a:schemeClr val="tx1"/>
+                  </a:solidFill>
+                </a:ln>
+              </p:spPr>
+              <p:txBody>
+                <a:bodyPr wrap="square" rtlCol="0">
+                  <a:spAutoFit/>
+                </a:bodyPr>
+                <a:lstStyle/>
+                <a:p>
+                  <a:r>
+                    <a:rPr lang="zh-CN" altLang="en-US" dirty="0" smtClean="0"/>
+                    <a:t>标准</a:t>
+                  </a:r>
+                  <a:r>
+                    <a:rPr lang="en-US" altLang="zh-CN" dirty="0" smtClean="0"/>
+                    <a:t>DAO</a:t>
+                  </a:r>
+                  <a:endParaRPr lang="zh-CN" altLang="en-US" dirty="0"/>
+                </a:p>
+              </p:txBody>
+            </p:sp>
+            <p:sp>
+              <p:nvSpPr>
+                <p:cNvPr id="61" name="文本框 60"/>
+                <p:cNvSpPr txBox="1"/>
+                <p:nvPr/>
+              </p:nvSpPr>
+              <p:spPr>
+                <a:xfrm>
+                  <a:off x="7455146" y="2036637"/>
+                  <a:ext cx="1120589" cy="369332"/>
+                </a:xfrm>
+                <a:prstGeom prst="rect">
+                  <a:avLst/>
+                </a:prstGeom>
+                <a:solidFill>
+                  <a:schemeClr val="accent1">
+                    <a:lumMod val="40000"/>
+                    <a:lumOff val="60000"/>
+                  </a:schemeClr>
+                </a:solidFill>
+                <a:ln>
+                  <a:solidFill>
+                    <a:schemeClr val="tx1"/>
+                  </a:solidFill>
+                </a:ln>
+              </p:spPr>
+              <p:txBody>
+                <a:bodyPr wrap="square" rtlCol="0">
+                  <a:spAutoFit/>
+                </a:bodyPr>
+                <a:lstStyle/>
+                <a:p>
+                  <a:r>
+                    <a:rPr lang="zh-CN" altLang="en-US" dirty="0" smtClean="0"/>
+                    <a:t>构建</a:t>
+                  </a:r>
+                  <a:r>
+                    <a:rPr lang="en-US" altLang="zh-CN" dirty="0" smtClean="0"/>
+                    <a:t>DAO</a:t>
+                  </a:r>
+                  <a:endParaRPr lang="zh-CN" altLang="en-US" dirty="0"/>
+                </a:p>
+              </p:txBody>
+            </p:sp>
+            <p:sp>
+              <p:nvSpPr>
+                <p:cNvPr id="62" name="文本框 61"/>
+                <p:cNvSpPr txBox="1"/>
+                <p:nvPr/>
+              </p:nvSpPr>
+              <p:spPr>
+                <a:xfrm>
+                  <a:off x="8945421" y="2042650"/>
+                  <a:ext cx="1352495" cy="369332"/>
+                </a:xfrm>
+                <a:prstGeom prst="rect">
+                  <a:avLst/>
+                </a:prstGeom>
+                <a:solidFill>
+                  <a:schemeClr val="accent1">
+                    <a:lumMod val="40000"/>
+                    <a:lumOff val="60000"/>
+                  </a:schemeClr>
+                </a:solidFill>
+                <a:ln>
+                  <a:solidFill>
+                    <a:schemeClr val="tx1"/>
+                  </a:solidFill>
+                </a:ln>
+              </p:spPr>
+              <p:txBody>
+                <a:bodyPr wrap="square" rtlCol="0">
+                  <a:spAutoFit/>
+                </a:bodyPr>
+                <a:lstStyle/>
+                <a:p>
+                  <a:r>
+                    <a:rPr lang="zh-CN" altLang="en-US" dirty="0"/>
+                    <a:t>自定义</a:t>
+                  </a:r>
+                  <a:r>
+                    <a:rPr lang="en-US" altLang="zh-CN" dirty="0" smtClean="0"/>
+                    <a:t>DAO</a:t>
+                  </a:r>
+                  <a:endParaRPr lang="zh-CN" altLang="en-US" dirty="0"/>
+                </a:p>
+              </p:txBody>
+            </p:sp>
+            <p:sp>
+              <p:nvSpPr>
+                <p:cNvPr id="63" name="文本框 62"/>
+                <p:cNvSpPr txBox="1"/>
+                <p:nvPr/>
+              </p:nvSpPr>
+              <p:spPr>
+                <a:xfrm>
+                  <a:off x="6799335" y="3370476"/>
+                  <a:ext cx="1468644" cy="369332"/>
+                </a:xfrm>
+                <a:prstGeom prst="rect">
+                  <a:avLst/>
+                </a:prstGeom>
+                <a:solidFill>
+                  <a:schemeClr val="accent1">
+                    <a:lumMod val="40000"/>
+                    <a:lumOff val="60000"/>
+                  </a:schemeClr>
+                </a:solidFill>
+                <a:ln>
+                  <a:solidFill>
+                    <a:schemeClr val="tx1"/>
+                  </a:solidFill>
+                </a:ln>
+              </p:spPr>
+              <p:txBody>
+                <a:bodyPr wrap="square" rtlCol="0">
+                  <a:spAutoFit/>
+                </a:bodyPr>
+                <a:lstStyle/>
+                <a:p>
+                  <a:r>
+                    <a:rPr lang="en-US" altLang="zh-CN" dirty="0" err="1" smtClean="0"/>
+                    <a:t>DalTableDao</a:t>
+                  </a:r>
+                  <a:endParaRPr lang="zh-CN" altLang="en-US" dirty="0"/>
+                </a:p>
+              </p:txBody>
+            </p:sp>
+            <p:sp>
+              <p:nvSpPr>
+                <p:cNvPr id="64" name="文本框 63"/>
+                <p:cNvSpPr txBox="1"/>
+                <p:nvPr/>
+              </p:nvSpPr>
+              <p:spPr>
+                <a:xfrm>
+                  <a:off x="8526214" y="3365832"/>
+                  <a:ext cx="1513467" cy="369332"/>
+                </a:xfrm>
+                <a:prstGeom prst="rect">
+                  <a:avLst/>
+                </a:prstGeom>
+                <a:solidFill>
+                  <a:schemeClr val="accent1">
+                    <a:lumMod val="40000"/>
+                    <a:lumOff val="60000"/>
+                  </a:schemeClr>
+                </a:solidFill>
+                <a:ln>
+                  <a:solidFill>
+                    <a:schemeClr val="tx1"/>
+                  </a:solidFill>
+                </a:ln>
+              </p:spPr>
+              <p:txBody>
+                <a:bodyPr wrap="square" rtlCol="0">
+                  <a:spAutoFit/>
+                </a:bodyPr>
+                <a:lstStyle/>
+                <a:p>
+                  <a:r>
+                    <a:rPr lang="en-US" altLang="zh-CN" dirty="0" err="1" smtClean="0"/>
+                    <a:t>DalQueryDao</a:t>
+                  </a:r>
+                  <a:endParaRPr lang="zh-CN" altLang="en-US" dirty="0"/>
+                </a:p>
+              </p:txBody>
+            </p:sp>
+            <p:sp>
+              <p:nvSpPr>
+                <p:cNvPr id="65" name="文本框 64"/>
+                <p:cNvSpPr txBox="1"/>
+                <p:nvPr/>
+              </p:nvSpPr>
+              <p:spPr>
+                <a:xfrm>
+                  <a:off x="7298282" y="4857243"/>
+                  <a:ext cx="2143237" cy="369332"/>
+                </a:xfrm>
+                <a:prstGeom prst="rect">
+                  <a:avLst/>
+                </a:prstGeom>
+                <a:solidFill>
+                  <a:schemeClr val="accent1">
+                    <a:lumMod val="40000"/>
+                    <a:lumOff val="60000"/>
+                  </a:schemeClr>
+                </a:solidFill>
+                <a:ln>
+                  <a:solidFill>
+                    <a:schemeClr val="tx1"/>
+                  </a:solidFill>
+                </a:ln>
+              </p:spPr>
+              <p:txBody>
+                <a:bodyPr wrap="square" rtlCol="0">
+                  <a:spAutoFit/>
+                </a:bodyPr>
+                <a:lstStyle/>
+                <a:p>
+                  <a:r>
+                    <a:rPr lang="en-US" altLang="zh-CN" dirty="0" err="1" smtClean="0"/>
+                    <a:t>DalRequestExecutor</a:t>
+                  </a:r>
+                  <a:endParaRPr lang="zh-CN" altLang="en-US" dirty="0"/>
+                </a:p>
+              </p:txBody>
+            </p:sp>
+            <p:sp>
+              <p:nvSpPr>
+                <p:cNvPr id="27" name="文本框 26"/>
+                <p:cNvSpPr txBox="1"/>
+                <p:nvPr/>
+              </p:nvSpPr>
+              <p:spPr>
+                <a:xfrm>
+                  <a:off x="7837286" y="5562621"/>
+                  <a:ext cx="1065231" cy="369332"/>
+                </a:xfrm>
+                <a:prstGeom prst="rect">
+                  <a:avLst/>
+                </a:prstGeom>
+                <a:solidFill>
+                  <a:schemeClr val="accent1">
+                    <a:lumMod val="40000"/>
+                    <a:lumOff val="60000"/>
+                  </a:schemeClr>
+                </a:solidFill>
+                <a:ln>
+                  <a:solidFill>
+                    <a:schemeClr val="tx1"/>
+                  </a:solidFill>
+                </a:ln>
+              </p:spPr>
+              <p:txBody>
+                <a:bodyPr wrap="square" rtlCol="0">
+                  <a:spAutoFit/>
+                </a:bodyPr>
+                <a:lstStyle/>
+                <a:p>
+                  <a:r>
+                    <a:rPr lang="en-US" altLang="zh-CN" dirty="0" err="1" smtClean="0"/>
+                    <a:t>DalClient</a:t>
+                  </a:r>
+                  <a:endParaRPr lang="zh-CN" altLang="en-US" dirty="0"/>
+                </a:p>
+              </p:txBody>
+            </p:sp>
+            <p:cxnSp>
+              <p:nvCxnSpPr>
+                <p:cNvPr id="29" name="直接箭头连接符 28"/>
+                <p:cNvCxnSpPr/>
+                <p:nvPr/>
+              </p:nvCxnSpPr>
+              <p:spPr>
+                <a:xfrm flipH="1">
+                  <a:off x="6998324" y="2413285"/>
+                  <a:ext cx="1010" cy="952547"/>
+                </a:xfrm>
+                <a:prstGeom prst="straightConnector1">
+                  <a:avLst/>
+                </a:prstGeom>
+                <a:ln>
+                  <a:solidFill>
+                    <a:schemeClr val="tx1"/>
+                  </a:solidFill>
+                  <a:tailEnd type="triangle"/>
+                </a:ln>
+              </p:spPr>
+              <p:style>
+                <a:lnRef idx="1">
+                  <a:schemeClr val="accent1"/>
+                </a:lnRef>
+                <a:fillRef idx="0">
+                  <a:schemeClr val="accent1"/>
+                </a:fillRef>
+                <a:effectRef idx="0">
+                  <a:schemeClr val="accent1"/>
+                </a:effectRef>
+                <a:fontRef idx="minor">
+                  <a:schemeClr val="tx1"/>
+                </a:fontRef>
+              </p:style>
+            </p:cxnSp>
+            <p:cxnSp>
+              <p:nvCxnSpPr>
+                <p:cNvPr id="31" name="直接箭头连接符 30"/>
+                <p:cNvCxnSpPr/>
+                <p:nvPr/>
+              </p:nvCxnSpPr>
+              <p:spPr>
+                <a:xfrm>
+                  <a:off x="7834258" y="2405969"/>
+                  <a:ext cx="15709" cy="988646"/>
+                </a:xfrm>
+                <a:prstGeom prst="straightConnector1">
+                  <a:avLst/>
+                </a:prstGeom>
+                <a:ln>
+                  <a:solidFill>
+                    <a:schemeClr val="tx1"/>
+                  </a:solidFill>
+                  <a:tailEnd type="triangle"/>
+                </a:ln>
+              </p:spPr>
+              <p:style>
+                <a:lnRef idx="1">
+                  <a:schemeClr val="accent1"/>
+                </a:lnRef>
+                <a:fillRef idx="0">
+                  <a:schemeClr val="accent1"/>
+                </a:fillRef>
+                <a:effectRef idx="0">
+                  <a:schemeClr val="accent1"/>
+                </a:effectRef>
+                <a:fontRef idx="minor">
+                  <a:schemeClr val="tx1"/>
+                </a:fontRef>
+              </p:style>
+            </p:cxnSp>
+            <p:cxnSp>
+              <p:nvCxnSpPr>
+                <p:cNvPr id="33" name="直接箭头连接符 32"/>
+                <p:cNvCxnSpPr>
+                  <a:stCxn id="62" idx="2"/>
+                </p:cNvCxnSpPr>
+                <p:nvPr/>
+              </p:nvCxnSpPr>
+              <p:spPr>
+                <a:xfrm flipH="1">
+                  <a:off x="9621668" y="2411982"/>
+                  <a:ext cx="1" cy="957191"/>
+                </a:xfrm>
+                <a:prstGeom prst="straightConnector1">
+                  <a:avLst/>
+                </a:prstGeom>
+                <a:ln>
+                  <a:solidFill>
+                    <a:schemeClr val="tx1"/>
+                  </a:solidFill>
+                  <a:tailEnd type="triangle"/>
+                </a:ln>
+              </p:spPr>
+              <p:style>
+                <a:lnRef idx="1">
+                  <a:schemeClr val="accent1"/>
+                </a:lnRef>
+                <a:fillRef idx="0">
+                  <a:schemeClr val="accent1"/>
+                </a:fillRef>
+                <a:effectRef idx="0">
+                  <a:schemeClr val="accent1"/>
+                </a:effectRef>
+                <a:fontRef idx="minor">
+                  <a:schemeClr val="tx1"/>
+                </a:fontRef>
+              </p:style>
+            </p:cxnSp>
+            <p:cxnSp>
+              <p:nvCxnSpPr>
+                <p:cNvPr id="36" name="直接箭头连接符 35"/>
+                <p:cNvCxnSpPr>
+                  <a:stCxn id="63" idx="2"/>
+                </p:cNvCxnSpPr>
+                <p:nvPr/>
+              </p:nvCxnSpPr>
+              <p:spPr>
+                <a:xfrm>
+                  <a:off x="7533657" y="3739808"/>
+                  <a:ext cx="0" cy="1117435"/>
+                </a:xfrm>
+                <a:prstGeom prst="straightConnector1">
+                  <a:avLst/>
+                </a:prstGeom>
+                <a:ln>
+                  <a:solidFill>
+                    <a:schemeClr val="tx1"/>
+                  </a:solidFill>
+                  <a:tailEnd type="triangle"/>
+                </a:ln>
+              </p:spPr>
+              <p:style>
+                <a:lnRef idx="1">
+                  <a:schemeClr val="accent1"/>
+                </a:lnRef>
+                <a:fillRef idx="0">
+                  <a:schemeClr val="accent1"/>
+                </a:fillRef>
+                <a:effectRef idx="0">
+                  <a:schemeClr val="accent1"/>
+                </a:effectRef>
+                <a:fontRef idx="minor">
+                  <a:schemeClr val="tx1"/>
+                </a:fontRef>
+              </p:style>
+            </p:cxnSp>
+            <p:cxnSp>
+              <p:nvCxnSpPr>
+                <p:cNvPr id="40" name="直接箭头连接符 39"/>
+                <p:cNvCxnSpPr>
+                  <a:stCxn id="65" idx="2"/>
+                  <a:endCxn id="27" idx="0"/>
+                </p:cNvCxnSpPr>
+                <p:nvPr/>
+              </p:nvCxnSpPr>
+              <p:spPr>
+                <a:xfrm>
+                  <a:off x="8369901" y="5226575"/>
+                  <a:ext cx="1" cy="336046"/>
+                </a:xfrm>
+                <a:prstGeom prst="straightConnector1">
+                  <a:avLst/>
+                </a:prstGeom>
+                <a:ln>
+                  <a:solidFill>
+                    <a:schemeClr val="tx1"/>
+                  </a:solidFill>
+                  <a:tailEnd type="triangle"/>
+                </a:ln>
+              </p:spPr>
+              <p:style>
+                <a:lnRef idx="1">
+                  <a:schemeClr val="accent1"/>
+                </a:lnRef>
+                <a:fillRef idx="0">
+                  <a:schemeClr val="accent1"/>
+                </a:fillRef>
+                <a:effectRef idx="0">
+                  <a:schemeClr val="accent1"/>
+                </a:effectRef>
+                <a:fontRef idx="minor">
+                  <a:schemeClr val="tx1"/>
+                </a:fontRef>
+              </p:style>
+            </p:cxnSp>
+            <p:sp>
+              <p:nvSpPr>
+                <p:cNvPr id="68" name="矩形 67"/>
+                <p:cNvSpPr/>
+                <p:nvPr/>
+              </p:nvSpPr>
+              <p:spPr>
+                <a:xfrm>
+                  <a:off x="5907739" y="1575591"/>
+                  <a:ext cx="4876802" cy="1015219"/>
+                </a:xfrm>
+                <a:prstGeom prst="rect">
+                  <a:avLst/>
+                </a:prstGeom>
+                <a:noFill/>
+                <a:ln>
+                  <a:prstDash val="lgDash"/>
+                </a:ln>
+              </p:spPr>
+              <p:style>
+                <a:lnRef idx="2">
+                  <a:schemeClr val="accent1">
+                    <a:shade val="50000"/>
+                  </a:schemeClr>
+                </a:lnRef>
+                <a:fillRef idx="1">
+                  <a:schemeClr val="accent1"/>
+                </a:fillRef>
+                <a:effectRef idx="0">
+                  <a:schemeClr val="accent1"/>
+                </a:effectRef>
+                <a:fontRef idx="minor">
+                  <a:schemeClr val="lt1"/>
+                </a:fontRef>
+              </p:style>
+              <p:txBody>
+                <a:bodyPr rtlCol="0" anchor="ctr"/>
+                <a:lstStyle/>
+                <a:p>
+                  <a:pPr algn="ctr"/>
+                  <a:endParaRPr lang="zh-CN" altLang="en-US"/>
+                </a:p>
+              </p:txBody>
+            </p:sp>
+            <p:sp>
+              <p:nvSpPr>
+                <p:cNvPr id="103" name="矩形 102"/>
+                <p:cNvSpPr/>
+                <p:nvPr/>
+              </p:nvSpPr>
+              <p:spPr>
+                <a:xfrm>
+                  <a:off x="5907739" y="2860075"/>
+                  <a:ext cx="4876800" cy="1078085"/>
+                </a:xfrm>
+                <a:prstGeom prst="rect">
+                  <a:avLst/>
+                </a:prstGeom>
+                <a:noFill/>
+                <a:ln>
+                  <a:prstDash val="lgDash"/>
+                </a:ln>
+              </p:spPr>
+              <p:style>
+                <a:lnRef idx="2">
+                  <a:schemeClr val="accent1">
+                    <a:shade val="50000"/>
+                  </a:schemeClr>
+                </a:lnRef>
+                <a:fillRef idx="1">
+                  <a:schemeClr val="accent1"/>
+                </a:fillRef>
+                <a:effectRef idx="0">
+                  <a:schemeClr val="accent1"/>
+                </a:effectRef>
+                <a:fontRef idx="minor">
+                  <a:schemeClr val="lt1"/>
+                </a:fontRef>
+              </p:style>
+              <p:txBody>
+                <a:bodyPr rtlCol="0" anchor="ctr"/>
+                <a:lstStyle/>
+                <a:p>
+                  <a:pPr algn="ctr"/>
+                  <a:endParaRPr lang="zh-CN" altLang="en-US"/>
+                </a:p>
+              </p:txBody>
+            </p:sp>
+            <p:sp>
+              <p:nvSpPr>
+                <p:cNvPr id="84" name="矩形 83"/>
+                <p:cNvSpPr/>
+                <p:nvPr/>
+              </p:nvSpPr>
+              <p:spPr>
+                <a:xfrm>
+                  <a:off x="5907739" y="4240921"/>
+                  <a:ext cx="4876800" cy="1875698"/>
+                </a:xfrm>
+                <a:prstGeom prst="rect">
+                  <a:avLst/>
+                </a:prstGeom>
+                <a:noFill/>
+                <a:ln>
+                  <a:solidFill>
+                    <a:schemeClr val="accent1">
+                      <a:lumMod val="75000"/>
+                    </a:schemeClr>
+                  </a:solidFill>
+                  <a:prstDash val="lgDash"/>
+                </a:ln>
+              </p:spPr>
+              <p:style>
+                <a:lnRef idx="2">
+                  <a:schemeClr val="accent1">
+                    <a:shade val="50000"/>
+                  </a:schemeClr>
+                </a:lnRef>
+                <a:fillRef idx="1">
+                  <a:schemeClr val="accent1"/>
+                </a:fillRef>
+                <a:effectRef idx="0">
+                  <a:schemeClr val="accent1"/>
+                </a:effectRef>
+                <a:fontRef idx="minor">
+                  <a:schemeClr val="lt1"/>
+                </a:fontRef>
+              </p:style>
+              <p:txBody>
+                <a:bodyPr rtlCol="0" anchor="ctr"/>
+                <a:lstStyle/>
+                <a:p>
+                  <a:pPr algn="ctr"/>
+                  <a:endParaRPr lang="zh-CN" altLang="en-US"/>
+                </a:p>
+              </p:txBody>
+            </p:sp>
+          </p:grpSp>
+          <p:sp>
+            <p:nvSpPr>
+              <p:cNvPr id="94" name="文本框 93"/>
+              <p:cNvSpPr txBox="1"/>
+              <p:nvPr/>
+            </p:nvSpPr>
+            <p:spPr>
+              <a:xfrm>
+                <a:off x="7476565" y="1710499"/>
+                <a:ext cx="1093695" cy="369332"/>
+              </a:xfrm>
+              <a:prstGeom prst="rect">
+                <a:avLst/>
+              </a:prstGeom>
+              <a:noFill/>
+            </p:spPr>
+            <p:txBody>
+              <a:bodyPr wrap="square" rtlCol="0">
+                <a:spAutoFit/>
+              </a:bodyPr>
+              <a:lstStyle/>
+              <a:p>
+                <a:pPr algn="ctr"/>
+                <a:r>
+                  <a:rPr lang="en-US" altLang="zh-CN" dirty="0" smtClean="0"/>
+                  <a:t>User Dao</a:t>
+                </a:r>
+                <a:endParaRPr lang="zh-CN" altLang="en-US" dirty="0"/>
+              </a:p>
+            </p:txBody>
+          </p:sp>
+          <p:sp>
+            <p:nvSpPr>
+              <p:cNvPr id="122" name="文本框 121"/>
+              <p:cNvSpPr txBox="1"/>
+              <p:nvPr/>
+            </p:nvSpPr>
+            <p:spPr>
+              <a:xfrm>
+                <a:off x="7438572" y="3002101"/>
+                <a:ext cx="1093695" cy="369332"/>
+              </a:xfrm>
+              <a:prstGeom prst="rect">
+                <a:avLst/>
+              </a:prstGeom>
+              <a:noFill/>
+            </p:spPr>
+            <p:txBody>
+              <a:bodyPr wrap="square" rtlCol="0">
+                <a:spAutoFit/>
+              </a:bodyPr>
+              <a:lstStyle/>
+              <a:p>
+                <a:pPr algn="ctr"/>
+                <a:r>
+                  <a:rPr lang="en-US" altLang="zh-CN" dirty="0" smtClean="0"/>
+                  <a:t>Dal Dao</a:t>
+                </a:r>
+                <a:endParaRPr lang="zh-CN" altLang="en-US" dirty="0"/>
+              </a:p>
+            </p:txBody>
+          </p:sp>
+          <p:sp>
+            <p:nvSpPr>
+              <p:cNvPr id="124" name="文本框 123"/>
+              <p:cNvSpPr txBox="1"/>
+              <p:nvPr/>
+            </p:nvSpPr>
+            <p:spPr>
+              <a:xfrm>
+                <a:off x="7491005" y="4388676"/>
+                <a:ext cx="1093695" cy="369332"/>
+              </a:xfrm>
+              <a:prstGeom prst="rect">
+                <a:avLst/>
+              </a:prstGeom>
+              <a:noFill/>
+            </p:spPr>
+            <p:txBody>
+              <a:bodyPr wrap="square" rtlCol="0">
+                <a:spAutoFit/>
+              </a:bodyPr>
+              <a:lstStyle/>
+              <a:p>
+                <a:pPr algn="ctr"/>
+                <a:r>
+                  <a:rPr lang="en-US" altLang="zh-CN" dirty="0" smtClean="0"/>
+                  <a:t>Dal Core</a:t>
+                </a:r>
+                <a:endParaRPr lang="zh-CN" altLang="en-US" dirty="0"/>
+              </a:p>
+            </p:txBody>
+          </p:sp>
+        </p:grpSp>
+      </p:grpSp>
     </p:spTree>
     <p:extLst>
       <p:ext uri="{BB962C8B-B14F-4D97-AF65-F5344CB8AC3E}">
@@ -13185,7 +13428,7 @@
                             <a:schemeClr val="bg1"/>
                           </a:solidFill>
                         </a:rPr>
-                        <a:t>改写</a:t>
+                        <a:t>拼装</a:t>
                       </a:r>
                     </a:p>
                   </p:txBody>
@@ -14699,11 +14942,7 @@
               <a:rPr lang="en-US" altLang="zh-CN" sz="1900" dirty="0" err="1" smtClean="0"/>
               <a:t>databaseSet</a:t>
             </a:r>
-            <a:r>
-              <a:rPr lang="en-US" altLang="zh-CN" dirty="0" smtClean="0"/>
-              <a:t>&gt;</a:t>
-            </a:r>
-            <a:endParaRPr lang="en-US" altLang="zh-CN" dirty="0"/>
+            <a:endParaRPr lang="en-US" altLang="zh-CN" dirty="0" smtClean="0"/>
           </a:p>
           <a:p>
             <a:pPr>
@@ -14885,557 +15124,6 @@
           </a:p>
         </p:txBody>
       </p:sp>
-      <p:grpSp>
-        <p:nvGrpSpPr>
-          <p:cNvPr id="26" name="组合 25"/>
-          <p:cNvGrpSpPr/>
-          <p:nvPr/>
-        </p:nvGrpSpPr>
-        <p:grpSpPr>
-          <a:xfrm>
-            <a:off x="3506991" y="1830538"/>
-            <a:ext cx="4604273" cy="4452297"/>
-            <a:chOff x="3399415" y="1809022"/>
-            <a:chExt cx="4604273" cy="4452297"/>
-          </a:xfrm>
-        </p:grpSpPr>
-        <p:grpSp>
-          <p:nvGrpSpPr>
-            <p:cNvPr id="23" name="组合 22"/>
-            <p:cNvGrpSpPr/>
-            <p:nvPr/>
-          </p:nvGrpSpPr>
-          <p:grpSpPr>
-            <a:xfrm>
-              <a:off x="3399415" y="1809022"/>
-              <a:ext cx="4604273" cy="4452297"/>
-              <a:chOff x="3334870" y="1475535"/>
-              <a:chExt cx="4604273" cy="4452297"/>
-            </a:xfrm>
-          </p:grpSpPr>
-          <p:sp>
-            <p:nvSpPr>
-              <p:cNvPr id="13" name="文本框 12"/>
-              <p:cNvSpPr txBox="1"/>
-              <p:nvPr/>
-            </p:nvSpPr>
-            <p:spPr>
-              <a:xfrm>
-                <a:off x="5152914" y="1475535"/>
-                <a:ext cx="699247" cy="369332"/>
-              </a:xfrm>
-              <a:prstGeom prst="rect">
-                <a:avLst/>
-              </a:prstGeom>
-              <a:solidFill>
-                <a:schemeClr val="accent6"/>
-              </a:solidFill>
-            </p:spPr>
-            <p:txBody>
-              <a:bodyPr wrap="square" rtlCol="0">
-                <a:spAutoFit/>
-              </a:bodyPr>
-              <a:lstStyle/>
-              <a:p>
-                <a:r>
-                  <a:rPr lang="zh-CN" altLang="en-US" dirty="0" smtClean="0">
-                    <a:solidFill>
-                      <a:schemeClr val="bg1"/>
-                    </a:solidFill>
-                  </a:rPr>
-                  <a:t>应用</a:t>
-                </a:r>
-                <a:endParaRPr lang="zh-CN" altLang="en-US" dirty="0">
-                  <a:solidFill>
-                    <a:schemeClr val="bg1"/>
-                  </a:solidFill>
-                </a:endParaRPr>
-              </a:p>
-            </p:txBody>
-          </p:sp>
-          <p:sp>
-            <p:nvSpPr>
-              <p:cNvPr id="14" name="文本框 13"/>
-              <p:cNvSpPr txBox="1"/>
-              <p:nvPr/>
-            </p:nvSpPr>
-            <p:spPr>
-              <a:xfrm>
-                <a:off x="3679115" y="2607046"/>
-                <a:ext cx="989704" cy="369332"/>
-              </a:xfrm>
-              <a:prstGeom prst="rect">
-                <a:avLst/>
-              </a:prstGeom>
-              <a:solidFill>
-                <a:schemeClr val="accent1"/>
-              </a:solidFill>
-            </p:spPr>
-            <p:txBody>
-              <a:bodyPr wrap="square" rtlCol="0">
-                <a:spAutoFit/>
-              </a:bodyPr>
-              <a:lstStyle/>
-              <a:p>
-                <a:pPr algn="ctr"/>
-                <a:r>
-                  <a:rPr lang="en-US" altLang="zh-CN" dirty="0" err="1" smtClean="0">
-                    <a:solidFill>
-                      <a:schemeClr val="bg1"/>
-                    </a:solidFill>
-                  </a:rPr>
-                  <a:t>pojo</a:t>
-                </a:r>
-                <a:endParaRPr lang="zh-CN" altLang="en-US" dirty="0">
-                  <a:solidFill>
-                    <a:schemeClr val="bg1"/>
-                  </a:solidFill>
-                </a:endParaRPr>
-              </a:p>
-            </p:txBody>
-          </p:sp>
-          <p:sp>
-            <p:nvSpPr>
-              <p:cNvPr id="15" name="文本框 14"/>
-              <p:cNvSpPr txBox="1"/>
-              <p:nvPr/>
-            </p:nvSpPr>
-            <p:spPr>
-              <a:xfrm>
-                <a:off x="5034579" y="2607046"/>
-                <a:ext cx="1204856" cy="369332"/>
-              </a:xfrm>
-              <a:prstGeom prst="rect">
-                <a:avLst/>
-              </a:prstGeom>
-              <a:solidFill>
-                <a:schemeClr val="accent1"/>
-              </a:solidFill>
-            </p:spPr>
-            <p:txBody>
-              <a:bodyPr wrap="square" rtlCol="0">
-                <a:spAutoFit/>
-              </a:bodyPr>
-              <a:lstStyle/>
-              <a:p>
-                <a:pPr algn="ctr"/>
-                <a:r>
-                  <a:rPr lang="en-US" altLang="zh-CN" dirty="0" smtClean="0">
-                    <a:solidFill>
-                      <a:schemeClr val="bg1"/>
-                    </a:solidFill>
-                  </a:rPr>
-                  <a:t>parameter</a:t>
-                </a:r>
-                <a:endParaRPr lang="zh-CN" altLang="en-US" dirty="0">
-                  <a:solidFill>
-                    <a:schemeClr val="bg1"/>
-                  </a:solidFill>
-                </a:endParaRPr>
-              </a:p>
-            </p:txBody>
-          </p:sp>
-          <p:sp>
-            <p:nvSpPr>
-              <p:cNvPr id="16" name="文本框 15"/>
-              <p:cNvSpPr txBox="1"/>
-              <p:nvPr/>
-            </p:nvSpPr>
-            <p:spPr>
-              <a:xfrm>
-                <a:off x="6605195" y="2607046"/>
-                <a:ext cx="1044390" cy="369332"/>
-              </a:xfrm>
-              <a:prstGeom prst="rect">
-                <a:avLst/>
-              </a:prstGeom>
-              <a:solidFill>
-                <a:schemeClr val="accent1"/>
-              </a:solidFill>
-            </p:spPr>
-            <p:txBody>
-              <a:bodyPr wrap="square" rtlCol="0">
-                <a:spAutoFit/>
-              </a:bodyPr>
-              <a:lstStyle/>
-              <a:p>
-                <a:pPr algn="ctr"/>
-                <a:r>
-                  <a:rPr lang="en-US" altLang="zh-CN" dirty="0" err="1">
-                    <a:solidFill>
-                      <a:schemeClr val="bg1"/>
-                    </a:solidFill>
-                  </a:rPr>
-                  <a:t>DalHints</a:t>
-                </a:r>
-                <a:endParaRPr lang="zh-CN" altLang="en-US" dirty="0">
-                  <a:solidFill>
-                    <a:schemeClr val="bg1"/>
-                  </a:solidFill>
-                </a:endParaRPr>
-              </a:p>
-            </p:txBody>
-          </p:sp>
-          <p:sp>
-            <p:nvSpPr>
-              <p:cNvPr id="17" name="文本框 16"/>
-              <p:cNvSpPr txBox="1"/>
-              <p:nvPr/>
-            </p:nvSpPr>
-            <p:spPr>
-              <a:xfrm>
-                <a:off x="4338020" y="4647245"/>
-                <a:ext cx="2318274" cy="369332"/>
-              </a:xfrm>
-              <a:prstGeom prst="rect">
-                <a:avLst/>
-              </a:prstGeom>
-              <a:solidFill>
-                <a:schemeClr val="accent1"/>
-              </a:solidFill>
-            </p:spPr>
-            <p:txBody>
-              <a:bodyPr wrap="square" rtlCol="0">
-                <a:spAutoFit/>
-              </a:bodyPr>
-              <a:lstStyle/>
-              <a:p>
-                <a:pPr algn="ctr"/>
-                <a:r>
-                  <a:rPr lang="en-US" altLang="zh-CN" dirty="0" smtClean="0">
-                    <a:solidFill>
-                      <a:schemeClr val="bg1"/>
-                    </a:solidFill>
-                  </a:rPr>
-                  <a:t> </a:t>
-                </a:r>
-                <a:r>
-                  <a:rPr lang="en-US" altLang="zh-CN" dirty="0" err="1" smtClean="0">
-                    <a:solidFill>
-                      <a:schemeClr val="bg1"/>
-                    </a:solidFill>
-                  </a:rPr>
-                  <a:t>sharding</a:t>
-                </a:r>
-                <a:r>
-                  <a:rPr lang="en-US" altLang="zh-CN" dirty="0" smtClean="0">
-                    <a:solidFill>
-                      <a:schemeClr val="bg1"/>
-                    </a:solidFill>
-                  </a:rPr>
-                  <a:t> strategy</a:t>
-                </a:r>
-                <a:endParaRPr lang="zh-CN" altLang="en-US" dirty="0">
-                  <a:solidFill>
-                    <a:schemeClr val="bg1"/>
-                  </a:solidFill>
-                </a:endParaRPr>
-              </a:p>
-            </p:txBody>
-          </p:sp>
-          <p:sp>
-            <p:nvSpPr>
-              <p:cNvPr id="18" name="文本框 17"/>
-              <p:cNvSpPr txBox="1"/>
-              <p:nvPr/>
-            </p:nvSpPr>
-            <p:spPr>
-              <a:xfrm>
-                <a:off x="4905486" y="5558500"/>
-                <a:ext cx="1183342" cy="369332"/>
-              </a:xfrm>
-              <a:prstGeom prst="rect">
-                <a:avLst/>
-              </a:prstGeom>
-              <a:solidFill>
-                <a:schemeClr val="accent1"/>
-              </a:solidFill>
-            </p:spPr>
-            <p:txBody>
-              <a:bodyPr wrap="square" rtlCol="0">
-                <a:spAutoFit/>
-              </a:bodyPr>
-              <a:lstStyle/>
-              <a:p>
-                <a:pPr algn="ctr"/>
-                <a:r>
-                  <a:rPr lang="en-US" altLang="zh-CN" dirty="0">
-                    <a:solidFill>
-                      <a:schemeClr val="bg1"/>
-                    </a:solidFill>
-                  </a:rPr>
-                  <a:t>s</a:t>
-                </a:r>
-                <a:r>
-                  <a:rPr lang="en-US" altLang="zh-CN" dirty="0" smtClean="0">
-                    <a:solidFill>
-                      <a:schemeClr val="bg1"/>
-                    </a:solidFill>
-                  </a:rPr>
-                  <a:t>hard id</a:t>
-                </a:r>
-                <a:endParaRPr lang="zh-CN" altLang="en-US" dirty="0">
-                  <a:solidFill>
-                    <a:schemeClr val="bg1"/>
-                  </a:solidFill>
-                </a:endParaRPr>
-              </a:p>
-            </p:txBody>
-          </p:sp>
-          <p:sp>
-            <p:nvSpPr>
-              <p:cNvPr id="19" name="矩形 18"/>
-              <p:cNvSpPr/>
-              <p:nvPr/>
-            </p:nvSpPr>
-            <p:spPr>
-              <a:xfrm>
-                <a:off x="3334870" y="2269864"/>
-                <a:ext cx="4604273" cy="978945"/>
-              </a:xfrm>
-              <a:prstGeom prst="rect">
-                <a:avLst/>
-              </a:prstGeom>
-              <a:noFill/>
-              <a:ln w="28575">
-                <a:prstDash val="lgDash"/>
-              </a:ln>
-            </p:spPr>
-            <p:style>
-              <a:lnRef idx="2">
-                <a:schemeClr val="accent1">
-                  <a:shade val="50000"/>
-                </a:schemeClr>
-              </a:lnRef>
-              <a:fillRef idx="1">
-                <a:schemeClr val="accent1"/>
-              </a:fillRef>
-              <a:effectRef idx="0">
-                <a:schemeClr val="accent1"/>
-              </a:effectRef>
-              <a:fontRef idx="minor">
-                <a:schemeClr val="lt1"/>
-              </a:fontRef>
-            </p:style>
-            <p:txBody>
-              <a:bodyPr rtlCol="0" anchor="ctr"/>
-              <a:lstStyle/>
-              <a:p>
-                <a:pPr algn="ctr"/>
-                <a:endParaRPr lang="zh-CN" altLang="en-US"/>
-              </a:p>
-            </p:txBody>
-          </p:sp>
-          <p:sp>
-            <p:nvSpPr>
-              <p:cNvPr id="20" name="下箭头 19"/>
-              <p:cNvSpPr/>
-              <p:nvPr/>
-            </p:nvSpPr>
-            <p:spPr>
-              <a:xfrm>
-                <a:off x="5346551" y="1844867"/>
-                <a:ext cx="301213" cy="424997"/>
-              </a:xfrm>
-              <a:prstGeom prst="downArrow">
-                <a:avLst/>
-              </a:prstGeom>
-              <a:solidFill>
-                <a:schemeClr val="accent2"/>
-              </a:solidFill>
-            </p:spPr>
-            <p:style>
-              <a:lnRef idx="2">
-                <a:schemeClr val="accent1">
-                  <a:shade val="50000"/>
-                </a:schemeClr>
-              </a:lnRef>
-              <a:fillRef idx="1">
-                <a:schemeClr val="accent1"/>
-              </a:fillRef>
-              <a:effectRef idx="0">
-                <a:schemeClr val="accent1"/>
-              </a:effectRef>
-              <a:fontRef idx="minor">
-                <a:schemeClr val="lt1"/>
-              </a:fontRef>
-            </p:style>
-            <p:txBody>
-              <a:bodyPr rtlCol="0" anchor="ctr"/>
-              <a:lstStyle/>
-              <a:p>
-                <a:pPr algn="ctr"/>
-                <a:endParaRPr lang="zh-CN" altLang="en-US"/>
-              </a:p>
-            </p:txBody>
-          </p:sp>
-          <p:sp>
-            <p:nvSpPr>
-              <p:cNvPr id="21" name="下箭头 20"/>
-              <p:cNvSpPr/>
-              <p:nvPr/>
-            </p:nvSpPr>
-            <p:spPr>
-              <a:xfrm>
-                <a:off x="5346552" y="3248809"/>
-                <a:ext cx="301212" cy="579176"/>
-              </a:xfrm>
-              <a:prstGeom prst="downArrow">
-                <a:avLst/>
-              </a:prstGeom>
-              <a:solidFill>
-                <a:schemeClr val="accent2"/>
-              </a:solidFill>
-            </p:spPr>
-            <p:style>
-              <a:lnRef idx="2">
-                <a:schemeClr val="accent1">
-                  <a:shade val="50000"/>
-                </a:schemeClr>
-              </a:lnRef>
-              <a:fillRef idx="1">
-                <a:schemeClr val="accent1"/>
-              </a:fillRef>
-              <a:effectRef idx="0">
-                <a:schemeClr val="accent1"/>
-              </a:effectRef>
-              <a:fontRef idx="minor">
-                <a:schemeClr val="lt1"/>
-              </a:fontRef>
-            </p:style>
-            <p:txBody>
-              <a:bodyPr rtlCol="0" anchor="ctr"/>
-              <a:lstStyle/>
-              <a:p>
-                <a:pPr algn="ctr"/>
-                <a:endParaRPr lang="zh-CN" altLang="en-US"/>
-              </a:p>
-            </p:txBody>
-          </p:sp>
-          <p:sp>
-            <p:nvSpPr>
-              <p:cNvPr id="22" name="下箭头 21"/>
-              <p:cNvSpPr/>
-              <p:nvPr/>
-            </p:nvSpPr>
-            <p:spPr>
-              <a:xfrm>
-                <a:off x="5346552" y="5000724"/>
-                <a:ext cx="301212" cy="557776"/>
-              </a:xfrm>
-              <a:prstGeom prst="downArrow">
-                <a:avLst/>
-              </a:prstGeom>
-              <a:solidFill>
-                <a:schemeClr val="accent2"/>
-              </a:solidFill>
-            </p:spPr>
-            <p:style>
-              <a:lnRef idx="2">
-                <a:schemeClr val="accent1">
-                  <a:shade val="50000"/>
-                </a:schemeClr>
-              </a:lnRef>
-              <a:fillRef idx="1">
-                <a:schemeClr val="accent1"/>
-              </a:fillRef>
-              <a:effectRef idx="0">
-                <a:schemeClr val="accent1"/>
-              </a:effectRef>
-              <a:fontRef idx="minor">
-                <a:schemeClr val="lt1"/>
-              </a:fontRef>
-            </p:style>
-            <p:txBody>
-              <a:bodyPr rtlCol="0" anchor="ctr"/>
-              <a:lstStyle/>
-              <a:p>
-                <a:pPr algn="ctr"/>
-                <a:endParaRPr lang="zh-CN" altLang="en-US"/>
-              </a:p>
-            </p:txBody>
-          </p:sp>
-        </p:grpSp>
-        <p:sp>
-          <p:nvSpPr>
-            <p:cNvPr id="24" name="文本框 23"/>
-            <p:cNvSpPr txBox="1"/>
-            <p:nvPr/>
-          </p:nvSpPr>
-          <p:spPr>
-            <a:xfrm>
-              <a:off x="4970031" y="4161472"/>
-              <a:ext cx="1183342" cy="369332"/>
-            </a:xfrm>
-            <a:prstGeom prst="rect">
-              <a:avLst/>
-            </a:prstGeom>
-            <a:solidFill>
-              <a:schemeClr val="accent6"/>
-            </a:solidFill>
-          </p:spPr>
-          <p:txBody>
-            <a:bodyPr wrap="square" rtlCol="0">
-              <a:spAutoFit/>
-            </a:bodyPr>
-            <a:lstStyle/>
-            <a:p>
-              <a:pPr algn="ctr"/>
-              <a:r>
-                <a:rPr lang="en-US" altLang="zh-CN" dirty="0" smtClean="0">
-                  <a:solidFill>
-                    <a:schemeClr val="bg1"/>
-                  </a:solidFill>
-                </a:rPr>
-                <a:t>DAL</a:t>
-              </a:r>
-            </a:p>
-          </p:txBody>
-        </p:sp>
-        <p:sp>
-          <p:nvSpPr>
-            <p:cNvPr id="25" name="下箭头 24"/>
-            <p:cNvSpPr/>
-            <p:nvPr/>
-          </p:nvSpPr>
-          <p:spPr>
-            <a:xfrm>
-              <a:off x="5411096" y="4530804"/>
-              <a:ext cx="301213" cy="435754"/>
-            </a:xfrm>
-            <a:prstGeom prst="downArrow">
-              <a:avLst/>
-            </a:prstGeom>
-            <a:solidFill>
-              <a:schemeClr val="accent2"/>
-            </a:solidFill>
-          </p:spPr>
-          <p:style>
-            <a:lnRef idx="2">
-              <a:schemeClr val="accent1">
-                <a:shade val="50000"/>
-              </a:schemeClr>
-            </a:lnRef>
-            <a:fillRef idx="1">
-              <a:schemeClr val="accent1"/>
-            </a:fillRef>
-            <a:effectRef idx="0">
-              <a:schemeClr val="accent1"/>
-            </a:effectRef>
-            <a:fontRef idx="minor">
-              <a:schemeClr val="lt1"/>
-            </a:fontRef>
-          </p:style>
-          <p:txBody>
-            <a:bodyPr rtlCol="0" anchor="ctr"/>
-            <a:lstStyle/>
-            <a:p>
-              <a:pPr algn="ctr"/>
-              <a:endParaRPr lang="zh-CN" altLang="en-US"/>
-            </a:p>
-          </p:txBody>
-        </p:sp>
-      </p:grpSp>
       <p:sp>
         <p:nvSpPr>
           <p:cNvPr id="28" name="动作按钮: 第一张 27">
@@ -15505,6 +15193,555 @@
           </a:p>
         </p:txBody>
       </p:sp>
+      <p:grpSp>
+        <p:nvGrpSpPr>
+          <p:cNvPr id="33" name="组合 32"/>
+          <p:cNvGrpSpPr/>
+          <p:nvPr/>
+        </p:nvGrpSpPr>
+        <p:grpSpPr>
+          <a:xfrm>
+            <a:off x="3506991" y="1845905"/>
+            <a:ext cx="4604273" cy="4355776"/>
+            <a:chOff x="3506991" y="1845905"/>
+            <a:chExt cx="4604273" cy="4355776"/>
+          </a:xfrm>
+        </p:grpSpPr>
+        <p:grpSp>
+          <p:nvGrpSpPr>
+            <p:cNvPr id="26" name="组合 25"/>
+            <p:cNvGrpSpPr/>
+            <p:nvPr/>
+          </p:nvGrpSpPr>
+          <p:grpSpPr>
+            <a:xfrm>
+              <a:off x="3506991" y="1845905"/>
+              <a:ext cx="4604273" cy="4355776"/>
+              <a:chOff x="3399415" y="1824389"/>
+              <a:chExt cx="4604273" cy="4355776"/>
+            </a:xfrm>
+          </p:grpSpPr>
+          <p:grpSp>
+            <p:nvGrpSpPr>
+              <p:cNvPr id="23" name="组合 22"/>
+              <p:cNvGrpSpPr/>
+              <p:nvPr/>
+            </p:nvGrpSpPr>
+            <p:grpSpPr>
+              <a:xfrm>
+                <a:off x="3399415" y="1824389"/>
+                <a:ext cx="4604273" cy="4355776"/>
+                <a:chOff x="3334870" y="1490902"/>
+                <a:chExt cx="4604273" cy="4355776"/>
+              </a:xfrm>
+            </p:grpSpPr>
+            <p:sp>
+              <p:nvSpPr>
+                <p:cNvPr id="13" name="文本框 12"/>
+                <p:cNvSpPr txBox="1"/>
+                <p:nvPr/>
+              </p:nvSpPr>
+              <p:spPr>
+                <a:xfrm>
+                  <a:off x="5287382" y="1490902"/>
+                  <a:ext cx="699247" cy="369332"/>
+                </a:xfrm>
+                <a:prstGeom prst="rect">
+                  <a:avLst/>
+                </a:prstGeom>
+                <a:solidFill>
+                  <a:schemeClr val="accent6">
+                    <a:lumMod val="40000"/>
+                    <a:lumOff val="60000"/>
+                  </a:schemeClr>
+                </a:solidFill>
+                <a:ln>
+                  <a:solidFill>
+                    <a:schemeClr val="tx1"/>
+                  </a:solidFill>
+                </a:ln>
+              </p:spPr>
+              <p:txBody>
+                <a:bodyPr wrap="square" rtlCol="0">
+                  <a:spAutoFit/>
+                </a:bodyPr>
+                <a:lstStyle/>
+                <a:p>
+                  <a:pPr algn="ctr"/>
+                  <a:r>
+                    <a:rPr lang="zh-CN" altLang="en-US" dirty="0" smtClean="0"/>
+                    <a:t>应用</a:t>
+                  </a:r>
+                  <a:endParaRPr lang="zh-CN" altLang="en-US" dirty="0"/>
+                </a:p>
+              </p:txBody>
+            </p:sp>
+            <p:sp>
+              <p:nvSpPr>
+                <p:cNvPr id="14" name="文本框 13"/>
+                <p:cNvSpPr txBox="1"/>
+                <p:nvPr/>
+              </p:nvSpPr>
+              <p:spPr>
+                <a:xfrm>
+                  <a:off x="3679115" y="2607046"/>
+                  <a:ext cx="989704" cy="369332"/>
+                </a:xfrm>
+                <a:prstGeom prst="rect">
+                  <a:avLst/>
+                </a:prstGeom>
+                <a:solidFill>
+                  <a:schemeClr val="accent1">
+                    <a:lumMod val="60000"/>
+                    <a:lumOff val="40000"/>
+                  </a:schemeClr>
+                </a:solidFill>
+                <a:ln>
+                  <a:solidFill>
+                    <a:schemeClr val="tx1"/>
+                  </a:solidFill>
+                </a:ln>
+              </p:spPr>
+              <p:txBody>
+                <a:bodyPr wrap="square" rtlCol="0">
+                  <a:spAutoFit/>
+                </a:bodyPr>
+                <a:lstStyle/>
+                <a:p>
+                  <a:pPr algn="ctr"/>
+                  <a:r>
+                    <a:rPr lang="en-US" altLang="zh-CN" dirty="0" err="1" smtClean="0"/>
+                    <a:t>pojo</a:t>
+                  </a:r>
+                  <a:endParaRPr lang="zh-CN" altLang="en-US" dirty="0"/>
+                </a:p>
+              </p:txBody>
+            </p:sp>
+            <p:sp>
+              <p:nvSpPr>
+                <p:cNvPr id="15" name="文本框 14"/>
+                <p:cNvSpPr txBox="1"/>
+                <p:nvPr/>
+              </p:nvSpPr>
+              <p:spPr>
+                <a:xfrm>
+                  <a:off x="5034579" y="2607046"/>
+                  <a:ext cx="1204856" cy="369332"/>
+                </a:xfrm>
+                <a:prstGeom prst="rect">
+                  <a:avLst/>
+                </a:prstGeom>
+                <a:solidFill>
+                  <a:schemeClr val="accent1">
+                    <a:lumMod val="60000"/>
+                    <a:lumOff val="40000"/>
+                  </a:schemeClr>
+                </a:solidFill>
+                <a:ln>
+                  <a:solidFill>
+                    <a:schemeClr val="tx1"/>
+                  </a:solidFill>
+                </a:ln>
+              </p:spPr>
+              <p:txBody>
+                <a:bodyPr wrap="square" rtlCol="0">
+                  <a:spAutoFit/>
+                </a:bodyPr>
+                <a:lstStyle/>
+                <a:p>
+                  <a:pPr algn="ctr"/>
+                  <a:r>
+                    <a:rPr lang="en-US" altLang="zh-CN" dirty="0" smtClean="0"/>
+                    <a:t>parameter</a:t>
+                  </a:r>
+                  <a:endParaRPr lang="zh-CN" altLang="en-US" dirty="0"/>
+                </a:p>
+              </p:txBody>
+            </p:sp>
+            <p:sp>
+              <p:nvSpPr>
+                <p:cNvPr id="16" name="文本框 15"/>
+                <p:cNvSpPr txBox="1"/>
+                <p:nvPr/>
+              </p:nvSpPr>
+              <p:spPr>
+                <a:xfrm>
+                  <a:off x="6605195" y="2607046"/>
+                  <a:ext cx="1044390" cy="369332"/>
+                </a:xfrm>
+                <a:prstGeom prst="rect">
+                  <a:avLst/>
+                </a:prstGeom>
+                <a:solidFill>
+                  <a:schemeClr val="accent1">
+                    <a:lumMod val="60000"/>
+                    <a:lumOff val="40000"/>
+                  </a:schemeClr>
+                </a:solidFill>
+                <a:ln>
+                  <a:solidFill>
+                    <a:schemeClr val="tx1"/>
+                  </a:solidFill>
+                </a:ln>
+              </p:spPr>
+              <p:txBody>
+                <a:bodyPr wrap="square" rtlCol="0">
+                  <a:spAutoFit/>
+                </a:bodyPr>
+                <a:lstStyle/>
+                <a:p>
+                  <a:pPr algn="ctr"/>
+                  <a:r>
+                    <a:rPr lang="en-US" altLang="zh-CN" dirty="0" err="1"/>
+                    <a:t>DalHints</a:t>
+                  </a:r>
+                  <a:endParaRPr lang="zh-CN" altLang="en-US" dirty="0"/>
+                </a:p>
+              </p:txBody>
+            </p:sp>
+            <p:sp>
+              <p:nvSpPr>
+                <p:cNvPr id="17" name="文本框 16"/>
+                <p:cNvSpPr txBox="1"/>
+                <p:nvPr/>
+              </p:nvSpPr>
+              <p:spPr>
+                <a:xfrm>
+                  <a:off x="4477868" y="4649816"/>
+                  <a:ext cx="2318274" cy="369332"/>
+                </a:xfrm>
+                <a:prstGeom prst="rect">
+                  <a:avLst/>
+                </a:prstGeom>
+                <a:solidFill>
+                  <a:schemeClr val="accent1">
+                    <a:lumMod val="60000"/>
+                    <a:lumOff val="40000"/>
+                  </a:schemeClr>
+                </a:solidFill>
+                <a:ln>
+                  <a:solidFill>
+                    <a:schemeClr val="tx1"/>
+                  </a:solidFill>
+                </a:ln>
+              </p:spPr>
+              <p:txBody>
+                <a:bodyPr wrap="square" rtlCol="0">
+                  <a:spAutoFit/>
+                </a:bodyPr>
+                <a:lstStyle/>
+                <a:p>
+                  <a:pPr algn="ctr"/>
+                  <a:r>
+                    <a:rPr lang="en-US" altLang="zh-CN" dirty="0" smtClean="0"/>
+                    <a:t> </a:t>
+                  </a:r>
+                  <a:r>
+                    <a:rPr lang="en-US" altLang="zh-CN" dirty="0" err="1" smtClean="0"/>
+                    <a:t>sharding</a:t>
+                  </a:r>
+                  <a:r>
+                    <a:rPr lang="en-US" altLang="zh-CN" dirty="0" smtClean="0"/>
+                    <a:t> strategy</a:t>
+                  </a:r>
+                  <a:endParaRPr lang="zh-CN" altLang="en-US" dirty="0"/>
+                </a:p>
+              </p:txBody>
+            </p:sp>
+            <p:sp>
+              <p:nvSpPr>
+                <p:cNvPr id="18" name="文本框 17"/>
+                <p:cNvSpPr txBox="1"/>
+                <p:nvPr/>
+              </p:nvSpPr>
+              <p:spPr>
+                <a:xfrm>
+                  <a:off x="5045334" y="5477346"/>
+                  <a:ext cx="1183342" cy="369332"/>
+                </a:xfrm>
+                <a:prstGeom prst="rect">
+                  <a:avLst/>
+                </a:prstGeom>
+                <a:solidFill>
+                  <a:schemeClr val="accent1">
+                    <a:lumMod val="60000"/>
+                    <a:lumOff val="40000"/>
+                  </a:schemeClr>
+                </a:solidFill>
+                <a:ln>
+                  <a:solidFill>
+                    <a:schemeClr val="tx1"/>
+                  </a:solidFill>
+                </a:ln>
+              </p:spPr>
+              <p:txBody>
+                <a:bodyPr wrap="square" rtlCol="0">
+                  <a:spAutoFit/>
+                </a:bodyPr>
+                <a:lstStyle/>
+                <a:p>
+                  <a:pPr algn="ctr"/>
+                  <a:r>
+                    <a:rPr lang="en-US" altLang="zh-CN" dirty="0"/>
+                    <a:t>s</a:t>
+                  </a:r>
+                  <a:r>
+                    <a:rPr lang="en-US" altLang="zh-CN" dirty="0" smtClean="0"/>
+                    <a:t>hard id</a:t>
+                  </a:r>
+                  <a:endParaRPr lang="zh-CN" altLang="en-US" dirty="0"/>
+                </a:p>
+              </p:txBody>
+            </p:sp>
+            <p:sp>
+              <p:nvSpPr>
+                <p:cNvPr id="19" name="矩形 18"/>
+                <p:cNvSpPr/>
+                <p:nvPr/>
+              </p:nvSpPr>
+              <p:spPr>
+                <a:xfrm>
+                  <a:off x="3334870" y="2269864"/>
+                  <a:ext cx="4604273" cy="978945"/>
+                </a:xfrm>
+                <a:prstGeom prst="rect">
+                  <a:avLst/>
+                </a:prstGeom>
+                <a:noFill/>
+                <a:ln w="28575">
+                  <a:solidFill>
+                    <a:schemeClr val="accent1">
+                      <a:lumMod val="60000"/>
+                      <a:lumOff val="40000"/>
+                    </a:schemeClr>
+                  </a:solidFill>
+                  <a:prstDash val="lgDash"/>
+                </a:ln>
+              </p:spPr>
+              <p:style>
+                <a:lnRef idx="2">
+                  <a:schemeClr val="accent1">
+                    <a:shade val="50000"/>
+                  </a:schemeClr>
+                </a:lnRef>
+                <a:fillRef idx="1">
+                  <a:schemeClr val="accent1"/>
+                </a:fillRef>
+                <a:effectRef idx="0">
+                  <a:schemeClr val="accent1"/>
+                </a:effectRef>
+                <a:fontRef idx="minor">
+                  <a:schemeClr val="lt1"/>
+                </a:fontRef>
+              </p:style>
+              <p:txBody>
+                <a:bodyPr rtlCol="0" anchor="ctr"/>
+                <a:lstStyle/>
+                <a:p>
+                  <a:pPr algn="ctr"/>
+                  <a:endParaRPr lang="zh-CN" altLang="en-US"/>
+                </a:p>
+              </p:txBody>
+            </p:sp>
+          </p:grpSp>
+          <p:sp>
+            <p:nvSpPr>
+              <p:cNvPr id="24" name="文本框 23"/>
+              <p:cNvSpPr txBox="1"/>
+              <p:nvPr/>
+            </p:nvSpPr>
+            <p:spPr>
+              <a:xfrm>
+                <a:off x="5109879" y="4155773"/>
+                <a:ext cx="1183342" cy="369332"/>
+              </a:xfrm>
+              <a:prstGeom prst="rect">
+                <a:avLst/>
+              </a:prstGeom>
+              <a:solidFill>
+                <a:schemeClr val="accent6">
+                  <a:lumMod val="40000"/>
+                  <a:lumOff val="60000"/>
+                </a:schemeClr>
+              </a:solidFill>
+              <a:ln>
+                <a:solidFill>
+                  <a:schemeClr val="tx1"/>
+                </a:solidFill>
+              </a:ln>
+            </p:spPr>
+            <p:txBody>
+              <a:bodyPr wrap="square" rtlCol="0">
+                <a:spAutoFit/>
+              </a:bodyPr>
+              <a:lstStyle/>
+              <a:p>
+                <a:pPr algn="ctr"/>
+                <a:r>
+                  <a:rPr lang="en-US" altLang="zh-CN" dirty="0" smtClean="0"/>
+                  <a:t>DAL</a:t>
+                </a:r>
+              </a:p>
+            </p:txBody>
+          </p:sp>
+        </p:grpSp>
+        <p:cxnSp>
+          <p:nvCxnSpPr>
+            <p:cNvPr id="9" name="直接箭头连接符 8"/>
+            <p:cNvCxnSpPr>
+              <a:stCxn id="13" idx="2"/>
+              <a:endCxn id="19" idx="0"/>
+            </p:cNvCxnSpPr>
+            <p:nvPr/>
+          </p:nvCxnSpPr>
+          <p:spPr>
+            <a:xfrm>
+              <a:off x="5809127" y="2215237"/>
+              <a:ext cx="1" cy="409630"/>
+            </a:xfrm>
+            <a:prstGeom prst="straightConnector1">
+              <a:avLst/>
+            </a:prstGeom>
+            <a:ln w="19050">
+              <a:solidFill>
+                <a:schemeClr val="tx1"/>
+              </a:solidFill>
+              <a:tailEnd type="triangle"/>
+            </a:ln>
+          </p:spPr>
+          <p:style>
+            <a:lnRef idx="1">
+              <a:schemeClr val="accent1"/>
+            </a:lnRef>
+            <a:fillRef idx="0">
+              <a:schemeClr val="accent1"/>
+            </a:fillRef>
+            <a:effectRef idx="0">
+              <a:schemeClr val="accent1"/>
+            </a:effectRef>
+            <a:fontRef idx="minor">
+              <a:schemeClr val="tx1"/>
+            </a:fontRef>
+          </p:style>
+        </p:cxnSp>
+        <p:cxnSp>
+          <p:nvCxnSpPr>
+            <p:cNvPr id="12" name="直接箭头连接符 11"/>
+            <p:cNvCxnSpPr>
+              <a:stCxn id="19" idx="2"/>
+              <a:endCxn id="24" idx="0"/>
+            </p:cNvCxnSpPr>
+            <p:nvPr/>
+          </p:nvCxnSpPr>
+          <p:spPr>
+            <a:xfrm flipH="1">
+              <a:off x="5809126" y="3603812"/>
+              <a:ext cx="2" cy="573477"/>
+            </a:xfrm>
+            <a:prstGeom prst="straightConnector1">
+              <a:avLst/>
+            </a:prstGeom>
+            <a:ln w="19050">
+              <a:solidFill>
+                <a:schemeClr val="tx1"/>
+              </a:solidFill>
+              <a:tailEnd type="triangle"/>
+            </a:ln>
+          </p:spPr>
+          <p:style>
+            <a:lnRef idx="1">
+              <a:schemeClr val="accent1"/>
+            </a:lnRef>
+            <a:fillRef idx="0">
+              <a:schemeClr val="accent1"/>
+            </a:fillRef>
+            <a:effectRef idx="0">
+              <a:schemeClr val="accent1"/>
+            </a:effectRef>
+            <a:fontRef idx="minor">
+              <a:schemeClr val="tx1"/>
+            </a:fontRef>
+          </p:style>
+        </p:cxnSp>
+        <p:cxnSp>
+          <p:nvCxnSpPr>
+            <p:cNvPr id="30" name="直接箭头连接符 29"/>
+            <p:cNvCxnSpPr>
+              <a:stCxn id="24" idx="2"/>
+              <a:endCxn id="17" idx="0"/>
+            </p:cNvCxnSpPr>
+            <p:nvPr/>
+          </p:nvCxnSpPr>
+          <p:spPr>
+            <a:xfrm>
+              <a:off x="5809126" y="4546621"/>
+              <a:ext cx="0" cy="458198"/>
+            </a:xfrm>
+            <a:prstGeom prst="straightConnector1">
+              <a:avLst/>
+            </a:prstGeom>
+            <a:ln w="19050">
+              <a:solidFill>
+                <a:schemeClr val="tx1"/>
+              </a:solidFill>
+              <a:tailEnd type="triangle"/>
+            </a:ln>
+          </p:spPr>
+          <p:style>
+            <a:lnRef idx="1">
+              <a:schemeClr val="accent1"/>
+            </a:lnRef>
+            <a:fillRef idx="0">
+              <a:schemeClr val="accent1"/>
+            </a:fillRef>
+            <a:effectRef idx="0">
+              <a:schemeClr val="accent1"/>
+            </a:effectRef>
+            <a:fontRef idx="minor">
+              <a:schemeClr val="tx1"/>
+            </a:fontRef>
+          </p:style>
+        </p:cxnSp>
+        <p:cxnSp>
+          <p:nvCxnSpPr>
+            <p:cNvPr id="32" name="直接箭头连接符 31"/>
+            <p:cNvCxnSpPr>
+              <a:stCxn id="17" idx="2"/>
+              <a:endCxn id="18" idx="0"/>
+            </p:cNvCxnSpPr>
+            <p:nvPr/>
+          </p:nvCxnSpPr>
+          <p:spPr>
+            <a:xfrm>
+              <a:off x="5809126" y="5374151"/>
+              <a:ext cx="0" cy="458198"/>
+            </a:xfrm>
+            <a:prstGeom prst="straightConnector1">
+              <a:avLst/>
+            </a:prstGeom>
+            <a:ln w="19050">
+              <a:solidFill>
+                <a:schemeClr val="tx1"/>
+              </a:solidFill>
+              <a:tailEnd type="triangle"/>
+            </a:ln>
+          </p:spPr>
+          <p:style>
+            <a:lnRef idx="1">
+              <a:schemeClr val="accent1"/>
+            </a:lnRef>
+            <a:fillRef idx="0">
+              <a:schemeClr val="accent1"/>
+            </a:fillRef>
+            <a:effectRef idx="0">
+              <a:schemeClr val="accent1"/>
+            </a:effectRef>
+            <a:fontRef idx="minor">
+              <a:schemeClr val="tx1"/>
+            </a:fontRef>
+          </p:style>
+        </p:cxnSp>
+      </p:grpSp>
     </p:spTree>
     <p:extLst>
       <p:ext uri="{BB962C8B-B14F-4D97-AF65-F5344CB8AC3E}">
@@ -17322,7 +17559,7 @@
         <p:spPr/>
         <p:txBody>
           <a:bodyPr>
-            <a:normAutofit fontScale="85000" lnSpcReduction="20000"/>
+            <a:normAutofit/>
           </a:bodyPr>
           <a:lstStyle/>
           <a:p>
@@ -17331,14 +17568,16 @@
               <a:buAutoNum type="ea1JpnChsDbPeriod" startAt="3"/>
             </a:pPr>
             <a:r>
-              <a:rPr lang="zh-CN" altLang="en-US" b="1" dirty="0" smtClean="0"/>
-              <a:t>主要</a:t>
-            </a:r>
-            <a:r>
-              <a:rPr lang="zh-CN" altLang="en-US" b="1" dirty="0"/>
-              <a:t>功能</a:t>
-            </a:r>
-            <a:endParaRPr lang="en-US" altLang="zh-CN" b="1" dirty="0"/>
+              <a:rPr lang="zh-CN" altLang="en-US" b="1" dirty="0" smtClean="0">
+                <a:latin typeface="仿宋" panose="02010609060101010101" pitchFamily="49" charset="-122"/>
+                <a:ea typeface="仿宋" panose="02010609060101010101" pitchFamily="49" charset="-122"/>
+              </a:rPr>
+              <a:t>主要功能</a:t>
+            </a:r>
+            <a:endParaRPr lang="en-US" altLang="zh-CN" b="1" dirty="0" smtClean="0">
+              <a:latin typeface="仿宋" panose="02010609060101010101" pitchFamily="49" charset="-122"/>
+              <a:ea typeface="仿宋" panose="02010609060101010101" pitchFamily="49" charset="-122"/>
+            </a:endParaRPr>
           </a:p>
           <a:p>
             <a:pPr marL="514350" indent="-514350">
@@ -17346,28 +17585,60 @@
               <a:buAutoNum type="arabicPeriod"/>
             </a:pPr>
             <a:r>
-              <a:rPr lang="zh-CN" altLang="en-US" b="1" dirty="0"/>
-              <a:t>增删改查</a:t>
-            </a:r>
-            <a:endParaRPr lang="en-US" altLang="zh-CN" b="1" dirty="0"/>
-          </a:p>
-          <a:p>
-            <a:r>
-              <a:rPr lang="en-US" altLang="zh-CN" sz="2100" b="1" dirty="0">
+              <a:rPr lang="zh-CN" altLang="en-US" b="1" dirty="0" smtClean="0">
+                <a:latin typeface="仿宋" panose="02010609060101010101" pitchFamily="49" charset="-122"/>
+                <a:ea typeface="仿宋" panose="02010609060101010101" pitchFamily="49" charset="-122"/>
+              </a:rPr>
+              <a:t>增删</a:t>
+            </a:r>
+            <a:r>
+              <a:rPr lang="zh-CN" altLang="en-US" b="1" dirty="0">
+                <a:latin typeface="仿宋" panose="02010609060101010101" pitchFamily="49" charset="-122"/>
+                <a:ea typeface="仿宋" panose="02010609060101010101" pitchFamily="49" charset="-122"/>
+              </a:rPr>
+              <a:t>改</a:t>
+            </a:r>
+            <a:r>
+              <a:rPr lang="zh-CN" altLang="en-US" b="1" dirty="0" smtClean="0">
+                <a:latin typeface="仿宋" panose="02010609060101010101" pitchFamily="49" charset="-122"/>
+                <a:ea typeface="仿宋" panose="02010609060101010101" pitchFamily="49" charset="-122"/>
+              </a:rPr>
+              <a:t>查</a:t>
+            </a:r>
+            <a:r>
+              <a:rPr lang="en-US" altLang="zh-CN" b="1" dirty="0" smtClean="0">
+                <a:latin typeface="仿宋" panose="02010609060101010101" pitchFamily="49" charset="-122"/>
+                <a:ea typeface="仿宋" panose="02010609060101010101" pitchFamily="49" charset="-122"/>
+              </a:rPr>
+              <a:t>: </a:t>
+            </a:r>
+            <a:r>
+              <a:rPr lang="en-US" altLang="zh-CN" sz="2100" b="1" dirty="0" smtClean="0">
+                <a:latin typeface="仿宋" panose="02010609060101010101" pitchFamily="49" charset="-122"/>
+                <a:ea typeface="仿宋" panose="02010609060101010101" pitchFamily="49" charset="-122"/>
                 <a:hlinkClick r:id="rId2" action="ppaction://hlinksldjump"/>
               </a:rPr>
               <a:t>Entity</a:t>
             </a:r>
-            <a:endParaRPr lang="en-US" altLang="zh-CN" sz="2100" b="1" dirty="0"/>
-          </a:p>
-          <a:p>
-            <a:r>
-              <a:rPr lang="en-US" altLang="zh-CN" sz="2100" b="1" dirty="0">
+            <a:r>
+              <a:rPr lang="en-US" altLang="zh-CN" sz="2100" b="1" dirty="0" smtClean="0">
+                <a:latin typeface="仿宋" panose="02010609060101010101" pitchFamily="49" charset="-122"/>
+                <a:ea typeface="仿宋" panose="02010609060101010101" pitchFamily="49" charset="-122"/>
+              </a:rPr>
+              <a:t>, </a:t>
+            </a:r>
+            <a:r>
+              <a:rPr lang="en-US" altLang="zh-CN" sz="2100" b="1" dirty="0" smtClean="0">
+                <a:latin typeface="仿宋" panose="02010609060101010101" pitchFamily="49" charset="-122"/>
+                <a:ea typeface="仿宋" panose="02010609060101010101" pitchFamily="49" charset="-122"/>
                 <a:hlinkClick r:id="rId3" action="ppaction://hlinksldjump"/>
               </a:rPr>
               <a:t>DAO</a:t>
             </a:r>
-            <a:endParaRPr lang="en-US" altLang="zh-CN" sz="2100" b="1" dirty="0"/>
+            <a:endParaRPr lang="en-US" altLang="zh-CN" sz="2100" b="1" dirty="0">
+              <a:latin typeface="仿宋" panose="02010609060101010101" pitchFamily="49" charset="-122"/>
+              <a:ea typeface="仿宋" panose="02010609060101010101" pitchFamily="49" charset="-122"/>
+            </a:endParaRPr>
           </a:p>
           <a:p>
             <a:pPr marL="514350" indent="-514350">
@@ -17376,11 +17647,16 @@
             </a:pPr>
             <a:r>
               <a:rPr lang="en-US" altLang="zh-CN" b="1" dirty="0" err="1" smtClean="0">
+                <a:latin typeface="仿宋" panose="02010609060101010101" pitchFamily="49" charset="-122"/>
+                <a:ea typeface="仿宋" panose="02010609060101010101" pitchFamily="49" charset="-122"/>
                 <a:hlinkClick r:id="rId4" action="ppaction://hlinksldjump"/>
               </a:rPr>
               <a:t>DalHints</a:t>
             </a:r>
-            <a:endParaRPr lang="en-US" altLang="zh-CN" b="1" dirty="0"/>
+            <a:endParaRPr lang="en-US" altLang="zh-CN" b="1" dirty="0">
+              <a:latin typeface="仿宋" panose="02010609060101010101" pitchFamily="49" charset="-122"/>
+              <a:ea typeface="仿宋" panose="02010609060101010101" pitchFamily="49" charset="-122"/>
+            </a:endParaRPr>
           </a:p>
           <a:p>
             <a:pPr marL="514350" indent="-514350">
@@ -17389,55 +17665,69 @@
             </a:pPr>
             <a:r>
               <a:rPr lang="zh-CN" altLang="en-US" b="1" dirty="0">
+                <a:latin typeface="仿宋" panose="02010609060101010101" pitchFamily="49" charset="-122"/>
+                <a:ea typeface="仿宋" panose="02010609060101010101" pitchFamily="49" charset="-122"/>
                 <a:hlinkClick r:id="rId5" action="ppaction://hlinksldjump"/>
               </a:rPr>
               <a:t>分库分</a:t>
             </a:r>
             <a:r>
               <a:rPr lang="zh-CN" altLang="en-US" b="1" dirty="0" smtClean="0">
+                <a:latin typeface="仿宋" panose="02010609060101010101" pitchFamily="49" charset="-122"/>
+                <a:ea typeface="仿宋" panose="02010609060101010101" pitchFamily="49" charset="-122"/>
                 <a:hlinkClick r:id="rId5" action="ppaction://hlinksldjump"/>
               </a:rPr>
               <a:t>表</a:t>
             </a:r>
-            <a:endParaRPr lang="en-US" altLang="zh-CN" b="1" dirty="0" smtClean="0"/>
-          </a:p>
-          <a:p>
-            <a:r>
-              <a:rPr lang="zh-CN" altLang="en-US" sz="2100" b="1" dirty="0">
+            <a:r>
+              <a:rPr lang="en-US" altLang="zh-CN" b="1" dirty="0" smtClean="0">
+                <a:latin typeface="仿宋" panose="02010609060101010101" pitchFamily="49" charset="-122"/>
+                <a:ea typeface="仿宋" panose="02010609060101010101" pitchFamily="49" charset="-122"/>
+              </a:rPr>
+              <a:t>: </a:t>
+            </a:r>
+            <a:r>
+              <a:rPr lang="zh-CN" altLang="en-US" sz="2100" b="1" dirty="0" smtClean="0">
+                <a:latin typeface="仿宋" panose="02010609060101010101" pitchFamily="49" charset="-122"/>
+                <a:ea typeface="仿宋" panose="02010609060101010101" pitchFamily="49" charset="-122"/>
                 <a:hlinkClick r:id="rId6" action="ppaction://hlinksldjump"/>
               </a:rPr>
               <a:t>策略</a:t>
             </a:r>
-            <a:endParaRPr lang="en-US" altLang="zh-CN" sz="2100" b="1" dirty="0" smtClean="0">
-              <a:hlinkClick r:id="rId7" action="ppaction://hlinksldjump"/>
-            </a:endParaRPr>
-          </a:p>
-          <a:p>
+            <a:r>
+              <a:rPr lang="en-US" altLang="zh-CN" sz="2100" b="1" dirty="0" smtClean="0">
+                <a:latin typeface="仿宋" panose="02010609060101010101" pitchFamily="49" charset="-122"/>
+                <a:ea typeface="仿宋" panose="02010609060101010101" pitchFamily="49" charset="-122"/>
+              </a:rPr>
+              <a:t>, </a:t>
+            </a:r>
             <a:r>
               <a:rPr lang="zh-CN" altLang="en-US" sz="2100" b="1" dirty="0" smtClean="0">
+                <a:latin typeface="仿宋" panose="02010609060101010101" pitchFamily="49" charset="-122"/>
+                <a:ea typeface="仿宋" panose="02010609060101010101" pitchFamily="49" charset="-122"/>
+                <a:hlinkClick r:id="rId7" action="ppaction://hlinksldjump"/>
+              </a:rPr>
+              <a:t>配置</a:t>
+            </a:r>
+            <a:r>
+              <a:rPr lang="en-US" altLang="zh-CN" sz="2100" b="1" dirty="0" smtClean="0">
+                <a:latin typeface="仿宋" panose="02010609060101010101" pitchFamily="49" charset="-122"/>
+                <a:ea typeface="仿宋" panose="02010609060101010101" pitchFamily="49" charset="-122"/>
+              </a:rPr>
+              <a:t>, </a:t>
+            </a:r>
+            <a:r>
+              <a:rPr lang="en-US" altLang="zh-CN" sz="2100" b="1" dirty="0" smtClean="0">
+                <a:latin typeface="仿宋" panose="02010609060101010101" pitchFamily="49" charset="-122"/>
+                <a:ea typeface="仿宋" panose="02010609060101010101" pitchFamily="49" charset="-122"/>
                 <a:hlinkClick r:id="rId8" action="ppaction://hlinksldjump"/>
               </a:rPr>
-              <a:t>配置</a:t>
-            </a:r>
-            <a:endParaRPr lang="en-US" altLang="zh-CN" sz="2100" b="1" dirty="0" smtClean="0">
-              <a:hlinkClick r:id="rId7" action="ppaction://hlinksldjump"/>
-            </a:endParaRPr>
-          </a:p>
-          <a:p>
-            <a:r>
-              <a:rPr lang="en-US" altLang="zh-CN" sz="2100" b="1" dirty="0">
-                <a:hlinkClick r:id="rId9" action="ppaction://hlinksldjump"/>
-              </a:rPr>
-              <a:t>s</a:t>
-            </a:r>
-            <a:r>
-              <a:rPr lang="en-US" altLang="zh-CN" sz="2100" b="1" dirty="0" smtClean="0">
-                <a:hlinkClick r:id="rId9" action="ppaction://hlinksldjump"/>
-              </a:rPr>
-              <a:t>hard id</a:t>
+              <a:t>shard id</a:t>
             </a:r>
             <a:endParaRPr lang="en-US" altLang="zh-CN" sz="2100" b="1" dirty="0">
-              <a:hlinkClick r:id="rId7" action="ppaction://hlinksldjump"/>
+              <a:latin typeface="仿宋" panose="02010609060101010101" pitchFamily="49" charset="-122"/>
+              <a:ea typeface="仿宋" panose="02010609060101010101" pitchFamily="49" charset="-122"/>
+              <a:hlinkClick r:id="rId9" action="ppaction://hlinksldjump"/>
             </a:endParaRPr>
           </a:p>
           <a:p>
@@ -17447,35 +17737,54 @@
             </a:pPr>
             <a:r>
               <a:rPr lang="zh-CN" altLang="en-US" b="1" dirty="0">
+                <a:latin typeface="仿宋" panose="02010609060101010101" pitchFamily="49" charset="-122"/>
+                <a:ea typeface="仿宋" panose="02010609060101010101" pitchFamily="49" charset="-122"/>
                 <a:hlinkClick r:id="rId10" action="ppaction://hlinksldjump"/>
               </a:rPr>
               <a:t>读写</a:t>
             </a:r>
             <a:r>
               <a:rPr lang="zh-CN" altLang="en-US" b="1" dirty="0" smtClean="0">
+                <a:latin typeface="仿宋" panose="02010609060101010101" pitchFamily="49" charset="-122"/>
+                <a:ea typeface="仿宋" panose="02010609060101010101" pitchFamily="49" charset="-122"/>
                 <a:hlinkClick r:id="rId10" action="ppaction://hlinksldjump"/>
               </a:rPr>
               <a:t>分离</a:t>
             </a:r>
-            <a:endParaRPr lang="en-US" altLang="zh-CN" b="1" dirty="0" smtClean="0"/>
-          </a:p>
-          <a:p>
+            <a:r>
+              <a:rPr lang="en-US" altLang="zh-CN" b="1" dirty="0" smtClean="0">
+                <a:latin typeface="仿宋" panose="02010609060101010101" pitchFamily="49" charset="-122"/>
+                <a:ea typeface="仿宋" panose="02010609060101010101" pitchFamily="49" charset="-122"/>
+              </a:rPr>
+              <a:t>: </a:t>
+            </a:r>
             <a:r>
               <a:rPr lang="zh-CN" altLang="en-US" sz="2100" b="1" dirty="0" smtClean="0">
+                <a:latin typeface="仿宋" panose="02010609060101010101" pitchFamily="49" charset="-122"/>
+                <a:ea typeface="仿宋" panose="02010609060101010101" pitchFamily="49" charset="-122"/>
                 <a:hlinkClick r:id="rId11" action="ppaction://hlinksldjump"/>
               </a:rPr>
               <a:t>配置</a:t>
             </a:r>
-            <a:endParaRPr lang="en-US" altLang="zh-CN" sz="2100" b="1" dirty="0" smtClean="0"/>
-          </a:p>
-          <a:p>
+            <a:r>
+              <a:rPr lang="en-US" altLang="zh-CN" sz="2100" b="1" dirty="0" smtClean="0">
+                <a:latin typeface="仿宋" panose="02010609060101010101" pitchFamily="49" charset="-122"/>
+                <a:ea typeface="仿宋" panose="02010609060101010101" pitchFamily="49" charset="-122"/>
+              </a:rPr>
+              <a:t>, </a:t>
+            </a:r>
             <a:r>
               <a:rPr lang="zh-CN" altLang="en-US" sz="2100" b="1" dirty="0" smtClean="0">
+                <a:latin typeface="仿宋" panose="02010609060101010101" pitchFamily="49" charset="-122"/>
+                <a:ea typeface="仿宋" panose="02010609060101010101" pitchFamily="49" charset="-122"/>
                 <a:hlinkClick r:id="rId12" action="ppaction://hlinksldjump"/>
               </a:rPr>
               <a:t>策略</a:t>
             </a:r>
-            <a:endParaRPr lang="en-US" altLang="zh-CN" sz="2100" b="1" dirty="0"/>
+            <a:endParaRPr lang="en-US" altLang="zh-CN" sz="2100" b="1" dirty="0">
+              <a:latin typeface="仿宋" panose="02010609060101010101" pitchFamily="49" charset="-122"/>
+              <a:ea typeface="仿宋" panose="02010609060101010101" pitchFamily="49" charset="-122"/>
+            </a:endParaRPr>
           </a:p>
           <a:p>
             <a:endParaRPr lang="zh-CN" altLang="en-US" dirty="0"/>
@@ -18147,6 +18456,17 @@
             <a:prstGeom prst="flowChartMagneticDisk">
               <a:avLst/>
             </a:prstGeom>
+            <a:solidFill>
+              <a:schemeClr val="accent1">
+                <a:lumMod val="60000"/>
+                <a:lumOff val="40000"/>
+              </a:schemeClr>
+            </a:solidFill>
+            <a:ln>
+              <a:solidFill>
+                <a:schemeClr val="tx1"/>
+              </a:solidFill>
+            </a:ln>
           </p:spPr>
           <p:style>
             <a:lnRef idx="2">
@@ -18170,10 +18490,18 @@
             <a:p>
               <a:pPr algn="ctr"/>
               <a:r>
-                <a:rPr lang="en-US" altLang="zh-CN" dirty="0" smtClean="0"/>
+                <a:rPr lang="en-US" altLang="zh-CN" dirty="0" smtClean="0">
+                  <a:solidFill>
+                    <a:schemeClr val="tx1"/>
+                  </a:solidFill>
+                </a:rPr>
                 <a:t>master</a:t>
               </a:r>
-              <a:endParaRPr lang="zh-CN" altLang="en-US" dirty="0"/>
+              <a:endParaRPr lang="zh-CN" altLang="en-US" dirty="0">
+                <a:solidFill>
+                  <a:schemeClr val="tx1"/>
+                </a:solidFill>
+              </a:endParaRPr>
             </a:p>
           </p:txBody>
         </p:sp>
@@ -18191,6 +18519,17 @@
             <a:prstGeom prst="flowChartMagneticDisk">
               <a:avLst/>
             </a:prstGeom>
+            <a:solidFill>
+              <a:schemeClr val="accent1">
+                <a:lumMod val="60000"/>
+                <a:lumOff val="40000"/>
+              </a:schemeClr>
+            </a:solidFill>
+            <a:ln>
+              <a:solidFill>
+                <a:schemeClr val="tx1"/>
+              </a:solidFill>
+            </a:ln>
           </p:spPr>
           <p:style>
             <a:lnRef idx="2">
@@ -18214,10 +18553,18 @@
             <a:p>
               <a:pPr algn="ctr"/>
               <a:r>
-                <a:rPr lang="en-US" altLang="zh-CN" dirty="0" smtClean="0"/>
+                <a:rPr lang="en-US" altLang="zh-CN" dirty="0" smtClean="0">
+                  <a:solidFill>
+                    <a:schemeClr val="tx1"/>
+                  </a:solidFill>
+                </a:rPr>
                 <a:t>slave</a:t>
               </a:r>
-              <a:endParaRPr lang="zh-CN" altLang="en-US" dirty="0"/>
+              <a:endParaRPr lang="zh-CN" altLang="en-US" dirty="0">
+                <a:solidFill>
+                  <a:schemeClr val="tx1"/>
+                </a:solidFill>
+              </a:endParaRPr>
             </a:p>
           </p:txBody>
         </p:sp>
@@ -18235,6 +18582,12 @@
             <a:prstGeom prst="rect">
               <a:avLst/>
             </a:prstGeom>
+            <a:solidFill>
+              <a:schemeClr val="accent1">
+                <a:lumMod val="60000"/>
+                <a:lumOff val="40000"/>
+              </a:schemeClr>
+            </a:solidFill>
           </p:spPr>
           <p:style>
             <a:lnRef idx="2">
@@ -18258,10 +18611,18 @@
             <a:p>
               <a:pPr algn="ctr"/>
               <a:r>
-                <a:rPr lang="en-US" altLang="zh-CN" dirty="0" smtClean="0"/>
+                <a:rPr lang="en-US" altLang="zh-CN" dirty="0" smtClean="0">
+                  <a:solidFill>
+                    <a:schemeClr val="tx1"/>
+                  </a:solidFill>
+                </a:rPr>
                 <a:t>dal</a:t>
               </a:r>
-              <a:endParaRPr lang="zh-CN" altLang="en-US" dirty="0"/>
+              <a:endParaRPr lang="zh-CN" altLang="en-US" dirty="0">
+                <a:solidFill>
+                  <a:schemeClr val="tx1"/>
+                </a:solidFill>
+              </a:endParaRPr>
             </a:p>
           </p:txBody>
         </p:sp>
@@ -18344,6 +18705,17 @@
             <a:prstGeom prst="flowChartDecision">
               <a:avLst/>
             </a:prstGeom>
+            <a:solidFill>
+              <a:schemeClr val="accent1">
+                <a:lumMod val="60000"/>
+                <a:lumOff val="40000"/>
+              </a:schemeClr>
+            </a:solidFill>
+            <a:ln>
+              <a:solidFill>
+                <a:schemeClr val="tx1"/>
+              </a:solidFill>
+            </a:ln>
           </p:spPr>
           <p:style>
             <a:lnRef idx="2">
@@ -18367,14 +18739,26 @@
             <a:p>
               <a:pPr algn="ctr"/>
               <a:r>
-                <a:rPr lang="en-US" altLang="zh-CN" sz="1100" dirty="0" err="1" smtClean="0"/>
+                <a:rPr lang="en-US" altLang="zh-CN" sz="1100" dirty="0" err="1" smtClean="0">
+                  <a:solidFill>
+                    <a:schemeClr val="tx1"/>
+                  </a:solidFill>
+                </a:rPr>
                 <a:t>masterOnly</a:t>
               </a:r>
               <a:r>
-                <a:rPr lang="en-US" altLang="zh-CN" sz="1100" dirty="0" smtClean="0"/>
+                <a:rPr lang="en-US" altLang="zh-CN" sz="1100" dirty="0" smtClean="0">
+                  <a:solidFill>
+                    <a:schemeClr val="tx1"/>
+                  </a:solidFill>
+                </a:rPr>
                 <a:t> ?</a:t>
               </a:r>
-              <a:endParaRPr lang="zh-CN" altLang="en-US" sz="1100" dirty="0"/>
+              <a:endParaRPr lang="zh-CN" altLang="en-US" sz="1100" dirty="0">
+                <a:solidFill>
+                  <a:schemeClr val="tx1"/>
+                </a:solidFill>
+              </a:endParaRPr>
             </a:p>
           </p:txBody>
         </p:sp>
@@ -18557,6 +18941,17 @@
             <a:prstGeom prst="flowChartMagneticDisk">
               <a:avLst/>
             </a:prstGeom>
+            <a:solidFill>
+              <a:schemeClr val="accent1">
+                <a:lumMod val="60000"/>
+                <a:lumOff val="40000"/>
+              </a:schemeClr>
+            </a:solidFill>
+            <a:ln>
+              <a:solidFill>
+                <a:schemeClr val="tx1"/>
+              </a:solidFill>
+            </a:ln>
           </p:spPr>
           <p:style>
             <a:lnRef idx="2">
@@ -18580,10 +18975,18 @@
             <a:p>
               <a:pPr algn="ctr"/>
               <a:r>
-                <a:rPr lang="en-US" altLang="zh-CN" dirty="0" smtClean="0"/>
+                <a:rPr lang="en-US" altLang="zh-CN" dirty="0" smtClean="0">
+                  <a:solidFill>
+                    <a:schemeClr val="tx1"/>
+                  </a:solidFill>
+                </a:rPr>
                 <a:t>master</a:t>
               </a:r>
-              <a:endParaRPr lang="zh-CN" altLang="en-US" dirty="0"/>
+              <a:endParaRPr lang="zh-CN" altLang="en-US" dirty="0">
+                <a:solidFill>
+                  <a:schemeClr val="tx1"/>
+                </a:solidFill>
+              </a:endParaRPr>
             </a:p>
           </p:txBody>
         </p:sp>
@@ -18601,6 +19004,17 @@
             <a:prstGeom prst="flowChartMagneticDisk">
               <a:avLst/>
             </a:prstGeom>
+            <a:solidFill>
+              <a:schemeClr val="accent1">
+                <a:lumMod val="60000"/>
+                <a:lumOff val="40000"/>
+              </a:schemeClr>
+            </a:solidFill>
+            <a:ln>
+              <a:solidFill>
+                <a:schemeClr val="tx1"/>
+              </a:solidFill>
+            </a:ln>
           </p:spPr>
           <p:style>
             <a:lnRef idx="2">
@@ -18624,10 +19038,18 @@
             <a:p>
               <a:pPr algn="ctr"/>
               <a:r>
-                <a:rPr lang="en-US" altLang="zh-CN" dirty="0" smtClean="0"/>
+                <a:rPr lang="en-US" altLang="zh-CN" dirty="0" smtClean="0">
+                  <a:solidFill>
+                    <a:schemeClr val="tx1"/>
+                  </a:solidFill>
+                </a:rPr>
                 <a:t>slave</a:t>
               </a:r>
-              <a:endParaRPr lang="zh-CN" altLang="en-US" dirty="0"/>
+              <a:endParaRPr lang="zh-CN" altLang="en-US" dirty="0">
+                <a:solidFill>
+                  <a:schemeClr val="tx1"/>
+                </a:solidFill>
+              </a:endParaRPr>
             </a:p>
           </p:txBody>
         </p:sp>
@@ -19101,6 +19523,12 @@
             <a:chOff x="6272390" y="837639"/>
             <a:chExt cx="5637484" cy="4078583"/>
           </a:xfrm>
+          <a:solidFill>
+            <a:schemeClr val="accent1">
+              <a:lumMod val="60000"/>
+              <a:lumOff val="40000"/>
+            </a:schemeClr>
+          </a:solidFill>
         </p:grpSpPr>
         <p:sp>
           <p:nvSpPr>
@@ -19116,6 +19544,12 @@
             <a:prstGeom prst="flowChartMagneticDisk">
               <a:avLst/>
             </a:prstGeom>
+            <a:grpFill/>
+            <a:ln>
+              <a:solidFill>
+                <a:schemeClr val="tx1"/>
+              </a:solidFill>
+            </a:ln>
           </p:spPr>
           <p:style>
             <a:lnRef idx="2">
@@ -19139,10 +19573,18 @@
             <a:p>
               <a:pPr algn="ctr"/>
               <a:r>
-                <a:rPr lang="en-US" altLang="zh-CN" dirty="0" smtClean="0"/>
+                <a:rPr lang="en-US" altLang="zh-CN" dirty="0" smtClean="0">
+                  <a:solidFill>
+                    <a:schemeClr val="tx1"/>
+                  </a:solidFill>
+                </a:rPr>
                 <a:t>master</a:t>
               </a:r>
-              <a:endParaRPr lang="zh-CN" altLang="en-US" dirty="0"/>
+              <a:endParaRPr lang="zh-CN" altLang="en-US" dirty="0">
+                <a:solidFill>
+                  <a:schemeClr val="tx1"/>
+                </a:solidFill>
+              </a:endParaRPr>
             </a:p>
           </p:txBody>
         </p:sp>
@@ -19160,6 +19602,12 @@
             <a:prstGeom prst="flowChartMagneticDisk">
               <a:avLst/>
             </a:prstGeom>
+            <a:grpFill/>
+            <a:ln>
+              <a:solidFill>
+                <a:schemeClr val="tx1"/>
+              </a:solidFill>
+            </a:ln>
           </p:spPr>
           <p:style>
             <a:lnRef idx="2">
@@ -19183,10 +19631,18 @@
             <a:p>
               <a:pPr algn="ctr"/>
               <a:r>
-                <a:rPr lang="en-US" altLang="zh-CN" dirty="0" smtClean="0"/>
+                <a:rPr lang="en-US" altLang="zh-CN" dirty="0" smtClean="0">
+                  <a:solidFill>
+                    <a:schemeClr val="tx1"/>
+                  </a:solidFill>
+                </a:rPr>
                 <a:t>slave</a:t>
               </a:r>
-              <a:endParaRPr lang="zh-CN" altLang="en-US" dirty="0"/>
+              <a:endParaRPr lang="zh-CN" altLang="en-US" dirty="0">
+                <a:solidFill>
+                  <a:schemeClr val="tx1"/>
+                </a:solidFill>
+              </a:endParaRPr>
             </a:p>
           </p:txBody>
         </p:sp>
@@ -19204,6 +19660,12 @@
             <a:prstGeom prst="rect">
               <a:avLst/>
             </a:prstGeom>
+            <a:grpFill/>
+            <a:ln>
+              <a:solidFill>
+                <a:schemeClr val="tx1"/>
+              </a:solidFill>
+            </a:ln>
           </p:spPr>
           <p:style>
             <a:lnRef idx="2">
@@ -19227,10 +19689,18 @@
             <a:p>
               <a:pPr algn="ctr"/>
               <a:r>
-                <a:rPr lang="en-US" altLang="zh-CN" dirty="0" smtClean="0"/>
+                <a:rPr lang="en-US" altLang="zh-CN" dirty="0" smtClean="0">
+                  <a:solidFill>
+                    <a:schemeClr val="tx1"/>
+                  </a:solidFill>
+                </a:rPr>
                 <a:t>dal</a:t>
               </a:r>
-              <a:endParaRPr lang="zh-CN" altLang="en-US" dirty="0"/>
+              <a:endParaRPr lang="zh-CN" altLang="en-US" dirty="0">
+                <a:solidFill>
+                  <a:schemeClr val="tx1"/>
+                </a:solidFill>
+              </a:endParaRPr>
             </a:p>
           </p:txBody>
         </p:sp>
@@ -19250,6 +19720,7 @@
             <a:prstGeom prst="straightConnector1">
               <a:avLst/>
             </a:prstGeom>
+            <a:grpFill/>
             <a:ln>
               <a:tailEnd type="triangle"/>
             </a:ln>
@@ -19313,6 +19784,12 @@
             <a:prstGeom prst="flowChartDecision">
               <a:avLst/>
             </a:prstGeom>
+            <a:grpFill/>
+            <a:ln>
+              <a:solidFill>
+                <a:schemeClr val="tx1"/>
+              </a:solidFill>
+            </a:ln>
           </p:spPr>
           <p:style>
             <a:lnRef idx="2">
@@ -19336,17 +19813,29 @@
             <a:p>
               <a:pPr algn="ctr"/>
               <a:r>
-                <a:rPr lang="en-US" altLang="zh-CN" sz="1100" dirty="0" smtClean="0"/>
+                <a:rPr lang="en-US" altLang="zh-CN" sz="1100" dirty="0" smtClean="0">
+                  <a:solidFill>
+                    <a:schemeClr val="tx1"/>
+                  </a:solidFill>
+                </a:rPr>
                 <a:t>freshness &lt;</a:t>
               </a:r>
             </a:p>
             <a:p>
               <a:pPr algn="ctr"/>
               <a:r>
-                <a:rPr lang="en-US" altLang="zh-CN" sz="1100" dirty="0" smtClean="0"/>
+                <a:rPr lang="en-US" altLang="zh-CN" sz="1100" dirty="0" smtClean="0">
+                  <a:solidFill>
+                    <a:schemeClr val="tx1"/>
+                  </a:solidFill>
+                </a:rPr>
                 <a:t>delay?</a:t>
               </a:r>
-              <a:endParaRPr lang="zh-CN" altLang="en-US" sz="1100" dirty="0"/>
+              <a:endParaRPr lang="zh-CN" altLang="en-US" sz="1100" dirty="0">
+                <a:solidFill>
+                  <a:schemeClr val="tx1"/>
+                </a:solidFill>
+              </a:endParaRPr>
             </a:p>
           </p:txBody>
         </p:sp>
@@ -19367,6 +19856,7 @@
             <a:prstGeom prst="straightConnector1">
               <a:avLst/>
             </a:prstGeom>
+            <a:grpFill/>
             <a:ln>
               <a:tailEnd type="triangle"/>
             </a:ln>
@@ -19400,6 +19890,7 @@
             <a:prstGeom prst="bentConnector2">
               <a:avLst/>
             </a:prstGeom>
+            <a:grpFill/>
             <a:ln>
               <a:tailEnd type="triangle"/>
             </a:ln>
@@ -19496,6 +19987,7 @@
             <a:prstGeom prst="bentConnector2">
               <a:avLst/>
             </a:prstGeom>
+            <a:grpFill/>
             <a:ln>
               <a:tailEnd type="triangle"/>
             </a:ln>
@@ -19529,6 +20021,12 @@
             <a:prstGeom prst="flowChartMagneticDisk">
               <a:avLst/>
             </a:prstGeom>
+            <a:grpFill/>
+            <a:ln>
+              <a:solidFill>
+                <a:schemeClr val="tx1"/>
+              </a:solidFill>
+            </a:ln>
           </p:spPr>
           <p:style>
             <a:lnRef idx="2">
@@ -19552,10 +20050,18 @@
             <a:p>
               <a:pPr algn="ctr"/>
               <a:r>
-                <a:rPr lang="en-US" altLang="zh-CN" dirty="0" smtClean="0"/>
+                <a:rPr lang="en-US" altLang="zh-CN" dirty="0" smtClean="0">
+                  <a:solidFill>
+                    <a:schemeClr val="tx1"/>
+                  </a:solidFill>
+                </a:rPr>
                 <a:t>master</a:t>
               </a:r>
-              <a:endParaRPr lang="zh-CN" altLang="en-US" dirty="0"/>
+              <a:endParaRPr lang="zh-CN" altLang="en-US" dirty="0">
+                <a:solidFill>
+                  <a:schemeClr val="tx1"/>
+                </a:solidFill>
+              </a:endParaRPr>
             </a:p>
           </p:txBody>
         </p:sp>
@@ -19573,6 +20079,12 @@
             <a:prstGeom prst="flowChartMagneticDisk">
               <a:avLst/>
             </a:prstGeom>
+            <a:grpFill/>
+            <a:ln>
+              <a:solidFill>
+                <a:schemeClr val="tx1"/>
+              </a:solidFill>
+            </a:ln>
           </p:spPr>
           <p:style>
             <a:lnRef idx="2">
@@ -19596,10 +20108,18 @@
             <a:p>
               <a:pPr algn="ctr"/>
               <a:r>
-                <a:rPr lang="en-US" altLang="zh-CN" dirty="0" smtClean="0"/>
+                <a:rPr lang="en-US" altLang="zh-CN" dirty="0" smtClean="0">
+                  <a:solidFill>
+                    <a:schemeClr val="tx1"/>
+                  </a:solidFill>
+                </a:rPr>
                 <a:t>slave</a:t>
               </a:r>
-              <a:endParaRPr lang="zh-CN" altLang="en-US" dirty="0"/>
+              <a:endParaRPr lang="zh-CN" altLang="en-US" dirty="0">
+                <a:solidFill>
+                  <a:schemeClr val="tx1"/>
+                </a:solidFill>
+              </a:endParaRPr>
             </a:p>
           </p:txBody>
         </p:sp>
@@ -20083,6 +20603,13 @@
   <p:clrMapOvr>
     <a:masterClrMapping/>
   </p:clrMapOvr>
+  <p:timing>
+    <p:tnLst>
+      <p:par>
+        <p:cTn id="1" dur="indefinite" restart="never" nodeType="tmRoot"/>
+      </p:par>
+    </p:tnLst>
+  </p:timing>
 </p:sld>
 </file>
 
@@ -22395,7 +22922,9 @@
         </p:nvSpPr>
         <p:spPr/>
         <p:txBody>
-          <a:bodyPr/>
+          <a:bodyPr>
+            <a:normAutofit fontScale="85000" lnSpcReduction="20000"/>
+          </a:bodyPr>
           <a:lstStyle/>
           <a:p>
             <a:pPr marL="514350" indent="-514350">
@@ -22404,53 +22933,74 @@
             </a:pPr>
             <a:r>
               <a:rPr lang="zh-CN" altLang="en-US" b="1" dirty="0">
+                <a:latin typeface="仿宋" panose="02010609060101010101" pitchFamily="49" charset="-122"/>
+                <a:ea typeface="仿宋" panose="02010609060101010101" pitchFamily="49" charset="-122"/>
                 <a:hlinkClick r:id="rId2" action="ppaction://hlinksldjump"/>
               </a:rPr>
               <a:t>事务</a:t>
             </a:r>
-            <a:endParaRPr lang="en-US" altLang="zh-CN" b="1" dirty="0"/>
+            <a:endParaRPr lang="en-US" altLang="zh-CN" b="1" dirty="0">
+              <a:latin typeface="仿宋" panose="02010609060101010101" pitchFamily="49" charset="-122"/>
+              <a:ea typeface="仿宋" panose="02010609060101010101" pitchFamily="49" charset="-122"/>
+            </a:endParaRPr>
           </a:p>
           <a:p>
             <a:pPr marL="0" indent="0">
               <a:buNone/>
             </a:pPr>
             <a:r>
-              <a:rPr lang="zh-CN" altLang="en-US" sz="1800" b="1" dirty="0">
+              <a:rPr lang="zh-CN" altLang="en-US" sz="2000" b="1" dirty="0">
+                <a:latin typeface="仿宋" panose="02010609060101010101" pitchFamily="49" charset="-122"/>
+                <a:ea typeface="仿宋" panose="02010609060101010101" pitchFamily="49" charset="-122"/>
                 <a:hlinkClick r:id="rId3" action="ppaction://hlinksldjump"/>
               </a:rPr>
               <a:t>基于</a:t>
             </a:r>
             <a:r>
-              <a:rPr lang="en-US" altLang="zh-CN" sz="1800" b="1" dirty="0" err="1">
+              <a:rPr lang="en-US" altLang="zh-CN" sz="2000" b="1" dirty="0" err="1">
+                <a:latin typeface="仿宋" panose="02010609060101010101" pitchFamily="49" charset="-122"/>
+                <a:ea typeface="仿宋" panose="02010609060101010101" pitchFamily="49" charset="-122"/>
                 <a:hlinkClick r:id="rId3" action="ppaction://hlinksldjump"/>
               </a:rPr>
               <a:t>DalCommand</a:t>
             </a:r>
-            <a:endParaRPr lang="en-US" altLang="zh-CN" sz="1800" b="1" dirty="0"/>
+            <a:endParaRPr lang="en-US" altLang="zh-CN" sz="2000" b="1" dirty="0">
+              <a:latin typeface="仿宋" panose="02010609060101010101" pitchFamily="49" charset="-122"/>
+              <a:ea typeface="仿宋" panose="02010609060101010101" pitchFamily="49" charset="-122"/>
+            </a:endParaRPr>
           </a:p>
           <a:p>
             <a:pPr marL="0" indent="0">
               <a:buNone/>
             </a:pPr>
             <a:r>
-              <a:rPr lang="zh-CN" altLang="en-US" sz="1800" b="1" dirty="0">
+              <a:rPr lang="zh-CN" altLang="en-US" sz="2000" b="1" dirty="0">
+                <a:latin typeface="仿宋" panose="02010609060101010101" pitchFamily="49" charset="-122"/>
+                <a:ea typeface="仿宋" panose="02010609060101010101" pitchFamily="49" charset="-122"/>
                 <a:hlinkClick r:id="rId4" action="ppaction://hlinksldjump"/>
               </a:rPr>
               <a:t>基于</a:t>
             </a:r>
             <a:r>
-              <a:rPr lang="en-US" altLang="zh-CN" sz="1800" b="1" dirty="0">
+              <a:rPr lang="en-US" altLang="zh-CN" sz="2000" b="1" dirty="0">
+                <a:latin typeface="仿宋" panose="02010609060101010101" pitchFamily="49" charset="-122"/>
+                <a:ea typeface="仿宋" panose="02010609060101010101" pitchFamily="49" charset="-122"/>
                 <a:hlinkClick r:id="rId4" action="ppaction://hlinksldjump"/>
               </a:rPr>
               <a:t>@</a:t>
             </a:r>
             <a:r>
-              <a:rPr lang="en-US" altLang="zh-CN" sz="1800" b="1" dirty="0" err="1">
+              <a:rPr lang="en-US" altLang="zh-CN" sz="2000" b="1" dirty="0" err="1" smtClean="0">
+                <a:latin typeface="仿宋" panose="02010609060101010101" pitchFamily="49" charset="-122"/>
+                <a:ea typeface="仿宋" panose="02010609060101010101" pitchFamily="49" charset="-122"/>
                 <a:hlinkClick r:id="rId4" action="ppaction://hlinksldjump"/>
               </a:rPr>
               <a:t>DalTransactional</a:t>
             </a:r>
-            <a:endParaRPr lang="en-US" altLang="zh-CN" sz="1800" b="1" dirty="0"/>
+            <a:endParaRPr lang="en-US" altLang="zh-CN" sz="2000" b="1" dirty="0" smtClean="0">
+              <a:latin typeface="仿宋" panose="02010609060101010101" pitchFamily="49" charset="-122"/>
+              <a:ea typeface="仿宋" panose="02010609060101010101" pitchFamily="49" charset="-122"/>
+            </a:endParaRPr>
           </a:p>
           <a:p>
             <a:pPr marL="514350" indent="-514350">
@@ -22458,67 +23008,192 @@
               <a:buAutoNum type="arabicPeriod" startAt="6"/>
             </a:pPr>
             <a:r>
-              <a:rPr lang="en-US" altLang="zh-CN" b="1" dirty="0" err="1">
+              <a:rPr lang="en-US" altLang="zh-CN" b="1" dirty="0" err="1" smtClean="0">
+                <a:latin typeface="仿宋" panose="02010609060101010101" pitchFamily="49" charset="-122"/>
+                <a:ea typeface="仿宋" panose="02010609060101010101" pitchFamily="49" charset="-122"/>
                 <a:hlinkClick r:id="rId5" action="ppaction://hlinksldjump"/>
               </a:rPr>
               <a:t>Mybatis</a:t>
             </a:r>
             <a:r>
               <a:rPr lang="zh-CN" altLang="en-US" b="1" dirty="0">
+                <a:latin typeface="仿宋" panose="02010609060101010101" pitchFamily="49" charset="-122"/>
+                <a:ea typeface="仿宋" panose="02010609060101010101" pitchFamily="49" charset="-122"/>
                 <a:hlinkClick r:id="rId5" action="ppaction://hlinksldjump"/>
               </a:rPr>
               <a:t>支持</a:t>
             </a:r>
-            <a:endParaRPr lang="en-US" altLang="zh-CN" b="1" dirty="0"/>
+            <a:endParaRPr lang="en-US" altLang="zh-CN" b="1" dirty="0">
+              <a:latin typeface="仿宋" panose="02010609060101010101" pitchFamily="49" charset="-122"/>
+              <a:ea typeface="仿宋" panose="02010609060101010101" pitchFamily="49" charset="-122"/>
+            </a:endParaRPr>
           </a:p>
           <a:p>
             <a:pPr marL="0" indent="0">
               <a:buNone/>
             </a:pPr>
             <a:r>
-              <a:rPr lang="zh-CN" altLang="en-US" sz="1800" b="1" dirty="0">
+              <a:rPr lang="zh-CN" altLang="en-US" sz="2000" b="1" dirty="0">
+                <a:latin typeface="仿宋" panose="02010609060101010101" pitchFamily="49" charset="-122"/>
+                <a:ea typeface="仿宋" panose="02010609060101010101" pitchFamily="49" charset="-122"/>
                 <a:hlinkClick r:id="rId6" action="ppaction://hlinksldjump"/>
               </a:rPr>
               <a:t>数据源依赖</a:t>
             </a:r>
-            <a:endParaRPr lang="en-US" altLang="zh-CN" sz="1800" b="1" dirty="0"/>
+            <a:endParaRPr lang="en-US" altLang="zh-CN" sz="2000" b="1" dirty="0">
+              <a:latin typeface="仿宋" panose="02010609060101010101" pitchFamily="49" charset="-122"/>
+              <a:ea typeface="仿宋" panose="02010609060101010101" pitchFamily="49" charset="-122"/>
+            </a:endParaRPr>
           </a:p>
           <a:p>
             <a:pPr marL="0" indent="0">
               <a:buNone/>
             </a:pPr>
             <a:r>
-              <a:rPr lang="zh-CN" altLang="en-US" sz="1800" b="1" dirty="0">
+              <a:rPr lang="zh-CN" altLang="en-US" sz="2000" b="1" dirty="0">
+                <a:latin typeface="仿宋" panose="02010609060101010101" pitchFamily="49" charset="-122"/>
+                <a:ea typeface="仿宋" panose="02010609060101010101" pitchFamily="49" charset="-122"/>
                 <a:hlinkClick r:id="rId7" action="ppaction://hlinksldjump"/>
               </a:rPr>
               <a:t>数据源获取</a:t>
             </a:r>
-            <a:endParaRPr lang="en-US" altLang="zh-CN" sz="1800" b="1" dirty="0"/>
+            <a:endParaRPr lang="en-US" altLang="zh-CN" sz="2000" b="1" dirty="0">
+              <a:latin typeface="仿宋" panose="02010609060101010101" pitchFamily="49" charset="-122"/>
+              <a:ea typeface="仿宋" panose="02010609060101010101" pitchFamily="49" charset="-122"/>
+            </a:endParaRPr>
           </a:p>
           <a:p>
             <a:pPr marL="0" indent="0">
               <a:buNone/>
             </a:pPr>
             <a:r>
-              <a:rPr lang="en-US" altLang="zh-CN" sz="1800" b="1" dirty="0">
+              <a:rPr lang="en-US" altLang="zh-CN" sz="2000" b="1" dirty="0">
+                <a:latin typeface="仿宋" panose="02010609060101010101" pitchFamily="49" charset="-122"/>
+                <a:ea typeface="仿宋" panose="02010609060101010101" pitchFamily="49" charset="-122"/>
                 <a:hlinkClick r:id="rId8" action="ppaction://hlinksldjump"/>
               </a:rPr>
               <a:t>Cat</a:t>
             </a:r>
             <a:r>
-              <a:rPr lang="zh-CN" altLang="en-US" sz="1800" b="1" dirty="0">
+              <a:rPr lang="zh-CN" altLang="en-US" sz="2000" b="1" dirty="0">
+                <a:latin typeface="仿宋" panose="02010609060101010101" pitchFamily="49" charset="-122"/>
+                <a:ea typeface="仿宋" panose="02010609060101010101" pitchFamily="49" charset="-122"/>
                 <a:hlinkClick r:id="rId8" action="ppaction://hlinksldjump"/>
               </a:rPr>
               <a:t>监控集成</a:t>
             </a:r>
-            <a:endParaRPr lang="en-US" altLang="zh-CN" sz="1800" b="1" dirty="0"/>
+            <a:endParaRPr lang="en-US" altLang="zh-CN" sz="2000" b="1" dirty="0">
+              <a:latin typeface="仿宋" panose="02010609060101010101" pitchFamily="49" charset="-122"/>
+              <a:ea typeface="仿宋" panose="02010609060101010101" pitchFamily="49" charset="-122"/>
+            </a:endParaRPr>
+          </a:p>
+          <a:p>
+            <a:pPr marL="514350" indent="-514350">
+              <a:buFont typeface="+mj-lt"/>
+              <a:buAutoNum type="arabicPeriod" startAt="7"/>
+            </a:pPr>
+            <a:r>
+              <a:rPr lang="en-US" altLang="zh-CN" b="1" dirty="0" smtClean="0">
+                <a:latin typeface="仿宋" panose="02010609060101010101" pitchFamily="49" charset="-122"/>
+                <a:ea typeface="仿宋" panose="02010609060101010101" pitchFamily="49" charset="-122"/>
+              </a:rPr>
+              <a:t>Dal</a:t>
+            </a:r>
+            <a:r>
+              <a:rPr lang="zh-CN" altLang="en-US" b="1" dirty="0" smtClean="0">
+                <a:latin typeface="仿宋" panose="02010609060101010101" pitchFamily="49" charset="-122"/>
+                <a:ea typeface="仿宋" panose="02010609060101010101" pitchFamily="49" charset="-122"/>
+              </a:rPr>
+              <a:t>日志</a:t>
+            </a:r>
+            <a:endParaRPr lang="en-US" altLang="zh-CN" b="1" dirty="0">
+              <a:latin typeface="仿宋" panose="02010609060101010101" pitchFamily="49" charset="-122"/>
+              <a:ea typeface="仿宋" panose="02010609060101010101" pitchFamily="49" charset="-122"/>
+            </a:endParaRPr>
           </a:p>
           <a:p>
             <a:pPr marL="0" indent="0">
               <a:buNone/>
             </a:pPr>
+            <a:r>
+              <a:rPr lang="en-US" altLang="zh-CN" sz="2000" b="1" dirty="0" smtClean="0">
+                <a:latin typeface="仿宋" panose="02010609060101010101" pitchFamily="49" charset="-122"/>
+                <a:ea typeface="仿宋" panose="02010609060101010101" pitchFamily="49" charset="-122"/>
+                <a:hlinkClick r:id="rId9" action="ppaction://hlinksldjump"/>
+              </a:rPr>
+              <a:t>DAL</a:t>
+            </a:r>
+            <a:r>
+              <a:rPr lang="zh-CN" altLang="en-US" sz="2000" b="1" dirty="0" smtClean="0">
+                <a:latin typeface="仿宋" panose="02010609060101010101" pitchFamily="49" charset="-122"/>
+                <a:ea typeface="仿宋" panose="02010609060101010101" pitchFamily="49" charset="-122"/>
+                <a:hlinkClick r:id="rId9" action="ppaction://hlinksldjump"/>
+              </a:rPr>
+              <a:t>版本</a:t>
+            </a:r>
+            <a:endParaRPr lang="en-US" altLang="zh-CN" sz="2000" b="1" dirty="0">
+              <a:latin typeface="仿宋" panose="02010609060101010101" pitchFamily="49" charset="-122"/>
+              <a:ea typeface="仿宋" panose="02010609060101010101" pitchFamily="49" charset="-122"/>
+            </a:endParaRPr>
+          </a:p>
+          <a:p>
+            <a:pPr marL="0" indent="0">
+              <a:buNone/>
+            </a:pPr>
+            <a:r>
+              <a:rPr lang="zh-CN" altLang="en-US" sz="2000" b="1" dirty="0">
+                <a:latin typeface="仿宋" panose="02010609060101010101" pitchFamily="49" charset="-122"/>
+                <a:ea typeface="仿宋" panose="02010609060101010101" pitchFamily="49" charset="-122"/>
+                <a:hlinkClick r:id="rId10" action="ppaction://hlinksldjump"/>
+              </a:rPr>
+              <a:t>数据源</a:t>
+            </a:r>
+            <a:r>
+              <a:rPr lang="zh-CN" altLang="en-US" sz="2000" b="1" dirty="0" smtClean="0">
+                <a:latin typeface="仿宋" panose="02010609060101010101" pitchFamily="49" charset="-122"/>
+                <a:ea typeface="仿宋" panose="02010609060101010101" pitchFamily="49" charset="-122"/>
+                <a:hlinkClick r:id="rId10" action="ppaction://hlinksldjump"/>
+              </a:rPr>
+              <a:t>相关</a:t>
+            </a:r>
+            <a:endParaRPr lang="en-US" altLang="zh-CN" sz="2000" b="1" dirty="0" smtClean="0">
+              <a:latin typeface="仿宋" panose="02010609060101010101" pitchFamily="49" charset="-122"/>
+              <a:ea typeface="仿宋" panose="02010609060101010101" pitchFamily="49" charset="-122"/>
+            </a:endParaRPr>
+          </a:p>
+          <a:p>
+            <a:pPr marL="0" indent="0">
+              <a:buNone/>
+            </a:pPr>
+            <a:r>
+              <a:rPr lang="en-US" altLang="zh-CN" sz="2000" b="1" dirty="0" smtClean="0">
+                <a:latin typeface="仿宋" panose="02010609060101010101" pitchFamily="49" charset="-122"/>
+                <a:ea typeface="仿宋" panose="02010609060101010101" pitchFamily="49" charset="-122"/>
+                <a:hlinkClick r:id="rId11" action="ppaction://hlinksldjump"/>
+              </a:rPr>
+              <a:t>SQL</a:t>
+            </a:r>
+            <a:r>
+              <a:rPr lang="zh-CN" altLang="en-US" sz="2000" b="1" dirty="0" smtClean="0">
+                <a:latin typeface="仿宋" panose="02010609060101010101" pitchFamily="49" charset="-122"/>
+                <a:ea typeface="仿宋" panose="02010609060101010101" pitchFamily="49" charset="-122"/>
+                <a:hlinkClick r:id="rId11" action="ppaction://hlinksldjump"/>
+              </a:rPr>
+              <a:t>相关</a:t>
+            </a:r>
+            <a:endParaRPr lang="en-US" altLang="zh-CN" sz="2000" b="1" dirty="0">
+              <a:latin typeface="仿宋" panose="02010609060101010101" pitchFamily="49" charset="-122"/>
+              <a:ea typeface="仿宋" panose="02010609060101010101" pitchFamily="49" charset="-122"/>
+            </a:endParaRPr>
+          </a:p>
+          <a:p>
+            <a:pPr marL="0" indent="0">
+              <a:buNone/>
+            </a:pPr>
             <a:endParaRPr lang="en-US" altLang="zh-CN" b="1" dirty="0" smtClean="0">
-              <a:hlinkClick r:id="rId9" action="ppaction://hlinksldjump"/>
+              <a:latin typeface="仿宋" panose="02010609060101010101" pitchFamily="49" charset="-122"/>
+              <a:ea typeface="仿宋" panose="02010609060101010101" pitchFamily="49" charset="-122"/>
+              <a:hlinkClick r:id="rId12" action="ppaction://hlinksldjump"/>
             </a:endParaRPr>
           </a:p>
           <a:p>
@@ -22528,17 +23203,24 @@
             </a:pPr>
             <a:r>
               <a:rPr lang="zh-CN" altLang="en-US" b="1" dirty="0" smtClean="0">
-                <a:hlinkClick r:id="rId9" action="ppaction://hlinksldjump"/>
+                <a:latin typeface="仿宋" panose="02010609060101010101" pitchFamily="49" charset="-122"/>
+                <a:ea typeface="仿宋" panose="02010609060101010101" pitchFamily="49" charset="-122"/>
+                <a:hlinkClick r:id="rId12" action="ppaction://hlinksldjump"/>
               </a:rPr>
               <a:t>常见</a:t>
             </a:r>
             <a:r>
               <a:rPr lang="zh-CN" altLang="en-US" b="1" dirty="0">
-                <a:hlinkClick r:id="rId9" action="ppaction://hlinksldjump"/>
+                <a:latin typeface="仿宋" panose="02010609060101010101" pitchFamily="49" charset="-122"/>
+                <a:ea typeface="仿宋" panose="02010609060101010101" pitchFamily="49" charset="-122"/>
+                <a:hlinkClick r:id="rId12" action="ppaction://hlinksldjump"/>
               </a:rPr>
               <a:t>问题 </a:t>
             </a:r>
-            <a:endParaRPr lang="en-US" altLang="zh-CN" b="1" dirty="0"/>
+            <a:endParaRPr lang="en-US" altLang="zh-CN" b="1" dirty="0">
+              <a:latin typeface="仿宋" panose="02010609060101010101" pitchFamily="49" charset="-122"/>
+              <a:ea typeface="仿宋" panose="02010609060101010101" pitchFamily="49" charset="-122"/>
+            </a:endParaRPr>
           </a:p>
           <a:p>
             <a:endParaRPr lang="zh-CN" altLang="en-US" dirty="0"/>
@@ -23140,7 +23822,7 @@
         </p:nvGrpSpPr>
         <p:grpSpPr>
           <a:xfrm>
-            <a:off x="6400800" y="1825625"/>
+            <a:off x="6418730" y="1825625"/>
             <a:ext cx="3299011" cy="3660775"/>
             <a:chOff x="5683624" y="1515035"/>
             <a:chExt cx="3299011" cy="3394228"/>
@@ -23154,10 +23836,10 @@
           </p:nvGrpSpPr>
           <p:grpSpPr>
             <a:xfrm>
-              <a:off x="6418729" y="1918447"/>
-              <a:ext cx="1972235" cy="2641834"/>
-              <a:chOff x="6418729" y="1918447"/>
-              <a:chExt cx="1972235" cy="2641834"/>
+              <a:off x="6418729" y="1929850"/>
+              <a:ext cx="1972235" cy="2546689"/>
+              <a:chOff x="6418729" y="1929850"/>
+              <a:chExt cx="1972235" cy="2546689"/>
             </a:xfrm>
           </p:grpSpPr>
           <p:grpSp>
@@ -23168,10 +23850,10 @@
             </p:nvGrpSpPr>
             <p:grpSpPr>
               <a:xfrm>
-                <a:off x="6418729" y="1918447"/>
-                <a:ext cx="1972235" cy="2641834"/>
-                <a:chOff x="6418729" y="1918447"/>
-                <a:chExt cx="1972235" cy="2641834"/>
+                <a:off x="6418729" y="1929850"/>
+                <a:ext cx="1972235" cy="2538943"/>
+                <a:chOff x="6418729" y="1929850"/>
+                <a:chExt cx="1972235" cy="2538943"/>
               </a:xfrm>
             </p:grpSpPr>
             <p:sp>
@@ -23182,15 +23864,23 @@
               </p:nvSpPr>
               <p:spPr>
                 <a:xfrm>
-                  <a:off x="6589059" y="1918447"/>
-                  <a:ext cx="1488141" cy="369332"/>
+                  <a:off x="6660775" y="1929850"/>
+                  <a:ext cx="1488141" cy="342440"/>
                 </a:xfrm>
                 <a:prstGeom prst="rect">
                   <a:avLst/>
                 </a:prstGeom>
                 <a:solidFill>
-                  <a:schemeClr val="accent1"/>
+                  <a:schemeClr val="accent1">
+                    <a:lumMod val="60000"/>
+                    <a:lumOff val="40000"/>
+                  </a:schemeClr>
                 </a:solidFill>
+                <a:ln>
+                  <a:solidFill>
+                    <a:schemeClr val="tx1"/>
+                  </a:solidFill>
+                </a:ln>
               </p:spPr>
               <p:txBody>
                 <a:bodyPr wrap="square" rtlCol="0">
@@ -23200,18 +23890,10 @@
                 <a:p>
                   <a:pPr algn="ctr"/>
                   <a:r>
-                    <a:rPr lang="en-US" altLang="zh-CN" dirty="0" err="1" smtClean="0">
-                      <a:solidFill>
-                        <a:schemeClr val="bg1"/>
-                      </a:solidFill>
-                    </a:rPr>
+                    <a:rPr lang="en-US" altLang="zh-CN" dirty="0" err="1" smtClean="0"/>
                     <a:t>Mybatis</a:t>
                   </a:r>
-                  <a:endParaRPr lang="zh-CN" altLang="en-US" dirty="0">
-                    <a:solidFill>
-                      <a:schemeClr val="bg1"/>
-                    </a:solidFill>
-                  </a:endParaRPr>
+                  <a:endParaRPr lang="zh-CN" altLang="en-US" dirty="0"/>
                 </a:p>
               </p:txBody>
             </p:sp>
@@ -23224,14 +23906,22 @@
               <p:spPr>
                 <a:xfrm>
                   <a:off x="6418729" y="2949388"/>
-                  <a:ext cx="1972235" cy="369332"/>
+                  <a:ext cx="1972235" cy="342440"/>
                 </a:xfrm>
                 <a:prstGeom prst="rect">
                   <a:avLst/>
                 </a:prstGeom>
                 <a:solidFill>
-                  <a:schemeClr val="accent1"/>
+                  <a:schemeClr val="accent1">
+                    <a:lumMod val="60000"/>
+                    <a:lumOff val="40000"/>
+                  </a:schemeClr>
                 </a:solidFill>
+                <a:ln>
+                  <a:solidFill>
+                    <a:schemeClr val="tx1"/>
+                  </a:solidFill>
+                </a:ln>
               </p:spPr>
               <p:txBody>
                 <a:bodyPr wrap="square" rtlCol="0">
@@ -23241,18 +23931,10 @@
                 <a:p>
                   <a:pPr algn="ctr"/>
                   <a:r>
-                    <a:rPr lang="en-US" altLang="zh-CN" dirty="0" err="1" smtClean="0">
-                      <a:solidFill>
-                        <a:schemeClr val="bg1"/>
-                      </a:solidFill>
-                    </a:rPr>
+                    <a:rPr lang="en-US" altLang="zh-CN" dirty="0" err="1" smtClean="0"/>
                     <a:t>ctrip-datasource</a:t>
                   </a:r>
-                  <a:endParaRPr lang="zh-CN" altLang="en-US" dirty="0">
-                    <a:solidFill>
-                      <a:schemeClr val="bg1"/>
-                    </a:solidFill>
-                  </a:endParaRPr>
+                  <a:endParaRPr lang="zh-CN" altLang="en-US" dirty="0"/>
                 </a:p>
               </p:txBody>
             </p:sp>
@@ -23264,12 +23946,23 @@
               </p:nvSpPr>
               <p:spPr>
                 <a:xfrm>
-                  <a:off x="6880410" y="4004469"/>
+                  <a:off x="6952127" y="3912981"/>
                   <a:ext cx="905435" cy="555812"/>
                 </a:xfrm>
                 <a:prstGeom prst="flowChartMagneticDisk">
                   <a:avLst/>
                 </a:prstGeom>
+                <a:solidFill>
+                  <a:schemeClr val="accent1">
+                    <a:lumMod val="60000"/>
+                    <a:lumOff val="40000"/>
+                  </a:schemeClr>
+                </a:solidFill>
+                <a:ln>
+                  <a:solidFill>
+                    <a:schemeClr val="tx1"/>
+                  </a:solidFill>
+                </a:ln>
               </p:spPr>
               <p:style>
                 <a:lnRef idx="2">
@@ -23292,93 +23985,11 @@
                 <a:lstStyle/>
                 <a:p>
                   <a:pPr algn="ctr"/>
-                  <a:endParaRPr lang="zh-CN" altLang="en-US"/>
-                </a:p>
-              </p:txBody>
-            </p:sp>
-            <p:sp>
-              <p:nvSpPr>
-                <p:cNvPr id="9" name="下箭头 8"/>
-                <p:cNvSpPr/>
-                <p:nvPr/>
-              </p:nvSpPr>
-              <p:spPr>
-                <a:xfrm>
-                  <a:off x="7149352" y="2287779"/>
-                  <a:ext cx="367553" cy="661609"/>
-                </a:xfrm>
-                <a:prstGeom prst="downArrow">
-                  <a:avLst/>
-                </a:prstGeom>
-                <a:solidFill>
-                  <a:schemeClr val="accent2"/>
-                </a:solidFill>
-              </p:spPr>
-              <p:style>
-                <a:lnRef idx="2">
-                  <a:schemeClr val="accent1">
-                    <a:shade val="50000"/>
-                  </a:schemeClr>
-                </a:lnRef>
-                <a:fillRef idx="1">
-                  <a:schemeClr val="accent1"/>
-                </a:fillRef>
-                <a:effectRef idx="0">
-                  <a:schemeClr val="accent1"/>
-                </a:effectRef>
-                <a:fontRef idx="minor">
-                  <a:schemeClr val="lt1"/>
-                </a:fontRef>
-              </p:style>
-              <p:txBody>
-                <a:bodyPr rtlCol="0" anchor="ctr"/>
-                <a:lstStyle/>
-                <a:p>
-                  <a:pPr algn="ctr"/>
-                  <a:endParaRPr lang="zh-CN" altLang="en-US"/>
-                </a:p>
-              </p:txBody>
-            </p:sp>
-            <p:sp>
-              <p:nvSpPr>
-                <p:cNvPr id="10" name="下箭头 9"/>
-                <p:cNvSpPr/>
-                <p:nvPr/>
-              </p:nvSpPr>
-              <p:spPr>
-                <a:xfrm>
-                  <a:off x="7149352" y="3318720"/>
-                  <a:ext cx="367553" cy="682574"/>
-                </a:xfrm>
-                <a:prstGeom prst="downArrow">
-                  <a:avLst/>
-                </a:prstGeom>
-                <a:solidFill>
-                  <a:schemeClr val="accent2"/>
-                </a:solidFill>
-              </p:spPr>
-              <p:style>
-                <a:lnRef idx="2">
-                  <a:schemeClr val="accent1">
-                    <a:shade val="50000"/>
-                  </a:schemeClr>
-                </a:lnRef>
-                <a:fillRef idx="1">
-                  <a:schemeClr val="accent1"/>
-                </a:fillRef>
-                <a:effectRef idx="0">
-                  <a:schemeClr val="accent1"/>
-                </a:effectRef>
-                <a:fontRef idx="minor">
-                  <a:schemeClr val="lt1"/>
-                </a:fontRef>
-              </p:style>
-              <p:txBody>
-                <a:bodyPr rtlCol="0" anchor="ctr"/>
-                <a:lstStyle/>
-                <a:p>
-                  <a:pPr algn="ctr"/>
-                  <a:endParaRPr lang="zh-CN" altLang="en-US"/>
+                  <a:endParaRPr lang="zh-CN" altLang="en-US">
+                    <a:solidFill>
+                      <a:schemeClr val="tx1"/>
+                    </a:solidFill>
+                  </a:endParaRPr>
                 </a:p>
               </p:txBody>
             </p:sp>
@@ -23391,8 +24002,8 @@
             </p:nvSpPr>
             <p:spPr>
               <a:xfrm>
-                <a:off x="7023845" y="4166949"/>
-                <a:ext cx="623049" cy="369332"/>
+                <a:off x="7093319" y="4134099"/>
+                <a:ext cx="623049" cy="342440"/>
               </a:xfrm>
               <a:prstGeom prst="rect">
                 <a:avLst/>
@@ -23407,18 +24018,10 @@
               <a:p>
                 <a:pPr algn="ctr"/>
                 <a:r>
-                  <a:rPr lang="en-US" altLang="zh-CN" dirty="0" smtClean="0">
-                    <a:solidFill>
-                      <a:schemeClr val="bg1"/>
-                    </a:solidFill>
-                  </a:rPr>
+                  <a:rPr lang="en-US" altLang="zh-CN" dirty="0" smtClean="0"/>
                   <a:t>DB</a:t>
                 </a:r>
-                <a:endParaRPr lang="zh-CN" altLang="en-US" dirty="0">
-                  <a:solidFill>
-                    <a:schemeClr val="bg1"/>
-                  </a:solidFill>
-                </a:endParaRPr>
+                <a:endParaRPr lang="zh-CN" altLang="en-US" dirty="0"/>
               </a:p>
             </p:txBody>
           </p:sp>
@@ -23537,6 +24140,84 @@
           </a:p>
         </p:txBody>
       </p:sp>
+      <p:cxnSp>
+        <p:nvCxnSpPr>
+          <p:cNvPr id="16" name="直接箭头连接符 15"/>
+          <p:cNvCxnSpPr>
+            <a:stCxn id="4" idx="2"/>
+            <a:endCxn id="6" idx="0"/>
+          </p:cNvCxnSpPr>
+          <p:nvPr/>
+        </p:nvCxnSpPr>
+        <p:spPr>
+          <a:xfrm>
+            <a:off x="8139952" y="2642347"/>
+            <a:ext cx="1" cy="730270"/>
+          </a:xfrm>
+          <a:prstGeom prst="straightConnector1">
+            <a:avLst/>
+          </a:prstGeom>
+          <a:ln>
+            <a:solidFill>
+              <a:schemeClr val="tx1"/>
+            </a:solidFill>
+            <a:tailEnd type="triangle"/>
+          </a:ln>
+        </p:spPr>
+        <p:style>
+          <a:lnRef idx="1">
+            <a:schemeClr val="accent1"/>
+          </a:lnRef>
+          <a:fillRef idx="0">
+            <a:schemeClr val="accent1"/>
+          </a:fillRef>
+          <a:effectRef idx="0">
+            <a:schemeClr val="accent1"/>
+          </a:effectRef>
+          <a:fontRef idx="minor">
+            <a:schemeClr val="tx1"/>
+          </a:fontRef>
+        </p:style>
+      </p:cxnSp>
+      <p:cxnSp>
+        <p:nvCxnSpPr>
+          <p:cNvPr id="21" name="直接箭头连接符 20"/>
+          <p:cNvCxnSpPr>
+            <a:stCxn id="6" idx="2"/>
+            <a:endCxn id="7" idx="1"/>
+          </p:cNvCxnSpPr>
+          <p:nvPr/>
+        </p:nvCxnSpPr>
+        <p:spPr>
+          <a:xfrm flipH="1">
+            <a:off x="8139951" y="3741949"/>
+            <a:ext cx="2" cy="669931"/>
+          </a:xfrm>
+          <a:prstGeom prst="straightConnector1">
+            <a:avLst/>
+          </a:prstGeom>
+          <a:ln>
+            <a:solidFill>
+              <a:schemeClr val="tx1"/>
+            </a:solidFill>
+            <a:tailEnd type="triangle"/>
+          </a:ln>
+        </p:spPr>
+        <p:style>
+          <a:lnRef idx="1">
+            <a:schemeClr val="accent1"/>
+          </a:lnRef>
+          <a:fillRef idx="0">
+            <a:schemeClr val="accent1"/>
+          </a:fillRef>
+          <a:effectRef idx="0">
+            <a:schemeClr val="accent1"/>
+          </a:effectRef>
+          <a:fontRef idx="minor">
+            <a:schemeClr val="tx1"/>
+          </a:fontRef>
+        </p:style>
+      </p:cxnSp>
     </p:spTree>
     <p:extLst>
       <p:ext uri="{BB962C8B-B14F-4D97-AF65-F5344CB8AC3E}">
@@ -25157,6 +25838,1837 @@
           <a:lstStyle/>
           <a:p>
             <a:r>
+              <a:rPr lang="en-US" altLang="zh-CN" dirty="0" smtClean="0"/>
+              <a:t>Dal</a:t>
+            </a:r>
+            <a:r>
+              <a:rPr lang="zh-CN" altLang="en-US" dirty="0" smtClean="0"/>
+              <a:t>框架</a:t>
+            </a:r>
+            <a:r>
+              <a:rPr lang="en-US" altLang="zh-CN" dirty="0" smtClean="0"/>
+              <a:t>-</a:t>
+            </a:r>
+            <a:r>
+              <a:rPr lang="zh-CN" altLang="en-US" dirty="0" smtClean="0"/>
+              <a:t>日志</a:t>
+            </a:r>
+            <a:r>
+              <a:rPr lang="en-US" altLang="zh-CN" dirty="0" smtClean="0"/>
+              <a:t>-</a:t>
+            </a:r>
+            <a:r>
+              <a:rPr lang="en-US" altLang="zh-CN" dirty="0" err="1" smtClean="0"/>
+              <a:t>DAL.version</a:t>
+            </a:r>
+            <a:endParaRPr lang="zh-CN" altLang="en-US" dirty="0"/>
+          </a:p>
+        </p:txBody>
+      </p:sp>
+      <p:sp>
+        <p:nvSpPr>
+          <p:cNvPr id="6" name="内容占位符 5"/>
+          <p:cNvSpPr>
+            <a:spLocks noGrp="1"/>
+          </p:cNvSpPr>
+          <p:nvPr>
+            <p:ph idx="1"/>
+          </p:nvPr>
+        </p:nvSpPr>
+        <p:spPr>
+          <a:xfrm>
+            <a:off x="838200" y="1707559"/>
+            <a:ext cx="10515600" cy="4351338"/>
+          </a:xfrm>
+        </p:spPr>
+        <p:txBody>
+          <a:bodyPr/>
+          <a:lstStyle/>
+          <a:p>
+            <a:r>
+              <a:rPr lang="zh-CN" altLang="en-US" dirty="0" smtClean="0"/>
+              <a:t>应用所依赖的</a:t>
+            </a:r>
+            <a:r>
+              <a:rPr lang="en-US" altLang="zh-CN" dirty="0" err="1" smtClean="0"/>
+              <a:t>ctrip</a:t>
+            </a:r>
+            <a:r>
+              <a:rPr lang="en-US" altLang="zh-CN" dirty="0" smtClean="0"/>
+              <a:t>-dal-client</a:t>
+            </a:r>
+            <a:r>
+              <a:rPr lang="zh-CN" altLang="en-US" dirty="0" smtClean="0"/>
+              <a:t>版本</a:t>
+            </a:r>
+            <a:endParaRPr lang="en-US" altLang="zh-CN" dirty="0" smtClean="0"/>
+          </a:p>
+          <a:p>
+            <a:pPr marL="0" indent="0">
+              <a:buNone/>
+            </a:pPr>
+            <a:endParaRPr lang="zh-CN" altLang="en-US" dirty="0"/>
+          </a:p>
+        </p:txBody>
+      </p:sp>
+      <p:pic>
+        <p:nvPicPr>
+          <p:cNvPr id="7" name="图片 6"/>
+          <p:cNvPicPr>
+            <a:picLocks noChangeAspect="1"/>
+          </p:cNvPicPr>
+          <p:nvPr/>
+        </p:nvPicPr>
+        <p:blipFill>
+          <a:blip r:embed="rId2"/>
+          <a:stretch>
+            <a:fillRect/>
+          </a:stretch>
+        </p:blipFill>
+        <p:spPr>
+          <a:xfrm>
+            <a:off x="981882" y="2178157"/>
+            <a:ext cx="7810500" cy="4191000"/>
+          </a:xfrm>
+          <a:prstGeom prst="rect">
+            <a:avLst/>
+          </a:prstGeom>
+        </p:spPr>
+      </p:pic>
+    </p:spTree>
+    <p:extLst>
+      <p:ext uri="{BB962C8B-B14F-4D97-AF65-F5344CB8AC3E}">
+        <p14:creationId xmlns:p14="http://schemas.microsoft.com/office/powerpoint/2010/main" val="1310092904"/>
+      </p:ext>
+    </p:extLst>
+  </p:cSld>
+  <p:clrMapOvr>
+    <a:masterClrMapping/>
+  </p:clrMapOvr>
+</p:sld>
+</file>
+
+<file path=ppt/slides/slide46.xml><?xml version="1.0" encoding="utf-8"?>
+<p:sld xmlns:a="http://schemas.openxmlformats.org/drawingml/2006/main" xmlns:r="http://schemas.openxmlformats.org/officeDocument/2006/relationships" xmlns:p="http://schemas.openxmlformats.org/presentationml/2006/main">
+  <p:cSld>
+    <p:spTree>
+      <p:nvGrpSpPr>
+        <p:cNvPr id="1" name=""/>
+        <p:cNvGrpSpPr/>
+        <p:nvPr/>
+      </p:nvGrpSpPr>
+      <p:grpSpPr>
+        <a:xfrm>
+          <a:off x="0" y="0"/>
+          <a:ext cx="0" cy="0"/>
+          <a:chOff x="0" y="0"/>
+          <a:chExt cx="0" cy="0"/>
+        </a:xfrm>
+      </p:grpSpPr>
+      <p:sp>
+        <p:nvSpPr>
+          <p:cNvPr id="2" name="标题 1"/>
+          <p:cNvSpPr>
+            <a:spLocks noGrp="1"/>
+          </p:cNvSpPr>
+          <p:nvPr>
+            <p:ph type="title"/>
+          </p:nvPr>
+        </p:nvSpPr>
+        <p:spPr/>
+        <p:txBody>
+          <a:bodyPr/>
+          <a:lstStyle/>
+          <a:p>
+            <a:r>
+              <a:rPr lang="en-US" altLang="zh-CN" dirty="0"/>
+              <a:t>Dal</a:t>
+            </a:r>
+            <a:r>
+              <a:rPr lang="zh-CN" altLang="en-US" dirty="0"/>
+              <a:t>框架</a:t>
+            </a:r>
+            <a:r>
+              <a:rPr lang="en-US" altLang="zh-CN" dirty="0"/>
+              <a:t>-</a:t>
+            </a:r>
+            <a:r>
+              <a:rPr lang="zh-CN" altLang="en-US" dirty="0"/>
+              <a:t>日志</a:t>
+            </a:r>
+            <a:r>
+              <a:rPr lang="en-US" altLang="zh-CN" dirty="0" smtClean="0"/>
+              <a:t>-</a:t>
+            </a:r>
+            <a:r>
+              <a:rPr lang="en-US" altLang="zh-CN" dirty="0" err="1" smtClean="0"/>
+              <a:t>Ctrip.datasource.version</a:t>
+            </a:r>
+            <a:endParaRPr lang="zh-CN" altLang="en-US" dirty="0"/>
+          </a:p>
+        </p:txBody>
+      </p:sp>
+      <p:sp>
+        <p:nvSpPr>
+          <p:cNvPr id="3" name="内容占位符 2"/>
+          <p:cNvSpPr>
+            <a:spLocks noGrp="1"/>
+          </p:cNvSpPr>
+          <p:nvPr>
+            <p:ph idx="1"/>
+          </p:nvPr>
+        </p:nvSpPr>
+        <p:spPr/>
+        <p:txBody>
+          <a:bodyPr/>
+          <a:lstStyle/>
+          <a:p>
+            <a:r>
+              <a:rPr lang="zh-CN" altLang="en-US" dirty="0" smtClean="0"/>
+              <a:t>应用依赖的</a:t>
+            </a:r>
+            <a:r>
+              <a:rPr lang="en-US" altLang="zh-CN" dirty="0" err="1" smtClean="0"/>
+              <a:t>ctrip-datasource</a:t>
+            </a:r>
+            <a:r>
+              <a:rPr lang="zh-CN" altLang="en-US" dirty="0" smtClean="0"/>
+              <a:t>版本</a:t>
+            </a:r>
+            <a:endParaRPr lang="en-US" altLang="zh-CN" dirty="0" smtClean="0"/>
+          </a:p>
+          <a:p>
+            <a:endParaRPr lang="zh-CN" altLang="en-US" dirty="0"/>
+          </a:p>
+        </p:txBody>
+      </p:sp>
+      <p:pic>
+        <p:nvPicPr>
+          <p:cNvPr id="4" name="图片 3"/>
+          <p:cNvPicPr>
+            <a:picLocks noChangeAspect="1"/>
+          </p:cNvPicPr>
+          <p:nvPr/>
+        </p:nvPicPr>
+        <p:blipFill>
+          <a:blip r:embed="rId2"/>
+          <a:stretch>
+            <a:fillRect/>
+          </a:stretch>
+        </p:blipFill>
+        <p:spPr>
+          <a:xfrm>
+            <a:off x="1002466" y="2486819"/>
+            <a:ext cx="9210675" cy="3028950"/>
+          </a:xfrm>
+          <a:prstGeom prst="rect">
+            <a:avLst/>
+          </a:prstGeom>
+        </p:spPr>
+      </p:pic>
+    </p:spTree>
+    <p:extLst>
+      <p:ext uri="{BB962C8B-B14F-4D97-AF65-F5344CB8AC3E}">
+        <p14:creationId xmlns:p14="http://schemas.microsoft.com/office/powerpoint/2010/main" val="881672191"/>
+      </p:ext>
+    </p:extLst>
+  </p:cSld>
+  <p:clrMapOvr>
+    <a:masterClrMapping/>
+  </p:clrMapOvr>
+</p:sld>
+</file>
+
+<file path=ppt/slides/slide47.xml><?xml version="1.0" encoding="utf-8"?>
+<p:sld xmlns:a="http://schemas.openxmlformats.org/drawingml/2006/main" xmlns:r="http://schemas.openxmlformats.org/officeDocument/2006/relationships" xmlns:p="http://schemas.openxmlformats.org/presentationml/2006/main">
+  <p:cSld>
+    <p:spTree>
+      <p:nvGrpSpPr>
+        <p:cNvPr id="1" name=""/>
+        <p:cNvGrpSpPr/>
+        <p:nvPr/>
+      </p:nvGrpSpPr>
+      <p:grpSpPr>
+        <a:xfrm>
+          <a:off x="0" y="0"/>
+          <a:ext cx="0" cy="0"/>
+          <a:chOff x="0" y="0"/>
+          <a:chExt cx="0" cy="0"/>
+        </a:xfrm>
+      </p:grpSpPr>
+      <p:sp>
+        <p:nvSpPr>
+          <p:cNvPr id="2" name="标题 1"/>
+          <p:cNvSpPr>
+            <a:spLocks noGrp="1"/>
+          </p:cNvSpPr>
+          <p:nvPr>
+            <p:ph type="title"/>
+          </p:nvPr>
+        </p:nvSpPr>
+        <p:spPr/>
+        <p:txBody>
+          <a:bodyPr/>
+          <a:lstStyle/>
+          <a:p>
+            <a:r>
+              <a:rPr lang="en-US" altLang="zh-CN" dirty="0"/>
+              <a:t>Dal</a:t>
+            </a:r>
+            <a:r>
+              <a:rPr lang="zh-CN" altLang="en-US" dirty="0"/>
+              <a:t>框架</a:t>
+            </a:r>
+            <a:r>
+              <a:rPr lang="en-US" altLang="zh-CN" dirty="0"/>
+              <a:t>-</a:t>
+            </a:r>
+            <a:r>
+              <a:rPr lang="zh-CN" altLang="en-US" dirty="0"/>
+              <a:t>日志</a:t>
+            </a:r>
+            <a:r>
+              <a:rPr lang="en-US" altLang="zh-CN" dirty="0" smtClean="0"/>
+              <a:t>-</a:t>
+            </a:r>
+            <a:r>
+              <a:rPr lang="en-US" altLang="zh-CN" dirty="0" err="1" smtClean="0"/>
+              <a:t>SQL.database</a:t>
+            </a:r>
+            <a:endParaRPr lang="zh-CN" altLang="en-US" dirty="0"/>
+          </a:p>
+        </p:txBody>
+      </p:sp>
+      <p:sp>
+        <p:nvSpPr>
+          <p:cNvPr id="3" name="内容占位符 2"/>
+          <p:cNvSpPr>
+            <a:spLocks noGrp="1"/>
+          </p:cNvSpPr>
+          <p:nvPr>
+            <p:ph idx="1"/>
+          </p:nvPr>
+        </p:nvSpPr>
+        <p:spPr/>
+        <p:txBody>
+          <a:bodyPr/>
+          <a:lstStyle/>
+          <a:p>
+            <a:r>
+              <a:rPr lang="zh-CN" altLang="en-US" dirty="0"/>
+              <a:t>应用</a:t>
+            </a:r>
+            <a:r>
+              <a:rPr lang="zh-CN" altLang="en-US" dirty="0" smtClean="0"/>
+              <a:t>连接的数据库</a:t>
+            </a:r>
+            <a:endParaRPr lang="zh-CN" altLang="en-US" dirty="0"/>
+          </a:p>
+        </p:txBody>
+      </p:sp>
+      <p:pic>
+        <p:nvPicPr>
+          <p:cNvPr id="5" name="图片 4"/>
+          <p:cNvPicPr>
+            <a:picLocks noChangeAspect="1"/>
+          </p:cNvPicPr>
+          <p:nvPr/>
+        </p:nvPicPr>
+        <p:blipFill>
+          <a:blip r:embed="rId2"/>
+          <a:stretch>
+            <a:fillRect/>
+          </a:stretch>
+        </p:blipFill>
+        <p:spPr>
+          <a:xfrm>
+            <a:off x="1109663" y="2401968"/>
+            <a:ext cx="7229475" cy="3057525"/>
+          </a:xfrm>
+          <a:prstGeom prst="rect">
+            <a:avLst/>
+          </a:prstGeom>
+        </p:spPr>
+      </p:pic>
+    </p:spTree>
+    <p:extLst>
+      <p:ext uri="{BB962C8B-B14F-4D97-AF65-F5344CB8AC3E}">
+        <p14:creationId xmlns:p14="http://schemas.microsoft.com/office/powerpoint/2010/main" val="1779903276"/>
+      </p:ext>
+    </p:extLst>
+  </p:cSld>
+  <p:clrMapOvr>
+    <a:masterClrMapping/>
+  </p:clrMapOvr>
+</p:sld>
+</file>
+
+<file path=ppt/slides/slide48.xml><?xml version="1.0" encoding="utf-8"?>
+<p:sld xmlns:a="http://schemas.openxmlformats.org/drawingml/2006/main" xmlns:r="http://schemas.openxmlformats.org/officeDocument/2006/relationships" xmlns:p="http://schemas.openxmlformats.org/presentationml/2006/main">
+  <p:cSld>
+    <p:spTree>
+      <p:nvGrpSpPr>
+        <p:cNvPr id="1" name=""/>
+        <p:cNvGrpSpPr/>
+        <p:nvPr/>
+      </p:nvGrpSpPr>
+      <p:grpSpPr>
+        <a:xfrm>
+          <a:off x="0" y="0"/>
+          <a:ext cx="0" cy="0"/>
+          <a:chOff x="0" y="0"/>
+          <a:chExt cx="0" cy="0"/>
+        </a:xfrm>
+      </p:grpSpPr>
+      <p:sp>
+        <p:nvSpPr>
+          <p:cNvPr id="2" name="标题 1"/>
+          <p:cNvSpPr>
+            <a:spLocks noGrp="1"/>
+          </p:cNvSpPr>
+          <p:nvPr>
+            <p:ph type="title"/>
+          </p:nvPr>
+        </p:nvSpPr>
+        <p:spPr/>
+        <p:txBody>
+          <a:bodyPr/>
+          <a:lstStyle/>
+          <a:p>
+            <a:r>
+              <a:rPr lang="en-US" altLang="zh-CN" dirty="0" smtClean="0"/>
+              <a:t>Dal</a:t>
+            </a:r>
+            <a:r>
+              <a:rPr lang="zh-CN" altLang="en-US" dirty="0" smtClean="0"/>
+              <a:t>框架</a:t>
+            </a:r>
+            <a:r>
+              <a:rPr lang="en-US" altLang="zh-CN" dirty="0" smtClean="0"/>
+              <a:t>-</a:t>
+            </a:r>
+            <a:r>
+              <a:rPr lang="zh-CN" altLang="en-US" dirty="0" smtClean="0"/>
+              <a:t>日志</a:t>
+            </a:r>
+            <a:r>
+              <a:rPr lang="en-US" altLang="zh-CN" dirty="0" smtClean="0"/>
+              <a:t>-</a:t>
+            </a:r>
+            <a:r>
+              <a:rPr lang="en-US" altLang="zh-CN" dirty="0" err="1" smtClean="0"/>
+              <a:t>DataSource</a:t>
+            </a:r>
+            <a:endParaRPr lang="zh-CN" altLang="en-US" dirty="0"/>
+          </a:p>
+        </p:txBody>
+      </p:sp>
+      <p:sp>
+        <p:nvSpPr>
+          <p:cNvPr id="3" name="内容占位符 2"/>
+          <p:cNvSpPr>
+            <a:spLocks noGrp="1"/>
+          </p:cNvSpPr>
+          <p:nvPr>
+            <p:ph idx="1"/>
+          </p:nvPr>
+        </p:nvSpPr>
+        <p:spPr/>
+        <p:txBody>
+          <a:bodyPr/>
+          <a:lstStyle/>
+          <a:p>
+            <a:r>
+              <a:rPr lang="zh-CN" altLang="en-US" dirty="0" smtClean="0"/>
+              <a:t>应用中</a:t>
+            </a:r>
+            <a:r>
+              <a:rPr lang="en-US" altLang="zh-CN" dirty="0" err="1" smtClean="0"/>
+              <a:t>DataSource</a:t>
+            </a:r>
+            <a:r>
+              <a:rPr lang="zh-CN" altLang="en-US" dirty="0" smtClean="0"/>
+              <a:t>相关日志查看入口：</a:t>
+            </a:r>
+            <a:endParaRPr lang="en-US" altLang="zh-CN" dirty="0" smtClean="0"/>
+          </a:p>
+          <a:p>
+            <a:endParaRPr lang="zh-CN" altLang="en-US" dirty="0"/>
+          </a:p>
+        </p:txBody>
+      </p:sp>
+      <p:pic>
+        <p:nvPicPr>
+          <p:cNvPr id="6" name="图片 5"/>
+          <p:cNvPicPr>
+            <a:picLocks noChangeAspect="1"/>
+          </p:cNvPicPr>
+          <p:nvPr/>
+        </p:nvPicPr>
+        <p:blipFill>
+          <a:blip r:embed="rId2"/>
+          <a:stretch>
+            <a:fillRect/>
+          </a:stretch>
+        </p:blipFill>
+        <p:spPr>
+          <a:xfrm>
+            <a:off x="958070" y="2452445"/>
+            <a:ext cx="7858125" cy="3409950"/>
+          </a:xfrm>
+          <a:prstGeom prst="rect">
+            <a:avLst/>
+          </a:prstGeom>
+        </p:spPr>
+      </p:pic>
+    </p:spTree>
+    <p:extLst>
+      <p:ext uri="{BB962C8B-B14F-4D97-AF65-F5344CB8AC3E}">
+        <p14:creationId xmlns:p14="http://schemas.microsoft.com/office/powerpoint/2010/main" val="677362065"/>
+      </p:ext>
+    </p:extLst>
+  </p:cSld>
+  <p:clrMapOvr>
+    <a:masterClrMapping/>
+  </p:clrMapOvr>
+</p:sld>
+</file>
+
+<file path=ppt/slides/slide49.xml><?xml version="1.0" encoding="utf-8"?>
+<p:sld xmlns:a="http://schemas.openxmlformats.org/drawingml/2006/main" xmlns:r="http://schemas.openxmlformats.org/officeDocument/2006/relationships" xmlns:p="http://schemas.openxmlformats.org/presentationml/2006/main">
+  <p:cSld>
+    <p:spTree>
+      <p:nvGrpSpPr>
+        <p:cNvPr id="1" name=""/>
+        <p:cNvGrpSpPr/>
+        <p:nvPr/>
+      </p:nvGrpSpPr>
+      <p:grpSpPr>
+        <a:xfrm>
+          <a:off x="0" y="0"/>
+          <a:ext cx="0" cy="0"/>
+          <a:chOff x="0" y="0"/>
+          <a:chExt cx="0" cy="0"/>
+        </a:xfrm>
+      </p:grpSpPr>
+      <p:sp>
+        <p:nvSpPr>
+          <p:cNvPr id="2" name="标题 1"/>
+          <p:cNvSpPr>
+            <a:spLocks noGrp="1"/>
+          </p:cNvSpPr>
+          <p:nvPr>
+            <p:ph type="title"/>
+          </p:nvPr>
+        </p:nvSpPr>
+        <p:spPr/>
+        <p:txBody>
+          <a:bodyPr/>
+          <a:lstStyle/>
+          <a:p>
+            <a:r>
+              <a:rPr lang="en-US" altLang="zh-CN" dirty="0"/>
+              <a:t>Dal</a:t>
+            </a:r>
+            <a:r>
+              <a:rPr lang="zh-CN" altLang="en-US" dirty="0"/>
+              <a:t>框架</a:t>
+            </a:r>
+            <a:r>
+              <a:rPr lang="en-US" altLang="zh-CN" dirty="0"/>
+              <a:t>-</a:t>
+            </a:r>
+            <a:r>
+              <a:rPr lang="zh-CN" altLang="en-US" dirty="0"/>
+              <a:t>日志</a:t>
+            </a:r>
+            <a:r>
+              <a:rPr lang="en-US" altLang="zh-CN" dirty="0" smtClean="0"/>
+              <a:t>-</a:t>
+            </a:r>
+            <a:r>
+              <a:rPr lang="en-US" altLang="zh-CN" dirty="0" err="1" smtClean="0"/>
+              <a:t>PoolProperties</a:t>
+            </a:r>
+            <a:endParaRPr lang="zh-CN" altLang="en-US" dirty="0"/>
+          </a:p>
+        </p:txBody>
+      </p:sp>
+      <p:sp>
+        <p:nvSpPr>
+          <p:cNvPr id="3" name="内容占位符 2"/>
+          <p:cNvSpPr>
+            <a:spLocks noGrp="1"/>
+          </p:cNvSpPr>
+          <p:nvPr>
+            <p:ph idx="1"/>
+          </p:nvPr>
+        </p:nvSpPr>
+        <p:spPr/>
+        <p:txBody>
+          <a:bodyPr/>
+          <a:lstStyle/>
+          <a:p>
+            <a:r>
+              <a:rPr lang="zh-CN" altLang="en-US" dirty="0" smtClean="0"/>
+              <a:t>每个</a:t>
+            </a:r>
+            <a:r>
+              <a:rPr lang="en-US" altLang="zh-CN" dirty="0" err="1" smtClean="0"/>
+              <a:t>DataSource</a:t>
+            </a:r>
+            <a:r>
+              <a:rPr lang="zh-CN" altLang="en-US" dirty="0" smtClean="0"/>
+              <a:t>最终生效的连接池属性</a:t>
+            </a:r>
+            <a:endParaRPr lang="en-US" altLang="zh-CN" dirty="0" smtClean="0"/>
+          </a:p>
+          <a:p>
+            <a:endParaRPr lang="zh-CN" altLang="en-US" dirty="0"/>
+          </a:p>
+        </p:txBody>
+      </p:sp>
+      <p:pic>
+        <p:nvPicPr>
+          <p:cNvPr id="4" name="图片 3"/>
+          <p:cNvPicPr>
+            <a:picLocks noChangeAspect="1"/>
+          </p:cNvPicPr>
+          <p:nvPr/>
+        </p:nvPicPr>
+        <p:blipFill>
+          <a:blip r:embed="rId2"/>
+          <a:stretch>
+            <a:fillRect/>
+          </a:stretch>
+        </p:blipFill>
+        <p:spPr>
+          <a:xfrm>
+            <a:off x="838200" y="2534444"/>
+            <a:ext cx="8001000" cy="2933700"/>
+          </a:xfrm>
+          <a:prstGeom prst="rect">
+            <a:avLst/>
+          </a:prstGeom>
+        </p:spPr>
+      </p:pic>
+    </p:spTree>
+    <p:extLst>
+      <p:ext uri="{BB962C8B-B14F-4D97-AF65-F5344CB8AC3E}">
+        <p14:creationId xmlns:p14="http://schemas.microsoft.com/office/powerpoint/2010/main" val="1893930364"/>
+      </p:ext>
+    </p:extLst>
+  </p:cSld>
+  <p:clrMapOvr>
+    <a:masterClrMapping/>
+  </p:clrMapOvr>
+</p:sld>
+</file>
+
+<file path=ppt/slides/slide5.xml><?xml version="1.0" encoding="utf-8"?>
+<p:sld xmlns:a="http://schemas.openxmlformats.org/drawingml/2006/main" xmlns:r="http://schemas.openxmlformats.org/officeDocument/2006/relationships" xmlns:p="http://schemas.openxmlformats.org/presentationml/2006/main">
+  <p:cSld>
+    <p:spTree>
+      <p:nvGrpSpPr>
+        <p:cNvPr id="1" name=""/>
+        <p:cNvGrpSpPr/>
+        <p:nvPr/>
+      </p:nvGrpSpPr>
+      <p:grpSpPr>
+        <a:xfrm>
+          <a:off x="0" y="0"/>
+          <a:ext cx="0" cy="0"/>
+          <a:chOff x="0" y="0"/>
+          <a:chExt cx="0" cy="0"/>
+        </a:xfrm>
+      </p:grpSpPr>
+      <p:sp>
+        <p:nvSpPr>
+          <p:cNvPr id="2" name="标题 1"/>
+          <p:cNvSpPr>
+            <a:spLocks noGrp="1"/>
+          </p:cNvSpPr>
+          <p:nvPr>
+            <p:ph type="title"/>
+          </p:nvPr>
+        </p:nvSpPr>
+        <p:spPr/>
+        <p:txBody>
+          <a:bodyPr/>
+          <a:lstStyle/>
+          <a:p>
+            <a:r>
+              <a:rPr lang="en-US" altLang="zh-CN" dirty="0" smtClean="0"/>
+              <a:t>DAL</a:t>
+            </a:r>
+            <a:r>
+              <a:rPr lang="zh-CN" altLang="en-US" dirty="0" smtClean="0"/>
+              <a:t>支持框架类型</a:t>
+            </a:r>
+            <a:endParaRPr lang="zh-CN" altLang="en-US" dirty="0"/>
+          </a:p>
+        </p:txBody>
+      </p:sp>
+      <p:sp>
+        <p:nvSpPr>
+          <p:cNvPr id="5" name="文本框 4"/>
+          <p:cNvSpPr txBox="1"/>
+          <p:nvPr/>
+        </p:nvSpPr>
+        <p:spPr>
+          <a:xfrm>
+            <a:off x="1979408" y="1839558"/>
+            <a:ext cx="3410174" cy="3851237"/>
+          </a:xfrm>
+          <a:prstGeom prst="rect">
+            <a:avLst/>
+          </a:prstGeom>
+          <a:noFill/>
+          <a:ln>
+            <a:solidFill>
+              <a:schemeClr val="tx1"/>
+            </a:solidFill>
+          </a:ln>
+        </p:spPr>
+        <p:txBody>
+          <a:bodyPr wrap="square" rtlCol="0">
+            <a:noAutofit/>
+          </a:bodyPr>
+          <a:lstStyle/>
+          <a:p>
+            <a:r>
+              <a:rPr lang="zh-CN" altLang="en-US" b="1" dirty="0">
+                <a:solidFill>
+                  <a:srgbClr val="FF0000"/>
+                </a:solidFill>
+              </a:rPr>
+              <a:t>携</a:t>
+            </a:r>
+            <a:r>
+              <a:rPr lang="zh-CN" altLang="en-US" b="1" dirty="0" smtClean="0">
+                <a:solidFill>
+                  <a:srgbClr val="FF0000"/>
+                </a:solidFill>
+              </a:rPr>
+              <a:t>程自研</a:t>
+            </a:r>
+            <a:r>
+              <a:rPr lang="en-US" altLang="zh-CN" b="1" dirty="0" smtClean="0">
+                <a:solidFill>
+                  <a:srgbClr val="FF0000"/>
+                </a:solidFill>
+              </a:rPr>
+              <a:t>dal</a:t>
+            </a:r>
+            <a:r>
+              <a:rPr lang="zh-CN" altLang="en-US" b="1" dirty="0" smtClean="0">
+                <a:solidFill>
+                  <a:srgbClr val="FF0000"/>
+                </a:solidFill>
+              </a:rPr>
+              <a:t>框架</a:t>
+            </a:r>
+            <a:endParaRPr lang="en-US" altLang="zh-CN" b="1" dirty="0" smtClean="0">
+              <a:solidFill>
+                <a:srgbClr val="FF0000"/>
+              </a:solidFill>
+            </a:endParaRPr>
+          </a:p>
+          <a:p>
+            <a:pPr marL="285750" indent="-285750">
+              <a:buFont typeface="Wingdings" panose="05000000000000000000" pitchFamily="2" charset="2"/>
+              <a:buChar char="Ø"/>
+            </a:pPr>
+            <a:r>
+              <a:rPr lang="zh-CN" altLang="en-US" sz="1600" b="1" dirty="0" smtClean="0"/>
+              <a:t>简介：</a:t>
+            </a:r>
+            <a:r>
+              <a:rPr lang="zh-CN" altLang="en-US" sz="1600" dirty="0" smtClean="0"/>
+              <a:t>携程</a:t>
+            </a:r>
+            <a:r>
+              <a:rPr lang="en-US" altLang="zh-CN" sz="1600" dirty="0" smtClean="0"/>
+              <a:t>dal</a:t>
+            </a:r>
+            <a:r>
+              <a:rPr lang="zh-CN" altLang="en-US" sz="1600" dirty="0" smtClean="0"/>
+              <a:t>团队自研</a:t>
+            </a:r>
+            <a:r>
+              <a:rPr lang="en-US" altLang="zh-CN" sz="1600" dirty="0" smtClean="0"/>
+              <a:t>ORM</a:t>
+            </a:r>
+            <a:r>
+              <a:rPr lang="zh-CN" altLang="en-US" sz="1600" dirty="0" smtClean="0"/>
+              <a:t>框架，有代码生成器生成实体、</a:t>
+            </a:r>
+            <a:r>
+              <a:rPr lang="en-US" altLang="zh-CN" sz="1600" dirty="0" err="1" smtClean="0"/>
+              <a:t>dao</a:t>
+            </a:r>
+            <a:r>
+              <a:rPr lang="zh-CN" altLang="en-US" sz="1600" dirty="0" smtClean="0"/>
+              <a:t>和配置，功能完备，使用方便。</a:t>
+            </a:r>
+            <a:endParaRPr lang="en-US" altLang="zh-CN" sz="1600" dirty="0"/>
+          </a:p>
+          <a:p>
+            <a:pPr marL="285750" indent="-285750">
+              <a:buFont typeface="Wingdings" panose="05000000000000000000" pitchFamily="2" charset="2"/>
+              <a:buChar char="Ø"/>
+            </a:pPr>
+            <a:r>
+              <a:rPr lang="zh-CN" altLang="en-US" sz="1600" b="1" dirty="0" smtClean="0"/>
+              <a:t>依赖：</a:t>
+            </a:r>
+            <a:r>
+              <a:rPr lang="en-US" altLang="zh-CN" sz="1600" dirty="0" err="1" smtClean="0"/>
+              <a:t>ctrip</a:t>
+            </a:r>
+            <a:r>
+              <a:rPr lang="en-US" altLang="zh-CN" sz="1600" dirty="0" smtClean="0"/>
+              <a:t>-dal-client</a:t>
+            </a:r>
+          </a:p>
+          <a:p>
+            <a:pPr marL="285750" indent="-285750">
+              <a:buFont typeface="Wingdings" panose="05000000000000000000" pitchFamily="2" charset="2"/>
+              <a:buChar char="Ø"/>
+            </a:pPr>
+            <a:r>
+              <a:rPr lang="zh-CN" altLang="en-US" sz="1600" b="1" dirty="0" smtClean="0"/>
+              <a:t>配置：</a:t>
+            </a:r>
+            <a:r>
+              <a:rPr lang="en-US" altLang="zh-CN" sz="1600" dirty="0" err="1" smtClean="0"/>
+              <a:t>dal.config</a:t>
+            </a:r>
+            <a:endParaRPr lang="en-US" altLang="zh-CN" sz="1600" dirty="0" smtClean="0"/>
+          </a:p>
+          <a:p>
+            <a:pPr marL="285750" indent="-285750">
+              <a:buFont typeface="Wingdings" panose="05000000000000000000" pitchFamily="2" charset="2"/>
+              <a:buChar char="Ø"/>
+            </a:pPr>
+            <a:r>
+              <a:rPr lang="zh-CN" altLang="en-US" sz="1600" b="1" dirty="0" smtClean="0"/>
+              <a:t>分库分表：</a:t>
+            </a:r>
+            <a:r>
+              <a:rPr lang="zh-CN" altLang="en-US" sz="1600" dirty="0" smtClean="0"/>
+              <a:t>支持</a:t>
+            </a:r>
+            <a:endParaRPr lang="en-US" altLang="zh-CN" sz="1600" dirty="0" smtClean="0"/>
+          </a:p>
+          <a:p>
+            <a:pPr marL="285750" indent="-285750">
+              <a:buFont typeface="Wingdings" panose="05000000000000000000" pitchFamily="2" charset="2"/>
+              <a:buChar char="Ø"/>
+            </a:pPr>
+            <a:r>
+              <a:rPr lang="zh-CN" altLang="en-US" sz="1600" b="1" dirty="0" smtClean="0"/>
+              <a:t>读写分离：</a:t>
+            </a:r>
+            <a:r>
+              <a:rPr lang="zh-CN" altLang="en-US" sz="1600" dirty="0" smtClean="0"/>
+              <a:t>支持</a:t>
+            </a:r>
+            <a:endParaRPr lang="en-US" altLang="zh-CN" sz="1600" dirty="0" smtClean="0"/>
+          </a:p>
+          <a:p>
+            <a:pPr marL="285750" indent="-285750">
+              <a:buFont typeface="Wingdings" panose="05000000000000000000" pitchFamily="2" charset="2"/>
+              <a:buChar char="Ø"/>
+            </a:pPr>
+            <a:r>
+              <a:rPr lang="zh-CN" altLang="en-US" sz="1600" b="1" dirty="0"/>
+              <a:t>携</a:t>
+            </a:r>
+            <a:r>
+              <a:rPr lang="zh-CN" altLang="en-US" sz="1600" b="1" dirty="0" smtClean="0"/>
+              <a:t>程定制功能：</a:t>
+            </a:r>
+            <a:endParaRPr lang="en-US" altLang="zh-CN" sz="1600" b="1" dirty="0" smtClean="0"/>
+          </a:p>
+          <a:p>
+            <a:pPr marL="342900" indent="-342900">
+              <a:buFont typeface="+mj-ea"/>
+              <a:buAutoNum type="circleNumDbPlain"/>
+            </a:pPr>
+            <a:r>
+              <a:rPr lang="zh-CN" altLang="en-US" sz="1400" dirty="0" smtClean="0"/>
+              <a:t>底层自动调用</a:t>
+            </a:r>
+            <a:r>
+              <a:rPr lang="en-US" altLang="zh-CN" sz="1400" dirty="0" err="1" smtClean="0"/>
+              <a:t>SQLServer</a:t>
+            </a:r>
+            <a:r>
+              <a:rPr lang="zh-CN" altLang="en-US" sz="1400" dirty="0" smtClean="0"/>
+              <a:t>增删改查</a:t>
+            </a:r>
+            <a:r>
+              <a:rPr lang="en-US" altLang="zh-CN" sz="1400" dirty="0" smtClean="0"/>
+              <a:t>SP</a:t>
+            </a:r>
+          </a:p>
+          <a:p>
+            <a:pPr marL="342900" indent="-342900">
+              <a:buFont typeface="+mj-ea"/>
+              <a:buAutoNum type="circleNumDbPlain"/>
+            </a:pPr>
+            <a:r>
+              <a:rPr lang="zh-CN" altLang="en-US" sz="1400" dirty="0" smtClean="0"/>
+              <a:t>支持</a:t>
+            </a:r>
+            <a:r>
+              <a:rPr lang="en-US" altLang="zh-CN" sz="1400" dirty="0" smtClean="0"/>
+              <a:t>cat/clog</a:t>
+            </a:r>
+            <a:r>
+              <a:rPr lang="zh-CN" altLang="en-US" sz="1400" dirty="0" smtClean="0"/>
+              <a:t>监控，打点比较完整</a:t>
+            </a:r>
+            <a:endParaRPr lang="en-US" altLang="zh-CN" sz="1400" dirty="0" smtClean="0"/>
+          </a:p>
+          <a:p>
+            <a:pPr marL="285750" indent="-285750">
+              <a:buFont typeface="Wingdings" panose="05000000000000000000" pitchFamily="2" charset="2"/>
+              <a:buChar char="Ø"/>
+            </a:pPr>
+            <a:r>
+              <a:rPr lang="zh-CN" altLang="en-US" sz="1600" b="1" dirty="0"/>
+              <a:t>使用</a:t>
+            </a:r>
+            <a:r>
+              <a:rPr lang="zh-CN" altLang="en-US" sz="1600" b="1" dirty="0" smtClean="0"/>
+              <a:t>方法：</a:t>
+            </a:r>
+            <a:r>
+              <a:rPr lang="en-US" altLang="zh-CN" sz="1600" dirty="0" smtClean="0">
+                <a:hlinkClick r:id="rId2" action="ppaction://hlinksldjump"/>
+              </a:rPr>
+              <a:t>Dal</a:t>
+            </a:r>
+            <a:r>
+              <a:rPr lang="zh-CN" altLang="en-US" sz="1600" dirty="0" smtClean="0">
+                <a:hlinkClick r:id="rId2" action="ppaction://hlinksldjump"/>
+              </a:rPr>
+              <a:t>框架</a:t>
+            </a:r>
+            <a:r>
+              <a:rPr lang="zh-CN" altLang="en-US" sz="1600" dirty="0">
+                <a:hlinkClick r:id="rId2" action="ppaction://hlinksldjump"/>
+              </a:rPr>
+              <a:t>使用</a:t>
+            </a:r>
+            <a:endParaRPr lang="zh-CN" altLang="en-US" sz="1600" dirty="0"/>
+          </a:p>
+        </p:txBody>
+      </p:sp>
+      <p:sp>
+        <p:nvSpPr>
+          <p:cNvPr id="6" name="文本框 5"/>
+          <p:cNvSpPr txBox="1"/>
+          <p:nvPr/>
+        </p:nvSpPr>
+        <p:spPr>
+          <a:xfrm>
+            <a:off x="7177144" y="1839558"/>
+            <a:ext cx="3708698" cy="3851237"/>
+          </a:xfrm>
+          <a:prstGeom prst="rect">
+            <a:avLst/>
+          </a:prstGeom>
+          <a:noFill/>
+          <a:ln>
+            <a:solidFill>
+              <a:schemeClr val="tx1"/>
+            </a:solidFill>
+          </a:ln>
+        </p:spPr>
+        <p:txBody>
+          <a:bodyPr wrap="square" rtlCol="0">
+            <a:noAutofit/>
+          </a:bodyPr>
+          <a:lstStyle/>
+          <a:p>
+            <a:r>
+              <a:rPr lang="en-US" altLang="zh-CN" b="1" dirty="0" err="1" smtClean="0">
+                <a:solidFill>
+                  <a:srgbClr val="FF0000"/>
+                </a:solidFill>
+              </a:rPr>
+              <a:t>Mybatis+DataSource</a:t>
+            </a:r>
+            <a:r>
+              <a:rPr lang="zh-CN" altLang="en-US" b="1" dirty="0" smtClean="0">
+                <a:solidFill>
+                  <a:srgbClr val="FF0000"/>
+                </a:solidFill>
+              </a:rPr>
+              <a:t>框架</a:t>
+            </a:r>
+            <a:endParaRPr lang="en-US" altLang="zh-CN" b="1" dirty="0" smtClean="0">
+              <a:solidFill>
+                <a:srgbClr val="FF0000"/>
+              </a:solidFill>
+            </a:endParaRPr>
+          </a:p>
+          <a:p>
+            <a:pPr marL="285750" indent="-285750">
+              <a:buFont typeface="Wingdings" panose="05000000000000000000" pitchFamily="2" charset="2"/>
+              <a:buChar char="Ø"/>
+            </a:pPr>
+            <a:r>
+              <a:rPr lang="zh-CN" altLang="en-US" sz="1600" b="1" dirty="0" smtClean="0"/>
+              <a:t>简介：</a:t>
+            </a:r>
+            <a:r>
+              <a:rPr lang="zh-CN" altLang="en-US" sz="1600" dirty="0" smtClean="0"/>
+              <a:t>第三方开源</a:t>
+            </a:r>
+            <a:r>
+              <a:rPr lang="en-US" altLang="zh-CN" sz="1600" dirty="0" smtClean="0"/>
+              <a:t>ORM</a:t>
+            </a:r>
+            <a:r>
+              <a:rPr lang="zh-CN" altLang="en-US" sz="1600" dirty="0" smtClean="0"/>
+              <a:t>框架</a:t>
+            </a:r>
+            <a:r>
+              <a:rPr lang="en-US" altLang="zh-CN" sz="1600" dirty="0" err="1" smtClean="0"/>
+              <a:t>Mybatis</a:t>
+            </a:r>
+            <a:r>
+              <a:rPr lang="zh-CN" altLang="en-US" sz="1600" dirty="0" smtClean="0"/>
+              <a:t>，配合</a:t>
+            </a:r>
+            <a:r>
+              <a:rPr lang="en-US" altLang="zh-CN" sz="1600" dirty="0" smtClean="0"/>
+              <a:t>dal</a:t>
+            </a:r>
+            <a:r>
+              <a:rPr lang="zh-CN" altLang="en-US" sz="1600" dirty="0" smtClean="0"/>
+              <a:t>提供的数据源使用。</a:t>
+            </a:r>
+            <a:endParaRPr lang="en-US" altLang="zh-CN" sz="1600" dirty="0"/>
+          </a:p>
+          <a:p>
+            <a:pPr marL="285750" indent="-285750">
+              <a:buFont typeface="Wingdings" panose="05000000000000000000" pitchFamily="2" charset="2"/>
+              <a:buChar char="Ø"/>
+            </a:pPr>
+            <a:r>
+              <a:rPr lang="zh-CN" altLang="en-US" sz="1600" b="1" dirty="0" smtClean="0"/>
+              <a:t>依赖：</a:t>
+            </a:r>
+            <a:r>
+              <a:rPr lang="en-US" altLang="zh-CN" sz="1600" dirty="0" err="1" smtClean="0"/>
+              <a:t>mybatis</a:t>
+            </a:r>
+            <a:endParaRPr lang="en-US" altLang="zh-CN" sz="1600" dirty="0" smtClean="0"/>
+          </a:p>
+          <a:p>
+            <a:r>
+              <a:rPr lang="en-US" altLang="zh-CN" sz="1600" dirty="0"/>
+              <a:t> </a:t>
+            </a:r>
+            <a:r>
+              <a:rPr lang="en-US" altLang="zh-CN" sz="1600" dirty="0" smtClean="0"/>
+              <a:t>               </a:t>
+            </a:r>
+            <a:r>
+              <a:rPr lang="en-US" altLang="zh-CN" sz="1600" dirty="0" err="1" smtClean="0"/>
+              <a:t>ctrip-datasource</a:t>
+            </a:r>
+            <a:endParaRPr lang="en-US" altLang="zh-CN" sz="1600" dirty="0" smtClean="0"/>
+          </a:p>
+          <a:p>
+            <a:pPr marL="285750" indent="-285750">
+              <a:buFont typeface="Wingdings" panose="05000000000000000000" pitchFamily="2" charset="2"/>
+              <a:buChar char="Ø"/>
+            </a:pPr>
+            <a:r>
+              <a:rPr lang="zh-CN" altLang="en-US" sz="1600" b="1" dirty="0" smtClean="0"/>
+              <a:t>配置：</a:t>
+            </a:r>
+            <a:r>
+              <a:rPr lang="zh-CN" altLang="en-US" sz="1600" dirty="0" smtClean="0"/>
+              <a:t>无需</a:t>
+            </a:r>
+            <a:r>
+              <a:rPr lang="en-US" altLang="zh-CN" sz="1600" dirty="0" smtClean="0"/>
+              <a:t>dal</a:t>
+            </a:r>
+            <a:r>
+              <a:rPr lang="zh-CN" altLang="en-US" sz="1600" dirty="0" smtClean="0"/>
+              <a:t>配置</a:t>
+            </a:r>
+            <a:endParaRPr lang="en-US" altLang="zh-CN" sz="1600" dirty="0" smtClean="0"/>
+          </a:p>
+          <a:p>
+            <a:pPr marL="285750" indent="-285750">
+              <a:buFont typeface="Wingdings" panose="05000000000000000000" pitchFamily="2" charset="2"/>
+              <a:buChar char="Ø"/>
+            </a:pPr>
+            <a:r>
+              <a:rPr lang="zh-CN" altLang="en-US" sz="1600" b="1" dirty="0"/>
+              <a:t>分库分表</a:t>
+            </a:r>
+            <a:r>
+              <a:rPr lang="zh-CN" altLang="en-US" sz="1600" b="1" dirty="0" smtClean="0"/>
+              <a:t>：</a:t>
+            </a:r>
+            <a:r>
+              <a:rPr lang="zh-CN" altLang="en-US" sz="1600" dirty="0" smtClean="0"/>
+              <a:t>需要用户实现</a:t>
+            </a:r>
+            <a:endParaRPr lang="en-US" altLang="zh-CN" sz="1600" dirty="0" smtClean="0"/>
+          </a:p>
+          <a:p>
+            <a:pPr marL="285750" indent="-285750">
+              <a:buFont typeface="Wingdings" panose="05000000000000000000" pitchFamily="2" charset="2"/>
+              <a:buChar char="Ø"/>
+            </a:pPr>
+            <a:r>
+              <a:rPr lang="zh-CN" altLang="en-US" sz="1600" b="1" dirty="0" smtClean="0"/>
+              <a:t>读写</a:t>
+            </a:r>
+            <a:r>
+              <a:rPr lang="zh-CN" altLang="en-US" sz="1600" b="1" dirty="0"/>
+              <a:t>分离</a:t>
+            </a:r>
+            <a:r>
+              <a:rPr lang="zh-CN" altLang="en-US" sz="1600" b="1" dirty="0" smtClean="0"/>
+              <a:t>：</a:t>
+            </a:r>
+            <a:r>
+              <a:rPr lang="zh-CN" altLang="en-US" sz="1600" dirty="0" smtClean="0"/>
+              <a:t>需要用户实现</a:t>
+            </a:r>
+            <a:endParaRPr lang="en-US" altLang="zh-CN" sz="1600" dirty="0" smtClean="0"/>
+          </a:p>
+          <a:p>
+            <a:pPr marL="285750" indent="-285750">
+              <a:buFont typeface="Wingdings" panose="05000000000000000000" pitchFamily="2" charset="2"/>
+              <a:buChar char="Ø"/>
+            </a:pPr>
+            <a:r>
+              <a:rPr lang="zh-CN" altLang="en-US" sz="1600" b="1" dirty="0"/>
+              <a:t>携程定制功能：</a:t>
+            </a:r>
+            <a:endParaRPr lang="en-US" altLang="zh-CN" sz="1600" b="1" dirty="0"/>
+          </a:p>
+          <a:p>
+            <a:pPr marL="342900" indent="-342900">
+              <a:buFont typeface="+mj-ea"/>
+              <a:buAutoNum type="circleNumDbPlain"/>
+            </a:pPr>
+            <a:r>
+              <a:rPr lang="zh-CN" altLang="en-US" sz="1400" dirty="0" smtClean="0"/>
+              <a:t>需要用户实现</a:t>
+            </a:r>
+            <a:r>
+              <a:rPr lang="en-US" altLang="zh-CN" sz="1400" dirty="0" err="1" smtClean="0"/>
+              <a:t>sp</a:t>
+            </a:r>
+            <a:r>
+              <a:rPr lang="zh-CN" altLang="en-US" sz="1400" dirty="0" smtClean="0"/>
+              <a:t>调用</a:t>
+            </a:r>
+            <a:endParaRPr lang="en-US" altLang="zh-CN" sz="1400" dirty="0" smtClean="0"/>
+          </a:p>
+          <a:p>
+            <a:pPr marL="342900" indent="-342900">
+              <a:buFont typeface="+mj-ea"/>
+              <a:buAutoNum type="circleNumDbPlain"/>
+            </a:pPr>
+            <a:r>
+              <a:rPr lang="en-US" altLang="zh-CN" sz="1400" dirty="0" err="1" smtClean="0"/>
+              <a:t>mybatis</a:t>
+            </a:r>
+            <a:r>
+              <a:rPr lang="zh-CN" altLang="en-US" sz="1400" dirty="0" smtClean="0"/>
+              <a:t>本身不支持</a:t>
+            </a:r>
+            <a:r>
+              <a:rPr lang="en-US" altLang="zh-CN" sz="1400" dirty="0" smtClean="0"/>
+              <a:t>cat/clog</a:t>
+            </a:r>
+            <a:r>
+              <a:rPr lang="zh-CN" altLang="en-US" sz="1400" dirty="0" smtClean="0"/>
+              <a:t>监控，</a:t>
+            </a:r>
+            <a:r>
+              <a:rPr lang="en-US" altLang="zh-CN" sz="1400" dirty="0" smtClean="0"/>
+              <a:t>dal</a:t>
+            </a:r>
+            <a:r>
+              <a:rPr lang="zh-CN" altLang="en-US" sz="1400" dirty="0" smtClean="0"/>
+              <a:t>数据源增加了</a:t>
+            </a:r>
+            <a:r>
+              <a:rPr lang="en-US" altLang="zh-CN" sz="1400" dirty="0" smtClean="0"/>
+              <a:t>Spring</a:t>
+            </a:r>
+            <a:r>
+              <a:rPr lang="zh-CN" altLang="en-US" sz="1400" dirty="0"/>
+              <a:t>环境下</a:t>
+            </a:r>
+            <a:r>
+              <a:rPr lang="en-US" altLang="zh-CN" sz="1400" dirty="0" err="1"/>
+              <a:t>Mybatis</a:t>
+            </a:r>
+            <a:r>
+              <a:rPr lang="zh-CN" altLang="en-US" sz="1400" dirty="0"/>
+              <a:t>集成</a:t>
+            </a:r>
+            <a:r>
+              <a:rPr lang="en-US" altLang="zh-CN" sz="1400" dirty="0"/>
+              <a:t>CAT</a:t>
+            </a:r>
+            <a:r>
+              <a:rPr lang="zh-CN" altLang="en-US" sz="1400" dirty="0"/>
+              <a:t>监控的</a:t>
+            </a:r>
+            <a:r>
+              <a:rPr lang="zh-CN" altLang="en-US" sz="1400" dirty="0" smtClean="0"/>
+              <a:t>功能</a:t>
+            </a:r>
+            <a:endParaRPr lang="en-US" altLang="zh-CN" sz="1400" dirty="0" smtClean="0"/>
+          </a:p>
+          <a:p>
+            <a:pPr marL="285750" indent="-285750">
+              <a:buFont typeface="Wingdings" panose="05000000000000000000" pitchFamily="2" charset="2"/>
+              <a:buChar char="Ø"/>
+            </a:pPr>
+            <a:r>
+              <a:rPr lang="zh-CN" altLang="en-US" sz="1600" b="1" dirty="0"/>
+              <a:t>使用</a:t>
+            </a:r>
+            <a:r>
+              <a:rPr lang="zh-CN" altLang="en-US" sz="1600" b="1" dirty="0" smtClean="0"/>
+              <a:t>方法：</a:t>
+            </a:r>
+            <a:r>
+              <a:rPr lang="en-US" altLang="zh-CN" sz="1600" dirty="0" err="1" smtClean="0">
+                <a:hlinkClick r:id="rId3" action="ppaction://hlinksldjump"/>
+              </a:rPr>
+              <a:t>Mybatis</a:t>
+            </a:r>
+            <a:r>
+              <a:rPr lang="zh-CN" altLang="en-US" sz="1600" dirty="0" smtClean="0">
+                <a:hlinkClick r:id="rId3" action="ppaction://hlinksldjump"/>
+              </a:rPr>
+              <a:t>支持</a:t>
+            </a:r>
+            <a:endParaRPr lang="zh-CN" altLang="en-US" sz="1600" dirty="0"/>
+          </a:p>
+        </p:txBody>
+      </p:sp>
+      <p:sp>
+        <p:nvSpPr>
+          <p:cNvPr id="7" name="文本框 6"/>
+          <p:cNvSpPr txBox="1"/>
+          <p:nvPr/>
+        </p:nvSpPr>
+        <p:spPr>
+          <a:xfrm>
+            <a:off x="5750859" y="3128688"/>
+            <a:ext cx="1209339" cy="1015663"/>
+          </a:xfrm>
+          <a:prstGeom prst="rect">
+            <a:avLst/>
+          </a:prstGeom>
+          <a:noFill/>
+        </p:spPr>
+        <p:txBody>
+          <a:bodyPr wrap="square" rtlCol="0">
+            <a:spAutoFit/>
+          </a:bodyPr>
+          <a:lstStyle/>
+          <a:p>
+            <a:r>
+              <a:rPr lang="en-US" altLang="zh-CN" sz="6000" b="1" dirty="0" smtClean="0"/>
+              <a:t>VS</a:t>
+            </a:r>
+            <a:endParaRPr lang="zh-CN" altLang="en-US" sz="6000" b="1" dirty="0"/>
+          </a:p>
+        </p:txBody>
+      </p:sp>
+      <p:sp>
+        <p:nvSpPr>
+          <p:cNvPr id="8" name="动作按钮: 第一张 7">
+            <a:hlinkClick r:id="rId4" action="ppaction://hlinksldjump" highlightClick="1"/>
+          </p:cNvPr>
+          <p:cNvSpPr/>
+          <p:nvPr/>
+        </p:nvSpPr>
+        <p:spPr>
+          <a:xfrm>
+            <a:off x="10885842" y="5873179"/>
+            <a:ext cx="935915" cy="688489"/>
+          </a:xfrm>
+          <a:prstGeom prst="actionButtonHome">
+            <a:avLst/>
+          </a:prstGeom>
+          <a:solidFill>
+            <a:schemeClr val="accent3">
+              <a:lumMod val="60000"/>
+              <a:lumOff val="40000"/>
+            </a:schemeClr>
+          </a:solidFill>
+          <a:ln>
+            <a:noFill/>
+          </a:ln>
+          <a:effectLst>
+            <a:outerShdw blurRad="190500" dist="228600" dir="2700000" algn="ctr">
+              <a:srgbClr val="000000">
+                <a:alpha val="30000"/>
+              </a:srgbClr>
+            </a:outerShdw>
+          </a:effectLst>
+          <a:scene3d>
+            <a:camera prst="orthographicFront">
+              <a:rot lat="0" lon="0" rev="0"/>
+            </a:camera>
+            <a:lightRig rig="glow" dir="t">
+              <a:rot lat="0" lon="0" rev="4800000"/>
+            </a:lightRig>
+          </a:scene3d>
+          <a:sp3d prstMaterial="matte">
+            <a:bevelT w="127000" h="63500"/>
+          </a:sp3d>
+        </p:spPr>
+        <p:style>
+          <a:lnRef idx="2">
+            <a:schemeClr val="dk1">
+              <a:shade val="50000"/>
+            </a:schemeClr>
+          </a:lnRef>
+          <a:fillRef idx="1">
+            <a:schemeClr val="dk1"/>
+          </a:fillRef>
+          <a:effectRef idx="0">
+            <a:schemeClr val="dk1"/>
+          </a:effectRef>
+          <a:fontRef idx="minor">
+            <a:schemeClr val="lt1"/>
+          </a:fontRef>
+        </p:style>
+        <p:txBody>
+          <a:bodyPr rtlCol="0" anchor="ctr"/>
+          <a:lstStyle/>
+          <a:p>
+            <a:pPr algn="ctr"/>
+            <a:endParaRPr lang="zh-CN" altLang="en-US" dirty="0"/>
+          </a:p>
+        </p:txBody>
+      </p:sp>
+    </p:spTree>
+    <p:extLst>
+      <p:ext uri="{BB962C8B-B14F-4D97-AF65-F5344CB8AC3E}">
+        <p14:creationId xmlns:p14="http://schemas.microsoft.com/office/powerpoint/2010/main" val="3511515202"/>
+      </p:ext>
+    </p:extLst>
+  </p:cSld>
+  <p:clrMapOvr>
+    <a:masterClrMapping/>
+  </p:clrMapOvr>
+  <p:timing>
+    <p:tnLst>
+      <p:par>
+        <p:cTn id="1" dur="indefinite" restart="never" nodeType="tmRoot"/>
+      </p:par>
+    </p:tnLst>
+  </p:timing>
+</p:sld>
+</file>
+
+<file path=ppt/slides/slide50.xml><?xml version="1.0" encoding="utf-8"?>
+<p:sld xmlns:a="http://schemas.openxmlformats.org/drawingml/2006/main" xmlns:r="http://schemas.openxmlformats.org/officeDocument/2006/relationships" xmlns:p="http://schemas.openxmlformats.org/presentationml/2006/main">
+  <p:cSld>
+    <p:spTree>
+      <p:nvGrpSpPr>
+        <p:cNvPr id="1" name=""/>
+        <p:cNvGrpSpPr/>
+        <p:nvPr/>
+      </p:nvGrpSpPr>
+      <p:grpSpPr>
+        <a:xfrm>
+          <a:off x="0" y="0"/>
+          <a:ext cx="0" cy="0"/>
+          <a:chOff x="0" y="0"/>
+          <a:chExt cx="0" cy="0"/>
+        </a:xfrm>
+      </p:grpSpPr>
+      <p:sp>
+        <p:nvSpPr>
+          <p:cNvPr id="2" name="标题 1"/>
+          <p:cNvSpPr>
+            <a:spLocks noGrp="1"/>
+          </p:cNvSpPr>
+          <p:nvPr>
+            <p:ph type="title"/>
+          </p:nvPr>
+        </p:nvSpPr>
+        <p:spPr/>
+        <p:txBody>
+          <a:bodyPr/>
+          <a:lstStyle/>
+          <a:p>
+            <a:r>
+              <a:rPr lang="en-US" altLang="zh-CN" dirty="0"/>
+              <a:t>Dal</a:t>
+            </a:r>
+            <a:r>
+              <a:rPr lang="zh-CN" altLang="en-US" dirty="0"/>
+              <a:t>框架</a:t>
+            </a:r>
+            <a:r>
+              <a:rPr lang="en-US" altLang="zh-CN" dirty="0"/>
+              <a:t>-</a:t>
+            </a:r>
+            <a:r>
+              <a:rPr lang="zh-CN" altLang="en-US" dirty="0" smtClean="0"/>
+              <a:t>日志</a:t>
+            </a:r>
+            <a:r>
+              <a:rPr lang="en-US" altLang="zh-CN" dirty="0" smtClean="0"/>
+              <a:t>-connection</a:t>
+            </a:r>
+            <a:endParaRPr lang="zh-CN" altLang="en-US" dirty="0"/>
+          </a:p>
+        </p:txBody>
+      </p:sp>
+      <p:sp>
+        <p:nvSpPr>
+          <p:cNvPr id="3" name="内容占位符 2"/>
+          <p:cNvSpPr>
+            <a:spLocks noGrp="1"/>
+          </p:cNvSpPr>
+          <p:nvPr>
+            <p:ph idx="1"/>
+          </p:nvPr>
+        </p:nvSpPr>
+        <p:spPr/>
+        <p:txBody>
+          <a:bodyPr/>
+          <a:lstStyle/>
+          <a:p>
+            <a:r>
+              <a:rPr lang="en-US" altLang="zh-CN" sz="2400" dirty="0" err="1"/>
+              <a:t>d</a:t>
+            </a:r>
+            <a:r>
+              <a:rPr lang="en-US" altLang="zh-CN" sz="2400" dirty="0" err="1" smtClean="0"/>
+              <a:t>atasource</a:t>
+            </a:r>
+            <a:r>
+              <a:rPr lang="zh-CN" altLang="en-US" sz="2400" dirty="0" smtClean="0"/>
+              <a:t>中</a:t>
+            </a:r>
+            <a:r>
+              <a:rPr lang="en-US" altLang="zh-CN" sz="2400" dirty="0" smtClean="0"/>
+              <a:t>connection</a:t>
+            </a:r>
+            <a:r>
+              <a:rPr lang="zh-CN" altLang="en-US" sz="2400" dirty="0" smtClean="0"/>
+              <a:t>相关日志，包括</a:t>
+            </a:r>
+            <a:r>
+              <a:rPr lang="en-US" altLang="zh-CN" sz="2400" dirty="0" smtClean="0"/>
+              <a:t>create, release</a:t>
+            </a:r>
+            <a:r>
+              <a:rPr lang="zh-CN" altLang="en-US" sz="2400" dirty="0" smtClean="0"/>
+              <a:t>以及</a:t>
+            </a:r>
+            <a:r>
+              <a:rPr lang="en-US" altLang="zh-CN" sz="2400" dirty="0" smtClean="0"/>
+              <a:t>abandon</a:t>
+            </a:r>
+          </a:p>
+          <a:p>
+            <a:endParaRPr lang="zh-CN" altLang="en-US" dirty="0"/>
+          </a:p>
+        </p:txBody>
+      </p:sp>
+      <p:pic>
+        <p:nvPicPr>
+          <p:cNvPr id="4" name="图片 3"/>
+          <p:cNvPicPr>
+            <a:picLocks noChangeAspect="1"/>
+          </p:cNvPicPr>
+          <p:nvPr/>
+        </p:nvPicPr>
+        <p:blipFill>
+          <a:blip r:embed="rId2"/>
+          <a:stretch>
+            <a:fillRect/>
+          </a:stretch>
+        </p:blipFill>
+        <p:spPr>
+          <a:xfrm>
+            <a:off x="931190" y="2472531"/>
+            <a:ext cx="8181975" cy="3057525"/>
+          </a:xfrm>
+          <a:prstGeom prst="rect">
+            <a:avLst/>
+          </a:prstGeom>
+        </p:spPr>
+      </p:pic>
+    </p:spTree>
+    <p:extLst>
+      <p:ext uri="{BB962C8B-B14F-4D97-AF65-F5344CB8AC3E}">
+        <p14:creationId xmlns:p14="http://schemas.microsoft.com/office/powerpoint/2010/main" val="2827977171"/>
+      </p:ext>
+    </p:extLst>
+  </p:cSld>
+  <p:clrMapOvr>
+    <a:masterClrMapping/>
+  </p:clrMapOvr>
+</p:sld>
+</file>
+
+<file path=ppt/slides/slide51.xml><?xml version="1.0" encoding="utf-8"?>
+<p:sld xmlns:a="http://schemas.openxmlformats.org/drawingml/2006/main" xmlns:r="http://schemas.openxmlformats.org/officeDocument/2006/relationships" xmlns:p="http://schemas.openxmlformats.org/presentationml/2006/main">
+  <p:cSld>
+    <p:spTree>
+      <p:nvGrpSpPr>
+        <p:cNvPr id="1" name=""/>
+        <p:cNvGrpSpPr/>
+        <p:nvPr/>
+      </p:nvGrpSpPr>
+      <p:grpSpPr>
+        <a:xfrm>
+          <a:off x="0" y="0"/>
+          <a:ext cx="0" cy="0"/>
+          <a:chOff x="0" y="0"/>
+          <a:chExt cx="0" cy="0"/>
+        </a:xfrm>
+      </p:grpSpPr>
+      <p:sp>
+        <p:nvSpPr>
+          <p:cNvPr id="2" name="标题 1"/>
+          <p:cNvSpPr>
+            <a:spLocks noGrp="1"/>
+          </p:cNvSpPr>
+          <p:nvPr>
+            <p:ph type="title"/>
+          </p:nvPr>
+        </p:nvSpPr>
+        <p:spPr/>
+        <p:txBody>
+          <a:bodyPr/>
+          <a:lstStyle/>
+          <a:p>
+            <a:r>
+              <a:rPr lang="en-US" altLang="zh-CN" dirty="0"/>
+              <a:t>Dal</a:t>
+            </a:r>
+            <a:r>
+              <a:rPr lang="zh-CN" altLang="en-US" dirty="0"/>
+              <a:t>框架</a:t>
+            </a:r>
+            <a:r>
+              <a:rPr lang="en-US" altLang="zh-CN" dirty="0"/>
+              <a:t>-</a:t>
+            </a:r>
+            <a:r>
+              <a:rPr lang="zh-CN" altLang="en-US" dirty="0"/>
+              <a:t>日志</a:t>
+            </a:r>
+            <a:r>
+              <a:rPr lang="en-US" altLang="zh-CN" dirty="0" smtClean="0"/>
+              <a:t>-</a:t>
+            </a:r>
+            <a:r>
+              <a:rPr lang="en-US" altLang="zh-CN" dirty="0" err="1" smtClean="0"/>
+              <a:t>sql</a:t>
+            </a:r>
+            <a:r>
+              <a:rPr lang="zh-CN" altLang="en-US" dirty="0" smtClean="0"/>
+              <a:t>相关</a:t>
+            </a:r>
+            <a:endParaRPr lang="zh-CN" altLang="en-US" dirty="0"/>
+          </a:p>
+        </p:txBody>
+      </p:sp>
+      <p:sp>
+        <p:nvSpPr>
+          <p:cNvPr id="3" name="内容占位符 2"/>
+          <p:cNvSpPr>
+            <a:spLocks noGrp="1"/>
+          </p:cNvSpPr>
+          <p:nvPr>
+            <p:ph idx="1"/>
+          </p:nvPr>
+        </p:nvSpPr>
+        <p:spPr/>
+        <p:txBody>
+          <a:bodyPr/>
+          <a:lstStyle/>
+          <a:p>
+            <a:r>
+              <a:rPr lang="zh-CN" altLang="en-US" dirty="0" smtClean="0"/>
+              <a:t>应用执行</a:t>
+            </a:r>
+            <a:r>
+              <a:rPr lang="en-US" altLang="zh-CN" dirty="0" smtClean="0"/>
+              <a:t>SQL</a:t>
+            </a:r>
+            <a:r>
+              <a:rPr lang="zh-CN" altLang="en-US" dirty="0" smtClean="0"/>
+              <a:t>相关日志</a:t>
+            </a:r>
+            <a:endParaRPr lang="en-US" altLang="zh-CN" dirty="0" smtClean="0"/>
+          </a:p>
+          <a:p>
+            <a:pPr marL="0" indent="0">
+              <a:buNone/>
+            </a:pPr>
+            <a:endParaRPr lang="zh-CN" altLang="en-US" dirty="0"/>
+          </a:p>
+        </p:txBody>
+      </p:sp>
+      <p:pic>
+        <p:nvPicPr>
+          <p:cNvPr id="5" name="图片 4"/>
+          <p:cNvPicPr>
+            <a:picLocks noChangeAspect="1"/>
+          </p:cNvPicPr>
+          <p:nvPr/>
+        </p:nvPicPr>
+        <p:blipFill>
+          <a:blip r:embed="rId2"/>
+          <a:stretch>
+            <a:fillRect/>
+          </a:stretch>
+        </p:blipFill>
+        <p:spPr>
+          <a:xfrm>
+            <a:off x="838200" y="2466814"/>
+            <a:ext cx="7315200" cy="3505200"/>
+          </a:xfrm>
+          <a:prstGeom prst="rect">
+            <a:avLst/>
+          </a:prstGeom>
+        </p:spPr>
+      </p:pic>
+    </p:spTree>
+    <p:extLst>
+      <p:ext uri="{BB962C8B-B14F-4D97-AF65-F5344CB8AC3E}">
+        <p14:creationId xmlns:p14="http://schemas.microsoft.com/office/powerpoint/2010/main" val="3639440461"/>
+      </p:ext>
+    </p:extLst>
+  </p:cSld>
+  <p:clrMapOvr>
+    <a:masterClrMapping/>
+  </p:clrMapOvr>
+  <p:timing>
+    <p:tnLst>
+      <p:par>
+        <p:cTn id="1" dur="indefinite" restart="never" nodeType="tmRoot"/>
+      </p:par>
+    </p:tnLst>
+  </p:timing>
+</p:sld>
+</file>
+
+<file path=ppt/slides/slide52.xml><?xml version="1.0" encoding="utf-8"?>
+<p:sld xmlns:a="http://schemas.openxmlformats.org/drawingml/2006/main" xmlns:r="http://schemas.openxmlformats.org/officeDocument/2006/relationships" xmlns:p="http://schemas.openxmlformats.org/presentationml/2006/main">
+  <p:cSld>
+    <p:spTree>
+      <p:nvGrpSpPr>
+        <p:cNvPr id="1" name=""/>
+        <p:cNvGrpSpPr/>
+        <p:nvPr/>
+      </p:nvGrpSpPr>
+      <p:grpSpPr>
+        <a:xfrm>
+          <a:off x="0" y="0"/>
+          <a:ext cx="0" cy="0"/>
+          <a:chOff x="0" y="0"/>
+          <a:chExt cx="0" cy="0"/>
+        </a:xfrm>
+      </p:grpSpPr>
+      <p:sp>
+        <p:nvSpPr>
+          <p:cNvPr id="2" name="标题 1"/>
+          <p:cNvSpPr>
+            <a:spLocks noGrp="1"/>
+          </p:cNvSpPr>
+          <p:nvPr>
+            <p:ph type="title"/>
+          </p:nvPr>
+        </p:nvSpPr>
+        <p:spPr/>
+        <p:txBody>
+          <a:bodyPr/>
+          <a:lstStyle/>
+          <a:p>
+            <a:r>
+              <a:rPr lang="en-US" altLang="zh-CN" dirty="0"/>
+              <a:t>Dal</a:t>
+            </a:r>
+            <a:r>
+              <a:rPr lang="zh-CN" altLang="en-US" dirty="0"/>
+              <a:t>框架</a:t>
+            </a:r>
+            <a:r>
+              <a:rPr lang="en-US" altLang="zh-CN" dirty="0"/>
+              <a:t>-</a:t>
+            </a:r>
+            <a:r>
+              <a:rPr lang="zh-CN" altLang="en-US" dirty="0"/>
+              <a:t>日志</a:t>
+            </a:r>
+            <a:r>
+              <a:rPr lang="en-US" altLang="zh-CN" dirty="0"/>
+              <a:t>-</a:t>
+            </a:r>
+            <a:r>
+              <a:rPr lang="en-US" altLang="zh-CN" dirty="0" err="1" smtClean="0"/>
+              <a:t>sql</a:t>
+            </a:r>
+            <a:r>
+              <a:rPr lang="zh-CN" altLang="en-US" dirty="0" smtClean="0"/>
+              <a:t>执行内容</a:t>
+            </a:r>
+            <a:endParaRPr lang="zh-CN" altLang="en-US" dirty="0"/>
+          </a:p>
+        </p:txBody>
+      </p:sp>
+      <p:pic>
+        <p:nvPicPr>
+          <p:cNvPr id="6" name="内容占位符 5"/>
+          <p:cNvPicPr>
+            <a:picLocks noGrp="1" noChangeAspect="1"/>
+          </p:cNvPicPr>
+          <p:nvPr>
+            <p:ph idx="1"/>
+          </p:nvPr>
+        </p:nvPicPr>
+        <p:blipFill>
+          <a:blip r:embed="rId2"/>
+          <a:stretch>
+            <a:fillRect/>
+          </a:stretch>
+        </p:blipFill>
+        <p:spPr>
+          <a:xfrm>
+            <a:off x="838200" y="1589983"/>
+            <a:ext cx="10515600" cy="3055815"/>
+          </a:xfrm>
+          <a:prstGeom prst="rect">
+            <a:avLst/>
+          </a:prstGeom>
+        </p:spPr>
+      </p:pic>
+      <p:sp>
+        <p:nvSpPr>
+          <p:cNvPr id="7" name="文本框 6">
+            <a:hlinkClick r:id="rId3"/>
+          </p:cNvPr>
+          <p:cNvSpPr txBox="1"/>
+          <p:nvPr/>
+        </p:nvSpPr>
+        <p:spPr>
+          <a:xfrm>
+            <a:off x="838200" y="5060197"/>
+            <a:ext cx="9375183" cy="369332"/>
+          </a:xfrm>
+          <a:prstGeom prst="rect">
+            <a:avLst/>
+          </a:prstGeom>
+          <a:noFill/>
+        </p:spPr>
+        <p:txBody>
+          <a:bodyPr wrap="square" rtlCol="0">
+            <a:spAutoFit/>
+          </a:bodyPr>
+          <a:lstStyle/>
+          <a:p>
+            <a:r>
+              <a:rPr lang="en-US" altLang="zh-CN" dirty="0" err="1" smtClean="0"/>
+              <a:t>Sql</a:t>
+            </a:r>
+            <a:r>
+              <a:rPr lang="zh-CN" altLang="en-US" dirty="0" smtClean="0"/>
+              <a:t>参数解密工具链接：</a:t>
+            </a:r>
+            <a:r>
+              <a:rPr lang="en-US" altLang="zh-CN" dirty="0" smtClean="0">
+                <a:hlinkClick r:id="rId3"/>
+              </a:rPr>
+              <a:t>Java DAL </a:t>
+            </a:r>
+            <a:r>
+              <a:rPr lang="zh-CN" altLang="en-US" dirty="0" smtClean="0">
+                <a:hlinkClick r:id="rId3"/>
+              </a:rPr>
+              <a:t>参数解密</a:t>
+            </a:r>
+            <a:endParaRPr lang="zh-CN" altLang="en-US" dirty="0"/>
+          </a:p>
+        </p:txBody>
+      </p:sp>
+    </p:spTree>
+    <p:extLst>
+      <p:ext uri="{BB962C8B-B14F-4D97-AF65-F5344CB8AC3E}">
+        <p14:creationId xmlns:p14="http://schemas.microsoft.com/office/powerpoint/2010/main" val="1773906041"/>
+      </p:ext>
+    </p:extLst>
+  </p:cSld>
+  <p:clrMapOvr>
+    <a:masterClrMapping/>
+  </p:clrMapOvr>
+  <p:timing>
+    <p:tnLst>
+      <p:par>
+        <p:cTn id="1" dur="indefinite" restart="never" nodeType="tmRoot"/>
+      </p:par>
+    </p:tnLst>
+  </p:timing>
+</p:sld>
+</file>
+
+<file path=ppt/slides/slide53.xml><?xml version="1.0" encoding="utf-8"?>
+<p:sld xmlns:a="http://schemas.openxmlformats.org/drawingml/2006/main" xmlns:r="http://schemas.openxmlformats.org/officeDocument/2006/relationships" xmlns:p="http://schemas.openxmlformats.org/presentationml/2006/main">
+  <p:cSld>
+    <p:spTree>
+      <p:nvGrpSpPr>
+        <p:cNvPr id="1" name=""/>
+        <p:cNvGrpSpPr/>
+        <p:nvPr/>
+      </p:nvGrpSpPr>
+      <p:grpSpPr>
+        <a:xfrm>
+          <a:off x="0" y="0"/>
+          <a:ext cx="0" cy="0"/>
+          <a:chOff x="0" y="0"/>
+          <a:chExt cx="0" cy="0"/>
+        </a:xfrm>
+      </p:grpSpPr>
+      <p:sp>
+        <p:nvSpPr>
+          <p:cNvPr id="2" name="标题 1"/>
+          <p:cNvSpPr>
+            <a:spLocks noGrp="1"/>
+          </p:cNvSpPr>
+          <p:nvPr>
+            <p:ph type="title"/>
+          </p:nvPr>
+        </p:nvSpPr>
+        <p:spPr/>
+        <p:txBody>
+          <a:bodyPr/>
+          <a:lstStyle/>
+          <a:p>
+            <a:r>
               <a:rPr lang="zh-CN" altLang="en-US" dirty="0" smtClean="0"/>
               <a:t>常见问题</a:t>
             </a:r>
@@ -25199,6 +27711,20 @@
               <a:buNone/>
             </a:pPr>
             <a:r>
+              <a:rPr lang="en-US" altLang="zh-CN" sz="1600" b="1" dirty="0"/>
+              <a:t>Can not find definition for Database Set noShardTestOnMysql1. Please check spelling or define it in </a:t>
+            </a:r>
+            <a:r>
+              <a:rPr lang="en-US" altLang="zh-CN" sz="1600" b="1" dirty="0" err="1"/>
+              <a:t>Dal.config</a:t>
+            </a:r>
+            <a:endParaRPr lang="en-US" altLang="zh-CN" sz="1600" b="1" dirty="0" smtClean="0"/>
+          </a:p>
+          <a:p>
+            <a:pPr marL="0" indent="0">
+              <a:buNone/>
+            </a:pPr>
+            <a:r>
               <a:rPr lang="zh-CN" altLang="en-US" sz="1600" dirty="0"/>
               <a:t>请</a:t>
             </a:r>
@@ -25253,6 +27779,48 @@
             <a:r>
               <a:rPr lang="en-US" altLang="zh-CN" sz="1600" b="1" dirty="0" err="1" smtClean="0"/>
               <a:t>dal.config</a:t>
+            </a:r>
+            <a:endParaRPr lang="en-US" altLang="zh-CN" sz="1600" b="1" dirty="0" smtClean="0"/>
+          </a:p>
+          <a:p>
+            <a:pPr marL="0" indent="0">
+              <a:buNone/>
+            </a:pPr>
+            <a:r>
+              <a:rPr lang="en-US" altLang="zh-CN" sz="1600" b="1" dirty="0"/>
+              <a:t>Caused by: </a:t>
+            </a:r>
+            <a:r>
+              <a:rPr lang="en-US" altLang="zh-CN" sz="1600" b="1" dirty="0" err="1"/>
+              <a:t>java.io.FileNotFoundException</a:t>
+            </a:r>
+            <a:r>
+              <a:rPr lang="en-US" altLang="zh-CN" sz="1600" b="1" dirty="0"/>
+              <a:t>: </a:t>
+            </a:r>
+            <a:r>
+              <a:rPr lang="zh-CN" altLang="en-US" sz="1600" b="1" dirty="0"/>
+              <a:t>未找到所需的配置文件</a:t>
+            </a:r>
+            <a:r>
+              <a:rPr lang="en-US" altLang="zh-CN" sz="1600" b="1" dirty="0"/>
+              <a:t>, file: </a:t>
+            </a:r>
+            <a:r>
+              <a:rPr lang="en-US" altLang="zh-CN" sz="1600" b="1" dirty="0" err="1"/>
+              <a:t>dal.config</a:t>
+            </a:r>
+            <a:r>
+              <a:rPr lang="en-US" altLang="zh-CN" sz="1600" b="1" dirty="0"/>
+              <a:t>, version: </a:t>
+            </a:r>
+            <a:r>
+              <a:rPr lang="en-US" altLang="zh-CN" sz="1600" b="1" dirty="0" err="1"/>
+              <a:t>VersionProfile</a:t>
+            </a:r>
+            <a:r>
+              <a:rPr lang="en-US" altLang="zh-CN" sz="1600" b="1" dirty="0"/>
+              <a:t>{version=0, profile='fat:'}</a:t>
             </a:r>
             <a:endParaRPr lang="en-US" altLang="zh-CN" sz="1600" b="1" dirty="0" smtClean="0"/>
           </a:p>
@@ -25493,7 +28061,7 @@
 </p:sld>
 </file>
 
-<file path=ppt/slides/slide46.xml><?xml version="1.0" encoding="utf-8"?>
+<file path=ppt/slides/slide54.xml><?xml version="1.0" encoding="utf-8"?>
 <p:sld xmlns:a="http://schemas.openxmlformats.org/drawingml/2006/main" xmlns:r="http://schemas.openxmlformats.org/officeDocument/2006/relationships" xmlns:p="http://schemas.openxmlformats.org/presentationml/2006/main">
   <p:cSld>
     <p:spTree>
@@ -25559,6 +28127,40 @@
             <a:r>
               <a:rPr lang="zh-CN" altLang="en-US" sz="4300" b="1" dirty="0" smtClean="0"/>
               <a:t>、获取连接串失败</a:t>
+            </a:r>
+            <a:endParaRPr lang="en-US" altLang="zh-CN" sz="4300" b="1" dirty="0" smtClean="0"/>
+          </a:p>
+          <a:p>
+            <a:pPr marL="0" indent="0">
+              <a:buNone/>
+            </a:pPr>
+            <a:r>
+              <a:rPr lang="en-US" altLang="zh-CN" sz="4300" b="1" dirty="0"/>
+              <a:t>Caused by: </a:t>
+            </a:r>
+            <a:r>
+              <a:rPr lang="en-US" altLang="zh-CN" sz="4300" b="1" dirty="0" err="1"/>
+              <a:t>java.io.FileNotFoundException</a:t>
+            </a:r>
+            <a:r>
+              <a:rPr lang="en-US" altLang="zh-CN" sz="4300" b="1" dirty="0"/>
+              <a:t>: </a:t>
+            </a:r>
+            <a:r>
+              <a:rPr lang="zh-CN" altLang="en-US" sz="4300" b="1" dirty="0"/>
+              <a:t>未找到所需的配置文件</a:t>
+            </a:r>
+            <a:r>
+              <a:rPr lang="en-US" altLang="zh-CN" sz="4300" b="1" dirty="0"/>
+              <a:t>, file: dalservicedb232, version: </a:t>
+            </a:r>
+            <a:r>
+              <a:rPr lang="en-US" altLang="zh-CN" sz="4300" b="1" dirty="0" err="1"/>
+              <a:t>VersionProfile</a:t>
+            </a:r>
+            <a:r>
+              <a:rPr lang="en-US" altLang="zh-CN" sz="4300" b="1" dirty="0"/>
+              <a:t>{version=0, profile='fat:'}</a:t>
             </a:r>
             <a:endParaRPr lang="en-US" altLang="zh-CN" sz="4300" b="1" dirty="0" smtClean="0"/>
           </a:p>
@@ -25847,7 +28449,7 @@
 </p:sld>
 </file>
 
-<file path=ppt/slides/slide47.xml><?xml version="1.0" encoding="utf-8"?>
+<file path=ppt/slides/slide55.xml><?xml version="1.0" encoding="utf-8"?>
 <p:sld xmlns:a="http://schemas.openxmlformats.org/drawingml/2006/main" xmlns:r="http://schemas.openxmlformats.org/officeDocument/2006/relationships" xmlns:p="http://schemas.openxmlformats.org/presentationml/2006/main">
   <p:cSld>
     <p:spTree>
@@ -26191,728 +28793,6 @@
     <p:extLst>
       <p:ext uri="{BB962C8B-B14F-4D97-AF65-F5344CB8AC3E}">
         <p14:creationId xmlns:p14="http://schemas.microsoft.com/office/powerpoint/2010/main" val="12269744"/>
-      </p:ext>
-    </p:extLst>
-  </p:cSld>
-  <p:clrMapOvr>
-    <a:masterClrMapping/>
-  </p:clrMapOvr>
-  <p:timing>
-    <p:tnLst>
-      <p:par>
-        <p:cTn id="1" dur="indefinite" restart="never" nodeType="tmRoot"/>
-      </p:par>
-    </p:tnLst>
-  </p:timing>
-</p:sld>
-</file>
-
-<file path=ppt/slides/slide5.xml><?xml version="1.0" encoding="utf-8"?>
-<p:sld xmlns:a="http://schemas.openxmlformats.org/drawingml/2006/main" xmlns:r="http://schemas.openxmlformats.org/officeDocument/2006/relationships" xmlns:p="http://schemas.openxmlformats.org/presentationml/2006/main">
-  <p:cSld>
-    <p:spTree>
-      <p:nvGrpSpPr>
-        <p:cNvPr id="1" name=""/>
-        <p:cNvGrpSpPr/>
-        <p:nvPr/>
-      </p:nvGrpSpPr>
-      <p:grpSpPr>
-        <a:xfrm>
-          <a:off x="0" y="0"/>
-          <a:ext cx="0" cy="0"/>
-          <a:chOff x="0" y="0"/>
-          <a:chExt cx="0" cy="0"/>
-        </a:xfrm>
-      </p:grpSpPr>
-      <p:sp>
-        <p:nvSpPr>
-          <p:cNvPr id="2" name="标题 1"/>
-          <p:cNvSpPr>
-            <a:spLocks noGrp="1"/>
-          </p:cNvSpPr>
-          <p:nvPr>
-            <p:ph type="title"/>
-          </p:nvPr>
-        </p:nvSpPr>
-        <p:spPr/>
-        <p:txBody>
-          <a:bodyPr/>
-          <a:lstStyle/>
-          <a:p>
-            <a:r>
-              <a:rPr lang="en-US" altLang="zh-CN" dirty="0" smtClean="0"/>
-              <a:t>DAL</a:t>
-            </a:r>
-            <a:r>
-              <a:rPr lang="zh-CN" altLang="en-US" dirty="0" smtClean="0"/>
-              <a:t>支持框架类型</a:t>
-            </a:r>
-            <a:endParaRPr lang="zh-CN" altLang="en-US" dirty="0"/>
-          </a:p>
-        </p:txBody>
-      </p:sp>
-      <p:sp>
-        <p:nvSpPr>
-          <p:cNvPr id="5" name="文本框 4"/>
-          <p:cNvSpPr txBox="1"/>
-          <p:nvPr/>
-        </p:nvSpPr>
-        <p:spPr>
-          <a:xfrm>
-            <a:off x="2388198" y="1839558"/>
-            <a:ext cx="3001383" cy="3851237"/>
-          </a:xfrm>
-          <a:prstGeom prst="rect">
-            <a:avLst/>
-          </a:prstGeom>
-          <a:noFill/>
-          <a:ln>
-            <a:solidFill>
-              <a:schemeClr val="tx1"/>
-            </a:solidFill>
-          </a:ln>
-        </p:spPr>
-        <p:txBody>
-          <a:bodyPr wrap="square" rtlCol="0">
-            <a:noAutofit/>
-          </a:bodyPr>
-          <a:lstStyle/>
-          <a:p>
-            <a:r>
-              <a:rPr lang="zh-CN" altLang="en-US" b="1" dirty="0">
-                <a:solidFill>
-                  <a:srgbClr val="FF0000"/>
-                </a:solidFill>
-              </a:rPr>
-              <a:t>携</a:t>
-            </a:r>
-            <a:r>
-              <a:rPr lang="zh-CN" altLang="en-US" b="1" dirty="0" smtClean="0">
-                <a:solidFill>
-                  <a:srgbClr val="FF0000"/>
-                </a:solidFill>
-              </a:rPr>
-              <a:t>程自研</a:t>
-            </a:r>
-            <a:r>
-              <a:rPr lang="en-US" altLang="zh-CN" b="1" dirty="0" smtClean="0">
-                <a:solidFill>
-                  <a:srgbClr val="FF0000"/>
-                </a:solidFill>
-              </a:rPr>
-              <a:t>dal</a:t>
-            </a:r>
-            <a:r>
-              <a:rPr lang="zh-CN" altLang="en-US" b="1" dirty="0" smtClean="0">
-                <a:solidFill>
-                  <a:srgbClr val="FF0000"/>
-                </a:solidFill>
-              </a:rPr>
-              <a:t>框架</a:t>
-            </a:r>
-            <a:endParaRPr lang="en-US" altLang="zh-CN" b="1" dirty="0" smtClean="0">
-              <a:solidFill>
-                <a:srgbClr val="FF0000"/>
-              </a:solidFill>
-            </a:endParaRPr>
-          </a:p>
-          <a:p>
-            <a:pPr marL="285750" indent="-285750">
-              <a:buFont typeface="Wingdings" panose="05000000000000000000" pitchFamily="2" charset="2"/>
-              <a:buChar char="Ø"/>
-            </a:pPr>
-            <a:r>
-              <a:rPr lang="zh-CN" altLang="en-US" sz="1600" b="1" dirty="0" smtClean="0"/>
-              <a:t>简介：</a:t>
-            </a:r>
-            <a:r>
-              <a:rPr lang="zh-CN" altLang="en-US" sz="1600" dirty="0" smtClean="0"/>
-              <a:t>携程</a:t>
-            </a:r>
-            <a:r>
-              <a:rPr lang="en-US" altLang="zh-CN" sz="1600" dirty="0" smtClean="0"/>
-              <a:t>dal</a:t>
-            </a:r>
-            <a:r>
-              <a:rPr lang="zh-CN" altLang="en-US" sz="1600" dirty="0" smtClean="0"/>
-              <a:t>团队自研</a:t>
-            </a:r>
-            <a:r>
-              <a:rPr lang="en-US" altLang="zh-CN" sz="1600" dirty="0" smtClean="0"/>
-              <a:t>ORM</a:t>
-            </a:r>
-            <a:r>
-              <a:rPr lang="zh-CN" altLang="en-US" sz="1600" dirty="0" smtClean="0"/>
-              <a:t>框架，有代码生成器生成实体、</a:t>
-            </a:r>
-            <a:r>
-              <a:rPr lang="en-US" altLang="zh-CN" sz="1600" dirty="0" err="1" smtClean="0"/>
-              <a:t>dao</a:t>
-            </a:r>
-            <a:r>
-              <a:rPr lang="zh-CN" altLang="en-US" sz="1600" dirty="0" smtClean="0"/>
-              <a:t>和配置，功能完备，使用方便。</a:t>
-            </a:r>
-            <a:endParaRPr lang="en-US" altLang="zh-CN" sz="1600" dirty="0"/>
-          </a:p>
-          <a:p>
-            <a:pPr marL="285750" indent="-285750">
-              <a:buFont typeface="Wingdings" panose="05000000000000000000" pitchFamily="2" charset="2"/>
-              <a:buChar char="Ø"/>
-            </a:pPr>
-            <a:r>
-              <a:rPr lang="zh-CN" altLang="en-US" sz="1600" b="1" dirty="0" smtClean="0"/>
-              <a:t>依赖：</a:t>
-            </a:r>
-            <a:r>
-              <a:rPr lang="en-US" altLang="zh-CN" sz="1600" dirty="0" err="1" smtClean="0"/>
-              <a:t>ctrip</a:t>
-            </a:r>
-            <a:r>
-              <a:rPr lang="en-US" altLang="zh-CN" sz="1600" dirty="0" smtClean="0"/>
-              <a:t>-dal-client</a:t>
-            </a:r>
-          </a:p>
-          <a:p>
-            <a:pPr marL="285750" indent="-285750">
-              <a:buFont typeface="Wingdings" panose="05000000000000000000" pitchFamily="2" charset="2"/>
-              <a:buChar char="Ø"/>
-            </a:pPr>
-            <a:r>
-              <a:rPr lang="zh-CN" altLang="en-US" sz="1600" b="1" dirty="0" smtClean="0"/>
-              <a:t>配置：</a:t>
-            </a:r>
-            <a:r>
-              <a:rPr lang="en-US" altLang="zh-CN" sz="1600" dirty="0" err="1" smtClean="0"/>
-              <a:t>dal.config</a:t>
-            </a:r>
-            <a:endParaRPr lang="en-US" altLang="zh-CN" sz="1600" dirty="0" smtClean="0"/>
-          </a:p>
-          <a:p>
-            <a:pPr marL="285750" indent="-285750">
-              <a:buFont typeface="Wingdings" panose="05000000000000000000" pitchFamily="2" charset="2"/>
-              <a:buChar char="Ø"/>
-            </a:pPr>
-            <a:r>
-              <a:rPr lang="zh-CN" altLang="en-US" sz="1600" b="1" dirty="0" smtClean="0"/>
-              <a:t>分库分表：</a:t>
-            </a:r>
-            <a:r>
-              <a:rPr lang="zh-CN" altLang="en-US" sz="1600" dirty="0" smtClean="0"/>
-              <a:t>支持</a:t>
-            </a:r>
-            <a:endParaRPr lang="en-US" altLang="zh-CN" sz="1600" dirty="0" smtClean="0"/>
-          </a:p>
-          <a:p>
-            <a:pPr marL="285750" indent="-285750">
-              <a:buFont typeface="Wingdings" panose="05000000000000000000" pitchFamily="2" charset="2"/>
-              <a:buChar char="Ø"/>
-            </a:pPr>
-            <a:r>
-              <a:rPr lang="zh-CN" altLang="en-US" sz="1600" b="1" dirty="0" smtClean="0"/>
-              <a:t>读写分离：</a:t>
-            </a:r>
-            <a:r>
-              <a:rPr lang="zh-CN" altLang="en-US" sz="1600" dirty="0" smtClean="0"/>
-              <a:t>支持</a:t>
-            </a:r>
-            <a:endParaRPr lang="en-US" altLang="zh-CN" sz="1600" dirty="0" smtClean="0"/>
-          </a:p>
-          <a:p>
-            <a:pPr marL="285750" indent="-285750">
-              <a:buFont typeface="Wingdings" panose="05000000000000000000" pitchFamily="2" charset="2"/>
-              <a:buChar char="Ø"/>
-            </a:pPr>
-            <a:r>
-              <a:rPr lang="zh-CN" altLang="en-US" sz="1600" b="1" dirty="0"/>
-              <a:t>携</a:t>
-            </a:r>
-            <a:r>
-              <a:rPr lang="zh-CN" altLang="en-US" sz="1600" b="1" dirty="0" smtClean="0"/>
-              <a:t>程定制功能：</a:t>
-            </a:r>
-            <a:endParaRPr lang="en-US" altLang="zh-CN" sz="1600" b="1" dirty="0" smtClean="0"/>
-          </a:p>
-          <a:p>
-            <a:pPr marL="342900" indent="-342900">
-              <a:buFont typeface="+mj-ea"/>
-              <a:buAutoNum type="circleNumDbPlain"/>
-            </a:pPr>
-            <a:r>
-              <a:rPr lang="zh-CN" altLang="en-US" sz="1400" dirty="0" smtClean="0"/>
-              <a:t>底层自动调用</a:t>
-            </a:r>
-            <a:r>
-              <a:rPr lang="en-US" altLang="zh-CN" sz="1400" dirty="0" err="1" smtClean="0"/>
-              <a:t>SQLServer</a:t>
-            </a:r>
-            <a:r>
-              <a:rPr lang="zh-CN" altLang="en-US" sz="1400" dirty="0" smtClean="0"/>
-              <a:t>增删改查</a:t>
-            </a:r>
-            <a:r>
-              <a:rPr lang="en-US" altLang="zh-CN" sz="1400" dirty="0" smtClean="0"/>
-              <a:t>SP</a:t>
-            </a:r>
-          </a:p>
-          <a:p>
-            <a:pPr marL="342900" indent="-342900">
-              <a:buFont typeface="+mj-ea"/>
-              <a:buAutoNum type="circleNumDbPlain"/>
-            </a:pPr>
-            <a:r>
-              <a:rPr lang="zh-CN" altLang="en-US" sz="1400" dirty="0" smtClean="0"/>
-              <a:t>支持</a:t>
-            </a:r>
-            <a:r>
-              <a:rPr lang="en-US" altLang="zh-CN" sz="1400" dirty="0" smtClean="0"/>
-              <a:t>cat/clog</a:t>
-            </a:r>
-            <a:r>
-              <a:rPr lang="zh-CN" altLang="en-US" sz="1400" dirty="0" smtClean="0"/>
-              <a:t>监控，打点比较完整</a:t>
-            </a:r>
-            <a:endParaRPr lang="en-US" altLang="zh-CN" sz="1400" dirty="0" smtClean="0"/>
-          </a:p>
-          <a:p>
-            <a:pPr marL="285750" indent="-285750">
-              <a:buFont typeface="Wingdings" panose="05000000000000000000" pitchFamily="2" charset="2"/>
-              <a:buChar char="Ø"/>
-            </a:pPr>
-            <a:r>
-              <a:rPr lang="zh-CN" altLang="en-US" sz="1600" b="1" dirty="0"/>
-              <a:t>使用</a:t>
-            </a:r>
-            <a:r>
-              <a:rPr lang="zh-CN" altLang="en-US" sz="1600" b="1" dirty="0" smtClean="0"/>
-              <a:t>方法：</a:t>
-            </a:r>
-            <a:r>
-              <a:rPr lang="en-US" altLang="zh-CN" sz="1600" dirty="0" smtClean="0">
-                <a:hlinkClick r:id="rId2" action="ppaction://hlinksldjump"/>
-              </a:rPr>
-              <a:t>Dal</a:t>
-            </a:r>
-            <a:r>
-              <a:rPr lang="zh-CN" altLang="en-US" sz="1600" dirty="0" smtClean="0">
-                <a:hlinkClick r:id="rId2" action="ppaction://hlinksldjump"/>
-              </a:rPr>
-              <a:t>框架</a:t>
-            </a:r>
-            <a:r>
-              <a:rPr lang="zh-CN" altLang="en-US" sz="1600" dirty="0">
-                <a:hlinkClick r:id="rId2" action="ppaction://hlinksldjump"/>
-              </a:rPr>
-              <a:t>使用</a:t>
-            </a:r>
-            <a:endParaRPr lang="zh-CN" altLang="en-US" sz="1600" dirty="0"/>
-          </a:p>
-        </p:txBody>
-      </p:sp>
-      <p:sp>
-        <p:nvSpPr>
-          <p:cNvPr id="6" name="文本框 5"/>
-          <p:cNvSpPr txBox="1"/>
-          <p:nvPr/>
-        </p:nvSpPr>
-        <p:spPr>
-          <a:xfrm>
-            <a:off x="7177144" y="1839558"/>
-            <a:ext cx="3001383" cy="3851237"/>
-          </a:xfrm>
-          <a:prstGeom prst="rect">
-            <a:avLst/>
-          </a:prstGeom>
-          <a:noFill/>
-          <a:ln>
-            <a:solidFill>
-              <a:schemeClr val="tx1"/>
-            </a:solidFill>
-          </a:ln>
-        </p:spPr>
-        <p:txBody>
-          <a:bodyPr wrap="square" rtlCol="0">
-            <a:noAutofit/>
-          </a:bodyPr>
-          <a:lstStyle/>
-          <a:p>
-            <a:r>
-              <a:rPr lang="en-US" altLang="zh-CN" b="1" dirty="0" err="1" smtClean="0">
-                <a:solidFill>
-                  <a:srgbClr val="FF0000"/>
-                </a:solidFill>
-              </a:rPr>
-              <a:t>Mybatis+DataSource</a:t>
-            </a:r>
-            <a:r>
-              <a:rPr lang="zh-CN" altLang="en-US" b="1" dirty="0" smtClean="0">
-                <a:solidFill>
-                  <a:srgbClr val="FF0000"/>
-                </a:solidFill>
-              </a:rPr>
-              <a:t>框架</a:t>
-            </a:r>
-            <a:endParaRPr lang="en-US" altLang="zh-CN" b="1" dirty="0" smtClean="0">
-              <a:solidFill>
-                <a:srgbClr val="FF0000"/>
-              </a:solidFill>
-            </a:endParaRPr>
-          </a:p>
-          <a:p>
-            <a:pPr marL="285750" indent="-285750">
-              <a:buFont typeface="Wingdings" panose="05000000000000000000" pitchFamily="2" charset="2"/>
-              <a:buChar char="Ø"/>
-            </a:pPr>
-            <a:r>
-              <a:rPr lang="zh-CN" altLang="en-US" sz="1600" b="1" dirty="0" smtClean="0"/>
-              <a:t>简介：</a:t>
-            </a:r>
-            <a:r>
-              <a:rPr lang="zh-CN" altLang="en-US" sz="1600" dirty="0" smtClean="0"/>
-              <a:t>第三方开源</a:t>
-            </a:r>
-            <a:r>
-              <a:rPr lang="en-US" altLang="zh-CN" sz="1600" dirty="0" smtClean="0"/>
-              <a:t>ORM</a:t>
-            </a:r>
-            <a:r>
-              <a:rPr lang="zh-CN" altLang="en-US" sz="1600" dirty="0" smtClean="0"/>
-              <a:t>框架</a:t>
-            </a:r>
-            <a:r>
-              <a:rPr lang="en-US" altLang="zh-CN" sz="1600" dirty="0" err="1" smtClean="0"/>
-              <a:t>Mybatis</a:t>
-            </a:r>
-            <a:r>
-              <a:rPr lang="zh-CN" altLang="en-US" sz="1600" dirty="0" smtClean="0"/>
-              <a:t>，配合</a:t>
-            </a:r>
-            <a:r>
-              <a:rPr lang="en-US" altLang="zh-CN" sz="1600" dirty="0" smtClean="0"/>
-              <a:t>dal</a:t>
-            </a:r>
-            <a:r>
-              <a:rPr lang="zh-CN" altLang="en-US" sz="1600" dirty="0" smtClean="0"/>
-              <a:t>提供的数据源使用。</a:t>
-            </a:r>
-            <a:endParaRPr lang="en-US" altLang="zh-CN" sz="1600" dirty="0"/>
-          </a:p>
-          <a:p>
-            <a:pPr marL="285750" indent="-285750">
-              <a:buFont typeface="Wingdings" panose="05000000000000000000" pitchFamily="2" charset="2"/>
-              <a:buChar char="Ø"/>
-            </a:pPr>
-            <a:r>
-              <a:rPr lang="zh-CN" altLang="en-US" sz="1600" b="1" dirty="0" smtClean="0"/>
-              <a:t>依赖：</a:t>
-            </a:r>
-            <a:r>
-              <a:rPr lang="en-US" altLang="zh-CN" sz="1600" dirty="0" err="1" smtClean="0"/>
-              <a:t>mybatis</a:t>
-            </a:r>
-            <a:endParaRPr lang="en-US" altLang="zh-CN" sz="1600" dirty="0" smtClean="0"/>
-          </a:p>
-          <a:p>
-            <a:r>
-              <a:rPr lang="en-US" altLang="zh-CN" sz="1600" dirty="0"/>
-              <a:t> </a:t>
-            </a:r>
-            <a:r>
-              <a:rPr lang="en-US" altLang="zh-CN" sz="1600" dirty="0" smtClean="0"/>
-              <a:t>               </a:t>
-            </a:r>
-            <a:r>
-              <a:rPr lang="en-US" altLang="zh-CN" sz="1600" dirty="0" err="1" smtClean="0"/>
-              <a:t>ctrip-datasource</a:t>
-            </a:r>
-            <a:endParaRPr lang="en-US" altLang="zh-CN" sz="1600" dirty="0" smtClean="0"/>
-          </a:p>
-          <a:p>
-            <a:pPr marL="285750" indent="-285750">
-              <a:buFont typeface="Wingdings" panose="05000000000000000000" pitchFamily="2" charset="2"/>
-              <a:buChar char="Ø"/>
-            </a:pPr>
-            <a:r>
-              <a:rPr lang="zh-CN" altLang="en-US" sz="1600" b="1" dirty="0" smtClean="0"/>
-              <a:t>配置：</a:t>
-            </a:r>
-            <a:r>
-              <a:rPr lang="zh-CN" altLang="en-US" sz="1600" dirty="0" smtClean="0"/>
-              <a:t>无需</a:t>
-            </a:r>
-            <a:r>
-              <a:rPr lang="en-US" altLang="zh-CN" sz="1600" dirty="0" smtClean="0"/>
-              <a:t>dal</a:t>
-            </a:r>
-            <a:r>
-              <a:rPr lang="zh-CN" altLang="en-US" sz="1600" dirty="0" smtClean="0"/>
-              <a:t>配置</a:t>
-            </a:r>
-            <a:endParaRPr lang="en-US" altLang="zh-CN" sz="1600" dirty="0" smtClean="0"/>
-          </a:p>
-          <a:p>
-            <a:pPr marL="285750" indent="-285750">
-              <a:buFont typeface="Wingdings" panose="05000000000000000000" pitchFamily="2" charset="2"/>
-              <a:buChar char="Ø"/>
-            </a:pPr>
-            <a:r>
-              <a:rPr lang="zh-CN" altLang="en-US" sz="1600" b="1" dirty="0"/>
-              <a:t>分库分表</a:t>
-            </a:r>
-            <a:r>
-              <a:rPr lang="zh-CN" altLang="en-US" sz="1600" b="1" dirty="0" smtClean="0"/>
-              <a:t>：</a:t>
-            </a:r>
-            <a:r>
-              <a:rPr lang="zh-CN" altLang="en-US" sz="1600" dirty="0" smtClean="0"/>
-              <a:t>需要用户实现</a:t>
-            </a:r>
-            <a:endParaRPr lang="en-US" altLang="zh-CN" sz="1600" dirty="0" smtClean="0"/>
-          </a:p>
-          <a:p>
-            <a:pPr marL="285750" indent="-285750">
-              <a:buFont typeface="Wingdings" panose="05000000000000000000" pitchFamily="2" charset="2"/>
-              <a:buChar char="Ø"/>
-            </a:pPr>
-            <a:r>
-              <a:rPr lang="zh-CN" altLang="en-US" sz="1600" b="1" dirty="0" smtClean="0"/>
-              <a:t>读写</a:t>
-            </a:r>
-            <a:r>
-              <a:rPr lang="zh-CN" altLang="en-US" sz="1600" b="1" dirty="0"/>
-              <a:t>分离</a:t>
-            </a:r>
-            <a:r>
-              <a:rPr lang="zh-CN" altLang="en-US" sz="1600" b="1" dirty="0" smtClean="0"/>
-              <a:t>：</a:t>
-            </a:r>
-            <a:r>
-              <a:rPr lang="zh-CN" altLang="en-US" sz="1600" dirty="0" smtClean="0"/>
-              <a:t>需要用户实现</a:t>
-            </a:r>
-            <a:endParaRPr lang="en-US" altLang="zh-CN" sz="1600" dirty="0" smtClean="0"/>
-          </a:p>
-          <a:p>
-            <a:pPr marL="285750" indent="-285750">
-              <a:buFont typeface="Wingdings" panose="05000000000000000000" pitchFamily="2" charset="2"/>
-              <a:buChar char="Ø"/>
-            </a:pPr>
-            <a:r>
-              <a:rPr lang="zh-CN" altLang="en-US" sz="1600" b="1" dirty="0"/>
-              <a:t>携程定制功能：</a:t>
-            </a:r>
-            <a:endParaRPr lang="en-US" altLang="zh-CN" sz="1600" b="1" dirty="0"/>
-          </a:p>
-          <a:p>
-            <a:pPr marL="342900" indent="-342900">
-              <a:buFont typeface="+mj-ea"/>
-              <a:buAutoNum type="circleNumDbPlain"/>
-            </a:pPr>
-            <a:r>
-              <a:rPr lang="zh-CN" altLang="en-US" sz="1400" dirty="0" smtClean="0"/>
-              <a:t>需要用户实现</a:t>
-            </a:r>
-            <a:r>
-              <a:rPr lang="en-US" altLang="zh-CN" sz="1400" dirty="0" err="1" smtClean="0"/>
-              <a:t>sp</a:t>
-            </a:r>
-            <a:r>
-              <a:rPr lang="zh-CN" altLang="en-US" sz="1400" dirty="0" smtClean="0"/>
-              <a:t>调用</a:t>
-            </a:r>
-            <a:endParaRPr lang="en-US" altLang="zh-CN" sz="1400" dirty="0" smtClean="0"/>
-          </a:p>
-          <a:p>
-            <a:pPr marL="342900" indent="-342900">
-              <a:buFont typeface="+mj-ea"/>
-              <a:buAutoNum type="circleNumDbPlain"/>
-            </a:pPr>
-            <a:r>
-              <a:rPr lang="en-US" altLang="zh-CN" sz="1400" dirty="0" err="1" smtClean="0"/>
-              <a:t>mybatis</a:t>
-            </a:r>
-            <a:r>
-              <a:rPr lang="zh-CN" altLang="en-US" sz="1400" dirty="0" smtClean="0"/>
-              <a:t>本身不支持</a:t>
-            </a:r>
-            <a:r>
-              <a:rPr lang="en-US" altLang="zh-CN" sz="1400" dirty="0" smtClean="0"/>
-              <a:t>cat/clog</a:t>
-            </a:r>
-            <a:r>
-              <a:rPr lang="zh-CN" altLang="en-US" sz="1400" dirty="0" smtClean="0"/>
-              <a:t>监控，</a:t>
-            </a:r>
-            <a:r>
-              <a:rPr lang="en-US" altLang="zh-CN" sz="1400" dirty="0" smtClean="0"/>
-              <a:t>dal</a:t>
-            </a:r>
-            <a:r>
-              <a:rPr lang="zh-CN" altLang="en-US" sz="1400" dirty="0" smtClean="0"/>
-              <a:t>数据源增加了</a:t>
-            </a:r>
-            <a:r>
-              <a:rPr lang="en-US" altLang="zh-CN" sz="1400" dirty="0" smtClean="0"/>
-              <a:t>Spring</a:t>
-            </a:r>
-            <a:r>
-              <a:rPr lang="zh-CN" altLang="en-US" sz="1400" dirty="0"/>
-              <a:t>环境下</a:t>
-            </a:r>
-            <a:r>
-              <a:rPr lang="en-US" altLang="zh-CN" sz="1400" dirty="0" err="1"/>
-              <a:t>Mybatis</a:t>
-            </a:r>
-            <a:r>
-              <a:rPr lang="zh-CN" altLang="en-US" sz="1400" dirty="0"/>
-              <a:t>集成</a:t>
-            </a:r>
-            <a:r>
-              <a:rPr lang="en-US" altLang="zh-CN" sz="1400" dirty="0"/>
-              <a:t>CAT</a:t>
-            </a:r>
-            <a:r>
-              <a:rPr lang="zh-CN" altLang="en-US" sz="1400" dirty="0"/>
-              <a:t>监控的</a:t>
-            </a:r>
-            <a:r>
-              <a:rPr lang="zh-CN" altLang="en-US" sz="1400" dirty="0" smtClean="0"/>
-              <a:t>功能</a:t>
-            </a:r>
-            <a:endParaRPr lang="en-US" altLang="zh-CN" sz="1400" dirty="0" smtClean="0"/>
-          </a:p>
-          <a:p>
-            <a:pPr marL="285750" indent="-285750">
-              <a:buFont typeface="Wingdings" panose="05000000000000000000" pitchFamily="2" charset="2"/>
-              <a:buChar char="Ø"/>
-            </a:pPr>
-            <a:r>
-              <a:rPr lang="zh-CN" altLang="en-US" sz="1600" b="1" dirty="0"/>
-              <a:t>使用</a:t>
-            </a:r>
-            <a:r>
-              <a:rPr lang="zh-CN" altLang="en-US" sz="1600" b="1" dirty="0" smtClean="0"/>
-              <a:t>方法：</a:t>
-            </a:r>
-            <a:r>
-              <a:rPr lang="en-US" altLang="zh-CN" sz="1600" dirty="0" err="1" smtClean="0">
-                <a:hlinkClick r:id="rId3" action="ppaction://hlinksldjump"/>
-              </a:rPr>
-              <a:t>Mybatis</a:t>
-            </a:r>
-            <a:r>
-              <a:rPr lang="zh-CN" altLang="en-US" sz="1600" dirty="0" smtClean="0">
-                <a:hlinkClick r:id="rId3" action="ppaction://hlinksldjump"/>
-              </a:rPr>
-              <a:t>支持</a:t>
-            </a:r>
-            <a:endParaRPr lang="zh-CN" altLang="en-US" sz="1600" dirty="0"/>
-          </a:p>
-        </p:txBody>
-      </p:sp>
-      <p:sp>
-        <p:nvSpPr>
-          <p:cNvPr id="7" name="文本框 6"/>
-          <p:cNvSpPr txBox="1"/>
-          <p:nvPr/>
-        </p:nvSpPr>
-        <p:spPr>
-          <a:xfrm>
-            <a:off x="5750859" y="3128688"/>
-            <a:ext cx="1209339" cy="1015663"/>
-          </a:xfrm>
-          <a:prstGeom prst="rect">
-            <a:avLst/>
-          </a:prstGeom>
-          <a:noFill/>
-        </p:spPr>
-        <p:txBody>
-          <a:bodyPr wrap="square" rtlCol="0">
-            <a:spAutoFit/>
-          </a:bodyPr>
-          <a:lstStyle/>
-          <a:p>
-            <a:r>
-              <a:rPr lang="en-US" altLang="zh-CN" sz="6000" b="1" dirty="0" smtClean="0"/>
-              <a:t>VS</a:t>
-            </a:r>
-            <a:endParaRPr lang="zh-CN" altLang="en-US" sz="6000" b="1" dirty="0"/>
-          </a:p>
-        </p:txBody>
-      </p:sp>
-      <p:sp>
-        <p:nvSpPr>
-          <p:cNvPr id="8" name="动作按钮: 第一张 7">
-            <a:hlinkClick r:id="rId4" action="ppaction://hlinksldjump" highlightClick="1"/>
-          </p:cNvPr>
-          <p:cNvSpPr/>
-          <p:nvPr/>
-        </p:nvSpPr>
-        <p:spPr>
-          <a:xfrm>
-            <a:off x="10885842" y="5873179"/>
-            <a:ext cx="935915" cy="688489"/>
-          </a:xfrm>
-          <a:prstGeom prst="actionButtonHome">
-            <a:avLst/>
-          </a:prstGeom>
-          <a:solidFill>
-            <a:schemeClr val="accent3">
-              <a:lumMod val="60000"/>
-              <a:lumOff val="40000"/>
-            </a:schemeClr>
-          </a:solidFill>
-          <a:ln>
-            <a:noFill/>
-          </a:ln>
-          <a:effectLst>
-            <a:outerShdw blurRad="190500" dist="228600" dir="2700000" algn="ctr">
-              <a:srgbClr val="000000">
-                <a:alpha val="30000"/>
-              </a:srgbClr>
-            </a:outerShdw>
-          </a:effectLst>
-          <a:scene3d>
-            <a:camera prst="orthographicFront">
-              <a:rot lat="0" lon="0" rev="0"/>
-            </a:camera>
-            <a:lightRig rig="glow" dir="t">
-              <a:rot lat="0" lon="0" rev="4800000"/>
-            </a:lightRig>
-          </a:scene3d>
-          <a:sp3d prstMaterial="matte">
-            <a:bevelT w="127000" h="63500"/>
-          </a:sp3d>
-        </p:spPr>
-        <p:style>
-          <a:lnRef idx="2">
-            <a:schemeClr val="dk1">
-              <a:shade val="50000"/>
-            </a:schemeClr>
-          </a:lnRef>
-          <a:fillRef idx="1">
-            <a:schemeClr val="dk1"/>
-          </a:fillRef>
-          <a:effectRef idx="0">
-            <a:schemeClr val="dk1"/>
-          </a:effectRef>
-          <a:fontRef idx="minor">
-            <a:schemeClr val="lt1"/>
-          </a:fontRef>
-        </p:style>
-        <p:txBody>
-          <a:bodyPr rtlCol="0" anchor="ctr"/>
-          <a:lstStyle/>
-          <a:p>
-            <a:pPr algn="ctr"/>
-            <a:endParaRPr lang="zh-CN" altLang="en-US" dirty="0"/>
-          </a:p>
-        </p:txBody>
-      </p:sp>
-    </p:spTree>
-    <p:extLst>
-      <p:ext uri="{BB962C8B-B14F-4D97-AF65-F5344CB8AC3E}">
-        <p14:creationId xmlns:p14="http://schemas.microsoft.com/office/powerpoint/2010/main" val="3511515202"/>
       </p:ext>
     </p:extLst>
   </p:cSld>
@@ -27943,10 +29823,10 @@
             </p:nvGrpSpPr>
             <p:grpSpPr>
               <a:xfrm>
-                <a:off x="3592421" y="3020172"/>
-                <a:ext cx="5105095" cy="318835"/>
-                <a:chOff x="3460658" y="3667423"/>
-                <a:chExt cx="5105095" cy="318835"/>
+                <a:off x="3492056" y="3020172"/>
+                <a:ext cx="5205460" cy="321426"/>
+                <a:chOff x="3360293" y="3667423"/>
+                <a:chExt cx="5205460" cy="321426"/>
               </a:xfrm>
             </p:grpSpPr>
             <p:sp>
@@ -27957,7 +29837,7 @@
               </p:nvSpPr>
               <p:spPr>
                 <a:xfrm>
-                  <a:off x="3460658" y="3678481"/>
+                  <a:off x="3360293" y="3681072"/>
                   <a:ext cx="917703" cy="307777"/>
                 </a:xfrm>
                 <a:prstGeom prst="rect">
@@ -27995,8 +29875,8 @@
               </p:nvSpPr>
               <p:spPr>
                 <a:xfrm>
-                  <a:off x="4572232" y="3673271"/>
-                  <a:ext cx="771909" cy="307777"/>
+                  <a:off x="4503394" y="3673269"/>
+                  <a:ext cx="827170" cy="307777"/>
                 </a:xfrm>
                 <a:prstGeom prst="rect">
                   <a:avLst/>
@@ -28019,13 +29899,12 @@
                 <a:p>
                   <a:r>
                     <a:rPr lang="en-US" altLang="zh-CN" sz="1400" b="1" dirty="0" err="1" smtClean="0"/>
-                    <a:t>sql</a:t>
+                    <a:t>Sql</a:t>
                   </a:r>
                   <a:r>
-                    <a:rPr lang="zh-CN" altLang="en-US" sz="1400" b="1" dirty="0" smtClean="0"/>
-                    <a:t>解析</a:t>
+                    <a:rPr lang="zh-CN" altLang="en-US" sz="1400" b="1" dirty="0"/>
+                    <a:t>拼装</a:t>
                   </a:r>
-                  <a:endParaRPr lang="zh-CN" altLang="en-US" sz="1400" b="1" dirty="0"/>
                 </a:p>
               </p:txBody>
             </p:sp>
@@ -28162,8 +30041,8 @@
               </p:nvCxnSpPr>
               <p:spPr>
                 <a:xfrm flipV="1">
-                  <a:off x="4378361" y="3827160"/>
-                  <a:ext cx="193871" cy="5210"/>
+                  <a:off x="4277996" y="3827158"/>
+                  <a:ext cx="225398" cy="7803"/>
                 </a:xfrm>
                 <a:prstGeom prst="straightConnector1">
                   <a:avLst/>
@@ -28200,9 +30079,9 @@
                 <p:nvPr/>
               </p:nvCxnSpPr>
               <p:spPr>
-                <a:xfrm flipV="1">
-                  <a:off x="5344141" y="3827159"/>
-                  <a:ext cx="205269" cy="1"/>
+                <a:xfrm>
+                  <a:off x="5330564" y="3827158"/>
+                  <a:ext cx="218846" cy="1"/>
                 </a:xfrm>
                 <a:prstGeom prst="straightConnector1">
                   <a:avLst/>
@@ -28535,10 +30414,10 @@
         </p:nvGrpSpPr>
         <p:grpSpPr>
           <a:xfrm>
-            <a:off x="2537976" y="2127418"/>
-            <a:ext cx="7735577" cy="2774369"/>
+            <a:off x="2419642" y="2783634"/>
+            <a:ext cx="8725281" cy="2774369"/>
             <a:chOff x="2688583" y="2019842"/>
-            <a:chExt cx="7735577" cy="2774369"/>
+            <a:chExt cx="8725281" cy="2774369"/>
           </a:xfrm>
         </p:grpSpPr>
         <p:grpSp>
@@ -28550,9 +30429,9 @@
           <p:grpSpPr>
             <a:xfrm>
               <a:off x="2688583" y="2019842"/>
-              <a:ext cx="7735577" cy="2774369"/>
+              <a:ext cx="8725281" cy="2774369"/>
               <a:chOff x="-184675" y="-174434"/>
-              <a:chExt cx="6392664" cy="2774621"/>
+              <a:chExt cx="7210553" cy="2774621"/>
             </a:xfrm>
           </p:grpSpPr>
           <p:grpSp>
@@ -28639,17 +30518,10 @@
                 </a:lstStyle>
                 <a:p>
                   <a:r>
-                    <a:rPr lang="en-US" dirty="0"/>
+                    <a:rPr lang="en-US" dirty="0" smtClean="0"/>
                     <a:t>dal-client</a:t>
                   </a:r>
                   <a:endParaRPr lang="zh-CN" altLang="en-US" dirty="0"/>
-                </a:p>
-                <a:p>
-                  <a:r>
-                    <a:rPr lang="en-US" b="0" dirty="0"/>
-                    <a:t>Dal Core API/ Log</a:t>
-                  </a:r>
-                  <a:endParaRPr lang="zh-CN" altLang="en-US" b="0" dirty="0"/>
                 </a:p>
               </p:txBody>
             </p:sp>
@@ -28725,21 +30597,10 @@
                 </a:lstStyle>
                 <a:p>
                   <a:r>
-                    <a:rPr lang="en-US" dirty="0" err="1"/>
+                    <a:rPr lang="en-US" dirty="0" err="1" smtClean="0"/>
                     <a:t>ctrip-datasource</a:t>
                   </a:r>
                   <a:endParaRPr lang="zh-CN" altLang="en-US" dirty="0"/>
-                </a:p>
-                <a:p>
-                  <a:r>
-                    <a:rPr lang="en-US" b="0" dirty="0"/>
-                    <a:t>Titan /</a:t>
-                  </a:r>
-                  <a:r>
-                    <a:rPr lang="en-US" b="0" dirty="0" err="1"/>
-                    <a:t>Qconfig</a:t>
-                  </a:r>
-                  <a:endParaRPr lang="zh-CN" altLang="en-US" b="0" dirty="0"/>
                 </a:p>
               </p:txBody>
             </p:sp>
@@ -28813,21 +30674,14 @@
                 </a:lstStyle>
                 <a:p>
                   <a:r>
-                    <a:rPr lang="en-US" dirty="0" err="1"/>
+                    <a:rPr lang="en-US" dirty="0" err="1" smtClean="0"/>
                     <a:t>ctrip</a:t>
                   </a:r>
                   <a:r>
-                    <a:rPr lang="en-US" dirty="0"/>
+                    <a:rPr lang="en-US" dirty="0" smtClean="0"/>
                     <a:t>-dal-client</a:t>
                   </a:r>
                   <a:endParaRPr lang="zh-CN" altLang="en-US" dirty="0"/>
-                </a:p>
-                <a:p>
-                  <a:r>
-                    <a:rPr lang="en-US" b="0" dirty="0"/>
-                    <a:t>SP Task /Cat /Clog</a:t>
-                  </a:r>
-                  <a:endParaRPr lang="zh-CN" altLang="en-US" b="0" dirty="0"/>
                 </a:p>
               </p:txBody>
             </p:sp>
@@ -28843,7 +30697,7 @@
             <p:spPr bwMode="auto">
               <a:xfrm>
                 <a:off x="1819274" y="2007933"/>
-                <a:ext cx="4388715" cy="471643"/>
+                <a:ext cx="5206604" cy="471643"/>
               </a:xfrm>
               <a:prstGeom prst="rect">
                 <a:avLst/>
@@ -29121,86 +30975,6 @@
         </p:grpSp>
         <p:cxnSp>
           <p:nvCxnSpPr>
-            <p:cNvPr id="6" name="直接箭头连接符 5"/>
-            <p:cNvCxnSpPr>
-              <a:stCxn id="21" idx="2"/>
-              <a:endCxn id="20" idx="0"/>
-            </p:cNvCxnSpPr>
-            <p:nvPr/>
-          </p:nvCxnSpPr>
-          <p:spPr>
-            <a:xfrm flipH="1">
-              <a:off x="3562412" y="2734212"/>
-              <a:ext cx="665" cy="345106"/>
-            </a:xfrm>
-            <a:prstGeom prst="straightConnector1">
-              <a:avLst/>
-            </a:prstGeom>
-            <a:ln w="28575">
-              <a:solidFill>
-                <a:schemeClr val="accent5"/>
-              </a:solidFill>
-              <a:prstDash val="dash"/>
-              <a:tailEnd type="triangle"/>
-            </a:ln>
-          </p:spPr>
-          <p:style>
-            <a:lnRef idx="1">
-              <a:schemeClr val="accent1"/>
-            </a:lnRef>
-            <a:fillRef idx="0">
-              <a:schemeClr val="accent1"/>
-            </a:fillRef>
-            <a:effectRef idx="0">
-              <a:schemeClr val="accent1"/>
-            </a:effectRef>
-            <a:fontRef idx="minor">
-              <a:schemeClr val="tx1"/>
-            </a:fontRef>
-          </p:style>
-        </p:cxnSp>
-        <p:cxnSp>
-          <p:nvCxnSpPr>
-            <p:cNvPr id="7" name="直接箭头连接符 6"/>
-            <p:cNvCxnSpPr>
-              <a:stCxn id="20" idx="2"/>
-              <a:endCxn id="19" idx="0"/>
-            </p:cNvCxnSpPr>
-            <p:nvPr/>
-          </p:nvCxnSpPr>
-          <p:spPr>
-            <a:xfrm flipH="1">
-              <a:off x="3561583" y="3792118"/>
-              <a:ext cx="829" cy="289293"/>
-            </a:xfrm>
-            <a:prstGeom prst="straightConnector1">
-              <a:avLst/>
-            </a:prstGeom>
-            <a:ln w="28575">
-              <a:solidFill>
-                <a:schemeClr val="accent5"/>
-              </a:solidFill>
-              <a:prstDash val="dash"/>
-              <a:tailEnd type="triangle"/>
-            </a:ln>
-          </p:spPr>
-          <p:style>
-            <a:lnRef idx="1">
-              <a:schemeClr val="accent1"/>
-            </a:lnRef>
-            <a:fillRef idx="0">
-              <a:schemeClr val="accent1"/>
-            </a:fillRef>
-            <a:effectRef idx="0">
-              <a:schemeClr val="accent1"/>
-            </a:effectRef>
-            <a:fontRef idx="minor">
-              <a:schemeClr val="tx1"/>
-            </a:fontRef>
-          </p:style>
-        </p:cxnSp>
-        <p:cxnSp>
-          <p:nvCxnSpPr>
             <p:cNvPr id="9" name="直接箭头连接符 8"/>
             <p:cNvCxnSpPr>
               <a:stCxn id="21" idx="3"/>
@@ -29291,7 +31065,7 @@
           <p:spPr>
             <a:xfrm>
               <a:off x="4434582" y="4437811"/>
-              <a:ext cx="678922" cy="0"/>
+              <a:ext cx="678921" cy="0"/>
             </a:xfrm>
             <a:prstGeom prst="straightConnector1">
               <a:avLst/>
@@ -29385,6 +31159,218 @@
           <a:lstStyle/>
           <a:p>
             <a:pPr algn="ctr"/>
+            <a:endParaRPr lang="zh-CN" altLang="en-US" dirty="0"/>
+          </a:p>
+        </p:txBody>
+      </p:sp>
+      <p:sp>
+        <p:nvSpPr>
+          <p:cNvPr id="23" name="文本框 22"/>
+          <p:cNvSpPr txBox="1"/>
+          <p:nvPr/>
+        </p:nvSpPr>
+        <p:spPr>
+          <a:xfrm>
+            <a:off x="2893808" y="2134669"/>
+            <a:ext cx="1473797" cy="369332"/>
+          </a:xfrm>
+          <a:prstGeom prst="rect">
+            <a:avLst/>
+          </a:prstGeom>
+          <a:noFill/>
+        </p:spPr>
+        <p:txBody>
+          <a:bodyPr wrap="square" rtlCol="0">
+            <a:spAutoFit/>
+          </a:bodyPr>
+          <a:lstStyle/>
+          <a:p>
+            <a:r>
+              <a:rPr lang="en-US" altLang="zh-CN" dirty="0" smtClean="0"/>
+              <a:t>Jar</a:t>
+            </a:r>
+            <a:r>
+              <a:rPr lang="zh-CN" altLang="en-US" dirty="0" smtClean="0"/>
+              <a:t>包</a:t>
+            </a:r>
+            <a:endParaRPr lang="zh-CN" altLang="en-US" dirty="0"/>
+          </a:p>
+        </p:txBody>
+      </p:sp>
+      <p:sp>
+        <p:nvSpPr>
+          <p:cNvPr id="24" name="文本框 23"/>
+          <p:cNvSpPr txBox="1"/>
+          <p:nvPr/>
+        </p:nvSpPr>
+        <p:spPr>
+          <a:xfrm>
+            <a:off x="6096000" y="2134669"/>
+            <a:ext cx="2259106" cy="369332"/>
+          </a:xfrm>
+          <a:prstGeom prst="rect">
+            <a:avLst/>
+          </a:prstGeom>
+          <a:noFill/>
+        </p:spPr>
+        <p:txBody>
+          <a:bodyPr wrap="square" rtlCol="0">
+            <a:spAutoFit/>
+          </a:bodyPr>
+          <a:lstStyle/>
+          <a:p>
+            <a:r>
+              <a:rPr lang="zh-CN" altLang="en-US" dirty="0" smtClean="0"/>
+              <a:t>功能简介</a:t>
+            </a:r>
+            <a:endParaRPr lang="zh-CN" altLang="en-US" dirty="0"/>
+          </a:p>
+        </p:txBody>
+      </p:sp>
+      <p:sp>
+        <p:nvSpPr>
+          <p:cNvPr id="26" name="左弧形箭头 25"/>
+          <p:cNvSpPr/>
+          <p:nvPr/>
+        </p:nvSpPr>
+        <p:spPr>
+          <a:xfrm>
+            <a:off x="2138083" y="3140819"/>
+            <a:ext cx="281559" cy="1022390"/>
+          </a:xfrm>
+          <a:prstGeom prst="curvedRightArrow">
+            <a:avLst/>
+          </a:prstGeom>
+        </p:spPr>
+        <p:style>
+          <a:lnRef idx="2">
+            <a:schemeClr val="accent1">
+              <a:shade val="50000"/>
+            </a:schemeClr>
+          </a:lnRef>
+          <a:fillRef idx="1">
+            <a:schemeClr val="accent1"/>
+          </a:fillRef>
+          <a:effectRef idx="0">
+            <a:schemeClr val="accent1"/>
+          </a:effectRef>
+          <a:fontRef idx="minor">
+            <a:schemeClr val="lt1"/>
+          </a:fontRef>
+        </p:style>
+        <p:txBody>
+          <a:bodyPr rtlCol="0" anchor="ctr"/>
+          <a:lstStyle/>
+          <a:p>
+            <a:pPr algn="ctr"/>
+            <a:endParaRPr lang="zh-CN" altLang="en-US">
+              <a:solidFill>
+                <a:schemeClr val="tx1"/>
+              </a:solidFill>
+            </a:endParaRPr>
+          </a:p>
+        </p:txBody>
+      </p:sp>
+      <p:sp>
+        <p:nvSpPr>
+          <p:cNvPr id="27" name="左弧形箭头 26"/>
+          <p:cNvSpPr/>
+          <p:nvPr/>
+        </p:nvSpPr>
+        <p:spPr>
+          <a:xfrm>
+            <a:off x="2151529" y="4199510"/>
+            <a:ext cx="268112" cy="1002093"/>
+          </a:xfrm>
+          <a:prstGeom prst="curvedRightArrow">
+            <a:avLst/>
+          </a:prstGeom>
+        </p:spPr>
+        <p:style>
+          <a:lnRef idx="2">
+            <a:schemeClr val="accent1">
+              <a:shade val="50000"/>
+            </a:schemeClr>
+          </a:lnRef>
+          <a:fillRef idx="1">
+            <a:schemeClr val="accent1"/>
+          </a:fillRef>
+          <a:effectRef idx="0">
+            <a:schemeClr val="accent1"/>
+          </a:effectRef>
+          <a:fontRef idx="minor">
+            <a:schemeClr val="lt1"/>
+          </a:fontRef>
+        </p:style>
+        <p:txBody>
+          <a:bodyPr rtlCol="0" anchor="ctr"/>
+          <a:lstStyle/>
+          <a:p>
+            <a:pPr algn="ctr"/>
+            <a:endParaRPr lang="zh-CN" altLang="en-US">
+              <a:solidFill>
+                <a:schemeClr val="tx1"/>
+              </a:solidFill>
+            </a:endParaRPr>
+          </a:p>
+        </p:txBody>
+      </p:sp>
+      <p:sp>
+        <p:nvSpPr>
+          <p:cNvPr id="28" name="文本框 27"/>
+          <p:cNvSpPr txBox="1"/>
+          <p:nvPr/>
+        </p:nvSpPr>
+        <p:spPr>
+          <a:xfrm>
+            <a:off x="1396361" y="3412601"/>
+            <a:ext cx="645459" cy="369332"/>
+          </a:xfrm>
+          <a:prstGeom prst="rect">
+            <a:avLst/>
+          </a:prstGeom>
+          <a:noFill/>
+        </p:spPr>
+        <p:txBody>
+          <a:bodyPr wrap="square" rtlCol="0">
+            <a:spAutoFit/>
+          </a:bodyPr>
+          <a:lstStyle/>
+          <a:p>
+            <a:r>
+              <a:rPr lang="zh-CN" altLang="en-US" dirty="0" smtClean="0"/>
+              <a:t>依赖</a:t>
+            </a:r>
+            <a:endParaRPr lang="zh-CN" altLang="en-US" dirty="0"/>
+          </a:p>
+        </p:txBody>
+      </p:sp>
+      <p:sp>
+        <p:nvSpPr>
+          <p:cNvPr id="29" name="文本框 28"/>
+          <p:cNvSpPr txBox="1"/>
+          <p:nvPr/>
+        </p:nvSpPr>
+        <p:spPr>
+          <a:xfrm>
+            <a:off x="1396360" y="4515890"/>
+            <a:ext cx="645459" cy="369332"/>
+          </a:xfrm>
+          <a:prstGeom prst="rect">
+            <a:avLst/>
+          </a:prstGeom>
+          <a:noFill/>
+        </p:spPr>
+        <p:txBody>
+          <a:bodyPr wrap="square" rtlCol="0">
+            <a:spAutoFit/>
+          </a:bodyPr>
+          <a:lstStyle/>
+          <a:p>
+            <a:r>
+              <a:rPr lang="zh-CN" altLang="en-US" dirty="0" smtClean="0"/>
+              <a:t>依赖</a:t>
+            </a:r>
             <a:endParaRPr lang="zh-CN" altLang="en-US" dirty="0"/>
           </a:p>
         </p:txBody>
